--- a/Прогнозирование_вероятности_дефолта.pptx
+++ b/Прогнозирование_вероятности_дефолта.pptx
@@ -90,7 +90,7 @@
         <p:txBody>
           <a:bodyPr/>
           <a:p>
-            <a:fld id="{D81F6F72-27F8-4419-90A4-3AE2A214B166}" type="slidenum">
+            <a:fld id="{A87225F6-9CA7-4659-AAE7-583D9FE86099}" type="slidenum">
               <a:t>&lt;#&gt;</a:t>
             </a:fld>
           </a:p>
@@ -132,7 +132,7 @@
         <p:txBody>
           <a:bodyPr/>
           <a:p>
-            <a:fld id="{C2B860CB-2859-4E69-BAAE-B771E23A9C6F}" type="slidenum">
+            <a:fld id="{C74E4092-A059-4180-95F2-F9C0FDE4F63E}" type="slidenum">
               <a:t>&lt;#&gt;</a:t>
             </a:fld>
           </a:p>
@@ -174,7 +174,7 @@
         <p:txBody>
           <a:bodyPr/>
           <a:p>
-            <a:fld id="{6DF670A7-B521-4A92-A831-31CE9020603B}" type="slidenum">
+            <a:fld id="{75A6E542-2CC8-4B76-8AF4-03C6629CB624}" type="slidenum">
               <a:t>&lt;#&gt;</a:t>
             </a:fld>
           </a:p>
@@ -216,7 +216,7 @@
         <p:txBody>
           <a:bodyPr/>
           <a:p>
-            <a:fld id="{2B2D5BB7-9B47-4B24-B829-652C67F68DE9}" type="slidenum">
+            <a:fld id="{5934B24C-00D1-457D-B6F5-79DF619467DE}" type="slidenum">
               <a:t>&lt;#&gt;</a:t>
             </a:fld>
           </a:p>
@@ -258,7 +258,7 @@
         <p:txBody>
           <a:bodyPr/>
           <a:p>
-            <a:fld id="{4FBD22F2-0ED8-4B93-B63D-D35930DD9ED1}" type="slidenum">
+            <a:fld id="{0DEC43FB-2406-4AF0-AC9C-FB77BD7C8452}" type="slidenum">
               <a:t>&lt;#&gt;</a:t>
             </a:fld>
           </a:p>
@@ -300,7 +300,7 @@
         <p:txBody>
           <a:bodyPr/>
           <a:p>
-            <a:fld id="{A536D3F3-8F5F-42CE-8C58-68D46251E91B}" type="slidenum">
+            <a:fld id="{8D5E504D-2464-46E3-BAEE-F518E230328A}" type="slidenum">
               <a:t>&lt;#&gt;</a:t>
             </a:fld>
           </a:p>
@@ -342,7 +342,7 @@
         <p:txBody>
           <a:bodyPr/>
           <a:p>
-            <a:fld id="{531FFB8C-FE17-4C2F-8284-ABA589B7B046}" type="slidenum">
+            <a:fld id="{9696BE37-BF3C-432F-B357-B3CAA057139D}" type="slidenum">
               <a:t>&lt;#&gt;</a:t>
             </a:fld>
           </a:p>
@@ -412,7 +412,7 @@
         <p:spPr>
           <a:xfrm>
             <a:off x="420480" y="446040"/>
-            <a:ext cx="2357280" cy="718560"/>
+            <a:ext cx="2356920" cy="718200"/>
           </a:xfrm>
           <a:prstGeom prst="rect">
             <a:avLst/>
@@ -430,13 +430,13 @@
         </p:nvPicPr>
         <p:blipFill>
           <a:blip r:embed="rId3"/>
-          <a:srcRect l="0" t="16245" r="0" b="8821"/>
+          <a:srcRect l="0" t="16243" r="0" b="8819"/>
           <a:stretch/>
         </p:blipFill>
         <p:spPr>
           <a:xfrm>
             <a:off x="0" y="0"/>
-            <a:ext cx="12187800" cy="6853680"/>
+            <a:ext cx="12187440" cy="6853320"/>
           </a:xfrm>
           <a:prstGeom prst="rect">
             <a:avLst/>
@@ -455,9 +455,9 @@
         <p:grpSpPr>
           <a:xfrm>
             <a:off x="694440" y="633240"/>
-            <a:ext cx="9498600" cy="4702320"/>
+            <a:ext cx="9498240" cy="4701960"/>
             <a:chOff x="694440" y="633240"/>
-            <a:chExt cx="9498600" cy="4702320"/>
+            <a:chExt cx="9498240" cy="4701960"/>
           </a:xfrm>
         </p:grpSpPr>
         <p:pic>
@@ -473,7 +473,7 @@
           <p:spPr>
             <a:xfrm>
               <a:off x="694440" y="633240"/>
-              <a:ext cx="9498600" cy="4702320"/>
+              <a:ext cx="9498240" cy="4701960"/>
             </a:xfrm>
             <a:prstGeom prst="rect">
               <a:avLst/>
@@ -492,7 +492,7 @@
           <p:spPr>
             <a:xfrm>
               <a:off x="694440" y="5307120"/>
-              <a:ext cx="9498600" cy="24480"/>
+              <a:ext cx="9498240" cy="24120"/>
             </a:xfrm>
             <a:prstGeom prst="rect">
               <a:avLst/>
@@ -552,7 +552,7 @@
         <p:spPr>
           <a:xfrm>
             <a:off x="9157680" y="612000"/>
-            <a:ext cx="2357280" cy="717480"/>
+            <a:ext cx="2356920" cy="717120"/>
           </a:xfrm>
           <a:prstGeom prst="rect">
             <a:avLst/>
@@ -882,7 +882,7 @@
         <p:spPr>
           <a:xfrm>
             <a:off x="420480" y="446040"/>
-            <a:ext cx="2357280" cy="718560"/>
+            <a:ext cx="2356920" cy="718200"/>
           </a:xfrm>
           <a:prstGeom prst="rect">
             <a:avLst/>
@@ -905,7 +905,7 @@
         <p:spPr>
           <a:xfrm>
             <a:off x="273600" y="6433920"/>
-            <a:ext cx="565920" cy="271080"/>
+            <a:ext cx="565560" cy="270720"/>
           </a:xfrm>
           <a:prstGeom prst="rect">
             <a:avLst/>
@@ -947,7 +947,7 @@
                 <a:tab algn="l" pos="0"/>
               </a:tabLst>
             </a:pPr>
-            <a:fld id="{A000F816-817D-4B09-84DA-581BCBB0F9FE}" type="slidenum">
+            <a:fld id="{1657E298-60F1-4884-A5F8-ACC316288244}" type="slidenum">
               <a:rPr b="0" lang="ru-RU" sz="2400" spc="-1" strike="noStrike">
                 <a:solidFill>
                   <a:srgbClr val="898989"/>
@@ -1286,7 +1286,7 @@
         <p:spPr>
           <a:xfrm>
             <a:off x="420480" y="446040"/>
-            <a:ext cx="2357280" cy="718560"/>
+            <a:ext cx="2356920" cy="718200"/>
           </a:xfrm>
           <a:prstGeom prst="rect">
             <a:avLst/>
@@ -1309,7 +1309,7 @@
         <p:spPr>
           <a:xfrm>
             <a:off x="273600" y="6433920"/>
-            <a:ext cx="628200" cy="271080"/>
+            <a:ext cx="627840" cy="270720"/>
           </a:xfrm>
           <a:prstGeom prst="rect">
             <a:avLst/>
@@ -1351,7 +1351,7 @@
                 <a:tab algn="l" pos="0"/>
               </a:tabLst>
             </a:pPr>
-            <a:fld id="{8ECE6B62-2A6E-4CCE-9EC3-B0CE1EA37A3E}" type="slidenum">
+            <a:fld id="{16E61CEC-B613-4179-9E2C-F50DE50F86B9}" type="slidenum">
               <a:rPr b="0" lang="ru-RU" sz="2400" spc="-1" strike="noStrike">
                 <a:solidFill>
                   <a:srgbClr val="898989"/>
@@ -1416,7 +1416,7 @@
         <p:spPr>
           <a:xfrm>
             <a:off x="420480" y="446040"/>
-            <a:ext cx="2357280" cy="718560"/>
+            <a:ext cx="2356920" cy="718200"/>
           </a:xfrm>
           <a:prstGeom prst="rect">
             <a:avLst/>
@@ -1439,7 +1439,7 @@
         <p:spPr>
           <a:xfrm>
             <a:off x="273600" y="6433920"/>
-            <a:ext cx="565920" cy="271080"/>
+            <a:ext cx="565560" cy="270720"/>
           </a:xfrm>
           <a:prstGeom prst="rect">
             <a:avLst/>
@@ -1481,7 +1481,7 @@
                 <a:tab algn="l" pos="0"/>
               </a:tabLst>
             </a:pPr>
-            <a:fld id="{E80FDA68-D298-463E-A8EF-6D885086EF92}" type="slidenum">
+            <a:fld id="{DF50C560-B89D-4DAB-8974-54BEA025100F}" type="slidenum">
               <a:rPr b="0" lang="ru-RU" sz="2400" spc="-1" strike="noStrike">
                 <a:solidFill>
                   <a:srgbClr val="898989"/>
@@ -1546,7 +1546,7 @@
         <p:spPr>
           <a:xfrm>
             <a:off x="420480" y="446040"/>
-            <a:ext cx="2357280" cy="718560"/>
+            <a:ext cx="2356920" cy="718200"/>
           </a:xfrm>
           <a:prstGeom prst="rect">
             <a:avLst/>
@@ -1569,7 +1569,7 @@
         <p:spPr>
           <a:xfrm>
             <a:off x="273600" y="6433920"/>
-            <a:ext cx="565920" cy="271080"/>
+            <a:ext cx="565560" cy="270720"/>
           </a:xfrm>
           <a:prstGeom prst="rect">
             <a:avLst/>
@@ -1611,7 +1611,7 @@
                 <a:tab algn="l" pos="0"/>
               </a:tabLst>
             </a:pPr>
-            <a:fld id="{87C3CC55-987B-4257-81AC-15A009BA6131}" type="slidenum">
+            <a:fld id="{32C48FB2-2F14-4059-886B-2DE337E2DCD7}" type="slidenum">
               <a:rPr b="0" lang="ru-RU" sz="2400" spc="-1" strike="noStrike">
                 <a:solidFill>
                   <a:srgbClr val="898989"/>
@@ -1676,7 +1676,7 @@
         <p:spPr>
           <a:xfrm>
             <a:off x="420480" y="446040"/>
-            <a:ext cx="2357280" cy="718560"/>
+            <a:ext cx="2356920" cy="718200"/>
           </a:xfrm>
           <a:prstGeom prst="rect">
             <a:avLst/>
@@ -1699,7 +1699,7 @@
         <p:spPr>
           <a:xfrm>
             <a:off x="273600" y="6433920"/>
-            <a:ext cx="565920" cy="271080"/>
+            <a:ext cx="565560" cy="270720"/>
           </a:xfrm>
           <a:prstGeom prst="rect">
             <a:avLst/>
@@ -1741,7 +1741,7 @@
                 <a:tab algn="l" pos="0"/>
               </a:tabLst>
             </a:pPr>
-            <a:fld id="{B58780D1-88A2-4D37-8E71-124199C2008E}" type="slidenum">
+            <a:fld id="{DDCA77A0-29F1-4432-A2BC-D013B090D504}" type="slidenum">
               <a:rPr b="0" lang="ru-RU" sz="2400" spc="-1" strike="noStrike">
                 <a:solidFill>
                   <a:srgbClr val="898989"/>
@@ -1806,7 +1806,7 @@
         <p:spPr>
           <a:xfrm>
             <a:off x="420480" y="446040"/>
-            <a:ext cx="2357280" cy="718560"/>
+            <a:ext cx="2356920" cy="718200"/>
           </a:xfrm>
           <a:prstGeom prst="rect">
             <a:avLst/>
@@ -1829,7 +1829,7 @@
         <p:spPr>
           <a:xfrm>
             <a:off x="273600" y="6433920"/>
-            <a:ext cx="565920" cy="271080"/>
+            <a:ext cx="565560" cy="270720"/>
           </a:xfrm>
           <a:prstGeom prst="rect">
             <a:avLst/>
@@ -1871,7 +1871,7 @@
                 <a:tab algn="l" pos="0"/>
               </a:tabLst>
             </a:pPr>
-            <a:fld id="{148782E8-9BE3-4AD2-AFFD-DF3115A4EB7F}" type="slidenum">
+            <a:fld id="{28229D95-21BE-4745-9BD9-902884D9B4AC}" type="slidenum">
               <a:rPr b="0" lang="ru-RU" sz="2400" spc="-1" strike="noStrike">
                 <a:solidFill>
                   <a:srgbClr val="898989"/>
@@ -1936,7 +1936,7 @@
         <p:spPr>
           <a:xfrm>
             <a:off x="420480" y="446040"/>
-            <a:ext cx="2357280" cy="718560"/>
+            <a:ext cx="2356920" cy="718200"/>
           </a:xfrm>
           <a:prstGeom prst="rect">
             <a:avLst/>
@@ -1959,7 +1959,7 @@
         <p:spPr>
           <a:xfrm>
             <a:off x="273600" y="6433920"/>
-            <a:ext cx="565920" cy="271080"/>
+            <a:ext cx="565560" cy="270720"/>
           </a:xfrm>
           <a:prstGeom prst="rect">
             <a:avLst/>
@@ -2001,7 +2001,7 @@
                 <a:tab algn="l" pos="0"/>
               </a:tabLst>
             </a:pPr>
-            <a:fld id="{4DE7DCCA-D647-429F-8F19-EB4A1C60EB5E}" type="slidenum">
+            <a:fld id="{C3E8AD5E-03EB-4C94-86DE-90A8764FDC37}" type="slidenum">
               <a:rPr b="0" lang="ru-RU" sz="2400" spc="-1" strike="noStrike">
                 <a:solidFill>
                   <a:srgbClr val="898989"/>
@@ -2066,7 +2066,7 @@
         <p:spPr>
           <a:xfrm>
             <a:off x="420480" y="446040"/>
-            <a:ext cx="2357280" cy="718560"/>
+            <a:ext cx="2356920" cy="718200"/>
           </a:xfrm>
           <a:prstGeom prst="rect">
             <a:avLst/>
@@ -2084,13 +2084,13 @@
         </p:nvPicPr>
         <p:blipFill>
           <a:blip r:embed="rId3"/>
-          <a:srcRect l="0" t="16245" r="0" b="8821"/>
+          <a:srcRect l="0" t="16243" r="0" b="8819"/>
           <a:stretch/>
         </p:blipFill>
         <p:spPr>
           <a:xfrm>
             <a:off x="0" y="0"/>
-            <a:ext cx="12187800" cy="6853680"/>
+            <a:ext cx="12187440" cy="6853320"/>
           </a:xfrm>
           <a:prstGeom prst="rect">
             <a:avLst/>
@@ -2113,7 +2113,7 @@
         <p:spPr>
           <a:xfrm>
             <a:off x="6575400" y="2096640"/>
-            <a:ext cx="1327680" cy="1327680"/>
+            <a:ext cx="1327320" cy="1327320"/>
           </a:xfrm>
           <a:prstGeom prst="rect">
             <a:avLst/>
@@ -2136,7 +2136,7 @@
         <p:spPr>
           <a:xfrm>
             <a:off x="1278360" y="2042640"/>
-            <a:ext cx="4705920" cy="1435680"/>
+            <a:ext cx="4705560" cy="1435320"/>
           </a:xfrm>
           <a:prstGeom prst="rect">
             <a:avLst/>
@@ -2155,7 +2155,7 @@
         <p:spPr>
           <a:xfrm>
             <a:off x="7849800" y="2522520"/>
-            <a:ext cx="3044160" cy="473760"/>
+            <a:ext cx="3043800" cy="473760"/>
           </a:xfrm>
           <a:prstGeom prst="rect">
             <a:avLst/>
@@ -2209,15 +2209,15 @@
         <p:spPr>
           <a:xfrm flipH="1">
             <a:off x="10707480" y="2096640"/>
-            <a:ext cx="126360" cy="1327680"/>
+            <a:ext cx="126000" cy="1327320"/>
           </a:xfrm>
           <a:custGeom>
             <a:avLst/>
             <a:gdLst>
-              <a:gd name="textAreaLeft" fmla="*/ 2160 w 126360"/>
-              <a:gd name="textAreaRight" fmla="*/ 132840 w 126360"/>
-              <a:gd name="textAreaTop" fmla="*/ 0 h 1327680"/>
-              <a:gd name="textAreaBottom" fmla="*/ 1332000 h 1327680"/>
+              <a:gd name="textAreaLeft" fmla="*/ 2520 w 126000"/>
+              <a:gd name="textAreaRight" fmla="*/ 133200 w 126000"/>
+              <a:gd name="textAreaTop" fmla="*/ 0 h 1327320"/>
+              <a:gd name="textAreaBottom" fmla="*/ 1332000 h 1327320"/>
             </a:gdLst>
             <a:ahLst/>
             <a:rect l="textAreaLeft" t="textAreaTop" r="textAreaRight" b="textAreaBottom"/>
@@ -2591,7 +2591,7 @@
         <p:spPr>
           <a:xfrm>
             <a:off x="1078200" y="4363560"/>
-            <a:ext cx="9114840" cy="869760"/>
+            <a:ext cx="9114480" cy="869400"/>
           </a:xfrm>
           <a:prstGeom prst="rect">
             <a:avLst/>
@@ -2645,7 +2645,7 @@
         <p:spPr>
           <a:xfrm>
             <a:off x="1078200" y="743400"/>
-            <a:ext cx="9115920" cy="3413520"/>
+            <a:ext cx="9115560" cy="3413160"/>
           </a:xfrm>
           <a:prstGeom prst="rect">
             <a:avLst/>
@@ -2729,9 +2729,9 @@
         <p:grpSpPr>
           <a:xfrm>
             <a:off x="3168000" y="469440"/>
-            <a:ext cx="3831120" cy="666000"/>
+            <a:ext cx="3830760" cy="666000"/>
             <a:chOff x="3168000" y="469440"/>
-            <a:chExt cx="3831120" cy="666000"/>
+            <a:chExt cx="3830760" cy="666000"/>
           </a:xfrm>
         </p:grpSpPr>
         <p:sp>
@@ -2743,7 +2743,7 @@
           <p:spPr>
             <a:xfrm>
               <a:off x="3168000" y="469440"/>
-              <a:ext cx="3831120" cy="661680"/>
+              <a:ext cx="3830760" cy="661320"/>
             </a:xfrm>
             <a:prstGeom prst="rect">
               <a:avLst/>
@@ -2809,16 +2809,16 @@
           </p:nvSpPr>
           <p:spPr>
             <a:xfrm flipH="1" rot="10800000">
-              <a:off x="3167640" y="473760"/>
-              <a:ext cx="59400" cy="661680"/>
+              <a:off x="3168000" y="474120"/>
+              <a:ext cx="59040" cy="661320"/>
             </a:xfrm>
             <a:custGeom>
               <a:avLst/>
               <a:gdLst>
-                <a:gd name="textAreaLeft" fmla="*/ 2160 w 59400"/>
-                <a:gd name="textAreaRight" fmla="*/ 65880 w 59400"/>
-                <a:gd name="textAreaTop" fmla="*/ 0 h 661680"/>
-                <a:gd name="textAreaBottom" fmla="*/ 666000 h 661680"/>
+                <a:gd name="textAreaLeft" fmla="*/ 2520 w 59040"/>
+                <a:gd name="textAreaRight" fmla="*/ 66240 w 59040"/>
+                <a:gd name="textAreaTop" fmla="*/ 0 h 661320"/>
+                <a:gd name="textAreaBottom" fmla="*/ 666000 h 661320"/>
               </a:gdLst>
               <a:ahLst/>
               <a:rect l="textAreaLeft" t="textAreaTop" r="textAreaRight" b="textAreaBottom"/>
@@ -2887,16 +2887,16 @@
           </p:nvSpPr>
           <p:spPr>
             <a:xfrm flipH="1">
-              <a:off x="6924240" y="469440"/>
-              <a:ext cx="70560" cy="661680"/>
+              <a:off x="6923520" y="469440"/>
+              <a:ext cx="70200" cy="661320"/>
             </a:xfrm>
             <a:custGeom>
               <a:avLst/>
               <a:gdLst>
-                <a:gd name="textAreaLeft" fmla="*/ -2160 w 70560"/>
-                <a:gd name="textAreaRight" fmla="*/ 72720 w 70560"/>
-                <a:gd name="textAreaTop" fmla="*/ 0 h 661680"/>
-                <a:gd name="textAreaBottom" fmla="*/ 666000 h 661680"/>
+                <a:gd name="textAreaLeft" fmla="*/ -2520 w 70200"/>
+                <a:gd name="textAreaRight" fmla="*/ 72360 w 70200"/>
+                <a:gd name="textAreaTop" fmla="*/ 0 h 661320"/>
+                <a:gd name="textAreaBottom" fmla="*/ 666000 h 661320"/>
               </a:gdLst>
               <a:ahLst/>
               <a:rect l="textAreaLeft" t="textAreaTop" r="textAreaRight" b="textAreaBottom"/>
@@ -2967,7 +2967,7 @@
         <p:spPr>
           <a:xfrm>
             <a:off x="273600" y="6435000"/>
-            <a:ext cx="565920" cy="271080"/>
+            <a:ext cx="565560" cy="270720"/>
           </a:xfrm>
           <a:prstGeom prst="rect">
             <a:avLst/>
@@ -2996,7 +2996,7 @@
                 <a:tab algn="l" pos="0"/>
               </a:tabLst>
             </a:pPr>
-            <a:fld id="{9738A88A-1223-4159-92BD-31BCE45E7068}" type="slidenum">
+            <a:fld id="{F543A1B4-8A18-426B-8DB1-09924ED42B36}" type="slidenum">
               <a:rPr b="0" lang="ru-RU" sz="1400" spc="-1" strike="noStrike">
                 <a:solidFill>
                   <a:srgbClr val="898989"/>
@@ -3024,7 +3024,7 @@
         <p:spPr>
           <a:xfrm>
             <a:off x="464040" y="1350720"/>
-            <a:ext cx="7311600" cy="5266800"/>
+            <a:ext cx="7311240" cy="5266440"/>
           </a:xfrm>
           <a:prstGeom prst="rect">
             <a:avLst/>
@@ -3361,7 +3361,7 @@
         <p:spPr>
           <a:xfrm>
             <a:off x="300600" y="1371600"/>
-            <a:ext cx="4041000" cy="1875600"/>
+            <a:ext cx="4040640" cy="1875240"/>
           </a:xfrm>
           <a:prstGeom prst="rect">
             <a:avLst/>
@@ -3486,9 +3486,9 @@
         <p:grpSpPr>
           <a:xfrm>
             <a:off x="3168000" y="469440"/>
-            <a:ext cx="3831120" cy="666000"/>
+            <a:ext cx="3830760" cy="666000"/>
             <a:chOff x="3168000" y="469440"/>
-            <a:chExt cx="3831120" cy="666000"/>
+            <a:chExt cx="3830760" cy="666000"/>
           </a:xfrm>
         </p:grpSpPr>
         <p:sp>
@@ -3500,7 +3500,7 @@
           <p:spPr>
             <a:xfrm>
               <a:off x="3168000" y="469440"/>
-              <a:ext cx="3831120" cy="661680"/>
+              <a:ext cx="3830760" cy="661320"/>
             </a:xfrm>
             <a:prstGeom prst="rect">
               <a:avLst/>
@@ -3566,16 +3566,16 @@
           </p:nvSpPr>
           <p:spPr>
             <a:xfrm flipH="1" rot="10800000">
-              <a:off x="3167640" y="473760"/>
-              <a:ext cx="59400" cy="661680"/>
+              <a:off x="3168000" y="474120"/>
+              <a:ext cx="59040" cy="661320"/>
             </a:xfrm>
             <a:custGeom>
               <a:avLst/>
               <a:gdLst>
-                <a:gd name="textAreaLeft" fmla="*/ 2160 w 59400"/>
-                <a:gd name="textAreaRight" fmla="*/ 65880 w 59400"/>
-                <a:gd name="textAreaTop" fmla="*/ 0 h 661680"/>
-                <a:gd name="textAreaBottom" fmla="*/ 666000 h 661680"/>
+                <a:gd name="textAreaLeft" fmla="*/ 2520 w 59040"/>
+                <a:gd name="textAreaRight" fmla="*/ 66240 w 59040"/>
+                <a:gd name="textAreaTop" fmla="*/ 0 h 661320"/>
+                <a:gd name="textAreaBottom" fmla="*/ 666000 h 661320"/>
               </a:gdLst>
               <a:ahLst/>
               <a:rect l="textAreaLeft" t="textAreaTop" r="textAreaRight" b="textAreaBottom"/>
@@ -3644,16 +3644,16 @@
           </p:nvSpPr>
           <p:spPr>
             <a:xfrm flipH="1">
-              <a:off x="6924240" y="469440"/>
-              <a:ext cx="70560" cy="661680"/>
+              <a:off x="6923520" y="469440"/>
+              <a:ext cx="70200" cy="661320"/>
             </a:xfrm>
             <a:custGeom>
               <a:avLst/>
               <a:gdLst>
-                <a:gd name="textAreaLeft" fmla="*/ -2160 w 70560"/>
-                <a:gd name="textAreaRight" fmla="*/ 72720 w 70560"/>
-                <a:gd name="textAreaTop" fmla="*/ 0 h 661680"/>
-                <a:gd name="textAreaBottom" fmla="*/ 666000 h 661680"/>
+                <a:gd name="textAreaLeft" fmla="*/ -2520 w 70200"/>
+                <a:gd name="textAreaRight" fmla="*/ 72360 w 70200"/>
+                <a:gd name="textAreaTop" fmla="*/ 0 h 661320"/>
+                <a:gd name="textAreaBottom" fmla="*/ 666000 h 661320"/>
               </a:gdLst>
               <a:ahLst/>
               <a:rect l="textAreaLeft" t="textAreaTop" r="textAreaRight" b="textAreaBottom"/>
@@ -3724,7 +3724,7 @@
         <p:spPr>
           <a:xfrm>
             <a:off x="273600" y="6435000"/>
-            <a:ext cx="565920" cy="271080"/>
+            <a:ext cx="565560" cy="270720"/>
           </a:xfrm>
           <a:prstGeom prst="rect">
             <a:avLst/>
@@ -3753,7 +3753,7 @@
                 <a:tab algn="l" pos="0"/>
               </a:tabLst>
             </a:pPr>
-            <a:fld id="{AD93C265-ECE4-43E4-BC4A-6645D40106D6}" type="slidenum">
+            <a:fld id="{59DEC0BF-7E51-47C0-8222-F901502BBDB5}" type="slidenum">
               <a:rPr b="0" lang="ru-RU" sz="1400" spc="-1" strike="noStrike">
                 <a:solidFill>
                   <a:srgbClr val="898989"/>
@@ -3785,7 +3785,7 @@
         <p:spPr>
           <a:xfrm>
             <a:off x="542160" y="2295000"/>
-            <a:ext cx="3255840" cy="721800"/>
+            <a:ext cx="3255480" cy="721440"/>
           </a:xfrm>
           <a:prstGeom prst="rect">
             <a:avLst/>
@@ -3804,9 +3804,9 @@
         <p:grpSpPr>
           <a:xfrm>
             <a:off x="336600" y="3105000"/>
-            <a:ext cx="4181760" cy="1875600"/>
+            <a:ext cx="4181400" cy="1875240"/>
             <a:chOff x="336600" y="3105000"/>
-            <a:chExt cx="4181760" cy="1875600"/>
+            <a:chExt cx="4181400" cy="1875240"/>
           </a:xfrm>
         </p:grpSpPr>
         <p:sp>
@@ -3818,7 +3818,7 @@
           <p:spPr>
             <a:xfrm>
               <a:off x="336600" y="3105000"/>
-              <a:ext cx="4181760" cy="1875600"/>
+              <a:ext cx="4181400" cy="1875240"/>
             </a:xfrm>
             <a:prstGeom prst="rect">
               <a:avLst/>
@@ -3901,7 +3901,7 @@
           <p:spPr>
             <a:xfrm>
               <a:off x="529200" y="3729600"/>
-              <a:ext cx="3303360" cy="721800"/>
+              <a:ext cx="3303000" cy="721440"/>
             </a:xfrm>
             <a:prstGeom prst="rect">
               <a:avLst/>
@@ -3924,7 +3924,7 @@
           <p:spPr>
             <a:xfrm>
               <a:off x="633960" y="4525200"/>
-              <a:ext cx="2741400" cy="312120"/>
+              <a:ext cx="2741040" cy="311760"/>
             </a:xfrm>
             <a:prstGeom prst="rect">
               <a:avLst/>
@@ -3944,9 +3944,9 @@
         <p:grpSpPr>
           <a:xfrm>
             <a:off x="336600" y="4980600"/>
-            <a:ext cx="4181760" cy="1875600"/>
+            <a:ext cx="4181400" cy="1875240"/>
             <a:chOff x="336600" y="4980600"/>
-            <a:chExt cx="4181760" cy="1875600"/>
+            <a:chExt cx="4181400" cy="1875240"/>
           </a:xfrm>
         </p:grpSpPr>
         <p:sp>
@@ -3958,7 +3958,7 @@
           <p:spPr>
             <a:xfrm>
               <a:off x="336600" y="4980600"/>
-              <a:ext cx="4181760" cy="1875600"/>
+              <a:ext cx="4181400" cy="1875240"/>
             </a:xfrm>
             <a:prstGeom prst="rect">
               <a:avLst/>
@@ -4041,7 +4041,7 @@
           <p:spPr>
             <a:xfrm>
               <a:off x="491040" y="5696280"/>
-              <a:ext cx="3341520" cy="702720"/>
+              <a:ext cx="3341160" cy="702360"/>
             </a:xfrm>
             <a:prstGeom prst="rect">
               <a:avLst/>
@@ -4061,9 +4061,9 @@
         <p:grpSpPr>
           <a:xfrm>
             <a:off x="7704360" y="1552320"/>
-            <a:ext cx="4181760" cy="1647000"/>
+            <a:ext cx="4181400" cy="1646640"/>
             <a:chOff x="7704360" y="1552320"/>
-            <a:chExt cx="4181760" cy="1647000"/>
+            <a:chExt cx="4181400" cy="1646640"/>
           </a:xfrm>
         </p:grpSpPr>
         <p:sp>
@@ -4075,7 +4075,7 @@
           <p:spPr>
             <a:xfrm>
               <a:off x="7704360" y="1552320"/>
-              <a:ext cx="4181760" cy="1647000"/>
+              <a:ext cx="4181400" cy="1646640"/>
             </a:xfrm>
             <a:prstGeom prst="rect">
               <a:avLst/>
@@ -4139,7 +4139,7 @@
           <p:spPr>
             <a:xfrm>
               <a:off x="7858800" y="1977840"/>
-              <a:ext cx="3922560" cy="740880"/>
+              <a:ext cx="3922200" cy="740520"/>
             </a:xfrm>
             <a:prstGeom prst="rect">
               <a:avLst/>
@@ -4159,7 +4159,7 @@
         <p:spPr>
           <a:xfrm>
             <a:off x="4114800" y="3886200"/>
-            <a:ext cx="4181760" cy="1647000"/>
+            <a:ext cx="4181400" cy="1646640"/>
           </a:xfrm>
           <a:prstGeom prst="rect">
             <a:avLst/>
@@ -4219,7 +4219,7 @@
         <p:spPr>
           <a:xfrm>
             <a:off x="4343400" y="5715000"/>
-            <a:ext cx="2513520" cy="456120"/>
+            <a:ext cx="2513160" cy="455760"/>
           </a:xfrm>
           <a:prstGeom prst="rightArrow">
             <a:avLst>
@@ -4274,7 +4274,7 @@
         <p:spPr>
           <a:xfrm>
             <a:off x="7200720" y="5486400"/>
-            <a:ext cx="3999600" cy="865440"/>
+            <a:ext cx="3999240" cy="865080"/>
           </a:xfrm>
           <a:prstGeom prst="rect">
             <a:avLst/>
@@ -4323,9 +4323,9 @@
         <p:grpSpPr>
           <a:xfrm>
             <a:off x="3168000" y="184320"/>
-            <a:ext cx="7116840" cy="1236240"/>
+            <a:ext cx="7116480" cy="1236240"/>
             <a:chOff x="3168000" y="184320"/>
-            <a:chExt cx="7116840" cy="1236240"/>
+            <a:chExt cx="7116480" cy="1236240"/>
           </a:xfrm>
         </p:grpSpPr>
         <p:sp>
@@ -4337,7 +4337,7 @@
           <p:spPr>
             <a:xfrm>
               <a:off x="3168000" y="184320"/>
-              <a:ext cx="7116840" cy="1231560"/>
+              <a:ext cx="7116480" cy="1231200"/>
             </a:xfrm>
             <a:prstGeom prst="rect">
               <a:avLst/>
@@ -4403,16 +4403,16 @@
           </p:nvSpPr>
           <p:spPr>
             <a:xfrm flipH="1" rot="10800000">
-              <a:off x="3168000" y="189000"/>
-              <a:ext cx="113760" cy="1231560"/>
+              <a:off x="3167640" y="189360"/>
+              <a:ext cx="113400" cy="1231200"/>
             </a:xfrm>
             <a:custGeom>
               <a:avLst/>
               <a:gdLst>
-                <a:gd name="textAreaLeft" fmla="*/ 0 w 113760"/>
-                <a:gd name="textAreaRight" fmla="*/ 118080 w 113760"/>
-                <a:gd name="textAreaTop" fmla="*/ 0 h 1231560"/>
-                <a:gd name="textAreaBottom" fmla="*/ 1235880 h 1231560"/>
+                <a:gd name="textAreaLeft" fmla="*/ -360 w 113400"/>
+                <a:gd name="textAreaRight" fmla="*/ 117720 w 113400"/>
+                <a:gd name="textAreaTop" fmla="*/ 0 h 1231200"/>
+                <a:gd name="textAreaBottom" fmla="*/ 1235880 h 1231200"/>
               </a:gdLst>
               <a:ahLst/>
               <a:rect l="textAreaLeft" t="textAreaTop" r="textAreaRight" b="textAreaBottom"/>
@@ -4481,16 +4481,16 @@
           </p:nvSpPr>
           <p:spPr>
             <a:xfrm flipH="1">
-              <a:off x="10145520" y="184320"/>
-              <a:ext cx="134640" cy="1231560"/>
+              <a:off x="10144800" y="184320"/>
+              <a:ext cx="134280" cy="1231200"/>
             </a:xfrm>
             <a:custGeom>
               <a:avLst/>
               <a:gdLst>
-                <a:gd name="textAreaLeft" fmla="*/ 360 w 134640"/>
-                <a:gd name="textAreaRight" fmla="*/ 138960 w 134640"/>
-                <a:gd name="textAreaTop" fmla="*/ 0 h 1231560"/>
-                <a:gd name="textAreaBottom" fmla="*/ 1235880 h 1231560"/>
+                <a:gd name="textAreaLeft" fmla="*/ 360 w 134280"/>
+                <a:gd name="textAreaRight" fmla="*/ 138960 w 134280"/>
+                <a:gd name="textAreaTop" fmla="*/ 0 h 1231200"/>
+                <a:gd name="textAreaBottom" fmla="*/ 1235880 h 1231200"/>
               </a:gdLst>
               <a:ahLst/>
               <a:rect l="textAreaLeft" t="textAreaTop" r="textAreaRight" b="textAreaBottom"/>
@@ -4561,7 +4561,7 @@
         <p:spPr>
           <a:xfrm>
             <a:off x="273600" y="6435000"/>
-            <a:ext cx="565920" cy="271080"/>
+            <a:ext cx="565560" cy="270720"/>
           </a:xfrm>
           <a:prstGeom prst="rect">
             <a:avLst/>
@@ -4590,7 +4590,7 @@
                 <a:tab algn="l" pos="0"/>
               </a:tabLst>
             </a:pPr>
-            <a:fld id="{0B224147-E271-4CA8-9FE6-7522455862B1}" type="slidenum">
+            <a:fld id="{D2404B2A-0DDB-476A-991A-FCD43A33E679}" type="slidenum">
               <a:rPr b="0" lang="ru-RU" sz="1400" spc="-1" strike="noStrike">
                 <a:solidFill>
                   <a:srgbClr val="898989"/>
@@ -4609,21 +4609,46 @@
           </a:p>
         </p:txBody>
       </p:sp>
+      <p:pic>
+        <p:nvPicPr>
+          <p:cNvPr id="126" name="" descr=""/>
+          <p:cNvPicPr/>
+          <p:nvPr/>
+        </p:nvPicPr>
+        <p:blipFill>
+          <a:blip r:embed="rId1"/>
+          <a:stretch/>
+        </p:blipFill>
+        <p:spPr>
+          <a:xfrm>
+            <a:off x="132480" y="1563480"/>
+            <a:ext cx="9142560" cy="4835880"/>
+          </a:xfrm>
+          <a:prstGeom prst="rect">
+            <a:avLst/>
+          </a:prstGeom>
+          <a:ln w="0">
+            <a:noFill/>
+          </a:ln>
+        </p:spPr>
+      </p:pic>
       <p:sp>
         <p:nvSpPr>
-          <p:cNvPr id="126" name="PlaceHolder 15"/>
+          <p:cNvPr id="127" name="Google Shape;149;p 2"/>
           <p:cNvSpPr/>
           <p:nvPr/>
         </p:nvSpPr>
         <p:spPr>
           <a:xfrm>
-            <a:off x="9601200" y="1600200"/>
-            <a:ext cx="2284920" cy="2742120"/>
+            <a:off x="9274680" y="1600200"/>
+            <a:ext cx="2735640" cy="2285280"/>
           </a:xfrm>
           <a:prstGeom prst="rect">
             <a:avLst/>
           </a:prstGeom>
-          <a:noFill/>
+          <a:solidFill>
+            <a:srgbClr val="ffffff"/>
+          </a:solidFill>
           <a:ln w="0">
             <a:noFill/>
           </a:ln>
@@ -4635,32 +4660,19 @@
           <a:fontRef idx="minor"/>
         </p:style>
         <p:txBody>
-          <a:bodyPr lIns="90000" rIns="90000" tIns="45000" bIns="45000" anchor="t">
-            <a:normAutofit/>
+          <a:bodyPr lIns="76680" rIns="76680" tIns="38520" bIns="38520" anchor="t">
+            <a:noAutofit/>
           </a:bodyPr>
           <a:p>
-            <a:pPr marL="76320" algn="just">
+            <a:pPr>
               <a:lnSpc>
-                <a:spcPct val="115000"/>
+                <a:spcPct val="100000"/>
               </a:lnSpc>
-              <a:spcBef>
-                <a:spcPts val="720"/>
-              </a:spcBef>
               <a:tabLst>
                 <a:tab algn="l" pos="0"/>
               </a:tabLst>
             </a:pPr>
-            <a:r>
-              <a:rPr b="0" lang="ru-RU" sz="1800" spc="-1" strike="noStrike">
-                <a:solidFill>
-                  <a:srgbClr val="262626"/>
-                </a:solidFill>
-                <a:latin typeface="Arial"/>
-                <a:ea typeface="Open Sans"/>
-              </a:rPr>
-              <a:t>Сокращение набора признаков не влияет на качество модели</a:t>
-            </a:r>
-            <a:endParaRPr b="0" lang="en-US" sz="1800" spc="-1" strike="noStrike">
+            <a:endParaRPr b="0" lang="en-US" sz="1600" spc="-1" strike="noStrike">
               <a:solidFill>
                 <a:srgbClr val="000000"/>
               </a:solidFill>
@@ -4668,49 +4680,105 @@
             </a:endParaRPr>
           </a:p>
           <a:p>
-            <a:pPr marL="76320" algn="just">
+            <a:pPr marL="216000" indent="-216000">
               <a:lnSpc>
-                <a:spcPct val="115000"/>
+                <a:spcPct val="100000"/>
               </a:lnSpc>
               <a:spcBef>
-                <a:spcPts val="720"/>
+                <a:spcPts val="145"/>
               </a:spcBef>
+              <a:spcAft>
+                <a:spcPts val="145"/>
+              </a:spcAft>
+              <a:buClr>
+                <a:srgbClr val="000000"/>
+              </a:buClr>
+              <a:buSzPct val="45000"/>
+              <a:buFont typeface="Wingdings" charset="2"/>
+              <a:buChar char=""/>
               <a:tabLst>
-                <a:tab algn="l" pos="0"/>
+                <a:tab algn="l" pos="408240"/>
               </a:tabLst>
             </a:pPr>
-            <a:endParaRPr b="0" lang="en-US" sz="1800" spc="-1" strike="noStrike">
+            <a:r>
+              <a:rPr b="0" lang="ru-RU" sz="1600" spc="-1" strike="noStrike">
+                <a:solidFill>
+                  <a:srgbClr val="000000"/>
+                </a:solidFill>
+                <a:latin typeface="Arial"/>
+                <a:ea typeface="Arial"/>
+              </a:rPr>
+              <a:t>Сокращение набора признаков не влияет на качество модели </a:t>
+            </a:r>
+            <a:endParaRPr b="0" lang="en-US" sz="1600" spc="-1" strike="noStrike">
               <a:solidFill>
                 <a:srgbClr val="000000"/>
               </a:solidFill>
               <a:latin typeface="Arial"/>
             </a:endParaRPr>
           </a:p>
+          <a:p>
+            <a:pPr marL="216000" indent="-216000">
+              <a:lnSpc>
+                <a:spcPct val="100000"/>
+              </a:lnSpc>
+              <a:spcBef>
+                <a:spcPts val="145"/>
+              </a:spcBef>
+              <a:spcAft>
+                <a:spcPts val="145"/>
+              </a:spcAft>
+              <a:buClr>
+                <a:srgbClr val="000000"/>
+              </a:buClr>
+              <a:buSzPct val="45000"/>
+              <a:buFont typeface="Wingdings" charset="2"/>
+              <a:buChar char=""/>
+              <a:tabLst>
+                <a:tab algn="l" pos="408240"/>
+              </a:tabLst>
+            </a:pPr>
+            <a:r>
+              <a:rPr b="0" lang="ru-RU" sz="1600" spc="-1" strike="noStrike">
+                <a:solidFill>
+                  <a:srgbClr val="000000"/>
+                </a:solidFill>
+                <a:latin typeface="Arial"/>
+                <a:ea typeface="Arial"/>
+              </a:rPr>
+              <a:t>Ранжирование выполнено на основании   feature_importances_</a:t>
+            </a:r>
+            <a:endParaRPr b="0" lang="en-US" sz="1600" spc="-1" strike="noStrike">
+              <a:solidFill>
+                <a:srgbClr val="000000"/>
+              </a:solidFill>
+              <a:latin typeface="Arial"/>
+            </a:endParaRPr>
+          </a:p>
+          <a:p>
+            <a:pPr>
+              <a:lnSpc>
+                <a:spcPct val="100000"/>
+              </a:lnSpc>
+              <a:spcBef>
+                <a:spcPts val="145"/>
+              </a:spcBef>
+              <a:spcAft>
+                <a:spcPts val="145"/>
+              </a:spcAft>
+              <a:tabLst>
+                <a:tab algn="l" pos="408240"/>
+              </a:tabLst>
+            </a:pPr>
+            <a:endParaRPr b="0" lang="en-US" sz="1600" spc="-1" strike="noStrike">
+              <a:solidFill>
+                <a:srgbClr val="000000"/>
+              </a:solidFill>
+              <a:latin typeface="Arial"/>
+            </a:endParaRPr>
+          </a:p>
         </p:txBody>
       </p:sp>
-      <p:pic>
-        <p:nvPicPr>
-          <p:cNvPr id="127" name="" descr=""/>
-          <p:cNvPicPr/>
-          <p:nvPr/>
-        </p:nvPicPr>
-        <p:blipFill>
-          <a:blip r:embed="rId1"/>
-          <a:stretch/>
-        </p:blipFill>
-        <p:spPr>
-          <a:xfrm>
-            <a:off x="132480" y="1563480"/>
-            <a:ext cx="9142920" cy="4836240"/>
-          </a:xfrm>
-          <a:prstGeom prst="rect">
-            <a:avLst/>
-          </a:prstGeom>
-          <a:ln w="0">
-            <a:noFill/>
-          </a:ln>
-        </p:spPr>
-      </p:pic>
     </p:spTree>
   </p:cSld>
   <mc:AlternateContent>
@@ -4754,7 +4822,7 @@
         <p:spPr>
           <a:xfrm>
             <a:off x="388440" y="1371600"/>
-            <a:ext cx="11040480" cy="5256720"/>
+            <a:ext cx="11040120" cy="5256360"/>
           </a:xfrm>
           <a:prstGeom prst="rect">
             <a:avLst/>
@@ -5060,9 +5128,9 @@
         <p:grpSpPr>
           <a:xfrm>
             <a:off x="3168000" y="283680"/>
-            <a:ext cx="5972040" cy="1037520"/>
+            <a:ext cx="5971680" cy="1037520"/>
             <a:chOff x="3168000" y="283680"/>
-            <a:chExt cx="5972040" cy="1037520"/>
+            <a:chExt cx="5971680" cy="1037520"/>
           </a:xfrm>
         </p:grpSpPr>
         <p:sp>
@@ -5074,7 +5142,7 @@
           <p:spPr>
             <a:xfrm>
               <a:off x="3168000" y="283680"/>
-              <a:ext cx="5972040" cy="1033200"/>
+              <a:ext cx="5971680" cy="1032840"/>
             </a:xfrm>
             <a:prstGeom prst="rect">
               <a:avLst/>
@@ -5140,16 +5208,16 @@
           </p:nvSpPr>
           <p:spPr>
             <a:xfrm flipH="1" rot="10800000">
-              <a:off x="3167640" y="288000"/>
-              <a:ext cx="94680" cy="1033200"/>
+              <a:off x="3168000" y="288360"/>
+              <a:ext cx="94320" cy="1032840"/>
             </a:xfrm>
             <a:custGeom>
               <a:avLst/>
               <a:gdLst>
-                <a:gd name="textAreaLeft" fmla="*/ 2160 w 94680"/>
-                <a:gd name="textAreaRight" fmla="*/ 101160 w 94680"/>
-                <a:gd name="textAreaTop" fmla="*/ 0 h 1033200"/>
-                <a:gd name="textAreaBottom" fmla="*/ 1037520 h 1033200"/>
+                <a:gd name="textAreaLeft" fmla="*/ 2520 w 94320"/>
+                <a:gd name="textAreaRight" fmla="*/ 101520 w 94320"/>
+                <a:gd name="textAreaTop" fmla="*/ 0 h 1032840"/>
+                <a:gd name="textAreaBottom" fmla="*/ 1037520 h 1032840"/>
               </a:gdLst>
               <a:ahLst/>
               <a:rect l="textAreaLeft" t="textAreaTop" r="textAreaRight" b="textAreaBottom"/>
@@ -5219,15 +5287,15 @@
           <p:spPr>
             <a:xfrm flipH="1">
               <a:off x="9023040" y="283680"/>
-              <a:ext cx="111960" cy="1033200"/>
+              <a:ext cx="111600" cy="1032840"/>
             </a:xfrm>
             <a:custGeom>
               <a:avLst/>
               <a:gdLst>
-                <a:gd name="textAreaLeft" fmla="*/ 2160 w 111960"/>
-                <a:gd name="textAreaRight" fmla="*/ 118440 w 111960"/>
-                <a:gd name="textAreaTop" fmla="*/ 0 h 1033200"/>
-                <a:gd name="textAreaBottom" fmla="*/ 1037520 h 1033200"/>
+                <a:gd name="textAreaLeft" fmla="*/ 2520 w 111600"/>
+                <a:gd name="textAreaRight" fmla="*/ 118800 w 111600"/>
+                <a:gd name="textAreaTop" fmla="*/ 0 h 1032840"/>
+                <a:gd name="textAreaBottom" fmla="*/ 1037520 h 1032840"/>
               </a:gdLst>
               <a:ahLst/>
               <a:rect l="textAreaLeft" t="textAreaTop" r="textAreaRight" b="textAreaBottom"/>
@@ -5298,7 +5366,7 @@
         <p:spPr>
           <a:xfrm>
             <a:off x="273600" y="6435000"/>
-            <a:ext cx="565920" cy="271080"/>
+            <a:ext cx="565560" cy="270720"/>
           </a:xfrm>
           <a:prstGeom prst="rect">
             <a:avLst/>
@@ -5327,7 +5395,7 @@
                 <a:tab algn="l" pos="0"/>
               </a:tabLst>
             </a:pPr>
-            <a:fld id="{B69180B0-DF84-4042-82DF-A2F6E5E31A89}" type="slidenum">
+            <a:fld id="{9117DF43-2BC2-465A-85A7-8FCED623BF61}" type="slidenum">
               <a:rPr b="0" lang="ru-RU" sz="1400" spc="-1" strike="noStrike">
                 <a:solidFill>
                   <a:srgbClr val="898989"/>
@@ -5359,7 +5427,7 @@
         <p:spPr>
           <a:xfrm>
             <a:off x="6616800" y="5545800"/>
-            <a:ext cx="4047120" cy="903240"/>
+            <a:ext cx="4046760" cy="902880"/>
           </a:xfrm>
           <a:prstGeom prst="rect">
             <a:avLst/>
@@ -5412,7 +5480,7 @@
         <p:spPr>
           <a:xfrm>
             <a:off x="388440" y="1299600"/>
-            <a:ext cx="6239880" cy="504720"/>
+            <a:ext cx="6239520" cy="504360"/>
           </a:xfrm>
           <a:prstGeom prst="rect">
             <a:avLst/>
@@ -5464,9 +5532,9 @@
         <p:grpSpPr>
           <a:xfrm>
             <a:off x="3168000" y="469440"/>
-            <a:ext cx="3831120" cy="666000"/>
+            <a:ext cx="3830760" cy="666000"/>
             <a:chOff x="3168000" y="469440"/>
-            <a:chExt cx="3831120" cy="666000"/>
+            <a:chExt cx="3830760" cy="666000"/>
           </a:xfrm>
         </p:grpSpPr>
         <p:sp>
@@ -5478,7 +5546,7 @@
           <p:spPr>
             <a:xfrm>
               <a:off x="3168000" y="469440"/>
-              <a:ext cx="3831120" cy="661680"/>
+              <a:ext cx="3830760" cy="661320"/>
             </a:xfrm>
             <a:prstGeom prst="rect">
               <a:avLst/>
@@ -5544,16 +5612,16 @@
           </p:nvSpPr>
           <p:spPr>
             <a:xfrm flipH="1" rot="10800000">
-              <a:off x="3167640" y="473760"/>
-              <a:ext cx="59400" cy="661680"/>
+              <a:off x="3168000" y="474120"/>
+              <a:ext cx="59040" cy="661320"/>
             </a:xfrm>
             <a:custGeom>
               <a:avLst/>
               <a:gdLst>
-                <a:gd name="textAreaLeft" fmla="*/ 2160 w 59400"/>
-                <a:gd name="textAreaRight" fmla="*/ 65880 w 59400"/>
-                <a:gd name="textAreaTop" fmla="*/ 0 h 661680"/>
-                <a:gd name="textAreaBottom" fmla="*/ 666000 h 661680"/>
+                <a:gd name="textAreaLeft" fmla="*/ 2520 w 59040"/>
+                <a:gd name="textAreaRight" fmla="*/ 66240 w 59040"/>
+                <a:gd name="textAreaTop" fmla="*/ 0 h 661320"/>
+                <a:gd name="textAreaBottom" fmla="*/ 666000 h 661320"/>
               </a:gdLst>
               <a:ahLst/>
               <a:rect l="textAreaLeft" t="textAreaTop" r="textAreaRight" b="textAreaBottom"/>
@@ -5622,16 +5690,16 @@
           </p:nvSpPr>
           <p:spPr>
             <a:xfrm flipH="1">
-              <a:off x="6924240" y="469440"/>
-              <a:ext cx="70560" cy="661680"/>
+              <a:off x="6923520" y="469440"/>
+              <a:ext cx="70200" cy="661320"/>
             </a:xfrm>
             <a:custGeom>
               <a:avLst/>
               <a:gdLst>
-                <a:gd name="textAreaLeft" fmla="*/ -2160 w 70560"/>
-                <a:gd name="textAreaRight" fmla="*/ 72720 w 70560"/>
-                <a:gd name="textAreaTop" fmla="*/ 0 h 661680"/>
-                <a:gd name="textAreaBottom" fmla="*/ 666000 h 661680"/>
+                <a:gd name="textAreaLeft" fmla="*/ -2520 w 70200"/>
+                <a:gd name="textAreaRight" fmla="*/ 72360 w 70200"/>
+                <a:gd name="textAreaTop" fmla="*/ 0 h 661320"/>
+                <a:gd name="textAreaBottom" fmla="*/ 666000 h 661320"/>
               </a:gdLst>
               <a:ahLst/>
               <a:rect l="textAreaLeft" t="textAreaTop" r="textAreaRight" b="textAreaBottom"/>
@@ -5702,7 +5770,7 @@
         <p:spPr>
           <a:xfrm>
             <a:off x="273600" y="6435000"/>
-            <a:ext cx="565920" cy="271080"/>
+            <a:ext cx="565560" cy="270720"/>
           </a:xfrm>
           <a:prstGeom prst="rect">
             <a:avLst/>
@@ -5731,7 +5799,7 @@
                 <a:tab algn="l" pos="0"/>
               </a:tabLst>
             </a:pPr>
-            <a:fld id="{0CDAEE11-764E-45FE-9A5E-4C893929EE74}" type="slidenum">
+            <a:fld id="{BDC81910-DA50-4993-9938-1086369DE1BB}" type="slidenum">
               <a:rPr b="0" lang="ru-RU" sz="1400" spc="-1" strike="noStrike">
                 <a:solidFill>
                   <a:srgbClr val="898989"/>
@@ -5759,7 +5827,7 @@
         <p:spPr>
           <a:xfrm>
             <a:off x="6244200" y="1276200"/>
-            <a:ext cx="5485320" cy="504720"/>
+            <a:ext cx="5484960" cy="504360"/>
           </a:xfrm>
           <a:prstGeom prst="rect">
             <a:avLst/>
@@ -5816,7 +5884,7 @@
         <p:spPr>
           <a:xfrm>
             <a:off x="457200" y="2694600"/>
-            <a:ext cx="5485320" cy="504720"/>
+            <a:ext cx="5484960" cy="504360"/>
           </a:xfrm>
           <a:prstGeom prst="rect">
             <a:avLst/>
@@ -5873,7 +5941,7 @@
         <p:spPr>
           <a:xfrm>
             <a:off x="6400800" y="2694600"/>
-            <a:ext cx="5485320" cy="504720"/>
+            <a:ext cx="5484960" cy="504360"/>
           </a:xfrm>
           <a:prstGeom prst="rect">
             <a:avLst/>
@@ -5936,7 +6004,7 @@
         <p:spPr>
           <a:xfrm>
             <a:off x="388440" y="4572000"/>
-            <a:ext cx="11497680" cy="1599120"/>
+            <a:ext cx="11497320" cy="1598760"/>
           </a:xfrm>
           <a:prstGeom prst="rect">
             <a:avLst/>
@@ -6077,7 +6145,7 @@
         <p:spPr>
           <a:xfrm>
             <a:off x="457200" y="1780200"/>
-            <a:ext cx="3970800" cy="951120"/>
+            <a:ext cx="3970440" cy="950760"/>
           </a:xfrm>
           <a:prstGeom prst="rect">
             <a:avLst/>
@@ -6100,7 +6168,7 @@
         <p:spPr>
           <a:xfrm>
             <a:off x="6388920" y="1761480"/>
-            <a:ext cx="4066200" cy="932040"/>
+            <a:ext cx="4065840" cy="931680"/>
           </a:xfrm>
           <a:prstGeom prst="rect">
             <a:avLst/>
@@ -6123,7 +6191,7 @@
         <p:spPr>
           <a:xfrm>
             <a:off x="447840" y="3200400"/>
-            <a:ext cx="3894480" cy="903240"/>
+            <a:ext cx="3894120" cy="902880"/>
           </a:xfrm>
           <a:prstGeom prst="rect">
             <a:avLst/>
@@ -6146,7 +6214,7 @@
         <p:spPr>
           <a:xfrm>
             <a:off x="6400800" y="3200400"/>
-            <a:ext cx="4037400" cy="874800"/>
+            <a:ext cx="4037040" cy="874440"/>
           </a:xfrm>
           <a:prstGeom prst="rect">
             <a:avLst/>
@@ -6199,7 +6267,7 @@
         <p:spPr>
           <a:xfrm>
             <a:off x="388440" y="1371600"/>
-            <a:ext cx="11723760" cy="5254200"/>
+            <a:ext cx="11723400" cy="5253840"/>
           </a:xfrm>
           <a:prstGeom prst="rect">
             <a:avLst/>
@@ -6374,9 +6442,9 @@
         <p:grpSpPr>
           <a:xfrm>
             <a:off x="3168000" y="283680"/>
-            <a:ext cx="5972040" cy="1037520"/>
+            <a:ext cx="5971680" cy="1037520"/>
             <a:chOff x="3168000" y="283680"/>
-            <a:chExt cx="5972040" cy="1037520"/>
+            <a:chExt cx="5971680" cy="1037520"/>
           </a:xfrm>
         </p:grpSpPr>
         <p:sp>
@@ -6388,7 +6456,7 @@
           <p:spPr>
             <a:xfrm>
               <a:off x="3168000" y="283680"/>
-              <a:ext cx="5972040" cy="1033200"/>
+              <a:ext cx="5971680" cy="1032840"/>
             </a:xfrm>
             <a:prstGeom prst="rect">
               <a:avLst/>
@@ -6454,16 +6522,16 @@
           </p:nvSpPr>
           <p:spPr>
             <a:xfrm flipH="1" rot="10800000">
-              <a:off x="3167640" y="288000"/>
-              <a:ext cx="94680" cy="1033200"/>
+              <a:off x="3168000" y="288360"/>
+              <a:ext cx="94320" cy="1032840"/>
             </a:xfrm>
             <a:custGeom>
               <a:avLst/>
               <a:gdLst>
-                <a:gd name="textAreaLeft" fmla="*/ 2160 w 94680"/>
-                <a:gd name="textAreaRight" fmla="*/ 101160 w 94680"/>
-                <a:gd name="textAreaTop" fmla="*/ 0 h 1033200"/>
-                <a:gd name="textAreaBottom" fmla="*/ 1037520 h 1033200"/>
+                <a:gd name="textAreaLeft" fmla="*/ 2520 w 94320"/>
+                <a:gd name="textAreaRight" fmla="*/ 101520 w 94320"/>
+                <a:gd name="textAreaTop" fmla="*/ 0 h 1032840"/>
+                <a:gd name="textAreaBottom" fmla="*/ 1037520 h 1032840"/>
               </a:gdLst>
               <a:ahLst/>
               <a:rect l="textAreaLeft" t="textAreaTop" r="textAreaRight" b="textAreaBottom"/>
@@ -6533,15 +6601,15 @@
           <p:spPr>
             <a:xfrm flipH="1">
               <a:off x="9023040" y="283680"/>
-              <a:ext cx="111960" cy="1033200"/>
+              <a:ext cx="111600" cy="1032840"/>
             </a:xfrm>
             <a:custGeom>
               <a:avLst/>
               <a:gdLst>
-                <a:gd name="textAreaLeft" fmla="*/ 2160 w 111960"/>
-                <a:gd name="textAreaRight" fmla="*/ 118440 w 111960"/>
-                <a:gd name="textAreaTop" fmla="*/ 0 h 1033200"/>
-                <a:gd name="textAreaBottom" fmla="*/ 1037520 h 1033200"/>
+                <a:gd name="textAreaLeft" fmla="*/ 2520 w 111600"/>
+                <a:gd name="textAreaRight" fmla="*/ 118800 w 111600"/>
+                <a:gd name="textAreaTop" fmla="*/ 0 h 1032840"/>
+                <a:gd name="textAreaBottom" fmla="*/ 1037520 h 1032840"/>
               </a:gdLst>
               <a:ahLst/>
               <a:rect l="textAreaLeft" t="textAreaTop" r="textAreaRight" b="textAreaBottom"/>
@@ -6612,7 +6680,7 @@
         <p:spPr>
           <a:xfrm>
             <a:off x="273600" y="6435000"/>
-            <a:ext cx="565920" cy="271080"/>
+            <a:ext cx="565560" cy="270720"/>
           </a:xfrm>
           <a:prstGeom prst="rect">
             <a:avLst/>
@@ -6641,7 +6709,7 @@
                 <a:tab algn="l" pos="0"/>
               </a:tabLst>
             </a:pPr>
-            <a:fld id="{8CD1BD3F-21A2-4C36-B983-9A75A958F486}" type="slidenum">
+            <a:fld id="{E381A613-18F8-476A-950F-AFBEA714146A}" type="slidenum">
               <a:rPr b="0" lang="ru-RU" sz="1400" spc="-1" strike="noStrike">
                 <a:solidFill>
                   <a:srgbClr val="898989"/>
@@ -6669,7 +6737,7 @@
         <p:spPr>
           <a:xfrm>
             <a:off x="228600" y="1440720"/>
-            <a:ext cx="7085880" cy="2901960"/>
+            <a:ext cx="7085520" cy="2901600"/>
           </a:xfrm>
           <a:prstGeom prst="rect">
             <a:avLst/>
@@ -6880,7 +6948,7 @@
         <p:spPr>
           <a:xfrm>
             <a:off x="7363800" y="1330560"/>
-            <a:ext cx="4466520" cy="2904120"/>
+            <a:ext cx="4466160" cy="2903760"/>
           </a:xfrm>
           <a:prstGeom prst="rect">
             <a:avLst/>
@@ -6903,7 +6971,7 @@
         <p:spPr>
           <a:xfrm>
             <a:off x="4185000" y="4114800"/>
-            <a:ext cx="4970160" cy="2495520"/>
+            <a:ext cx="4969800" cy="2495160"/>
           </a:xfrm>
           <a:prstGeom prst="rect">
             <a:avLst/>
@@ -6952,7 +7020,7 @@
         <p:spPr>
           <a:xfrm>
             <a:off x="388800" y="1371960"/>
-            <a:ext cx="11346480" cy="4912560"/>
+            <a:ext cx="11346120" cy="4912200"/>
           </a:xfrm>
           <a:prstGeom prst="rect">
             <a:avLst/>
@@ -6970,7 +7038,7 @@
         </p:style>
         <p:txBody>
           <a:bodyPr lIns="90000" rIns="90000" tIns="45000" bIns="45000" anchor="t">
-            <a:normAutofit fontScale="81111" lnSpcReduction="10000"/>
+            <a:normAutofit fontScale="87222" lnSpcReduction="10000"/>
           </a:bodyPr>
           <a:p>
             <a:pPr marL="73080" indent="-216000">
@@ -7008,7 +7076,7 @@
                 <a:latin typeface="Arial"/>
                 <a:ea typeface="Open Sans"/>
               </a:rPr>
-              <a:t>Все обученные классификаторы показывают значительно лучшие результаты, чем базовая модель.</a:t>
+              <a:t>Все обученные классификаторы показывают значительно лучшие результаты, чем базовая модель (+0.227). Все ансамблевые модели работают лучше, чем одно дерево (буст +0.04)</a:t>
             </a:r>
             <a:endParaRPr b="0" lang="en-US" sz="2200" spc="-1" strike="noStrike">
               <a:solidFill>
@@ -7155,10 +7223,10 @@
           <a:p>
             <a:pPr lvl="4" marL="1080000" indent="-216000">
               <a:lnSpc>
-                <a:spcPct val="115000"/>
+                <a:spcPct val="85000"/>
               </a:lnSpc>
               <a:spcBef>
-                <a:spcPts val="1729"/>
+                <a:spcPts val="720"/>
               </a:spcBef>
               <a:buClr>
                 <a:srgbClr val="000000"/>
@@ -7190,10 +7258,10 @@
           <a:p>
             <a:pPr lvl="4" marL="1080000" indent="-216000">
               <a:lnSpc>
-                <a:spcPct val="115000"/>
+                <a:spcPct val="85000"/>
               </a:lnSpc>
               <a:spcBef>
-                <a:spcPts val="1729"/>
+                <a:spcPts val="720"/>
               </a:spcBef>
               <a:buClr>
                 <a:srgbClr val="000000"/>
@@ -7225,10 +7293,10 @@
           <a:p>
             <a:pPr lvl="4" marL="1080000" indent="-216000">
               <a:lnSpc>
-                <a:spcPct val="115000"/>
+                <a:spcPct val="85000"/>
               </a:lnSpc>
               <a:spcBef>
-                <a:spcPts val="1729"/>
+                <a:spcPts val="720"/>
               </a:spcBef>
               <a:buClr>
                 <a:srgbClr val="000000"/>
@@ -7249,6 +7317,41 @@
                 <a:ea typeface="Open Sans"/>
               </a:rPr>
               <a:t>Дальнейший подбор гиперпараметров (невозможен в текущем исследовании из-за большого количества признаков)</a:t>
+            </a:r>
+            <a:endParaRPr b="0" lang="en-US" sz="2200" spc="-1" strike="noStrike">
+              <a:solidFill>
+                <a:srgbClr val="000000"/>
+              </a:solidFill>
+              <a:latin typeface="Arial"/>
+            </a:endParaRPr>
+          </a:p>
+          <a:p>
+            <a:pPr lvl="4" marL="1080000" indent="-216000">
+              <a:lnSpc>
+                <a:spcPct val="85000"/>
+              </a:lnSpc>
+              <a:spcBef>
+                <a:spcPts val="720"/>
+              </a:spcBef>
+              <a:buClr>
+                <a:srgbClr val="000000"/>
+              </a:buClr>
+              <a:buSzPct val="45000"/>
+              <a:buFont typeface="Wingdings" charset="2"/>
+              <a:buChar char=""/>
+              <a:tabLst>
+                <a:tab algn="l" pos="0"/>
+              </a:tabLst>
+            </a:pPr>
+            <a:r>
+              <a:rPr b="0" lang="ru-RU" sz="2200" spc="-1" strike="noStrike">
+                <a:solidFill>
+                  <a:srgbClr val="262626"/>
+                </a:solidFill>
+                <a:latin typeface="Arial"/>
+                <a:ea typeface="Open Sans"/>
+              </a:rPr>
+              <a:t>Обучение деревьев на подвыборках (bagging и выбор признаков)</a:t>
             </a:r>
             <a:endParaRPr b="0" lang="en-US" sz="2200" spc="-1" strike="noStrike">
               <a:solidFill>
@@ -7380,7 +7483,7 @@
         <p:spPr>
           <a:xfrm>
             <a:off x="273600" y="6435000"/>
-            <a:ext cx="565920" cy="271080"/>
+            <a:ext cx="565560" cy="270720"/>
           </a:xfrm>
           <a:prstGeom prst="rect">
             <a:avLst/>
@@ -7409,7 +7512,7 @@
                 <a:tab algn="l" pos="0"/>
               </a:tabLst>
             </a:pPr>
-            <a:fld id="{DF1FC81A-46E1-42CF-BFB1-DCBE0917A75F}" type="slidenum">
+            <a:fld id="{508B24E9-29AA-4867-A296-C9EBB43D8FA6}" type="slidenum">
               <a:rPr b="0" lang="ru-RU" sz="1400" spc="-1" strike="noStrike">
                 <a:solidFill>
                   <a:srgbClr val="898989"/>
@@ -7437,9 +7540,9 @@
         <p:grpSpPr>
           <a:xfrm>
             <a:off x="3168000" y="532080"/>
-            <a:ext cx="3831120" cy="666000"/>
+            <a:ext cx="3830760" cy="666000"/>
             <a:chOff x="3168000" y="532080"/>
-            <a:chExt cx="3831120" cy="666000"/>
+            <a:chExt cx="3830760" cy="666000"/>
           </a:xfrm>
         </p:grpSpPr>
         <p:sp>
@@ -7451,7 +7554,7 @@
           <p:spPr>
             <a:xfrm>
               <a:off x="3168000" y="532080"/>
-              <a:ext cx="3831120" cy="661680"/>
+              <a:ext cx="3830760" cy="661320"/>
             </a:xfrm>
             <a:prstGeom prst="rect">
               <a:avLst/>
@@ -7517,16 +7620,16 @@
           </p:nvSpPr>
           <p:spPr>
             <a:xfrm flipH="1" rot="10800000">
-              <a:off x="3167640" y="536400"/>
-              <a:ext cx="59400" cy="661680"/>
+              <a:off x="3168000" y="536760"/>
+              <a:ext cx="59040" cy="661320"/>
             </a:xfrm>
             <a:custGeom>
               <a:avLst/>
               <a:gdLst>
-                <a:gd name="textAreaLeft" fmla="*/ 2160 w 59400"/>
-                <a:gd name="textAreaRight" fmla="*/ 65880 w 59400"/>
-                <a:gd name="textAreaTop" fmla="*/ 0 h 661680"/>
-                <a:gd name="textAreaBottom" fmla="*/ 666000 h 661680"/>
+                <a:gd name="textAreaLeft" fmla="*/ 2520 w 59040"/>
+                <a:gd name="textAreaRight" fmla="*/ 66240 w 59040"/>
+                <a:gd name="textAreaTop" fmla="*/ 0 h 661320"/>
+                <a:gd name="textAreaBottom" fmla="*/ 666000 h 661320"/>
               </a:gdLst>
               <a:ahLst/>
               <a:rect l="textAreaLeft" t="textAreaTop" r="textAreaRight" b="textAreaBottom"/>
@@ -7595,16 +7698,16 @@
           </p:nvSpPr>
           <p:spPr>
             <a:xfrm flipH="1">
-              <a:off x="6924240" y="532080"/>
-              <a:ext cx="70560" cy="661680"/>
+              <a:off x="6923520" y="532080"/>
+              <a:ext cx="70200" cy="661320"/>
             </a:xfrm>
             <a:custGeom>
               <a:avLst/>
               <a:gdLst>
-                <a:gd name="textAreaLeft" fmla="*/ -2160 w 70560"/>
-                <a:gd name="textAreaRight" fmla="*/ 72720 w 70560"/>
-                <a:gd name="textAreaTop" fmla="*/ 0 h 661680"/>
-                <a:gd name="textAreaBottom" fmla="*/ 666000 h 661680"/>
+                <a:gd name="textAreaLeft" fmla="*/ -2520 w 70200"/>
+                <a:gd name="textAreaRight" fmla="*/ 72360 w 70200"/>
+                <a:gd name="textAreaTop" fmla="*/ 0 h 661320"/>
+                <a:gd name="textAreaBottom" fmla="*/ 666000 h 661320"/>
               </a:gdLst>
               <a:ahLst/>
               <a:rect l="textAreaLeft" t="textAreaTop" r="textAreaRight" b="textAreaBottom"/>
@@ -7705,7 +7808,7 @@
         <p:spPr>
           <a:xfrm>
             <a:off x="273600" y="6435000"/>
-            <a:ext cx="565920" cy="271080"/>
+            <a:ext cx="565560" cy="270720"/>
           </a:xfrm>
           <a:prstGeom prst="rect">
             <a:avLst/>
@@ -7734,7 +7837,7 @@
                 <a:tab algn="l" pos="0"/>
               </a:tabLst>
             </a:pPr>
-            <a:fld id="{F6A9FACB-632B-4BDD-AE70-8E8AF5C402DF}" type="slidenum">
+            <a:fld id="{5A6EA955-E836-47B7-91EB-7257CEED9DD1}" type="slidenum">
               <a:rPr b="0" lang="ru-RU" sz="1400" spc="-1" strike="noStrike">
                 <a:solidFill>
                   <a:srgbClr val="898989"/>
@@ -7762,7 +7865,7 @@
         <p:spPr>
           <a:xfrm>
             <a:off x="2514600" y="2057400"/>
-            <a:ext cx="6924960" cy="732600"/>
+            <a:ext cx="6924600" cy="732240"/>
           </a:xfrm>
           <a:prstGeom prst="rect">
             <a:avLst/>
@@ -7882,7 +7985,7 @@
         <p:spPr>
           <a:xfrm>
             <a:off x="273600" y="6435000"/>
-            <a:ext cx="565920" cy="271080"/>
+            <a:ext cx="565560" cy="270720"/>
           </a:xfrm>
           <a:prstGeom prst="rect">
             <a:avLst/>
@@ -7911,7 +8014,7 @@
                 <a:tab algn="l" pos="0"/>
               </a:tabLst>
             </a:pPr>
-            <a:fld id="{7025B528-ABBB-4AB6-8B74-06BF8ADC001B}" type="slidenum">
+            <a:fld id="{680F8FD0-C48D-4747-AB38-9E8CAD14B949}" type="slidenum">
               <a:rPr b="0" lang="ru-RU" sz="1400" spc="-1" strike="noStrike">
                 <a:solidFill>
                   <a:srgbClr val="898989"/>
@@ -7939,7 +8042,7 @@
         <p:spPr>
           <a:xfrm>
             <a:off x="457200" y="1406520"/>
-            <a:ext cx="11495160" cy="5025600"/>
+            <a:ext cx="11494800" cy="5025240"/>
           </a:xfrm>
           <a:prstGeom prst="rect">
             <a:avLst/>
@@ -8009,9 +8112,9 @@
         <p:grpSpPr>
           <a:xfrm>
             <a:off x="3168000" y="500760"/>
-            <a:ext cx="3831120" cy="666000"/>
+            <a:ext cx="3830760" cy="666000"/>
             <a:chOff x="3168000" y="500760"/>
-            <a:chExt cx="3831120" cy="666000"/>
+            <a:chExt cx="3830760" cy="666000"/>
           </a:xfrm>
         </p:grpSpPr>
         <p:sp>
@@ -8023,7 +8126,7 @@
           <p:spPr>
             <a:xfrm>
               <a:off x="3168000" y="500760"/>
-              <a:ext cx="3831120" cy="661680"/>
+              <a:ext cx="3830760" cy="661320"/>
             </a:xfrm>
             <a:prstGeom prst="rect">
               <a:avLst/>
@@ -8089,16 +8192,16 @@
           </p:nvSpPr>
           <p:spPr>
             <a:xfrm flipH="1" rot="10800000">
-              <a:off x="3167640" y="505080"/>
-              <a:ext cx="59400" cy="661680"/>
+              <a:off x="3168000" y="505440"/>
+              <a:ext cx="59040" cy="661320"/>
             </a:xfrm>
             <a:custGeom>
               <a:avLst/>
               <a:gdLst>
-                <a:gd name="textAreaLeft" fmla="*/ 2160 w 59400"/>
-                <a:gd name="textAreaRight" fmla="*/ 65880 w 59400"/>
-                <a:gd name="textAreaTop" fmla="*/ 0 h 661680"/>
-                <a:gd name="textAreaBottom" fmla="*/ 666000 h 661680"/>
+                <a:gd name="textAreaLeft" fmla="*/ 2520 w 59040"/>
+                <a:gd name="textAreaRight" fmla="*/ 66240 w 59040"/>
+                <a:gd name="textAreaTop" fmla="*/ 0 h 661320"/>
+                <a:gd name="textAreaBottom" fmla="*/ 666000 h 661320"/>
               </a:gdLst>
               <a:ahLst/>
               <a:rect l="textAreaLeft" t="textAreaTop" r="textAreaRight" b="textAreaBottom"/>
@@ -8167,16 +8270,16 @@
           </p:nvSpPr>
           <p:spPr>
             <a:xfrm flipH="1">
-              <a:off x="6924240" y="500760"/>
-              <a:ext cx="70560" cy="661680"/>
+              <a:off x="6923520" y="500760"/>
+              <a:ext cx="70200" cy="661320"/>
             </a:xfrm>
             <a:custGeom>
               <a:avLst/>
               <a:gdLst>
-                <a:gd name="textAreaLeft" fmla="*/ -2160 w 70560"/>
-                <a:gd name="textAreaRight" fmla="*/ 72720 w 70560"/>
-                <a:gd name="textAreaTop" fmla="*/ 0 h 661680"/>
-                <a:gd name="textAreaBottom" fmla="*/ 666000 h 661680"/>
+                <a:gd name="textAreaLeft" fmla="*/ -2520 w 70200"/>
+                <a:gd name="textAreaRight" fmla="*/ 72360 w 70200"/>
+                <a:gd name="textAreaTop" fmla="*/ 0 h 661320"/>
+                <a:gd name="textAreaBottom" fmla="*/ 666000 h 661320"/>
               </a:gdLst>
               <a:ahLst/>
               <a:rect l="textAreaLeft" t="textAreaTop" r="textAreaRight" b="textAreaBottom"/>
@@ -8251,7 +8354,7 @@
         <p:spPr>
           <a:xfrm>
             <a:off x="8229600" y="2715120"/>
-            <a:ext cx="3159360" cy="1625400"/>
+            <a:ext cx="3159000" cy="1625040"/>
           </a:xfrm>
           <a:prstGeom prst="rect">
             <a:avLst/>
@@ -8270,7 +8373,7 @@
         <p:spPr>
           <a:xfrm>
             <a:off x="457200" y="2743200"/>
-            <a:ext cx="7083720" cy="2243160"/>
+            <a:ext cx="7083360" cy="2242800"/>
           </a:xfrm>
           <a:prstGeom prst="rect">
             <a:avLst/>
@@ -8370,7 +8473,7 @@
         <p:spPr>
           <a:xfrm>
             <a:off x="273600" y="6435000"/>
-            <a:ext cx="565920" cy="271080"/>
+            <a:ext cx="565560" cy="270720"/>
           </a:xfrm>
           <a:prstGeom prst="rect">
             <a:avLst/>
@@ -8399,7 +8502,7 @@
                 <a:tab algn="l" pos="0"/>
               </a:tabLst>
             </a:pPr>
-            <a:fld id="{BB3EE711-7322-4F14-AA0D-A6D9FB6277A5}" type="slidenum">
+            <a:fld id="{04F2B9AA-291F-4DE5-809D-517890D05331}" type="slidenum">
               <a:rPr b="0" lang="ru-RU" sz="1400" spc="-1" strike="noStrike">
                 <a:solidFill>
                   <a:srgbClr val="898989"/>
@@ -8427,7 +8530,7 @@
         <p:spPr>
           <a:xfrm>
             <a:off x="389160" y="1600200"/>
-            <a:ext cx="11495160" cy="4797000"/>
+            <a:ext cx="11494800" cy="4796640"/>
           </a:xfrm>
           <a:prstGeom prst="rect">
             <a:avLst/>
@@ -8867,9 +8970,9 @@
         <p:grpSpPr>
           <a:xfrm>
             <a:off x="3168000" y="500760"/>
-            <a:ext cx="3831120" cy="666000"/>
+            <a:ext cx="3830760" cy="666000"/>
             <a:chOff x="3168000" y="500760"/>
-            <a:chExt cx="3831120" cy="666000"/>
+            <a:chExt cx="3830760" cy="666000"/>
           </a:xfrm>
         </p:grpSpPr>
         <p:sp>
@@ -8881,7 +8984,7 @@
           <p:spPr>
             <a:xfrm>
               <a:off x="3168000" y="500760"/>
-              <a:ext cx="3831120" cy="661680"/>
+              <a:ext cx="3830760" cy="661320"/>
             </a:xfrm>
             <a:prstGeom prst="rect">
               <a:avLst/>
@@ -8947,16 +9050,16 @@
           </p:nvSpPr>
           <p:spPr>
             <a:xfrm flipH="1" rot="10800000">
-              <a:off x="3167640" y="505080"/>
-              <a:ext cx="59400" cy="661680"/>
+              <a:off x="3168000" y="505440"/>
+              <a:ext cx="59040" cy="661320"/>
             </a:xfrm>
             <a:custGeom>
               <a:avLst/>
               <a:gdLst>
-                <a:gd name="textAreaLeft" fmla="*/ 2160 w 59400"/>
-                <a:gd name="textAreaRight" fmla="*/ 65880 w 59400"/>
-                <a:gd name="textAreaTop" fmla="*/ 0 h 661680"/>
-                <a:gd name="textAreaBottom" fmla="*/ 666000 h 661680"/>
+                <a:gd name="textAreaLeft" fmla="*/ 2520 w 59040"/>
+                <a:gd name="textAreaRight" fmla="*/ 66240 w 59040"/>
+                <a:gd name="textAreaTop" fmla="*/ 0 h 661320"/>
+                <a:gd name="textAreaBottom" fmla="*/ 666000 h 661320"/>
               </a:gdLst>
               <a:ahLst/>
               <a:rect l="textAreaLeft" t="textAreaTop" r="textAreaRight" b="textAreaBottom"/>
@@ -9025,16 +9128,16 @@
           </p:nvSpPr>
           <p:spPr>
             <a:xfrm flipH="1">
-              <a:off x="6924240" y="500760"/>
-              <a:ext cx="70560" cy="661680"/>
+              <a:off x="6923520" y="500760"/>
+              <a:ext cx="70200" cy="661320"/>
             </a:xfrm>
             <a:custGeom>
               <a:avLst/>
               <a:gdLst>
-                <a:gd name="textAreaLeft" fmla="*/ -2160 w 70560"/>
-                <a:gd name="textAreaRight" fmla="*/ 72720 w 70560"/>
-                <a:gd name="textAreaTop" fmla="*/ 0 h 661680"/>
-                <a:gd name="textAreaBottom" fmla="*/ 666000 h 661680"/>
+                <a:gd name="textAreaLeft" fmla="*/ -2520 w 70200"/>
+                <a:gd name="textAreaRight" fmla="*/ 72360 w 70200"/>
+                <a:gd name="textAreaTop" fmla="*/ 0 h 661320"/>
+                <a:gd name="textAreaBottom" fmla="*/ 666000 h 661320"/>
               </a:gdLst>
               <a:ahLst/>
               <a:rect l="textAreaLeft" t="textAreaTop" r="textAreaRight" b="textAreaBottom"/>
@@ -9139,7 +9242,7 @@
         <p:spPr>
           <a:xfrm>
             <a:off x="388440" y="1371600"/>
-            <a:ext cx="11039400" cy="5026320"/>
+            <a:ext cx="11039040" cy="5025960"/>
           </a:xfrm>
           <a:prstGeom prst="rect">
             <a:avLst/>
@@ -9519,9 +9622,9 @@
         <p:grpSpPr>
           <a:xfrm>
             <a:off x="3168000" y="469440"/>
-            <a:ext cx="3831120" cy="666000"/>
+            <a:ext cx="3830760" cy="666000"/>
             <a:chOff x="3168000" y="469440"/>
-            <a:chExt cx="3831120" cy="666000"/>
+            <a:chExt cx="3830760" cy="666000"/>
           </a:xfrm>
         </p:grpSpPr>
         <p:sp>
@@ -9533,7 +9636,7 @@
           <p:spPr>
             <a:xfrm>
               <a:off x="3168000" y="469440"/>
-              <a:ext cx="3831120" cy="661680"/>
+              <a:ext cx="3830760" cy="661320"/>
             </a:xfrm>
             <a:prstGeom prst="rect">
               <a:avLst/>
@@ -9599,16 +9702,16 @@
           </p:nvSpPr>
           <p:spPr>
             <a:xfrm flipH="1" rot="10800000">
-              <a:off x="3167640" y="473760"/>
-              <a:ext cx="59400" cy="661680"/>
+              <a:off x="3168000" y="474120"/>
+              <a:ext cx="59040" cy="661320"/>
             </a:xfrm>
             <a:custGeom>
               <a:avLst/>
               <a:gdLst>
-                <a:gd name="textAreaLeft" fmla="*/ 2160 w 59400"/>
-                <a:gd name="textAreaRight" fmla="*/ 65880 w 59400"/>
-                <a:gd name="textAreaTop" fmla="*/ 0 h 661680"/>
-                <a:gd name="textAreaBottom" fmla="*/ 666000 h 661680"/>
+                <a:gd name="textAreaLeft" fmla="*/ 2520 w 59040"/>
+                <a:gd name="textAreaRight" fmla="*/ 66240 w 59040"/>
+                <a:gd name="textAreaTop" fmla="*/ 0 h 661320"/>
+                <a:gd name="textAreaBottom" fmla="*/ 666000 h 661320"/>
               </a:gdLst>
               <a:ahLst/>
               <a:rect l="textAreaLeft" t="textAreaTop" r="textAreaRight" b="textAreaBottom"/>
@@ -9677,16 +9780,16 @@
           </p:nvSpPr>
           <p:spPr>
             <a:xfrm flipH="1">
-              <a:off x="6924240" y="469440"/>
-              <a:ext cx="70560" cy="661680"/>
+              <a:off x="6923520" y="469440"/>
+              <a:ext cx="70200" cy="661320"/>
             </a:xfrm>
             <a:custGeom>
               <a:avLst/>
               <a:gdLst>
-                <a:gd name="textAreaLeft" fmla="*/ -2160 w 70560"/>
-                <a:gd name="textAreaRight" fmla="*/ 72720 w 70560"/>
-                <a:gd name="textAreaTop" fmla="*/ 0 h 661680"/>
-                <a:gd name="textAreaBottom" fmla="*/ 666000 h 661680"/>
+                <a:gd name="textAreaLeft" fmla="*/ -2520 w 70200"/>
+                <a:gd name="textAreaRight" fmla="*/ 72360 w 70200"/>
+                <a:gd name="textAreaTop" fmla="*/ 0 h 661320"/>
+                <a:gd name="textAreaBottom" fmla="*/ 666000 h 661320"/>
               </a:gdLst>
               <a:ahLst/>
               <a:rect l="textAreaLeft" t="textAreaTop" r="textAreaRight" b="textAreaBottom"/>
@@ -9757,7 +9860,7 @@
         <p:spPr>
           <a:xfrm>
             <a:off x="273600" y="6435000"/>
-            <a:ext cx="565920" cy="271080"/>
+            <a:ext cx="565560" cy="270720"/>
           </a:xfrm>
           <a:prstGeom prst="rect">
             <a:avLst/>
@@ -9786,7 +9889,7 @@
                 <a:tab algn="l" pos="0"/>
               </a:tabLst>
             </a:pPr>
-            <a:fld id="{1051015B-14E3-4BC7-9966-E68C96C6C90B}" type="slidenum">
+            <a:fld id="{09B08B69-862A-4CF2-98B4-C53CF3A8A5F4}" type="slidenum">
               <a:rPr b="0" lang="ru-RU" sz="1400" spc="-1" strike="noStrike">
                 <a:solidFill>
                   <a:srgbClr val="898989"/>
@@ -9844,9 +9947,9 @@
         <p:grpSpPr>
           <a:xfrm>
             <a:off x="3168000" y="203760"/>
-            <a:ext cx="6888240" cy="1197360"/>
+            <a:ext cx="6887880" cy="1197360"/>
             <a:chOff x="3168000" y="203760"/>
-            <a:chExt cx="6888240" cy="1197360"/>
+            <a:chExt cx="6887880" cy="1197360"/>
           </a:xfrm>
         </p:grpSpPr>
         <p:sp>
@@ -9858,7 +9961,7 @@
           <p:spPr>
             <a:xfrm>
               <a:off x="3168000" y="203760"/>
-              <a:ext cx="6888240" cy="1191240"/>
+              <a:ext cx="6887880" cy="1190880"/>
             </a:xfrm>
             <a:prstGeom prst="rect">
               <a:avLst/>
@@ -9947,16 +10050,16 @@
           </p:nvSpPr>
           <p:spPr>
             <a:xfrm flipH="1" rot="10800000">
-              <a:off x="3167640" y="209880"/>
-              <a:ext cx="108360" cy="1191240"/>
+              <a:off x="3168000" y="210240"/>
+              <a:ext cx="108000" cy="1190880"/>
             </a:xfrm>
             <a:custGeom>
               <a:avLst/>
               <a:gdLst>
-                <a:gd name="textAreaLeft" fmla="*/ 2880 w 108360"/>
-                <a:gd name="textAreaRight" fmla="*/ 117000 w 108360"/>
-                <a:gd name="textAreaTop" fmla="*/ 0 h 1191240"/>
-                <a:gd name="textAreaBottom" fmla="*/ 1196640 h 1191240"/>
+                <a:gd name="textAreaLeft" fmla="*/ 3240 w 108000"/>
+                <a:gd name="textAreaRight" fmla="*/ 117360 w 108000"/>
+                <a:gd name="textAreaTop" fmla="*/ 0 h 1190880"/>
+                <a:gd name="textAreaBottom" fmla="*/ 1196640 h 1190880"/>
               </a:gdLst>
               <a:ahLst/>
               <a:rect l="textAreaLeft" t="textAreaTop" r="textAreaRight" b="textAreaBottom"/>
@@ -10026,15 +10129,15 @@
           <p:spPr>
             <a:xfrm flipH="1">
               <a:off x="9921240" y="203760"/>
-              <a:ext cx="128520" cy="1191240"/>
+              <a:ext cx="128160" cy="1190880"/>
             </a:xfrm>
             <a:custGeom>
               <a:avLst/>
               <a:gdLst>
-                <a:gd name="textAreaLeft" fmla="*/ -3240 w 128520"/>
-                <a:gd name="textAreaRight" fmla="*/ 130680 w 128520"/>
-                <a:gd name="textAreaTop" fmla="*/ 0 h 1191240"/>
-                <a:gd name="textAreaBottom" fmla="*/ 1196640 h 1191240"/>
+                <a:gd name="textAreaLeft" fmla="*/ -3240 w 128160"/>
+                <a:gd name="textAreaRight" fmla="*/ 130680 w 128160"/>
+                <a:gd name="textAreaTop" fmla="*/ 0 h 1190880"/>
+                <a:gd name="textAreaBottom" fmla="*/ 1196640 h 1190880"/>
               </a:gdLst>
               <a:ahLst/>
               <a:rect l="textAreaLeft" t="textAreaTop" r="textAreaRight" b="textAreaBottom"/>
@@ -10105,7 +10208,7 @@
         <p:spPr>
           <a:xfrm>
             <a:off x="273600" y="6435000"/>
-            <a:ext cx="565920" cy="271080"/>
+            <a:ext cx="565560" cy="270720"/>
           </a:xfrm>
           <a:prstGeom prst="rect">
             <a:avLst/>
@@ -10134,7 +10237,7 @@
                 <a:tab algn="l" pos="0"/>
               </a:tabLst>
             </a:pPr>
-            <a:fld id="{85FB7FEB-201A-4970-91FB-1C2EB9B7F3C1}" type="slidenum">
+            <a:fld id="{70572457-F0E2-4A1E-9BD2-197CF6EA21D2}" type="slidenum">
               <a:rPr b="0" lang="ru-RU" sz="1400" spc="-1" strike="noStrike">
                 <a:solidFill>
                   <a:srgbClr val="898989"/>
@@ -10162,7 +10265,7 @@
         <p:spPr>
           <a:xfrm>
             <a:off x="5943600" y="1602360"/>
-            <a:ext cx="5714280" cy="1368720"/>
+            <a:ext cx="5713920" cy="1368360"/>
           </a:xfrm>
           <a:prstGeom prst="rect">
             <a:avLst/>
@@ -10281,7 +10384,7 @@
         <p:spPr>
           <a:xfrm>
             <a:off x="452160" y="1492200"/>
-            <a:ext cx="2662920" cy="2676240"/>
+            <a:ext cx="2662560" cy="2675880"/>
           </a:xfrm>
           <a:prstGeom prst="rect">
             <a:avLst/>
@@ -10304,7 +10407,7 @@
         <p:spPr>
           <a:xfrm>
             <a:off x="3136680" y="1492200"/>
-            <a:ext cx="2649600" cy="2671560"/>
+            <a:ext cx="2649240" cy="2671200"/>
           </a:xfrm>
           <a:prstGeom prst="rect">
             <a:avLst/>
@@ -10327,7 +10430,7 @@
         <p:spPr>
           <a:xfrm>
             <a:off x="541800" y="4170960"/>
-            <a:ext cx="2429280" cy="2457720"/>
+            <a:ext cx="2428920" cy="2457360"/>
           </a:xfrm>
           <a:prstGeom prst="rect">
             <a:avLst/>
@@ -10350,7 +10453,7 @@
         <p:spPr>
           <a:xfrm>
             <a:off x="3384720" y="4271400"/>
-            <a:ext cx="2285280" cy="2304360"/>
+            <a:ext cx="2284920" cy="2304000"/>
           </a:xfrm>
           <a:prstGeom prst="rect">
             <a:avLst/>
@@ -10399,9 +10502,9 @@
         <p:grpSpPr>
           <a:xfrm>
             <a:off x="3168000" y="203760"/>
-            <a:ext cx="6888240" cy="1197360"/>
+            <a:ext cx="6887880" cy="1197360"/>
             <a:chOff x="3168000" y="203760"/>
-            <a:chExt cx="6888240" cy="1197360"/>
+            <a:chExt cx="6887880" cy="1197360"/>
           </a:xfrm>
         </p:grpSpPr>
         <p:sp>
@@ -10413,7 +10516,7 @@
           <p:spPr>
             <a:xfrm>
               <a:off x="3168000" y="203760"/>
-              <a:ext cx="6888240" cy="1191240"/>
+              <a:ext cx="6887880" cy="1190880"/>
             </a:xfrm>
             <a:prstGeom prst="rect">
               <a:avLst/>
@@ -10502,16 +10605,16 @@
           </p:nvSpPr>
           <p:spPr>
             <a:xfrm flipH="1" rot="10800000">
-              <a:off x="3167640" y="209880"/>
-              <a:ext cx="108360" cy="1191240"/>
+              <a:off x="3168000" y="210240"/>
+              <a:ext cx="108000" cy="1190880"/>
             </a:xfrm>
             <a:custGeom>
               <a:avLst/>
               <a:gdLst>
-                <a:gd name="textAreaLeft" fmla="*/ 2880 w 108360"/>
-                <a:gd name="textAreaRight" fmla="*/ 117000 w 108360"/>
-                <a:gd name="textAreaTop" fmla="*/ 0 h 1191240"/>
-                <a:gd name="textAreaBottom" fmla="*/ 1196640 h 1191240"/>
+                <a:gd name="textAreaLeft" fmla="*/ 3240 w 108000"/>
+                <a:gd name="textAreaRight" fmla="*/ 117360 w 108000"/>
+                <a:gd name="textAreaTop" fmla="*/ 0 h 1190880"/>
+                <a:gd name="textAreaBottom" fmla="*/ 1196640 h 1190880"/>
               </a:gdLst>
               <a:ahLst/>
               <a:rect l="textAreaLeft" t="textAreaTop" r="textAreaRight" b="textAreaBottom"/>
@@ -10581,15 +10684,15 @@
           <p:spPr>
             <a:xfrm flipH="1">
               <a:off x="9921240" y="203760"/>
-              <a:ext cx="128520" cy="1191240"/>
+              <a:ext cx="128160" cy="1190880"/>
             </a:xfrm>
             <a:custGeom>
               <a:avLst/>
               <a:gdLst>
-                <a:gd name="textAreaLeft" fmla="*/ -3240 w 128520"/>
-                <a:gd name="textAreaRight" fmla="*/ 130680 w 128520"/>
-                <a:gd name="textAreaTop" fmla="*/ 0 h 1191240"/>
-                <a:gd name="textAreaBottom" fmla="*/ 1196640 h 1191240"/>
+                <a:gd name="textAreaLeft" fmla="*/ -3240 w 128160"/>
+                <a:gd name="textAreaRight" fmla="*/ 130680 w 128160"/>
+                <a:gd name="textAreaTop" fmla="*/ 0 h 1190880"/>
+                <a:gd name="textAreaBottom" fmla="*/ 1196640 h 1190880"/>
               </a:gdLst>
               <a:ahLst/>
               <a:rect l="textAreaLeft" t="textAreaTop" r="textAreaRight" b="textAreaBottom"/>
@@ -10660,7 +10763,7 @@
         <p:spPr>
           <a:xfrm>
             <a:off x="273600" y="6435000"/>
-            <a:ext cx="565920" cy="271080"/>
+            <a:ext cx="565560" cy="270720"/>
           </a:xfrm>
           <a:prstGeom prst="rect">
             <a:avLst/>
@@ -10689,7 +10792,7 @@
                 <a:tab algn="l" pos="0"/>
               </a:tabLst>
             </a:pPr>
-            <a:fld id="{39824110-C645-4D44-9716-6866C432E03D}" type="slidenum">
+            <a:fld id="{239BC798-3EBA-4EBB-A0A4-DCA355E0D199}" type="slidenum">
               <a:rPr b="0" lang="ru-RU" sz="1400" spc="-1" strike="noStrike">
                 <a:solidFill>
                   <a:srgbClr val="898989"/>
@@ -10717,7 +10820,7 @@
         <p:spPr>
           <a:xfrm>
             <a:off x="388440" y="1600200"/>
-            <a:ext cx="4408560" cy="912240"/>
+            <a:ext cx="4408200" cy="911880"/>
           </a:xfrm>
           <a:prstGeom prst="rect">
             <a:avLst/>
@@ -10777,7 +10880,7 @@
         <p:spPr>
           <a:xfrm>
             <a:off x="5029200" y="1600200"/>
-            <a:ext cx="6856200" cy="1139400"/>
+            <a:ext cx="6855840" cy="1139040"/>
           </a:xfrm>
           <a:prstGeom prst="rect">
             <a:avLst/>
@@ -11804,7 +11907,7 @@
         <p:spPr>
           <a:xfrm>
             <a:off x="529200" y="2536920"/>
-            <a:ext cx="4113000" cy="3518640"/>
+            <a:ext cx="4112640" cy="3518280"/>
           </a:xfrm>
           <a:prstGeom prst="rect">
             <a:avLst/>
@@ -11857,7 +11960,7 @@
         <p:spPr>
           <a:xfrm>
             <a:off x="388440" y="1371600"/>
-            <a:ext cx="5780160" cy="5254200"/>
+            <a:ext cx="5779800" cy="5253840"/>
           </a:xfrm>
           <a:prstGeom prst="rect">
             <a:avLst/>
@@ -12044,9 +12147,9 @@
         <p:grpSpPr>
           <a:xfrm>
             <a:off x="3168000" y="243720"/>
-            <a:ext cx="6429600" cy="1117440"/>
+            <a:ext cx="6429240" cy="1117440"/>
             <a:chOff x="3168000" y="243720"/>
-            <a:chExt cx="6429600" cy="1117440"/>
+            <a:chExt cx="6429240" cy="1117440"/>
           </a:xfrm>
         </p:grpSpPr>
         <p:sp>
@@ -12058,7 +12161,7 @@
           <p:spPr>
             <a:xfrm>
               <a:off x="3168000" y="243720"/>
-              <a:ext cx="6429600" cy="1112400"/>
+              <a:ext cx="6429240" cy="1112040"/>
             </a:xfrm>
             <a:prstGeom prst="rect">
               <a:avLst/>
@@ -12124,16 +12227,16 @@
           </p:nvSpPr>
           <p:spPr>
             <a:xfrm flipH="1" rot="10800000">
-              <a:off x="3168000" y="248760"/>
-              <a:ext cx="102240" cy="1112400"/>
+              <a:off x="3167640" y="249120"/>
+              <a:ext cx="101880" cy="1112040"/>
             </a:xfrm>
             <a:custGeom>
               <a:avLst/>
               <a:gdLst>
-                <a:gd name="textAreaLeft" fmla="*/ 2520 w 102240"/>
-                <a:gd name="textAreaRight" fmla="*/ 109440 w 102240"/>
-                <a:gd name="textAreaTop" fmla="*/ 0 h 1112400"/>
-                <a:gd name="textAreaBottom" fmla="*/ 1116720 h 1112400"/>
+                <a:gd name="textAreaLeft" fmla="*/ 2520 w 101880"/>
+                <a:gd name="textAreaRight" fmla="*/ 109440 w 101880"/>
+                <a:gd name="textAreaTop" fmla="*/ 0 h 1112040"/>
+                <a:gd name="textAreaBottom" fmla="*/ 1116720 h 1112040"/>
               </a:gdLst>
               <a:ahLst/>
               <a:rect l="textAreaLeft" t="textAreaTop" r="textAreaRight" b="textAreaBottom"/>
@@ -12202,16 +12305,16 @@
           </p:nvSpPr>
           <p:spPr>
             <a:xfrm flipH="1">
-              <a:off x="9471960" y="243720"/>
-              <a:ext cx="120960" cy="1112400"/>
+              <a:off x="9471240" y="243720"/>
+              <a:ext cx="120600" cy="1112040"/>
             </a:xfrm>
             <a:custGeom>
               <a:avLst/>
               <a:gdLst>
-                <a:gd name="textAreaLeft" fmla="*/ -2160 w 120960"/>
-                <a:gd name="textAreaRight" fmla="*/ 123120 w 120960"/>
-                <a:gd name="textAreaTop" fmla="*/ 0 h 1112400"/>
-                <a:gd name="textAreaBottom" fmla="*/ 1116720 h 1112400"/>
+                <a:gd name="textAreaLeft" fmla="*/ -2520 w 120600"/>
+                <a:gd name="textAreaRight" fmla="*/ 122760 w 120600"/>
+                <a:gd name="textAreaTop" fmla="*/ 0 h 1112040"/>
+                <a:gd name="textAreaBottom" fmla="*/ 1116720 h 1112040"/>
               </a:gdLst>
               <a:ahLst/>
               <a:rect l="textAreaLeft" t="textAreaTop" r="textAreaRight" b="textAreaBottom"/>
@@ -12282,7 +12385,7 @@
         <p:spPr>
           <a:xfrm>
             <a:off x="6400800" y="1359000"/>
-            <a:ext cx="5482800" cy="5266800"/>
+            <a:ext cx="5482440" cy="5266440"/>
           </a:xfrm>
           <a:prstGeom prst="rect">
             <a:avLst/>
@@ -12829,7 +12932,7 @@
         <p:spPr>
           <a:xfrm>
             <a:off x="273600" y="6435000"/>
-            <a:ext cx="565920" cy="271080"/>
+            <a:ext cx="565560" cy="270720"/>
           </a:xfrm>
           <a:prstGeom prst="rect">
             <a:avLst/>
@@ -12858,7 +12961,7 @@
                 <a:tab algn="l" pos="0"/>
               </a:tabLst>
             </a:pPr>
-            <a:fld id="{3CAF3F91-4C71-410E-B5E8-269B63C67DEF}" type="slidenum">
+            <a:fld id="{404B72AA-3CA9-46ED-A27A-69EF93FAA096}" type="slidenum">
               <a:rPr b="0" lang="ru-RU" sz="1400" spc="-1" strike="noStrike">
                 <a:solidFill>
                   <a:srgbClr val="898989"/>
@@ -12920,7 +13023,7 @@
         <p:spPr>
           <a:xfrm>
             <a:off x="388440" y="1600200"/>
-            <a:ext cx="11495160" cy="5025600"/>
+            <a:ext cx="11494800" cy="5025240"/>
           </a:xfrm>
           <a:prstGeom prst="rect">
             <a:avLst/>
@@ -13317,9 +13420,9 @@
         <p:grpSpPr>
           <a:xfrm>
             <a:off x="3168000" y="243720"/>
-            <a:ext cx="6429600" cy="1117440"/>
+            <a:ext cx="6429240" cy="1117440"/>
             <a:chOff x="3168000" y="243720"/>
-            <a:chExt cx="6429600" cy="1117440"/>
+            <a:chExt cx="6429240" cy="1117440"/>
           </a:xfrm>
         </p:grpSpPr>
         <p:sp>
@@ -13331,7 +13434,7 @@
           <p:spPr>
             <a:xfrm>
               <a:off x="3168000" y="243720"/>
-              <a:ext cx="6429600" cy="1112400"/>
+              <a:ext cx="6429240" cy="1112040"/>
             </a:xfrm>
             <a:prstGeom prst="rect">
               <a:avLst/>
@@ -13397,16 +13500,16 @@
           </p:nvSpPr>
           <p:spPr>
             <a:xfrm flipH="1" rot="10800000">
-              <a:off x="3168000" y="248760"/>
-              <a:ext cx="102240" cy="1112400"/>
+              <a:off x="3167640" y="249120"/>
+              <a:ext cx="101880" cy="1112040"/>
             </a:xfrm>
             <a:custGeom>
               <a:avLst/>
               <a:gdLst>
-                <a:gd name="textAreaLeft" fmla="*/ 2520 w 102240"/>
-                <a:gd name="textAreaRight" fmla="*/ 109440 w 102240"/>
-                <a:gd name="textAreaTop" fmla="*/ 0 h 1112400"/>
-                <a:gd name="textAreaBottom" fmla="*/ 1116720 h 1112400"/>
+                <a:gd name="textAreaLeft" fmla="*/ 2520 w 101880"/>
+                <a:gd name="textAreaRight" fmla="*/ 109440 w 101880"/>
+                <a:gd name="textAreaTop" fmla="*/ 0 h 1112040"/>
+                <a:gd name="textAreaBottom" fmla="*/ 1116720 h 1112040"/>
               </a:gdLst>
               <a:ahLst/>
               <a:rect l="textAreaLeft" t="textAreaTop" r="textAreaRight" b="textAreaBottom"/>
@@ -13475,16 +13578,16 @@
           </p:nvSpPr>
           <p:spPr>
             <a:xfrm flipH="1">
-              <a:off x="9471960" y="243720"/>
-              <a:ext cx="120960" cy="1112400"/>
+              <a:off x="9471240" y="243720"/>
+              <a:ext cx="120600" cy="1112040"/>
             </a:xfrm>
             <a:custGeom>
               <a:avLst/>
               <a:gdLst>
-                <a:gd name="textAreaLeft" fmla="*/ -2160 w 120960"/>
-                <a:gd name="textAreaRight" fmla="*/ 123120 w 120960"/>
-                <a:gd name="textAreaTop" fmla="*/ 0 h 1112400"/>
-                <a:gd name="textAreaBottom" fmla="*/ 1116720 h 1112400"/>
+                <a:gd name="textAreaLeft" fmla="*/ -2520 w 120600"/>
+                <a:gd name="textAreaRight" fmla="*/ 122760 w 120600"/>
+                <a:gd name="textAreaTop" fmla="*/ 0 h 1112040"/>
+                <a:gd name="textAreaBottom" fmla="*/ 1116720 h 1112040"/>
               </a:gdLst>
               <a:ahLst/>
               <a:rect l="textAreaLeft" t="textAreaTop" r="textAreaRight" b="textAreaBottom"/>
@@ -13555,7 +13658,7 @@
         <p:spPr>
           <a:xfrm>
             <a:off x="273600" y="6435000"/>
-            <a:ext cx="565920" cy="271080"/>
+            <a:ext cx="565560" cy="270720"/>
           </a:xfrm>
           <a:prstGeom prst="rect">
             <a:avLst/>
@@ -13584,7 +13687,7 @@
                 <a:tab algn="l" pos="0"/>
               </a:tabLst>
             </a:pPr>
-            <a:fld id="{53A1734F-BEAD-4DF1-A5BC-CF756C3F0084}" type="slidenum">
+            <a:fld id="{433CB800-3056-44D5-A15A-23570289CEFF}" type="slidenum">
               <a:rPr b="0" lang="ru-RU" sz="1400" spc="-1" strike="noStrike">
                 <a:solidFill>
                   <a:srgbClr val="898989"/>
@@ -13642,9 +13745,9 @@
         <p:grpSpPr>
           <a:xfrm>
             <a:off x="3168000" y="322920"/>
-            <a:ext cx="5516280" cy="959040"/>
+            <a:ext cx="5515920" cy="959040"/>
             <a:chOff x="3168000" y="322920"/>
-            <a:chExt cx="5516280" cy="959040"/>
+            <a:chExt cx="5515920" cy="959040"/>
           </a:xfrm>
         </p:grpSpPr>
         <p:sp>
@@ -13656,7 +13759,7 @@
           <p:spPr>
             <a:xfrm>
               <a:off x="3168000" y="322920"/>
-              <a:ext cx="5516280" cy="953640"/>
+              <a:ext cx="5515920" cy="953280"/>
             </a:xfrm>
             <a:prstGeom prst="rect">
               <a:avLst/>
@@ -13722,16 +13825,16 @@
           </p:nvSpPr>
           <p:spPr>
             <a:xfrm flipH="1" rot="10800000">
-              <a:off x="3167640" y="328320"/>
-              <a:ext cx="86760" cy="953640"/>
+              <a:off x="3168000" y="328680"/>
+              <a:ext cx="86400" cy="953280"/>
             </a:xfrm>
             <a:custGeom>
               <a:avLst/>
               <a:gdLst>
-                <a:gd name="textAreaLeft" fmla="*/ 2160 w 86760"/>
-                <a:gd name="textAreaRight" fmla="*/ 93960 w 86760"/>
-                <a:gd name="textAreaTop" fmla="*/ 0 h 953640"/>
-                <a:gd name="textAreaBottom" fmla="*/ 958320 h 953640"/>
+                <a:gd name="textAreaLeft" fmla="*/ 2520 w 86400"/>
+                <a:gd name="textAreaRight" fmla="*/ 94320 w 86400"/>
+                <a:gd name="textAreaTop" fmla="*/ 0 h 953280"/>
+                <a:gd name="textAreaBottom" fmla="*/ 958320 h 953280"/>
               </a:gdLst>
               <a:ahLst/>
               <a:rect l="textAreaLeft" t="textAreaTop" r="textAreaRight" b="textAreaBottom"/>
@@ -13801,15 +13904,15 @@
           <p:spPr>
             <a:xfrm flipH="1">
               <a:off x="8576280" y="322920"/>
-              <a:ext cx="102600" cy="953640"/>
+              <a:ext cx="102240" cy="953280"/>
             </a:xfrm>
             <a:custGeom>
               <a:avLst/>
               <a:gdLst>
-                <a:gd name="textAreaLeft" fmla="*/ 720 w 102600"/>
-                <a:gd name="textAreaRight" fmla="*/ 107640 w 102600"/>
-                <a:gd name="textAreaTop" fmla="*/ 0 h 953640"/>
-                <a:gd name="textAreaBottom" fmla="*/ 958320 h 953640"/>
+                <a:gd name="textAreaLeft" fmla="*/ 1080 w 102240"/>
+                <a:gd name="textAreaRight" fmla="*/ 108000 w 102240"/>
+                <a:gd name="textAreaTop" fmla="*/ 0 h 953280"/>
+                <a:gd name="textAreaBottom" fmla="*/ 958320 h 953280"/>
               </a:gdLst>
               <a:ahLst/>
               <a:rect l="textAreaLeft" t="textAreaTop" r="textAreaRight" b="textAreaBottom"/>
@@ -13880,7 +13983,7 @@
         <p:spPr>
           <a:xfrm>
             <a:off x="273600" y="6435000"/>
-            <a:ext cx="565920" cy="271080"/>
+            <a:ext cx="565560" cy="270720"/>
           </a:xfrm>
           <a:prstGeom prst="rect">
             <a:avLst/>
@@ -13909,7 +14012,7 @@
                 <a:tab algn="l" pos="0"/>
               </a:tabLst>
             </a:pPr>
-            <a:fld id="{52569A55-962C-4F9B-91CD-BA45961AA3D6}" type="slidenum">
+            <a:fld id="{D99B7EFC-BA89-4F84-A1C9-7217DE9239A8}" type="slidenum">
               <a:rPr b="0" lang="ru-RU" sz="1400" spc="-1" strike="noStrike">
                 <a:solidFill>
                   <a:srgbClr val="898989"/>
@@ -15150,7 +15253,7 @@
         <p:spPr>
           <a:xfrm>
             <a:off x="8121600" y="1371600"/>
-            <a:ext cx="3884040" cy="4569480"/>
+            <a:ext cx="3883680" cy="4569120"/>
           </a:xfrm>
           <a:prstGeom prst="rect">
             <a:avLst/>
@@ -15345,7 +15448,7 @@
         <p:spPr>
           <a:xfrm>
             <a:off x="7952400" y="3128400"/>
-            <a:ext cx="3769200" cy="549360"/>
+            <a:ext cx="3768840" cy="549000"/>
           </a:xfrm>
           <a:prstGeom prst="rect">
             <a:avLst/>
@@ -15368,7 +15471,7 @@
         <p:spPr>
           <a:xfrm>
             <a:off x="7759800" y="5571000"/>
-            <a:ext cx="4350600" cy="540000"/>
+            <a:ext cx="4350240" cy="539640"/>
           </a:xfrm>
           <a:prstGeom prst="rect">
             <a:avLst/>

--- a/Прогнозирование_вероятности_дефолта.pptx
+++ b/Прогнозирование_вероятности_дефолта.pptx
@@ -90,7 +90,7 @@
         <p:txBody>
           <a:bodyPr/>
           <a:p>
-            <a:fld id="{A87225F6-9CA7-4659-AAE7-583D9FE86099}" type="slidenum">
+            <a:fld id="{58B989D7-8FBB-41EC-AA3A-0EC25D78A43A}" type="slidenum">
               <a:t>&lt;#&gt;</a:t>
             </a:fld>
           </a:p>
@@ -132,7 +132,7 @@
         <p:txBody>
           <a:bodyPr/>
           <a:p>
-            <a:fld id="{C74E4092-A059-4180-95F2-F9C0FDE4F63E}" type="slidenum">
+            <a:fld id="{4CF21BEA-2A8E-491B-8D50-9ED678337A5B}" type="slidenum">
               <a:t>&lt;#&gt;</a:t>
             </a:fld>
           </a:p>
@@ -174,7 +174,7 @@
         <p:txBody>
           <a:bodyPr/>
           <a:p>
-            <a:fld id="{75A6E542-2CC8-4B76-8AF4-03C6629CB624}" type="slidenum">
+            <a:fld id="{0703FE25-A4D0-4BB7-9505-16404D937A0E}" type="slidenum">
               <a:t>&lt;#&gt;</a:t>
             </a:fld>
           </a:p>
@@ -216,7 +216,7 @@
         <p:txBody>
           <a:bodyPr/>
           <a:p>
-            <a:fld id="{5934B24C-00D1-457D-B6F5-79DF619467DE}" type="slidenum">
+            <a:fld id="{D1F0278C-FB43-4920-8931-B3E866D22F95}" type="slidenum">
               <a:t>&lt;#&gt;</a:t>
             </a:fld>
           </a:p>
@@ -258,7 +258,7 @@
         <p:txBody>
           <a:bodyPr/>
           <a:p>
-            <a:fld id="{0DEC43FB-2406-4AF0-AC9C-FB77BD7C8452}" type="slidenum">
+            <a:fld id="{D58C702C-AF97-40B3-9826-9A5CC3E448BC}" type="slidenum">
               <a:t>&lt;#&gt;</a:t>
             </a:fld>
           </a:p>
@@ -300,7 +300,7 @@
         <p:txBody>
           <a:bodyPr/>
           <a:p>
-            <a:fld id="{8D5E504D-2464-46E3-BAEE-F518E230328A}" type="slidenum">
+            <a:fld id="{F2BCA049-7D4E-4308-B603-73A126EA0848}" type="slidenum">
               <a:t>&lt;#&gt;</a:t>
             </a:fld>
           </a:p>
@@ -342,7 +342,7 @@
         <p:txBody>
           <a:bodyPr/>
           <a:p>
-            <a:fld id="{9696BE37-BF3C-432F-B357-B3CAA057139D}" type="slidenum">
+            <a:fld id="{99F64D0C-2484-4592-A810-C4D841633F81}" type="slidenum">
               <a:t>&lt;#&gt;</a:t>
             </a:fld>
           </a:p>
@@ -412,7 +412,7 @@
         <p:spPr>
           <a:xfrm>
             <a:off x="420480" y="446040"/>
-            <a:ext cx="2356920" cy="718200"/>
+            <a:ext cx="2356560" cy="717840"/>
           </a:xfrm>
           <a:prstGeom prst="rect">
             <a:avLst/>
@@ -430,13 +430,13 @@
         </p:nvPicPr>
         <p:blipFill>
           <a:blip r:embed="rId3"/>
-          <a:srcRect l="0" t="16243" r="0" b="8819"/>
+          <a:srcRect l="0" t="16241" r="0" b="8817"/>
           <a:stretch/>
         </p:blipFill>
         <p:spPr>
           <a:xfrm>
             <a:off x="0" y="0"/>
-            <a:ext cx="12187440" cy="6853320"/>
+            <a:ext cx="12187080" cy="6852960"/>
           </a:xfrm>
           <a:prstGeom prst="rect">
             <a:avLst/>
@@ -455,9 +455,9 @@
         <p:grpSpPr>
           <a:xfrm>
             <a:off x="694440" y="633240"/>
-            <a:ext cx="9498240" cy="4701960"/>
+            <a:ext cx="9497880" cy="4701600"/>
             <a:chOff x="694440" y="633240"/>
-            <a:chExt cx="9498240" cy="4701960"/>
+            <a:chExt cx="9497880" cy="4701600"/>
           </a:xfrm>
         </p:grpSpPr>
         <p:pic>
@@ -473,7 +473,7 @@
           <p:spPr>
             <a:xfrm>
               <a:off x="694440" y="633240"/>
-              <a:ext cx="9498240" cy="4701960"/>
+              <a:ext cx="9497880" cy="4701600"/>
             </a:xfrm>
             <a:prstGeom prst="rect">
               <a:avLst/>
@@ -492,7 +492,7 @@
           <p:spPr>
             <a:xfrm>
               <a:off x="694440" y="5307120"/>
-              <a:ext cx="9498240" cy="24120"/>
+              <a:ext cx="9497880" cy="23760"/>
             </a:xfrm>
             <a:prstGeom prst="rect">
               <a:avLst/>
@@ -552,7 +552,7 @@
         <p:spPr>
           <a:xfrm>
             <a:off x="9157680" y="612000"/>
-            <a:ext cx="2356920" cy="717120"/>
+            <a:ext cx="2356560" cy="716760"/>
           </a:xfrm>
           <a:prstGeom prst="rect">
             <a:avLst/>
@@ -882,7 +882,7 @@
         <p:spPr>
           <a:xfrm>
             <a:off x="420480" y="446040"/>
-            <a:ext cx="2356920" cy="718200"/>
+            <a:ext cx="2356560" cy="717840"/>
           </a:xfrm>
           <a:prstGeom prst="rect">
             <a:avLst/>
@@ -905,7 +905,7 @@
         <p:spPr>
           <a:xfrm>
             <a:off x="273600" y="6433920"/>
-            <a:ext cx="565560" cy="270720"/>
+            <a:ext cx="565200" cy="270360"/>
           </a:xfrm>
           <a:prstGeom prst="rect">
             <a:avLst/>
@@ -947,7 +947,7 @@
                 <a:tab algn="l" pos="0"/>
               </a:tabLst>
             </a:pPr>
-            <a:fld id="{1657E298-60F1-4884-A5F8-ACC316288244}" type="slidenum">
+            <a:fld id="{0DB58518-6C0D-4485-8AFD-E2F36B1A2E75}" type="slidenum">
               <a:rPr b="0" lang="ru-RU" sz="2400" spc="-1" strike="noStrike">
                 <a:solidFill>
                   <a:srgbClr val="898989"/>
@@ -1286,7 +1286,7 @@
         <p:spPr>
           <a:xfrm>
             <a:off x="420480" y="446040"/>
-            <a:ext cx="2356920" cy="718200"/>
+            <a:ext cx="2356560" cy="717840"/>
           </a:xfrm>
           <a:prstGeom prst="rect">
             <a:avLst/>
@@ -1309,7 +1309,7 @@
         <p:spPr>
           <a:xfrm>
             <a:off x="273600" y="6433920"/>
-            <a:ext cx="627840" cy="270720"/>
+            <a:ext cx="627480" cy="270360"/>
           </a:xfrm>
           <a:prstGeom prst="rect">
             <a:avLst/>
@@ -1351,7 +1351,7 @@
                 <a:tab algn="l" pos="0"/>
               </a:tabLst>
             </a:pPr>
-            <a:fld id="{16E61CEC-B613-4179-9E2C-F50DE50F86B9}" type="slidenum">
+            <a:fld id="{2772E0A3-BC17-495F-80D7-5246FE0F120B}" type="slidenum">
               <a:rPr b="0" lang="ru-RU" sz="2400" spc="-1" strike="noStrike">
                 <a:solidFill>
                   <a:srgbClr val="898989"/>
@@ -1416,7 +1416,7 @@
         <p:spPr>
           <a:xfrm>
             <a:off x="420480" y="446040"/>
-            <a:ext cx="2356920" cy="718200"/>
+            <a:ext cx="2356560" cy="717840"/>
           </a:xfrm>
           <a:prstGeom prst="rect">
             <a:avLst/>
@@ -1439,7 +1439,7 @@
         <p:spPr>
           <a:xfrm>
             <a:off x="273600" y="6433920"/>
-            <a:ext cx="565560" cy="270720"/>
+            <a:ext cx="565200" cy="270360"/>
           </a:xfrm>
           <a:prstGeom prst="rect">
             <a:avLst/>
@@ -1481,7 +1481,7 @@
                 <a:tab algn="l" pos="0"/>
               </a:tabLst>
             </a:pPr>
-            <a:fld id="{DF50C560-B89D-4DAB-8974-54BEA025100F}" type="slidenum">
+            <a:fld id="{4FC2C489-5E52-41C9-949C-C738E7E7E965}" type="slidenum">
               <a:rPr b="0" lang="ru-RU" sz="2400" spc="-1" strike="noStrike">
                 <a:solidFill>
                   <a:srgbClr val="898989"/>
@@ -1546,7 +1546,7 @@
         <p:spPr>
           <a:xfrm>
             <a:off x="420480" y="446040"/>
-            <a:ext cx="2356920" cy="718200"/>
+            <a:ext cx="2356560" cy="717840"/>
           </a:xfrm>
           <a:prstGeom prst="rect">
             <a:avLst/>
@@ -1569,7 +1569,7 @@
         <p:spPr>
           <a:xfrm>
             <a:off x="273600" y="6433920"/>
-            <a:ext cx="565560" cy="270720"/>
+            <a:ext cx="565200" cy="270360"/>
           </a:xfrm>
           <a:prstGeom prst="rect">
             <a:avLst/>
@@ -1611,7 +1611,7 @@
                 <a:tab algn="l" pos="0"/>
               </a:tabLst>
             </a:pPr>
-            <a:fld id="{32C48FB2-2F14-4059-886B-2DE337E2DCD7}" type="slidenum">
+            <a:fld id="{681EF5AC-3478-4D10-894E-19730914E87F}" type="slidenum">
               <a:rPr b="0" lang="ru-RU" sz="2400" spc="-1" strike="noStrike">
                 <a:solidFill>
                   <a:srgbClr val="898989"/>
@@ -1676,7 +1676,7 @@
         <p:spPr>
           <a:xfrm>
             <a:off x="420480" y="446040"/>
-            <a:ext cx="2356920" cy="718200"/>
+            <a:ext cx="2356560" cy="717840"/>
           </a:xfrm>
           <a:prstGeom prst="rect">
             <a:avLst/>
@@ -1699,7 +1699,7 @@
         <p:spPr>
           <a:xfrm>
             <a:off x="273600" y="6433920"/>
-            <a:ext cx="565560" cy="270720"/>
+            <a:ext cx="565200" cy="270360"/>
           </a:xfrm>
           <a:prstGeom prst="rect">
             <a:avLst/>
@@ -1741,7 +1741,7 @@
                 <a:tab algn="l" pos="0"/>
               </a:tabLst>
             </a:pPr>
-            <a:fld id="{DDCA77A0-29F1-4432-A2BC-D013B090D504}" type="slidenum">
+            <a:fld id="{CB932F7C-DD4F-43F6-8AAB-527163914D79}" type="slidenum">
               <a:rPr b="0" lang="ru-RU" sz="2400" spc="-1" strike="noStrike">
                 <a:solidFill>
                   <a:srgbClr val="898989"/>
@@ -1806,7 +1806,7 @@
         <p:spPr>
           <a:xfrm>
             <a:off x="420480" y="446040"/>
-            <a:ext cx="2356920" cy="718200"/>
+            <a:ext cx="2356560" cy="717840"/>
           </a:xfrm>
           <a:prstGeom prst="rect">
             <a:avLst/>
@@ -1829,7 +1829,7 @@
         <p:spPr>
           <a:xfrm>
             <a:off x="273600" y="6433920"/>
-            <a:ext cx="565560" cy="270720"/>
+            <a:ext cx="565200" cy="270360"/>
           </a:xfrm>
           <a:prstGeom prst="rect">
             <a:avLst/>
@@ -1871,7 +1871,7 @@
                 <a:tab algn="l" pos="0"/>
               </a:tabLst>
             </a:pPr>
-            <a:fld id="{28229D95-21BE-4745-9BD9-902884D9B4AC}" type="slidenum">
+            <a:fld id="{58DD2131-4A74-4FB1-B7B4-671386FE4E66}" type="slidenum">
               <a:rPr b="0" lang="ru-RU" sz="2400" spc="-1" strike="noStrike">
                 <a:solidFill>
                   <a:srgbClr val="898989"/>
@@ -1936,7 +1936,7 @@
         <p:spPr>
           <a:xfrm>
             <a:off x="420480" y="446040"/>
-            <a:ext cx="2356920" cy="718200"/>
+            <a:ext cx="2356560" cy="717840"/>
           </a:xfrm>
           <a:prstGeom prst="rect">
             <a:avLst/>
@@ -1959,7 +1959,7 @@
         <p:spPr>
           <a:xfrm>
             <a:off x="273600" y="6433920"/>
-            <a:ext cx="565560" cy="270720"/>
+            <a:ext cx="565200" cy="270360"/>
           </a:xfrm>
           <a:prstGeom prst="rect">
             <a:avLst/>
@@ -2001,7 +2001,7 @@
                 <a:tab algn="l" pos="0"/>
               </a:tabLst>
             </a:pPr>
-            <a:fld id="{C3E8AD5E-03EB-4C94-86DE-90A8764FDC37}" type="slidenum">
+            <a:fld id="{12B700DB-3B3C-43B4-B723-E2A38C8A49A6}" type="slidenum">
               <a:rPr b="0" lang="ru-RU" sz="2400" spc="-1" strike="noStrike">
                 <a:solidFill>
                   <a:srgbClr val="898989"/>
@@ -2066,7 +2066,7 @@
         <p:spPr>
           <a:xfrm>
             <a:off x="420480" y="446040"/>
-            <a:ext cx="2356920" cy="718200"/>
+            <a:ext cx="2356560" cy="717840"/>
           </a:xfrm>
           <a:prstGeom prst="rect">
             <a:avLst/>
@@ -2084,13 +2084,13 @@
         </p:nvPicPr>
         <p:blipFill>
           <a:blip r:embed="rId3"/>
-          <a:srcRect l="0" t="16243" r="0" b="8819"/>
+          <a:srcRect l="0" t="16241" r="0" b="8817"/>
           <a:stretch/>
         </p:blipFill>
         <p:spPr>
           <a:xfrm>
             <a:off x="0" y="0"/>
-            <a:ext cx="12187440" cy="6853320"/>
+            <a:ext cx="12187080" cy="6852960"/>
           </a:xfrm>
           <a:prstGeom prst="rect">
             <a:avLst/>
@@ -2113,7 +2113,7 @@
         <p:spPr>
           <a:xfrm>
             <a:off x="6575400" y="2096640"/>
-            <a:ext cx="1327320" cy="1327320"/>
+            <a:ext cx="1326960" cy="1326960"/>
           </a:xfrm>
           <a:prstGeom prst="rect">
             <a:avLst/>
@@ -2136,7 +2136,7 @@
         <p:spPr>
           <a:xfrm>
             <a:off x="1278360" y="2042640"/>
-            <a:ext cx="4705560" cy="1435320"/>
+            <a:ext cx="4705200" cy="1434960"/>
           </a:xfrm>
           <a:prstGeom prst="rect">
             <a:avLst/>
@@ -2155,7 +2155,7 @@
         <p:spPr>
           <a:xfrm>
             <a:off x="7849800" y="2522520"/>
-            <a:ext cx="3043800" cy="473760"/>
+            <a:ext cx="3043440" cy="473760"/>
           </a:xfrm>
           <a:prstGeom prst="rect">
             <a:avLst/>
@@ -2208,16 +2208,16 @@
         </p:nvSpPr>
         <p:spPr>
           <a:xfrm flipH="1">
-            <a:off x="10707480" y="2096640"/>
-            <a:ext cx="126000" cy="1327320"/>
+            <a:off x="10706760" y="2096640"/>
+            <a:ext cx="125640" cy="1326960"/>
           </a:xfrm>
           <a:custGeom>
             <a:avLst/>
             <a:gdLst>
-              <a:gd name="textAreaLeft" fmla="*/ 2520 w 126000"/>
-              <a:gd name="textAreaRight" fmla="*/ 133200 w 126000"/>
-              <a:gd name="textAreaTop" fmla="*/ 0 h 1327320"/>
-              <a:gd name="textAreaBottom" fmla="*/ 1332000 h 1327320"/>
+              <a:gd name="textAreaLeft" fmla="*/ 2520 w 125640"/>
+              <a:gd name="textAreaRight" fmla="*/ 133200 w 125640"/>
+              <a:gd name="textAreaTop" fmla="*/ 0 h 1326960"/>
+              <a:gd name="textAreaBottom" fmla="*/ 1332000 h 1326960"/>
             </a:gdLst>
             <a:ahLst/>
             <a:rect l="textAreaLeft" t="textAreaTop" r="textAreaRight" b="textAreaBottom"/>
@@ -2591,7 +2591,7 @@
         <p:spPr>
           <a:xfrm>
             <a:off x="1078200" y="4363560"/>
-            <a:ext cx="9114480" cy="869400"/>
+            <a:ext cx="9114120" cy="869040"/>
           </a:xfrm>
           <a:prstGeom prst="rect">
             <a:avLst/>
@@ -2645,7 +2645,7 @@
         <p:spPr>
           <a:xfrm>
             <a:off x="1078200" y="743400"/>
-            <a:ext cx="9115560" cy="3413160"/>
+            <a:ext cx="9115200" cy="3412800"/>
           </a:xfrm>
           <a:prstGeom prst="rect">
             <a:avLst/>
@@ -2729,9 +2729,9 @@
         <p:grpSpPr>
           <a:xfrm>
             <a:off x="3168000" y="469440"/>
-            <a:ext cx="3830760" cy="666000"/>
+            <a:ext cx="3830400" cy="666000"/>
             <a:chOff x="3168000" y="469440"/>
-            <a:chExt cx="3830760" cy="666000"/>
+            <a:chExt cx="3830400" cy="666000"/>
           </a:xfrm>
         </p:grpSpPr>
         <p:sp>
@@ -2743,7 +2743,7 @@
           <p:spPr>
             <a:xfrm>
               <a:off x="3168000" y="469440"/>
-              <a:ext cx="3830760" cy="661320"/>
+              <a:ext cx="3830400" cy="660960"/>
             </a:xfrm>
             <a:prstGeom prst="rect">
               <a:avLst/>
@@ -2809,16 +2809,16 @@
           </p:nvSpPr>
           <p:spPr>
             <a:xfrm flipH="1" rot="10800000">
-              <a:off x="3168000" y="474120"/>
-              <a:ext cx="59040" cy="661320"/>
+              <a:off x="3167640" y="474480"/>
+              <a:ext cx="58680" cy="660960"/>
             </a:xfrm>
             <a:custGeom>
               <a:avLst/>
               <a:gdLst>
-                <a:gd name="textAreaLeft" fmla="*/ 2520 w 59040"/>
-                <a:gd name="textAreaRight" fmla="*/ 66240 w 59040"/>
-                <a:gd name="textAreaTop" fmla="*/ 0 h 661320"/>
-                <a:gd name="textAreaBottom" fmla="*/ 666000 h 661320"/>
+                <a:gd name="textAreaLeft" fmla="*/ 2520 w 58680"/>
+                <a:gd name="textAreaRight" fmla="*/ 66240 w 58680"/>
+                <a:gd name="textAreaTop" fmla="*/ 0 h 660960"/>
+                <a:gd name="textAreaBottom" fmla="*/ 666000 h 660960"/>
               </a:gdLst>
               <a:ahLst/>
               <a:rect l="textAreaLeft" t="textAreaTop" r="textAreaRight" b="textAreaBottom"/>
@@ -2888,15 +2888,15 @@
           <p:spPr>
             <a:xfrm flipH="1">
               <a:off x="6923520" y="469440"/>
-              <a:ext cx="70200" cy="661320"/>
+              <a:ext cx="69840" cy="660960"/>
             </a:xfrm>
             <a:custGeom>
               <a:avLst/>
               <a:gdLst>
-                <a:gd name="textAreaLeft" fmla="*/ -2520 w 70200"/>
-                <a:gd name="textAreaRight" fmla="*/ 72360 w 70200"/>
-                <a:gd name="textAreaTop" fmla="*/ 0 h 661320"/>
-                <a:gd name="textAreaBottom" fmla="*/ 666000 h 661320"/>
+                <a:gd name="textAreaLeft" fmla="*/ -2520 w 69840"/>
+                <a:gd name="textAreaRight" fmla="*/ 72360 w 69840"/>
+                <a:gd name="textAreaTop" fmla="*/ 0 h 660960"/>
+                <a:gd name="textAreaBottom" fmla="*/ 666000 h 660960"/>
               </a:gdLst>
               <a:ahLst/>
               <a:rect l="textAreaLeft" t="textAreaTop" r="textAreaRight" b="textAreaBottom"/>
@@ -2967,7 +2967,7 @@
         <p:spPr>
           <a:xfrm>
             <a:off x="273600" y="6435000"/>
-            <a:ext cx="565560" cy="270720"/>
+            <a:ext cx="565200" cy="270360"/>
           </a:xfrm>
           <a:prstGeom prst="rect">
             <a:avLst/>
@@ -2996,7 +2996,7 @@
                 <a:tab algn="l" pos="0"/>
               </a:tabLst>
             </a:pPr>
-            <a:fld id="{F543A1B4-8A18-426B-8DB1-09924ED42B36}" type="slidenum">
+            <a:fld id="{98A5C0F9-FB60-470E-AA51-8C0BC3B1D55B}" type="slidenum">
               <a:rPr b="0" lang="ru-RU" sz="1400" spc="-1" strike="noStrike">
                 <a:solidFill>
                   <a:srgbClr val="898989"/>
@@ -3004,7 +3004,7 @@
                 <a:latin typeface="Times New Roman"/>
                 <a:ea typeface="Open Sans"/>
               </a:rPr>
-              <a:t>8</a:t>
+              <a:t>&lt;number&gt;</a:t>
             </a:fld>
             <a:endParaRPr b="0" lang="en-US" sz="1400" spc="-1" strike="noStrike">
               <a:solidFill>
@@ -3024,7 +3024,7 @@
         <p:spPr>
           <a:xfrm>
             <a:off x="464040" y="1350720"/>
-            <a:ext cx="7311240" cy="5266440"/>
+            <a:ext cx="7310880" cy="5266080"/>
           </a:xfrm>
           <a:prstGeom prst="rect">
             <a:avLst/>
@@ -3361,7 +3361,7 @@
         <p:spPr>
           <a:xfrm>
             <a:off x="300600" y="1371600"/>
-            <a:ext cx="4040640" cy="1875240"/>
+            <a:ext cx="4040280" cy="1874880"/>
           </a:xfrm>
           <a:prstGeom prst="rect">
             <a:avLst/>
@@ -3486,9 +3486,9 @@
         <p:grpSpPr>
           <a:xfrm>
             <a:off x="3168000" y="469440"/>
-            <a:ext cx="3830760" cy="666000"/>
+            <a:ext cx="3830400" cy="666000"/>
             <a:chOff x="3168000" y="469440"/>
-            <a:chExt cx="3830760" cy="666000"/>
+            <a:chExt cx="3830400" cy="666000"/>
           </a:xfrm>
         </p:grpSpPr>
         <p:sp>
@@ -3500,7 +3500,7 @@
           <p:spPr>
             <a:xfrm>
               <a:off x="3168000" y="469440"/>
-              <a:ext cx="3830760" cy="661320"/>
+              <a:ext cx="3830400" cy="660960"/>
             </a:xfrm>
             <a:prstGeom prst="rect">
               <a:avLst/>
@@ -3566,16 +3566,16 @@
           </p:nvSpPr>
           <p:spPr>
             <a:xfrm flipH="1" rot="10800000">
-              <a:off x="3168000" y="474120"/>
-              <a:ext cx="59040" cy="661320"/>
+              <a:off x="3167640" y="474480"/>
+              <a:ext cx="58680" cy="660960"/>
             </a:xfrm>
             <a:custGeom>
               <a:avLst/>
               <a:gdLst>
-                <a:gd name="textAreaLeft" fmla="*/ 2520 w 59040"/>
-                <a:gd name="textAreaRight" fmla="*/ 66240 w 59040"/>
-                <a:gd name="textAreaTop" fmla="*/ 0 h 661320"/>
-                <a:gd name="textAreaBottom" fmla="*/ 666000 h 661320"/>
+                <a:gd name="textAreaLeft" fmla="*/ 2520 w 58680"/>
+                <a:gd name="textAreaRight" fmla="*/ 66240 w 58680"/>
+                <a:gd name="textAreaTop" fmla="*/ 0 h 660960"/>
+                <a:gd name="textAreaBottom" fmla="*/ 666000 h 660960"/>
               </a:gdLst>
               <a:ahLst/>
               <a:rect l="textAreaLeft" t="textAreaTop" r="textAreaRight" b="textAreaBottom"/>
@@ -3645,15 +3645,15 @@
           <p:spPr>
             <a:xfrm flipH="1">
               <a:off x="6923520" y="469440"/>
-              <a:ext cx="70200" cy="661320"/>
+              <a:ext cx="69840" cy="660960"/>
             </a:xfrm>
             <a:custGeom>
               <a:avLst/>
               <a:gdLst>
-                <a:gd name="textAreaLeft" fmla="*/ -2520 w 70200"/>
-                <a:gd name="textAreaRight" fmla="*/ 72360 w 70200"/>
-                <a:gd name="textAreaTop" fmla="*/ 0 h 661320"/>
-                <a:gd name="textAreaBottom" fmla="*/ 666000 h 661320"/>
+                <a:gd name="textAreaLeft" fmla="*/ -2520 w 69840"/>
+                <a:gd name="textAreaRight" fmla="*/ 72360 w 69840"/>
+                <a:gd name="textAreaTop" fmla="*/ 0 h 660960"/>
+                <a:gd name="textAreaBottom" fmla="*/ 666000 h 660960"/>
               </a:gdLst>
               <a:ahLst/>
               <a:rect l="textAreaLeft" t="textAreaTop" r="textAreaRight" b="textAreaBottom"/>
@@ -3724,7 +3724,7 @@
         <p:spPr>
           <a:xfrm>
             <a:off x="273600" y="6435000"/>
-            <a:ext cx="565560" cy="270720"/>
+            <a:ext cx="565200" cy="270360"/>
           </a:xfrm>
           <a:prstGeom prst="rect">
             <a:avLst/>
@@ -3753,7 +3753,7 @@
                 <a:tab algn="l" pos="0"/>
               </a:tabLst>
             </a:pPr>
-            <a:fld id="{59DEC0BF-7E51-47C0-8222-F901502BBDB5}" type="slidenum">
+            <a:fld id="{F1B52302-485C-443E-97CE-AAFB40E75CE4}" type="slidenum">
               <a:rPr b="0" lang="ru-RU" sz="1400" spc="-1" strike="noStrike">
                 <a:solidFill>
                   <a:srgbClr val="898989"/>
@@ -3785,7 +3785,7 @@
         <p:spPr>
           <a:xfrm>
             <a:off x="542160" y="2295000"/>
-            <a:ext cx="3255480" cy="721440"/>
+            <a:ext cx="3255120" cy="721080"/>
           </a:xfrm>
           <a:prstGeom prst="rect">
             <a:avLst/>
@@ -3804,9 +3804,9 @@
         <p:grpSpPr>
           <a:xfrm>
             <a:off x="336600" y="3105000"/>
-            <a:ext cx="4181400" cy="1875240"/>
+            <a:ext cx="4181040" cy="1874880"/>
             <a:chOff x="336600" y="3105000"/>
-            <a:chExt cx="4181400" cy="1875240"/>
+            <a:chExt cx="4181040" cy="1874880"/>
           </a:xfrm>
         </p:grpSpPr>
         <p:sp>
@@ -3818,7 +3818,7 @@
           <p:spPr>
             <a:xfrm>
               <a:off x="336600" y="3105000"/>
-              <a:ext cx="4181400" cy="1875240"/>
+              <a:ext cx="4181040" cy="1874880"/>
             </a:xfrm>
             <a:prstGeom prst="rect">
               <a:avLst/>
@@ -3901,7 +3901,7 @@
           <p:spPr>
             <a:xfrm>
               <a:off x="529200" y="3729600"/>
-              <a:ext cx="3303000" cy="721440"/>
+              <a:ext cx="3302640" cy="721080"/>
             </a:xfrm>
             <a:prstGeom prst="rect">
               <a:avLst/>
@@ -3924,7 +3924,7 @@
           <p:spPr>
             <a:xfrm>
               <a:off x="633960" y="4525200"/>
-              <a:ext cx="2741040" cy="311760"/>
+              <a:ext cx="2740680" cy="311400"/>
             </a:xfrm>
             <a:prstGeom prst="rect">
               <a:avLst/>
@@ -3944,9 +3944,9 @@
         <p:grpSpPr>
           <a:xfrm>
             <a:off x="336600" y="4980600"/>
-            <a:ext cx="4181400" cy="1875240"/>
+            <a:ext cx="4181040" cy="1874880"/>
             <a:chOff x="336600" y="4980600"/>
-            <a:chExt cx="4181400" cy="1875240"/>
+            <a:chExt cx="4181040" cy="1874880"/>
           </a:xfrm>
         </p:grpSpPr>
         <p:sp>
@@ -3958,7 +3958,7 @@
           <p:spPr>
             <a:xfrm>
               <a:off x="336600" y="4980600"/>
-              <a:ext cx="4181400" cy="1875240"/>
+              <a:ext cx="4181040" cy="1874880"/>
             </a:xfrm>
             <a:prstGeom prst="rect">
               <a:avLst/>
@@ -4041,7 +4041,7 @@
           <p:spPr>
             <a:xfrm>
               <a:off x="491040" y="5696280"/>
-              <a:ext cx="3341160" cy="702360"/>
+              <a:ext cx="3340800" cy="702000"/>
             </a:xfrm>
             <a:prstGeom prst="rect">
               <a:avLst/>
@@ -4061,9 +4061,9 @@
         <p:grpSpPr>
           <a:xfrm>
             <a:off x="7704360" y="1552320"/>
-            <a:ext cx="4181400" cy="1646640"/>
+            <a:ext cx="4181040" cy="1646280"/>
             <a:chOff x="7704360" y="1552320"/>
-            <a:chExt cx="4181400" cy="1646640"/>
+            <a:chExt cx="4181040" cy="1646280"/>
           </a:xfrm>
         </p:grpSpPr>
         <p:sp>
@@ -4075,7 +4075,7 @@
           <p:spPr>
             <a:xfrm>
               <a:off x="7704360" y="1552320"/>
-              <a:ext cx="4181400" cy="1646640"/>
+              <a:ext cx="4181040" cy="1646280"/>
             </a:xfrm>
             <a:prstGeom prst="rect">
               <a:avLst/>
@@ -4139,7 +4139,7 @@
           <p:spPr>
             <a:xfrm>
               <a:off x="7858800" y="1977840"/>
-              <a:ext cx="3922200" cy="740520"/>
+              <a:ext cx="3921840" cy="740160"/>
             </a:xfrm>
             <a:prstGeom prst="rect">
               <a:avLst/>
@@ -4159,7 +4159,7 @@
         <p:spPr>
           <a:xfrm>
             <a:off x="4114800" y="3886200"/>
-            <a:ext cx="4181400" cy="1646640"/>
+            <a:ext cx="4181040" cy="1646280"/>
           </a:xfrm>
           <a:prstGeom prst="rect">
             <a:avLst/>
@@ -4219,7 +4219,7 @@
         <p:spPr>
           <a:xfrm>
             <a:off x="4343400" y="5715000"/>
-            <a:ext cx="2513160" cy="455760"/>
+            <a:ext cx="2512800" cy="455400"/>
           </a:xfrm>
           <a:prstGeom prst="rightArrow">
             <a:avLst>
@@ -4274,7 +4274,7 @@
         <p:spPr>
           <a:xfrm>
             <a:off x="7200720" y="5486400"/>
-            <a:ext cx="3999240" cy="865080"/>
+            <a:ext cx="3998880" cy="864720"/>
           </a:xfrm>
           <a:prstGeom prst="rect">
             <a:avLst/>
@@ -4323,9 +4323,9 @@
         <p:grpSpPr>
           <a:xfrm>
             <a:off x="3168000" y="184320"/>
-            <a:ext cx="7116480" cy="1236240"/>
+            <a:ext cx="7116120" cy="1236240"/>
             <a:chOff x="3168000" y="184320"/>
-            <a:chExt cx="7116480" cy="1236240"/>
+            <a:chExt cx="7116120" cy="1236240"/>
           </a:xfrm>
         </p:grpSpPr>
         <p:sp>
@@ -4337,7 +4337,7 @@
           <p:spPr>
             <a:xfrm>
               <a:off x="3168000" y="184320"/>
-              <a:ext cx="7116480" cy="1231200"/>
+              <a:ext cx="7116120" cy="1230840"/>
             </a:xfrm>
             <a:prstGeom prst="rect">
               <a:avLst/>
@@ -4403,16 +4403,16 @@
           </p:nvSpPr>
           <p:spPr>
             <a:xfrm flipH="1" rot="10800000">
-              <a:off x="3167640" y="189360"/>
-              <a:ext cx="113400" cy="1231200"/>
+              <a:off x="3168000" y="189720"/>
+              <a:ext cx="113040" cy="1230840"/>
             </a:xfrm>
             <a:custGeom>
               <a:avLst/>
               <a:gdLst>
-                <a:gd name="textAreaLeft" fmla="*/ -360 w 113400"/>
-                <a:gd name="textAreaRight" fmla="*/ 117720 w 113400"/>
-                <a:gd name="textAreaTop" fmla="*/ 0 h 1231200"/>
-                <a:gd name="textAreaBottom" fmla="*/ 1235880 h 1231200"/>
+                <a:gd name="textAreaLeft" fmla="*/ -360 w 113040"/>
+                <a:gd name="textAreaRight" fmla="*/ 117720 w 113040"/>
+                <a:gd name="textAreaTop" fmla="*/ 0 h 1230840"/>
+                <a:gd name="textAreaBottom" fmla="*/ 1235880 h 1230840"/>
               </a:gdLst>
               <a:ahLst/>
               <a:rect l="textAreaLeft" t="textAreaTop" r="textAreaRight" b="textAreaBottom"/>
@@ -4482,15 +4482,15 @@
           <p:spPr>
             <a:xfrm flipH="1">
               <a:off x="10144800" y="184320"/>
-              <a:ext cx="134280" cy="1231200"/>
+              <a:ext cx="133920" cy="1230840"/>
             </a:xfrm>
             <a:custGeom>
               <a:avLst/>
               <a:gdLst>
-                <a:gd name="textAreaLeft" fmla="*/ 360 w 134280"/>
-                <a:gd name="textAreaRight" fmla="*/ 138960 w 134280"/>
-                <a:gd name="textAreaTop" fmla="*/ 0 h 1231200"/>
-                <a:gd name="textAreaBottom" fmla="*/ 1235880 h 1231200"/>
+                <a:gd name="textAreaLeft" fmla="*/ 720 w 133920"/>
+                <a:gd name="textAreaRight" fmla="*/ 139320 w 133920"/>
+                <a:gd name="textAreaTop" fmla="*/ 0 h 1230840"/>
+                <a:gd name="textAreaBottom" fmla="*/ 1235880 h 1230840"/>
               </a:gdLst>
               <a:ahLst/>
               <a:rect l="textAreaLeft" t="textAreaTop" r="textAreaRight" b="textAreaBottom"/>
@@ -4561,7 +4561,7 @@
         <p:spPr>
           <a:xfrm>
             <a:off x="273600" y="6435000"/>
-            <a:ext cx="565560" cy="270720"/>
+            <a:ext cx="565200" cy="270360"/>
           </a:xfrm>
           <a:prstGeom prst="rect">
             <a:avLst/>
@@ -4590,7 +4590,7 @@
                 <a:tab algn="l" pos="0"/>
               </a:tabLst>
             </a:pPr>
-            <a:fld id="{D2404B2A-0DDB-476A-991A-FCD43A33E679}" type="slidenum">
+            <a:fld id="{84E40953-ACF4-4614-AD92-869929DDD232}" type="slidenum">
               <a:rPr b="0" lang="ru-RU" sz="1400" spc="-1" strike="noStrike">
                 <a:solidFill>
                   <a:srgbClr val="898989"/>
@@ -4598,7 +4598,7 @@
                 <a:latin typeface="Times New Roman"/>
                 <a:ea typeface="Open Sans"/>
               </a:rPr>
-              <a:t>11</a:t>
+              <a:t>&lt;number&gt;</a:t>
             </a:fld>
             <a:endParaRPr b="0" lang="en-US" sz="1400" spc="-1" strike="noStrike">
               <a:solidFill>
@@ -4622,7 +4622,7 @@
         <p:spPr>
           <a:xfrm>
             <a:off x="132480" y="1563480"/>
-            <a:ext cx="9142560" cy="4835880"/>
+            <a:ext cx="9142200" cy="4835520"/>
           </a:xfrm>
           <a:prstGeom prst="rect">
             <a:avLst/>
@@ -4641,7 +4641,7 @@
         <p:spPr>
           <a:xfrm>
             <a:off x="9274680" y="1600200"/>
-            <a:ext cx="2735640" cy="2285280"/>
+            <a:ext cx="2735280" cy="2284920"/>
           </a:xfrm>
           <a:prstGeom prst="rect">
             <a:avLst/>
@@ -4822,7 +4822,7 @@
         <p:spPr>
           <a:xfrm>
             <a:off x="388440" y="1371600"/>
-            <a:ext cx="11040120" cy="5256360"/>
+            <a:ext cx="11039760" cy="5256000"/>
           </a:xfrm>
           <a:prstGeom prst="rect">
             <a:avLst/>
@@ -5128,9 +5128,9 @@
         <p:grpSpPr>
           <a:xfrm>
             <a:off x="3168000" y="283680"/>
-            <a:ext cx="5971680" cy="1037520"/>
+            <a:ext cx="5971320" cy="1037520"/>
             <a:chOff x="3168000" y="283680"/>
-            <a:chExt cx="5971680" cy="1037520"/>
+            <a:chExt cx="5971320" cy="1037520"/>
           </a:xfrm>
         </p:grpSpPr>
         <p:sp>
@@ -5142,7 +5142,7 @@
           <p:spPr>
             <a:xfrm>
               <a:off x="3168000" y="283680"/>
-              <a:ext cx="5971680" cy="1032840"/>
+              <a:ext cx="5971320" cy="1032480"/>
             </a:xfrm>
             <a:prstGeom prst="rect">
               <a:avLst/>
@@ -5208,16 +5208,16 @@
           </p:nvSpPr>
           <p:spPr>
             <a:xfrm flipH="1" rot="10800000">
-              <a:off x="3168000" y="288360"/>
-              <a:ext cx="94320" cy="1032840"/>
+              <a:off x="3167640" y="288720"/>
+              <a:ext cx="93960" cy="1032480"/>
             </a:xfrm>
             <a:custGeom>
               <a:avLst/>
               <a:gdLst>
-                <a:gd name="textAreaLeft" fmla="*/ 2520 w 94320"/>
-                <a:gd name="textAreaRight" fmla="*/ 101520 w 94320"/>
-                <a:gd name="textAreaTop" fmla="*/ 0 h 1032840"/>
-                <a:gd name="textAreaBottom" fmla="*/ 1037520 h 1032840"/>
+                <a:gd name="textAreaLeft" fmla="*/ 2520 w 93960"/>
+                <a:gd name="textAreaRight" fmla="*/ 101520 w 93960"/>
+                <a:gd name="textAreaTop" fmla="*/ 0 h 1032480"/>
+                <a:gd name="textAreaBottom" fmla="*/ 1037520 h 1032480"/>
               </a:gdLst>
               <a:ahLst/>
               <a:rect l="textAreaLeft" t="textAreaTop" r="textAreaRight" b="textAreaBottom"/>
@@ -5286,16 +5286,16 @@
           </p:nvSpPr>
           <p:spPr>
             <a:xfrm flipH="1">
-              <a:off x="9023040" y="283680"/>
-              <a:ext cx="111600" cy="1032840"/>
+              <a:off x="9022320" y="283680"/>
+              <a:ext cx="111240" cy="1032480"/>
             </a:xfrm>
             <a:custGeom>
               <a:avLst/>
               <a:gdLst>
-                <a:gd name="textAreaLeft" fmla="*/ 2520 w 111600"/>
-                <a:gd name="textAreaRight" fmla="*/ 118800 w 111600"/>
-                <a:gd name="textAreaTop" fmla="*/ 0 h 1032840"/>
-                <a:gd name="textAreaBottom" fmla="*/ 1037520 h 1032840"/>
+                <a:gd name="textAreaLeft" fmla="*/ 2520 w 111240"/>
+                <a:gd name="textAreaRight" fmla="*/ 118800 w 111240"/>
+                <a:gd name="textAreaTop" fmla="*/ 0 h 1032480"/>
+                <a:gd name="textAreaBottom" fmla="*/ 1037520 h 1032480"/>
               </a:gdLst>
               <a:ahLst/>
               <a:rect l="textAreaLeft" t="textAreaTop" r="textAreaRight" b="textAreaBottom"/>
@@ -5366,7 +5366,7 @@
         <p:spPr>
           <a:xfrm>
             <a:off x="273600" y="6435000"/>
-            <a:ext cx="565560" cy="270720"/>
+            <a:ext cx="565200" cy="270360"/>
           </a:xfrm>
           <a:prstGeom prst="rect">
             <a:avLst/>
@@ -5395,7 +5395,7 @@
                 <a:tab algn="l" pos="0"/>
               </a:tabLst>
             </a:pPr>
-            <a:fld id="{9117DF43-2BC2-465A-85A7-8FCED623BF61}" type="slidenum">
+            <a:fld id="{7A169C38-D5F3-494C-9508-48F2FD75F67C}" type="slidenum">
               <a:rPr b="0" lang="ru-RU" sz="1400" spc="-1" strike="noStrike">
                 <a:solidFill>
                   <a:srgbClr val="898989"/>
@@ -5403,7 +5403,7 @@
                 <a:latin typeface="Times New Roman"/>
                 <a:ea typeface="Open Sans"/>
               </a:rPr>
-              <a:t>13</a:t>
+              <a:t>&lt;number&gt;</a:t>
             </a:fld>
             <a:endParaRPr b="0" lang="en-US" sz="1400" spc="-1" strike="noStrike">
               <a:solidFill>
@@ -5427,7 +5427,7 @@
         <p:spPr>
           <a:xfrm>
             <a:off x="6616800" y="5545800"/>
-            <a:ext cx="4046760" cy="902880"/>
+            <a:ext cx="4046400" cy="902520"/>
           </a:xfrm>
           <a:prstGeom prst="rect">
             <a:avLst/>
@@ -5480,7 +5480,7 @@
         <p:spPr>
           <a:xfrm>
             <a:off x="388440" y="1299600"/>
-            <a:ext cx="6239520" cy="504360"/>
+            <a:ext cx="6239160" cy="504000"/>
           </a:xfrm>
           <a:prstGeom prst="rect">
             <a:avLst/>
@@ -5532,9 +5532,9 @@
         <p:grpSpPr>
           <a:xfrm>
             <a:off x="3168000" y="469440"/>
-            <a:ext cx="3830760" cy="666000"/>
+            <a:ext cx="3830400" cy="666000"/>
             <a:chOff x="3168000" y="469440"/>
-            <a:chExt cx="3830760" cy="666000"/>
+            <a:chExt cx="3830400" cy="666000"/>
           </a:xfrm>
         </p:grpSpPr>
         <p:sp>
@@ -5546,7 +5546,7 @@
           <p:spPr>
             <a:xfrm>
               <a:off x="3168000" y="469440"/>
-              <a:ext cx="3830760" cy="661320"/>
+              <a:ext cx="3830400" cy="660960"/>
             </a:xfrm>
             <a:prstGeom prst="rect">
               <a:avLst/>
@@ -5612,16 +5612,16 @@
           </p:nvSpPr>
           <p:spPr>
             <a:xfrm flipH="1" rot="10800000">
-              <a:off x="3168000" y="474120"/>
-              <a:ext cx="59040" cy="661320"/>
+              <a:off x="3167640" y="474480"/>
+              <a:ext cx="58680" cy="660960"/>
             </a:xfrm>
             <a:custGeom>
               <a:avLst/>
               <a:gdLst>
-                <a:gd name="textAreaLeft" fmla="*/ 2520 w 59040"/>
-                <a:gd name="textAreaRight" fmla="*/ 66240 w 59040"/>
-                <a:gd name="textAreaTop" fmla="*/ 0 h 661320"/>
-                <a:gd name="textAreaBottom" fmla="*/ 666000 h 661320"/>
+                <a:gd name="textAreaLeft" fmla="*/ 2520 w 58680"/>
+                <a:gd name="textAreaRight" fmla="*/ 66240 w 58680"/>
+                <a:gd name="textAreaTop" fmla="*/ 0 h 660960"/>
+                <a:gd name="textAreaBottom" fmla="*/ 666000 h 660960"/>
               </a:gdLst>
               <a:ahLst/>
               <a:rect l="textAreaLeft" t="textAreaTop" r="textAreaRight" b="textAreaBottom"/>
@@ -5691,15 +5691,15 @@
           <p:spPr>
             <a:xfrm flipH="1">
               <a:off x="6923520" y="469440"/>
-              <a:ext cx="70200" cy="661320"/>
+              <a:ext cx="69840" cy="660960"/>
             </a:xfrm>
             <a:custGeom>
               <a:avLst/>
               <a:gdLst>
-                <a:gd name="textAreaLeft" fmla="*/ -2520 w 70200"/>
-                <a:gd name="textAreaRight" fmla="*/ 72360 w 70200"/>
-                <a:gd name="textAreaTop" fmla="*/ 0 h 661320"/>
-                <a:gd name="textAreaBottom" fmla="*/ 666000 h 661320"/>
+                <a:gd name="textAreaLeft" fmla="*/ -2520 w 69840"/>
+                <a:gd name="textAreaRight" fmla="*/ 72360 w 69840"/>
+                <a:gd name="textAreaTop" fmla="*/ 0 h 660960"/>
+                <a:gd name="textAreaBottom" fmla="*/ 666000 h 660960"/>
               </a:gdLst>
               <a:ahLst/>
               <a:rect l="textAreaLeft" t="textAreaTop" r="textAreaRight" b="textAreaBottom"/>
@@ -5770,7 +5770,7 @@
         <p:spPr>
           <a:xfrm>
             <a:off x="273600" y="6435000"/>
-            <a:ext cx="565560" cy="270720"/>
+            <a:ext cx="565200" cy="270360"/>
           </a:xfrm>
           <a:prstGeom prst="rect">
             <a:avLst/>
@@ -5799,7 +5799,7 @@
                 <a:tab algn="l" pos="0"/>
               </a:tabLst>
             </a:pPr>
-            <a:fld id="{BDC81910-DA50-4993-9938-1086369DE1BB}" type="slidenum">
+            <a:fld id="{22030582-DA5C-4389-B7DE-C4763EB17621}" type="slidenum">
               <a:rPr b="0" lang="ru-RU" sz="1400" spc="-1" strike="noStrike">
                 <a:solidFill>
                   <a:srgbClr val="898989"/>
@@ -5807,7 +5807,7 @@
                 <a:latin typeface="Times New Roman"/>
                 <a:ea typeface="Open Sans"/>
               </a:rPr>
-              <a:t>14</a:t>
+              <a:t>&lt;number&gt;</a:t>
             </a:fld>
             <a:endParaRPr b="0" lang="en-US" sz="1400" spc="-1" strike="noStrike">
               <a:solidFill>
@@ -5827,7 +5827,7 @@
         <p:spPr>
           <a:xfrm>
             <a:off x="6244200" y="1276200"/>
-            <a:ext cx="5484960" cy="504360"/>
+            <a:ext cx="5484600" cy="504000"/>
           </a:xfrm>
           <a:prstGeom prst="rect">
             <a:avLst/>
@@ -5884,7 +5884,7 @@
         <p:spPr>
           <a:xfrm>
             <a:off x="457200" y="2694600"/>
-            <a:ext cx="5484960" cy="504360"/>
+            <a:ext cx="5484600" cy="504000"/>
           </a:xfrm>
           <a:prstGeom prst="rect">
             <a:avLst/>
@@ -5941,7 +5941,7 @@
         <p:spPr>
           <a:xfrm>
             <a:off x="6400800" y="2694600"/>
-            <a:ext cx="5484960" cy="504360"/>
+            <a:ext cx="5484600" cy="504000"/>
           </a:xfrm>
           <a:prstGeom prst="rect">
             <a:avLst/>
@@ -6004,7 +6004,7 @@
         <p:spPr>
           <a:xfrm>
             <a:off x="388440" y="4572000"/>
-            <a:ext cx="11497320" cy="1598760"/>
+            <a:ext cx="11496960" cy="1598400"/>
           </a:xfrm>
           <a:prstGeom prst="rect">
             <a:avLst/>
@@ -6145,7 +6145,7 @@
         <p:spPr>
           <a:xfrm>
             <a:off x="457200" y="1780200"/>
-            <a:ext cx="3970440" cy="950760"/>
+            <a:ext cx="3970080" cy="950400"/>
           </a:xfrm>
           <a:prstGeom prst="rect">
             <a:avLst/>
@@ -6168,7 +6168,7 @@
         <p:spPr>
           <a:xfrm>
             <a:off x="6388920" y="1761480"/>
-            <a:ext cx="4065840" cy="931680"/>
+            <a:ext cx="4065480" cy="931320"/>
           </a:xfrm>
           <a:prstGeom prst="rect">
             <a:avLst/>
@@ -6191,7 +6191,7 @@
         <p:spPr>
           <a:xfrm>
             <a:off x="447840" y="3200400"/>
-            <a:ext cx="3894120" cy="902880"/>
+            <a:ext cx="3893760" cy="902520"/>
           </a:xfrm>
           <a:prstGeom prst="rect">
             <a:avLst/>
@@ -6214,7 +6214,7 @@
         <p:spPr>
           <a:xfrm>
             <a:off x="6400800" y="3200400"/>
-            <a:ext cx="4037040" cy="874440"/>
+            <a:ext cx="4036680" cy="874080"/>
           </a:xfrm>
           <a:prstGeom prst="rect">
             <a:avLst/>
@@ -6267,7 +6267,7 @@
         <p:spPr>
           <a:xfrm>
             <a:off x="388440" y="1371600"/>
-            <a:ext cx="11723400" cy="5253840"/>
+            <a:ext cx="11723040" cy="5253480"/>
           </a:xfrm>
           <a:prstGeom prst="rect">
             <a:avLst/>
@@ -6442,9 +6442,9 @@
         <p:grpSpPr>
           <a:xfrm>
             <a:off x="3168000" y="283680"/>
-            <a:ext cx="5971680" cy="1037520"/>
+            <a:ext cx="5971320" cy="1037520"/>
             <a:chOff x="3168000" y="283680"/>
-            <a:chExt cx="5971680" cy="1037520"/>
+            <a:chExt cx="5971320" cy="1037520"/>
           </a:xfrm>
         </p:grpSpPr>
         <p:sp>
@@ -6456,7 +6456,7 @@
           <p:spPr>
             <a:xfrm>
               <a:off x="3168000" y="283680"/>
-              <a:ext cx="5971680" cy="1032840"/>
+              <a:ext cx="5971320" cy="1032480"/>
             </a:xfrm>
             <a:prstGeom prst="rect">
               <a:avLst/>
@@ -6522,16 +6522,16 @@
           </p:nvSpPr>
           <p:spPr>
             <a:xfrm flipH="1" rot="10800000">
-              <a:off x="3168000" y="288360"/>
-              <a:ext cx="94320" cy="1032840"/>
+              <a:off x="3167640" y="288720"/>
+              <a:ext cx="93960" cy="1032480"/>
             </a:xfrm>
             <a:custGeom>
               <a:avLst/>
               <a:gdLst>
-                <a:gd name="textAreaLeft" fmla="*/ 2520 w 94320"/>
-                <a:gd name="textAreaRight" fmla="*/ 101520 w 94320"/>
-                <a:gd name="textAreaTop" fmla="*/ 0 h 1032840"/>
-                <a:gd name="textAreaBottom" fmla="*/ 1037520 h 1032840"/>
+                <a:gd name="textAreaLeft" fmla="*/ 2520 w 93960"/>
+                <a:gd name="textAreaRight" fmla="*/ 101520 w 93960"/>
+                <a:gd name="textAreaTop" fmla="*/ 0 h 1032480"/>
+                <a:gd name="textAreaBottom" fmla="*/ 1037520 h 1032480"/>
               </a:gdLst>
               <a:ahLst/>
               <a:rect l="textAreaLeft" t="textAreaTop" r="textAreaRight" b="textAreaBottom"/>
@@ -6600,16 +6600,16 @@
           </p:nvSpPr>
           <p:spPr>
             <a:xfrm flipH="1">
-              <a:off x="9023040" y="283680"/>
-              <a:ext cx="111600" cy="1032840"/>
+              <a:off x="9022320" y="283680"/>
+              <a:ext cx="111240" cy="1032480"/>
             </a:xfrm>
             <a:custGeom>
               <a:avLst/>
               <a:gdLst>
-                <a:gd name="textAreaLeft" fmla="*/ 2520 w 111600"/>
-                <a:gd name="textAreaRight" fmla="*/ 118800 w 111600"/>
-                <a:gd name="textAreaTop" fmla="*/ 0 h 1032840"/>
-                <a:gd name="textAreaBottom" fmla="*/ 1037520 h 1032840"/>
+                <a:gd name="textAreaLeft" fmla="*/ 2520 w 111240"/>
+                <a:gd name="textAreaRight" fmla="*/ 118800 w 111240"/>
+                <a:gd name="textAreaTop" fmla="*/ 0 h 1032480"/>
+                <a:gd name="textAreaBottom" fmla="*/ 1037520 h 1032480"/>
               </a:gdLst>
               <a:ahLst/>
               <a:rect l="textAreaLeft" t="textAreaTop" r="textAreaRight" b="textAreaBottom"/>
@@ -6680,7 +6680,7 @@
         <p:spPr>
           <a:xfrm>
             <a:off x="273600" y="6435000"/>
-            <a:ext cx="565560" cy="270720"/>
+            <a:ext cx="565200" cy="270360"/>
           </a:xfrm>
           <a:prstGeom prst="rect">
             <a:avLst/>
@@ -6709,7 +6709,7 @@
                 <a:tab algn="l" pos="0"/>
               </a:tabLst>
             </a:pPr>
-            <a:fld id="{E381A613-18F8-476A-950F-AFBEA714146A}" type="slidenum">
+            <a:fld id="{15E14AB3-DABE-4223-96DF-F0CA407F40B8}" type="slidenum">
               <a:rPr b="0" lang="ru-RU" sz="1400" spc="-1" strike="noStrike">
                 <a:solidFill>
                   <a:srgbClr val="898989"/>
@@ -6717,7 +6717,7 @@
                 <a:latin typeface="Times New Roman"/>
                 <a:ea typeface="Open Sans"/>
               </a:rPr>
-              <a:t>15</a:t>
+              <a:t>&lt;number&gt;</a:t>
             </a:fld>
             <a:endParaRPr b="0" lang="en-US" sz="1400" spc="-1" strike="noStrike">
               <a:solidFill>
@@ -6737,7 +6737,7 @@
         <p:spPr>
           <a:xfrm>
             <a:off x="228600" y="1440720"/>
-            <a:ext cx="7085520" cy="2901600"/>
+            <a:ext cx="7085160" cy="2901240"/>
           </a:xfrm>
           <a:prstGeom prst="rect">
             <a:avLst/>
@@ -6948,7 +6948,7 @@
         <p:spPr>
           <a:xfrm>
             <a:off x="7363800" y="1330560"/>
-            <a:ext cx="4466160" cy="2903760"/>
+            <a:ext cx="4465800" cy="2903400"/>
           </a:xfrm>
           <a:prstGeom prst="rect">
             <a:avLst/>
@@ -6971,7 +6971,7 @@
         <p:spPr>
           <a:xfrm>
             <a:off x="4185000" y="4114800"/>
-            <a:ext cx="4969800" cy="2495160"/>
+            <a:ext cx="4969440" cy="2494800"/>
           </a:xfrm>
           <a:prstGeom prst="rect">
             <a:avLst/>
@@ -7020,7 +7020,7 @@
         <p:spPr>
           <a:xfrm>
             <a:off x="388800" y="1371960"/>
-            <a:ext cx="11346120" cy="4912200"/>
+            <a:ext cx="11345760" cy="4911840"/>
           </a:xfrm>
           <a:prstGeom prst="rect">
             <a:avLst/>
@@ -7351,7 +7351,7 @@
                 <a:latin typeface="Arial"/>
                 <a:ea typeface="Open Sans"/>
               </a:rPr>
-              <a:t>Обучение деревьев на подвыборках (bagging и выбор признаков)</a:t>
+              <a:t>Обучение деревьев на случайных подвыборках (bagging и выбор признаков)</a:t>
             </a:r>
             <a:endParaRPr b="0" lang="en-US" sz="2200" spc="-1" strike="noStrike">
               <a:solidFill>
@@ -7483,7 +7483,7 @@
         <p:spPr>
           <a:xfrm>
             <a:off x="273600" y="6435000"/>
-            <a:ext cx="565560" cy="270720"/>
+            <a:ext cx="565200" cy="270360"/>
           </a:xfrm>
           <a:prstGeom prst="rect">
             <a:avLst/>
@@ -7512,7 +7512,7 @@
                 <a:tab algn="l" pos="0"/>
               </a:tabLst>
             </a:pPr>
-            <a:fld id="{508B24E9-29AA-4867-A296-C9EBB43D8FA6}" type="slidenum">
+            <a:fld id="{8A682B3F-4BD5-4E6F-8879-C72FB48D97BE}" type="slidenum">
               <a:rPr b="0" lang="ru-RU" sz="1400" spc="-1" strike="noStrike">
                 <a:solidFill>
                   <a:srgbClr val="898989"/>
@@ -7540,9 +7540,9 @@
         <p:grpSpPr>
           <a:xfrm>
             <a:off x="3168000" y="532080"/>
-            <a:ext cx="3830760" cy="666000"/>
+            <a:ext cx="3830400" cy="666000"/>
             <a:chOff x="3168000" y="532080"/>
-            <a:chExt cx="3830760" cy="666000"/>
+            <a:chExt cx="3830400" cy="666000"/>
           </a:xfrm>
         </p:grpSpPr>
         <p:sp>
@@ -7554,7 +7554,7 @@
           <p:spPr>
             <a:xfrm>
               <a:off x="3168000" y="532080"/>
-              <a:ext cx="3830760" cy="661320"/>
+              <a:ext cx="3830400" cy="660960"/>
             </a:xfrm>
             <a:prstGeom prst="rect">
               <a:avLst/>
@@ -7620,16 +7620,16 @@
           </p:nvSpPr>
           <p:spPr>
             <a:xfrm flipH="1" rot="10800000">
-              <a:off x="3168000" y="536760"/>
-              <a:ext cx="59040" cy="661320"/>
+              <a:off x="3167640" y="537120"/>
+              <a:ext cx="58680" cy="660960"/>
             </a:xfrm>
             <a:custGeom>
               <a:avLst/>
               <a:gdLst>
-                <a:gd name="textAreaLeft" fmla="*/ 2520 w 59040"/>
-                <a:gd name="textAreaRight" fmla="*/ 66240 w 59040"/>
-                <a:gd name="textAreaTop" fmla="*/ 0 h 661320"/>
-                <a:gd name="textAreaBottom" fmla="*/ 666000 h 661320"/>
+                <a:gd name="textAreaLeft" fmla="*/ 2520 w 58680"/>
+                <a:gd name="textAreaRight" fmla="*/ 66240 w 58680"/>
+                <a:gd name="textAreaTop" fmla="*/ 0 h 660960"/>
+                <a:gd name="textAreaBottom" fmla="*/ 666000 h 660960"/>
               </a:gdLst>
               <a:ahLst/>
               <a:rect l="textAreaLeft" t="textAreaTop" r="textAreaRight" b="textAreaBottom"/>
@@ -7699,15 +7699,15 @@
           <p:spPr>
             <a:xfrm flipH="1">
               <a:off x="6923520" y="532080"/>
-              <a:ext cx="70200" cy="661320"/>
+              <a:ext cx="69840" cy="660960"/>
             </a:xfrm>
             <a:custGeom>
               <a:avLst/>
               <a:gdLst>
-                <a:gd name="textAreaLeft" fmla="*/ -2520 w 70200"/>
-                <a:gd name="textAreaRight" fmla="*/ 72360 w 70200"/>
-                <a:gd name="textAreaTop" fmla="*/ 0 h 661320"/>
-                <a:gd name="textAreaBottom" fmla="*/ 666000 h 661320"/>
+                <a:gd name="textAreaLeft" fmla="*/ -2520 w 69840"/>
+                <a:gd name="textAreaRight" fmla="*/ 72360 w 69840"/>
+                <a:gd name="textAreaTop" fmla="*/ 0 h 660960"/>
+                <a:gd name="textAreaBottom" fmla="*/ 666000 h 660960"/>
               </a:gdLst>
               <a:ahLst/>
               <a:rect l="textAreaLeft" t="textAreaTop" r="textAreaRight" b="textAreaBottom"/>
@@ -7808,7 +7808,7 @@
         <p:spPr>
           <a:xfrm>
             <a:off x="273600" y="6435000"/>
-            <a:ext cx="565560" cy="270720"/>
+            <a:ext cx="565200" cy="270360"/>
           </a:xfrm>
           <a:prstGeom prst="rect">
             <a:avLst/>
@@ -7837,7 +7837,7 @@
                 <a:tab algn="l" pos="0"/>
               </a:tabLst>
             </a:pPr>
-            <a:fld id="{5A6EA955-E836-47B7-91EB-7257CEED9DD1}" type="slidenum">
+            <a:fld id="{8CCBDE20-536D-4D54-98CF-6A8C8CCA2463}" type="slidenum">
               <a:rPr b="0" lang="ru-RU" sz="1400" spc="-1" strike="noStrike">
                 <a:solidFill>
                   <a:srgbClr val="898989"/>
@@ -7865,7 +7865,7 @@
         <p:spPr>
           <a:xfrm>
             <a:off x="2514600" y="2057400"/>
-            <a:ext cx="6924600" cy="732240"/>
+            <a:ext cx="6924240" cy="731880"/>
           </a:xfrm>
           <a:prstGeom prst="rect">
             <a:avLst/>
@@ -7985,7 +7985,7 @@
         <p:spPr>
           <a:xfrm>
             <a:off x="273600" y="6435000"/>
-            <a:ext cx="565560" cy="270720"/>
+            <a:ext cx="565200" cy="270360"/>
           </a:xfrm>
           <a:prstGeom prst="rect">
             <a:avLst/>
@@ -8014,7 +8014,7 @@
                 <a:tab algn="l" pos="0"/>
               </a:tabLst>
             </a:pPr>
-            <a:fld id="{680F8FD0-C48D-4747-AB38-9E8CAD14B949}" type="slidenum">
+            <a:fld id="{AB0877D9-1E5E-497F-8B49-00DD7A0CEA7B}" type="slidenum">
               <a:rPr b="0" lang="ru-RU" sz="1400" spc="-1" strike="noStrike">
                 <a:solidFill>
                   <a:srgbClr val="898989"/>
@@ -8042,7 +8042,7 @@
         <p:spPr>
           <a:xfrm>
             <a:off x="457200" y="1406520"/>
-            <a:ext cx="11494800" cy="5025240"/>
+            <a:ext cx="11494440" cy="5024880"/>
           </a:xfrm>
           <a:prstGeom prst="rect">
             <a:avLst/>
@@ -8112,9 +8112,9 @@
         <p:grpSpPr>
           <a:xfrm>
             <a:off x="3168000" y="500760"/>
-            <a:ext cx="3830760" cy="666000"/>
+            <a:ext cx="3830400" cy="666000"/>
             <a:chOff x="3168000" y="500760"/>
-            <a:chExt cx="3830760" cy="666000"/>
+            <a:chExt cx="3830400" cy="666000"/>
           </a:xfrm>
         </p:grpSpPr>
         <p:sp>
@@ -8126,7 +8126,7 @@
           <p:spPr>
             <a:xfrm>
               <a:off x="3168000" y="500760"/>
-              <a:ext cx="3830760" cy="661320"/>
+              <a:ext cx="3830400" cy="660960"/>
             </a:xfrm>
             <a:prstGeom prst="rect">
               <a:avLst/>
@@ -8192,16 +8192,16 @@
           </p:nvSpPr>
           <p:spPr>
             <a:xfrm flipH="1" rot="10800000">
-              <a:off x="3168000" y="505440"/>
-              <a:ext cx="59040" cy="661320"/>
+              <a:off x="3167640" y="505800"/>
+              <a:ext cx="58680" cy="660960"/>
             </a:xfrm>
             <a:custGeom>
               <a:avLst/>
               <a:gdLst>
-                <a:gd name="textAreaLeft" fmla="*/ 2520 w 59040"/>
-                <a:gd name="textAreaRight" fmla="*/ 66240 w 59040"/>
-                <a:gd name="textAreaTop" fmla="*/ 0 h 661320"/>
-                <a:gd name="textAreaBottom" fmla="*/ 666000 h 661320"/>
+                <a:gd name="textAreaLeft" fmla="*/ 2520 w 58680"/>
+                <a:gd name="textAreaRight" fmla="*/ 66240 w 58680"/>
+                <a:gd name="textAreaTop" fmla="*/ 0 h 660960"/>
+                <a:gd name="textAreaBottom" fmla="*/ 666000 h 660960"/>
               </a:gdLst>
               <a:ahLst/>
               <a:rect l="textAreaLeft" t="textAreaTop" r="textAreaRight" b="textAreaBottom"/>
@@ -8271,15 +8271,15 @@
           <p:spPr>
             <a:xfrm flipH="1">
               <a:off x="6923520" y="500760"/>
-              <a:ext cx="70200" cy="661320"/>
+              <a:ext cx="69840" cy="660960"/>
             </a:xfrm>
             <a:custGeom>
               <a:avLst/>
               <a:gdLst>
-                <a:gd name="textAreaLeft" fmla="*/ -2520 w 70200"/>
-                <a:gd name="textAreaRight" fmla="*/ 72360 w 70200"/>
-                <a:gd name="textAreaTop" fmla="*/ 0 h 661320"/>
-                <a:gd name="textAreaBottom" fmla="*/ 666000 h 661320"/>
+                <a:gd name="textAreaLeft" fmla="*/ -2520 w 69840"/>
+                <a:gd name="textAreaRight" fmla="*/ 72360 w 69840"/>
+                <a:gd name="textAreaTop" fmla="*/ 0 h 660960"/>
+                <a:gd name="textAreaBottom" fmla="*/ 666000 h 660960"/>
               </a:gdLst>
               <a:ahLst/>
               <a:rect l="textAreaLeft" t="textAreaTop" r="textAreaRight" b="textAreaBottom"/>
@@ -8354,7 +8354,7 @@
         <p:spPr>
           <a:xfrm>
             <a:off x="8229600" y="2715120"/>
-            <a:ext cx="3159000" cy="1625040"/>
+            <a:ext cx="3158640" cy="1624680"/>
           </a:xfrm>
           <a:prstGeom prst="rect">
             <a:avLst/>
@@ -8373,7 +8373,7 @@
         <p:spPr>
           <a:xfrm>
             <a:off x="457200" y="2743200"/>
-            <a:ext cx="7083360" cy="2242800"/>
+            <a:ext cx="7083000" cy="2242440"/>
           </a:xfrm>
           <a:prstGeom prst="rect">
             <a:avLst/>
@@ -8473,7 +8473,7 @@
         <p:spPr>
           <a:xfrm>
             <a:off x="273600" y="6435000"/>
-            <a:ext cx="565560" cy="270720"/>
+            <a:ext cx="565200" cy="270360"/>
           </a:xfrm>
           <a:prstGeom prst="rect">
             <a:avLst/>
@@ -8502,7 +8502,7 @@
                 <a:tab algn="l" pos="0"/>
               </a:tabLst>
             </a:pPr>
-            <a:fld id="{04F2B9AA-291F-4DE5-809D-517890D05331}" type="slidenum">
+            <a:fld id="{6FD2474C-DBF6-40C6-834D-D7811B3C1ACF}" type="slidenum">
               <a:rPr b="0" lang="ru-RU" sz="1400" spc="-1" strike="noStrike">
                 <a:solidFill>
                   <a:srgbClr val="898989"/>
@@ -8510,7 +8510,7 @@
                 <a:latin typeface="Times New Roman"/>
                 <a:ea typeface="Open Sans"/>
               </a:rPr>
-              <a:t>2</a:t>
+              <a:t>&lt;number&gt;</a:t>
             </a:fld>
             <a:endParaRPr b="0" lang="en-US" sz="1400" spc="-1" strike="noStrike">
               <a:solidFill>
@@ -8530,7 +8530,7 @@
         <p:spPr>
           <a:xfrm>
             <a:off x="389160" y="1600200"/>
-            <a:ext cx="11494800" cy="4796640"/>
+            <a:ext cx="11494440" cy="4796280"/>
           </a:xfrm>
           <a:prstGeom prst="rect">
             <a:avLst/>
@@ -8970,9 +8970,9 @@
         <p:grpSpPr>
           <a:xfrm>
             <a:off x="3168000" y="500760"/>
-            <a:ext cx="3830760" cy="666000"/>
+            <a:ext cx="3830400" cy="666000"/>
             <a:chOff x="3168000" y="500760"/>
-            <a:chExt cx="3830760" cy="666000"/>
+            <a:chExt cx="3830400" cy="666000"/>
           </a:xfrm>
         </p:grpSpPr>
         <p:sp>
@@ -8984,7 +8984,7 @@
           <p:spPr>
             <a:xfrm>
               <a:off x="3168000" y="500760"/>
-              <a:ext cx="3830760" cy="661320"/>
+              <a:ext cx="3830400" cy="660960"/>
             </a:xfrm>
             <a:prstGeom prst="rect">
               <a:avLst/>
@@ -9050,16 +9050,16 @@
           </p:nvSpPr>
           <p:spPr>
             <a:xfrm flipH="1" rot="10800000">
-              <a:off x="3168000" y="505440"/>
-              <a:ext cx="59040" cy="661320"/>
+              <a:off x="3167640" y="505800"/>
+              <a:ext cx="58680" cy="660960"/>
             </a:xfrm>
             <a:custGeom>
               <a:avLst/>
               <a:gdLst>
-                <a:gd name="textAreaLeft" fmla="*/ 2520 w 59040"/>
-                <a:gd name="textAreaRight" fmla="*/ 66240 w 59040"/>
-                <a:gd name="textAreaTop" fmla="*/ 0 h 661320"/>
-                <a:gd name="textAreaBottom" fmla="*/ 666000 h 661320"/>
+                <a:gd name="textAreaLeft" fmla="*/ 2520 w 58680"/>
+                <a:gd name="textAreaRight" fmla="*/ 66240 w 58680"/>
+                <a:gd name="textAreaTop" fmla="*/ 0 h 660960"/>
+                <a:gd name="textAreaBottom" fmla="*/ 666000 h 660960"/>
               </a:gdLst>
               <a:ahLst/>
               <a:rect l="textAreaLeft" t="textAreaTop" r="textAreaRight" b="textAreaBottom"/>
@@ -9129,15 +9129,15 @@
           <p:spPr>
             <a:xfrm flipH="1">
               <a:off x="6923520" y="500760"/>
-              <a:ext cx="70200" cy="661320"/>
+              <a:ext cx="69840" cy="660960"/>
             </a:xfrm>
             <a:custGeom>
               <a:avLst/>
               <a:gdLst>
-                <a:gd name="textAreaLeft" fmla="*/ -2520 w 70200"/>
-                <a:gd name="textAreaRight" fmla="*/ 72360 w 70200"/>
-                <a:gd name="textAreaTop" fmla="*/ 0 h 661320"/>
-                <a:gd name="textAreaBottom" fmla="*/ 666000 h 661320"/>
+                <a:gd name="textAreaLeft" fmla="*/ -2520 w 69840"/>
+                <a:gd name="textAreaRight" fmla="*/ 72360 w 69840"/>
+                <a:gd name="textAreaTop" fmla="*/ 0 h 660960"/>
+                <a:gd name="textAreaBottom" fmla="*/ 666000 h 660960"/>
               </a:gdLst>
               <a:ahLst/>
               <a:rect l="textAreaLeft" t="textAreaTop" r="textAreaRight" b="textAreaBottom"/>
@@ -9242,7 +9242,7 @@
         <p:spPr>
           <a:xfrm>
             <a:off x="388440" y="1371600"/>
-            <a:ext cx="11039040" cy="5025960"/>
+            <a:ext cx="11038680" cy="5025600"/>
           </a:xfrm>
           <a:prstGeom prst="rect">
             <a:avLst/>
@@ -9622,9 +9622,9 @@
         <p:grpSpPr>
           <a:xfrm>
             <a:off x="3168000" y="469440"/>
-            <a:ext cx="3830760" cy="666000"/>
+            <a:ext cx="3830400" cy="666000"/>
             <a:chOff x="3168000" y="469440"/>
-            <a:chExt cx="3830760" cy="666000"/>
+            <a:chExt cx="3830400" cy="666000"/>
           </a:xfrm>
         </p:grpSpPr>
         <p:sp>
@@ -9636,7 +9636,7 @@
           <p:spPr>
             <a:xfrm>
               <a:off x="3168000" y="469440"/>
-              <a:ext cx="3830760" cy="661320"/>
+              <a:ext cx="3830400" cy="660960"/>
             </a:xfrm>
             <a:prstGeom prst="rect">
               <a:avLst/>
@@ -9702,16 +9702,16 @@
           </p:nvSpPr>
           <p:spPr>
             <a:xfrm flipH="1" rot="10800000">
-              <a:off x="3168000" y="474120"/>
-              <a:ext cx="59040" cy="661320"/>
+              <a:off x="3167640" y="474480"/>
+              <a:ext cx="58680" cy="660960"/>
             </a:xfrm>
             <a:custGeom>
               <a:avLst/>
               <a:gdLst>
-                <a:gd name="textAreaLeft" fmla="*/ 2520 w 59040"/>
-                <a:gd name="textAreaRight" fmla="*/ 66240 w 59040"/>
-                <a:gd name="textAreaTop" fmla="*/ 0 h 661320"/>
-                <a:gd name="textAreaBottom" fmla="*/ 666000 h 661320"/>
+                <a:gd name="textAreaLeft" fmla="*/ 2520 w 58680"/>
+                <a:gd name="textAreaRight" fmla="*/ 66240 w 58680"/>
+                <a:gd name="textAreaTop" fmla="*/ 0 h 660960"/>
+                <a:gd name="textAreaBottom" fmla="*/ 666000 h 660960"/>
               </a:gdLst>
               <a:ahLst/>
               <a:rect l="textAreaLeft" t="textAreaTop" r="textAreaRight" b="textAreaBottom"/>
@@ -9781,15 +9781,15 @@
           <p:spPr>
             <a:xfrm flipH="1">
               <a:off x="6923520" y="469440"/>
-              <a:ext cx="70200" cy="661320"/>
+              <a:ext cx="69840" cy="660960"/>
             </a:xfrm>
             <a:custGeom>
               <a:avLst/>
               <a:gdLst>
-                <a:gd name="textAreaLeft" fmla="*/ -2520 w 70200"/>
-                <a:gd name="textAreaRight" fmla="*/ 72360 w 70200"/>
-                <a:gd name="textAreaTop" fmla="*/ 0 h 661320"/>
-                <a:gd name="textAreaBottom" fmla="*/ 666000 h 661320"/>
+                <a:gd name="textAreaLeft" fmla="*/ -2520 w 69840"/>
+                <a:gd name="textAreaRight" fmla="*/ 72360 w 69840"/>
+                <a:gd name="textAreaTop" fmla="*/ 0 h 660960"/>
+                <a:gd name="textAreaBottom" fmla="*/ 666000 h 660960"/>
               </a:gdLst>
               <a:ahLst/>
               <a:rect l="textAreaLeft" t="textAreaTop" r="textAreaRight" b="textAreaBottom"/>
@@ -9860,7 +9860,7 @@
         <p:spPr>
           <a:xfrm>
             <a:off x="273600" y="6435000"/>
-            <a:ext cx="565560" cy="270720"/>
+            <a:ext cx="565200" cy="270360"/>
           </a:xfrm>
           <a:prstGeom prst="rect">
             <a:avLst/>
@@ -9889,7 +9889,7 @@
                 <a:tab algn="l" pos="0"/>
               </a:tabLst>
             </a:pPr>
-            <a:fld id="{09B08B69-862A-4CF2-98B4-C53CF3A8A5F4}" type="slidenum">
+            <a:fld id="{FD4F09AD-B75D-44FE-AA0C-D686B46AD3D3}" type="slidenum">
               <a:rPr b="0" lang="ru-RU" sz="1400" spc="-1" strike="noStrike">
                 <a:solidFill>
                   <a:srgbClr val="898989"/>
@@ -9947,9 +9947,9 @@
         <p:grpSpPr>
           <a:xfrm>
             <a:off x="3168000" y="203760"/>
-            <a:ext cx="6887880" cy="1197360"/>
+            <a:ext cx="6887520" cy="1197360"/>
             <a:chOff x="3168000" y="203760"/>
-            <a:chExt cx="6887880" cy="1197360"/>
+            <a:chExt cx="6887520" cy="1197360"/>
           </a:xfrm>
         </p:grpSpPr>
         <p:sp>
@@ -9961,7 +9961,7 @@
           <p:spPr>
             <a:xfrm>
               <a:off x="3168000" y="203760"/>
-              <a:ext cx="6887880" cy="1190880"/>
+              <a:ext cx="6887520" cy="1190520"/>
             </a:xfrm>
             <a:prstGeom prst="rect">
               <a:avLst/>
@@ -10050,16 +10050,16 @@
           </p:nvSpPr>
           <p:spPr>
             <a:xfrm flipH="1" rot="10800000">
-              <a:off x="3168000" y="210240"/>
-              <a:ext cx="108000" cy="1190880"/>
+              <a:off x="3167640" y="210600"/>
+              <a:ext cx="107640" cy="1190520"/>
             </a:xfrm>
             <a:custGeom>
               <a:avLst/>
               <a:gdLst>
-                <a:gd name="textAreaLeft" fmla="*/ 3240 w 108000"/>
-                <a:gd name="textAreaRight" fmla="*/ 117360 w 108000"/>
-                <a:gd name="textAreaTop" fmla="*/ 0 h 1190880"/>
-                <a:gd name="textAreaBottom" fmla="*/ 1196640 h 1190880"/>
+                <a:gd name="textAreaLeft" fmla="*/ 3240 w 107640"/>
+                <a:gd name="textAreaRight" fmla="*/ 117360 w 107640"/>
+                <a:gd name="textAreaTop" fmla="*/ 0 h 1190520"/>
+                <a:gd name="textAreaBottom" fmla="*/ 1196640 h 1190520"/>
               </a:gdLst>
               <a:ahLst/>
               <a:rect l="textAreaLeft" t="textAreaTop" r="textAreaRight" b="textAreaBottom"/>
@@ -10128,16 +10128,16 @@
           </p:nvSpPr>
           <p:spPr>
             <a:xfrm flipH="1">
-              <a:off x="9921240" y="203760"/>
-              <a:ext cx="128160" cy="1190880"/>
+              <a:off x="9920520" y="203760"/>
+              <a:ext cx="127800" cy="1190520"/>
             </a:xfrm>
             <a:custGeom>
               <a:avLst/>
               <a:gdLst>
-                <a:gd name="textAreaLeft" fmla="*/ -3240 w 128160"/>
-                <a:gd name="textAreaRight" fmla="*/ 130680 w 128160"/>
-                <a:gd name="textAreaTop" fmla="*/ 0 h 1190880"/>
-                <a:gd name="textAreaBottom" fmla="*/ 1196640 h 1190880"/>
+                <a:gd name="textAreaLeft" fmla="*/ -3600 w 127800"/>
+                <a:gd name="textAreaRight" fmla="*/ 130320 w 127800"/>
+                <a:gd name="textAreaTop" fmla="*/ 0 h 1190520"/>
+                <a:gd name="textAreaBottom" fmla="*/ 1196640 h 1190520"/>
               </a:gdLst>
               <a:ahLst/>
               <a:rect l="textAreaLeft" t="textAreaTop" r="textAreaRight" b="textAreaBottom"/>
@@ -10208,7 +10208,7 @@
         <p:spPr>
           <a:xfrm>
             <a:off x="273600" y="6435000"/>
-            <a:ext cx="565560" cy="270720"/>
+            <a:ext cx="565200" cy="270360"/>
           </a:xfrm>
           <a:prstGeom prst="rect">
             <a:avLst/>
@@ -10237,7 +10237,7 @@
                 <a:tab algn="l" pos="0"/>
               </a:tabLst>
             </a:pPr>
-            <a:fld id="{70572457-F0E2-4A1E-9BD2-197CF6EA21D2}" type="slidenum">
+            <a:fld id="{12C99A7D-C107-4253-8EB7-A0BB757B1150}" type="slidenum">
               <a:rPr b="0" lang="ru-RU" sz="1400" spc="-1" strike="noStrike">
                 <a:solidFill>
                   <a:srgbClr val="898989"/>
@@ -10265,7 +10265,7 @@
         <p:spPr>
           <a:xfrm>
             <a:off x="5943600" y="1602360"/>
-            <a:ext cx="5713920" cy="1368360"/>
+            <a:ext cx="5713560" cy="1368000"/>
           </a:xfrm>
           <a:prstGeom prst="rect">
             <a:avLst/>
@@ -10384,7 +10384,7 @@
         <p:spPr>
           <a:xfrm>
             <a:off x="452160" y="1492200"/>
-            <a:ext cx="2662560" cy="2675880"/>
+            <a:ext cx="2662200" cy="2675520"/>
           </a:xfrm>
           <a:prstGeom prst="rect">
             <a:avLst/>
@@ -10407,7 +10407,7 @@
         <p:spPr>
           <a:xfrm>
             <a:off x="3136680" y="1492200"/>
-            <a:ext cx="2649240" cy="2671200"/>
+            <a:ext cx="2648880" cy="2670840"/>
           </a:xfrm>
           <a:prstGeom prst="rect">
             <a:avLst/>
@@ -10430,7 +10430,7 @@
         <p:spPr>
           <a:xfrm>
             <a:off x="541800" y="4170960"/>
-            <a:ext cx="2428920" cy="2457360"/>
+            <a:ext cx="2428560" cy="2457000"/>
           </a:xfrm>
           <a:prstGeom prst="rect">
             <a:avLst/>
@@ -10453,7 +10453,7 @@
         <p:spPr>
           <a:xfrm>
             <a:off x="3384720" y="4271400"/>
-            <a:ext cx="2284920" cy="2304000"/>
+            <a:ext cx="2284560" cy="2303640"/>
           </a:xfrm>
           <a:prstGeom prst="rect">
             <a:avLst/>
@@ -10502,9 +10502,9 @@
         <p:grpSpPr>
           <a:xfrm>
             <a:off x="3168000" y="203760"/>
-            <a:ext cx="6887880" cy="1197360"/>
+            <a:ext cx="6887520" cy="1197360"/>
             <a:chOff x="3168000" y="203760"/>
-            <a:chExt cx="6887880" cy="1197360"/>
+            <a:chExt cx="6887520" cy="1197360"/>
           </a:xfrm>
         </p:grpSpPr>
         <p:sp>
@@ -10516,7 +10516,7 @@
           <p:spPr>
             <a:xfrm>
               <a:off x="3168000" y="203760"/>
-              <a:ext cx="6887880" cy="1190880"/>
+              <a:ext cx="6887520" cy="1190520"/>
             </a:xfrm>
             <a:prstGeom prst="rect">
               <a:avLst/>
@@ -10605,16 +10605,16 @@
           </p:nvSpPr>
           <p:spPr>
             <a:xfrm flipH="1" rot="10800000">
-              <a:off x="3168000" y="210240"/>
-              <a:ext cx="108000" cy="1190880"/>
+              <a:off x="3167640" y="210600"/>
+              <a:ext cx="107640" cy="1190520"/>
             </a:xfrm>
             <a:custGeom>
               <a:avLst/>
               <a:gdLst>
-                <a:gd name="textAreaLeft" fmla="*/ 3240 w 108000"/>
-                <a:gd name="textAreaRight" fmla="*/ 117360 w 108000"/>
-                <a:gd name="textAreaTop" fmla="*/ 0 h 1190880"/>
-                <a:gd name="textAreaBottom" fmla="*/ 1196640 h 1190880"/>
+                <a:gd name="textAreaLeft" fmla="*/ 3240 w 107640"/>
+                <a:gd name="textAreaRight" fmla="*/ 117360 w 107640"/>
+                <a:gd name="textAreaTop" fmla="*/ 0 h 1190520"/>
+                <a:gd name="textAreaBottom" fmla="*/ 1196640 h 1190520"/>
               </a:gdLst>
               <a:ahLst/>
               <a:rect l="textAreaLeft" t="textAreaTop" r="textAreaRight" b="textAreaBottom"/>
@@ -10683,16 +10683,16 @@
           </p:nvSpPr>
           <p:spPr>
             <a:xfrm flipH="1">
-              <a:off x="9921240" y="203760"/>
-              <a:ext cx="128160" cy="1190880"/>
+              <a:off x="9920520" y="203760"/>
+              <a:ext cx="127800" cy="1190520"/>
             </a:xfrm>
             <a:custGeom>
               <a:avLst/>
               <a:gdLst>
-                <a:gd name="textAreaLeft" fmla="*/ -3240 w 128160"/>
-                <a:gd name="textAreaRight" fmla="*/ 130680 w 128160"/>
-                <a:gd name="textAreaTop" fmla="*/ 0 h 1190880"/>
-                <a:gd name="textAreaBottom" fmla="*/ 1196640 h 1190880"/>
+                <a:gd name="textAreaLeft" fmla="*/ -3600 w 127800"/>
+                <a:gd name="textAreaRight" fmla="*/ 130320 w 127800"/>
+                <a:gd name="textAreaTop" fmla="*/ 0 h 1190520"/>
+                <a:gd name="textAreaBottom" fmla="*/ 1196640 h 1190520"/>
               </a:gdLst>
               <a:ahLst/>
               <a:rect l="textAreaLeft" t="textAreaTop" r="textAreaRight" b="textAreaBottom"/>
@@ -10763,7 +10763,7 @@
         <p:spPr>
           <a:xfrm>
             <a:off x="273600" y="6435000"/>
-            <a:ext cx="565560" cy="270720"/>
+            <a:ext cx="565200" cy="270360"/>
           </a:xfrm>
           <a:prstGeom prst="rect">
             <a:avLst/>
@@ -10792,7 +10792,7 @@
                 <a:tab algn="l" pos="0"/>
               </a:tabLst>
             </a:pPr>
-            <a:fld id="{239BC798-3EBA-4EBB-A0A4-DCA355E0D199}" type="slidenum">
+            <a:fld id="{4E8F9CB6-DF67-47CD-A63F-8C80AEBB755B}" type="slidenum">
               <a:rPr b="0" lang="ru-RU" sz="1400" spc="-1" strike="noStrike">
                 <a:solidFill>
                   <a:srgbClr val="898989"/>
@@ -10800,7 +10800,7 @@
                 <a:latin typeface="Times New Roman"/>
                 <a:ea typeface="Open Sans"/>
               </a:rPr>
-              <a:t>5</a:t>
+              <a:t>&lt;number&gt;</a:t>
             </a:fld>
             <a:endParaRPr b="0" lang="en-US" sz="1400" spc="-1" strike="noStrike">
               <a:solidFill>
@@ -10820,7 +10820,7 @@
         <p:spPr>
           <a:xfrm>
             <a:off x="388440" y="1600200"/>
-            <a:ext cx="4408200" cy="911880"/>
+            <a:ext cx="4407840" cy="911520"/>
           </a:xfrm>
           <a:prstGeom prst="rect">
             <a:avLst/>
@@ -10880,7 +10880,7 @@
         <p:spPr>
           <a:xfrm>
             <a:off x="5029200" y="1600200"/>
-            <a:ext cx="6855840" cy="1139040"/>
+            <a:ext cx="6855480" cy="1138680"/>
           </a:xfrm>
           <a:prstGeom prst="rect">
             <a:avLst/>
@@ -11907,7 +11907,7 @@
         <p:spPr>
           <a:xfrm>
             <a:off x="529200" y="2536920"/>
-            <a:ext cx="4112640" cy="3518280"/>
+            <a:ext cx="4112280" cy="3517920"/>
           </a:xfrm>
           <a:prstGeom prst="rect">
             <a:avLst/>
@@ -11960,7 +11960,7 @@
         <p:spPr>
           <a:xfrm>
             <a:off x="388440" y="1371600"/>
-            <a:ext cx="5779800" cy="5253840"/>
+            <a:ext cx="5779440" cy="5253480"/>
           </a:xfrm>
           <a:prstGeom prst="rect">
             <a:avLst/>
@@ -12147,9 +12147,9 @@
         <p:grpSpPr>
           <a:xfrm>
             <a:off x="3168000" y="243720"/>
-            <a:ext cx="6429240" cy="1117440"/>
+            <a:ext cx="6428880" cy="1117440"/>
             <a:chOff x="3168000" y="243720"/>
-            <a:chExt cx="6429240" cy="1117440"/>
+            <a:chExt cx="6428880" cy="1117440"/>
           </a:xfrm>
         </p:grpSpPr>
         <p:sp>
@@ -12161,7 +12161,7 @@
           <p:spPr>
             <a:xfrm>
               <a:off x="3168000" y="243720"/>
-              <a:ext cx="6429240" cy="1112040"/>
+              <a:ext cx="6428880" cy="1111680"/>
             </a:xfrm>
             <a:prstGeom prst="rect">
               <a:avLst/>
@@ -12227,16 +12227,16 @@
           </p:nvSpPr>
           <p:spPr>
             <a:xfrm flipH="1" rot="10800000">
-              <a:off x="3167640" y="249120"/>
-              <a:ext cx="101880" cy="1112040"/>
+              <a:off x="3168000" y="249480"/>
+              <a:ext cx="101520" cy="1111680"/>
             </a:xfrm>
             <a:custGeom>
               <a:avLst/>
               <a:gdLst>
-                <a:gd name="textAreaLeft" fmla="*/ 2520 w 101880"/>
-                <a:gd name="textAreaRight" fmla="*/ 109440 w 101880"/>
-                <a:gd name="textAreaTop" fmla="*/ 0 h 1112040"/>
-                <a:gd name="textAreaBottom" fmla="*/ 1116720 h 1112040"/>
+                <a:gd name="textAreaLeft" fmla="*/ 2880 w 101520"/>
+                <a:gd name="textAreaRight" fmla="*/ 109800 w 101520"/>
+                <a:gd name="textAreaTop" fmla="*/ 0 h 1111680"/>
+                <a:gd name="textAreaBottom" fmla="*/ 1116720 h 1111680"/>
               </a:gdLst>
               <a:ahLst/>
               <a:rect l="textAreaLeft" t="textAreaTop" r="textAreaRight" b="textAreaBottom"/>
@@ -12306,15 +12306,15 @@
           <p:spPr>
             <a:xfrm flipH="1">
               <a:off x="9471240" y="243720"/>
-              <a:ext cx="120600" cy="1112040"/>
+              <a:ext cx="120240" cy="1111680"/>
             </a:xfrm>
             <a:custGeom>
               <a:avLst/>
               <a:gdLst>
-                <a:gd name="textAreaLeft" fmla="*/ -2520 w 120600"/>
-                <a:gd name="textAreaRight" fmla="*/ 122760 w 120600"/>
-                <a:gd name="textAreaTop" fmla="*/ 0 h 1112040"/>
-                <a:gd name="textAreaBottom" fmla="*/ 1116720 h 1112040"/>
+                <a:gd name="textAreaLeft" fmla="*/ -2520 w 120240"/>
+                <a:gd name="textAreaRight" fmla="*/ 122760 w 120240"/>
+                <a:gd name="textAreaTop" fmla="*/ 0 h 1111680"/>
+                <a:gd name="textAreaBottom" fmla="*/ 1116720 h 1111680"/>
               </a:gdLst>
               <a:ahLst/>
               <a:rect l="textAreaLeft" t="textAreaTop" r="textAreaRight" b="textAreaBottom"/>
@@ -12385,7 +12385,7 @@
         <p:spPr>
           <a:xfrm>
             <a:off x="6400800" y="1359000"/>
-            <a:ext cx="5482440" cy="5266440"/>
+            <a:ext cx="5482080" cy="5266080"/>
           </a:xfrm>
           <a:prstGeom prst="rect">
             <a:avLst/>
@@ -12932,7 +12932,7 @@
         <p:spPr>
           <a:xfrm>
             <a:off x="273600" y="6435000"/>
-            <a:ext cx="565560" cy="270720"/>
+            <a:ext cx="565200" cy="270360"/>
           </a:xfrm>
           <a:prstGeom prst="rect">
             <a:avLst/>
@@ -12961,7 +12961,7 @@
                 <a:tab algn="l" pos="0"/>
               </a:tabLst>
             </a:pPr>
-            <a:fld id="{404B72AA-3CA9-46ED-A27A-69EF93FAA096}" type="slidenum">
+            <a:fld id="{274B4FAA-82EF-4900-B847-DD3DA44381AE}" type="slidenum">
               <a:rPr b="0" lang="ru-RU" sz="1400" spc="-1" strike="noStrike">
                 <a:solidFill>
                   <a:srgbClr val="898989"/>
@@ -13023,7 +13023,7 @@
         <p:spPr>
           <a:xfrm>
             <a:off x="388440" y="1600200"/>
-            <a:ext cx="11494800" cy="5025240"/>
+            <a:ext cx="11494440" cy="5024880"/>
           </a:xfrm>
           <a:prstGeom prst="rect">
             <a:avLst/>
@@ -13420,9 +13420,9 @@
         <p:grpSpPr>
           <a:xfrm>
             <a:off x="3168000" y="243720"/>
-            <a:ext cx="6429240" cy="1117440"/>
+            <a:ext cx="6428880" cy="1117440"/>
             <a:chOff x="3168000" y="243720"/>
-            <a:chExt cx="6429240" cy="1117440"/>
+            <a:chExt cx="6428880" cy="1117440"/>
           </a:xfrm>
         </p:grpSpPr>
         <p:sp>
@@ -13434,7 +13434,7 @@
           <p:spPr>
             <a:xfrm>
               <a:off x="3168000" y="243720"/>
-              <a:ext cx="6429240" cy="1112040"/>
+              <a:ext cx="6428880" cy="1111680"/>
             </a:xfrm>
             <a:prstGeom prst="rect">
               <a:avLst/>
@@ -13500,16 +13500,16 @@
           </p:nvSpPr>
           <p:spPr>
             <a:xfrm flipH="1" rot="10800000">
-              <a:off x="3167640" y="249120"/>
-              <a:ext cx="101880" cy="1112040"/>
+              <a:off x="3168000" y="249480"/>
+              <a:ext cx="101520" cy="1111680"/>
             </a:xfrm>
             <a:custGeom>
               <a:avLst/>
               <a:gdLst>
-                <a:gd name="textAreaLeft" fmla="*/ 2520 w 101880"/>
-                <a:gd name="textAreaRight" fmla="*/ 109440 w 101880"/>
-                <a:gd name="textAreaTop" fmla="*/ 0 h 1112040"/>
-                <a:gd name="textAreaBottom" fmla="*/ 1116720 h 1112040"/>
+                <a:gd name="textAreaLeft" fmla="*/ 2880 w 101520"/>
+                <a:gd name="textAreaRight" fmla="*/ 109800 w 101520"/>
+                <a:gd name="textAreaTop" fmla="*/ 0 h 1111680"/>
+                <a:gd name="textAreaBottom" fmla="*/ 1116720 h 1111680"/>
               </a:gdLst>
               <a:ahLst/>
               <a:rect l="textAreaLeft" t="textAreaTop" r="textAreaRight" b="textAreaBottom"/>
@@ -13579,15 +13579,15 @@
           <p:spPr>
             <a:xfrm flipH="1">
               <a:off x="9471240" y="243720"/>
-              <a:ext cx="120600" cy="1112040"/>
+              <a:ext cx="120240" cy="1111680"/>
             </a:xfrm>
             <a:custGeom>
               <a:avLst/>
               <a:gdLst>
-                <a:gd name="textAreaLeft" fmla="*/ -2520 w 120600"/>
-                <a:gd name="textAreaRight" fmla="*/ 122760 w 120600"/>
-                <a:gd name="textAreaTop" fmla="*/ 0 h 1112040"/>
-                <a:gd name="textAreaBottom" fmla="*/ 1116720 h 1112040"/>
+                <a:gd name="textAreaLeft" fmla="*/ -2520 w 120240"/>
+                <a:gd name="textAreaRight" fmla="*/ 122760 w 120240"/>
+                <a:gd name="textAreaTop" fmla="*/ 0 h 1111680"/>
+                <a:gd name="textAreaBottom" fmla="*/ 1116720 h 1111680"/>
               </a:gdLst>
               <a:ahLst/>
               <a:rect l="textAreaLeft" t="textAreaTop" r="textAreaRight" b="textAreaBottom"/>
@@ -13658,7 +13658,7 @@
         <p:spPr>
           <a:xfrm>
             <a:off x="273600" y="6435000"/>
-            <a:ext cx="565560" cy="270720"/>
+            <a:ext cx="565200" cy="270360"/>
           </a:xfrm>
           <a:prstGeom prst="rect">
             <a:avLst/>
@@ -13687,7 +13687,7 @@
                 <a:tab algn="l" pos="0"/>
               </a:tabLst>
             </a:pPr>
-            <a:fld id="{433CB800-3056-44D5-A15A-23570289CEFF}" type="slidenum">
+            <a:fld id="{219453FB-9504-473B-A41C-0E47F73B2B5A}" type="slidenum">
               <a:rPr b="0" lang="ru-RU" sz="1400" spc="-1" strike="noStrike">
                 <a:solidFill>
                   <a:srgbClr val="898989"/>
@@ -13745,9 +13745,9 @@
         <p:grpSpPr>
           <a:xfrm>
             <a:off x="3168000" y="322920"/>
-            <a:ext cx="5515920" cy="959040"/>
+            <a:ext cx="5515560" cy="959040"/>
             <a:chOff x="3168000" y="322920"/>
-            <a:chExt cx="5515920" cy="959040"/>
+            <a:chExt cx="5515560" cy="959040"/>
           </a:xfrm>
         </p:grpSpPr>
         <p:sp>
@@ -13759,7 +13759,7 @@
           <p:spPr>
             <a:xfrm>
               <a:off x="3168000" y="322920"/>
-              <a:ext cx="5515920" cy="953280"/>
+              <a:ext cx="5515560" cy="952920"/>
             </a:xfrm>
             <a:prstGeom prst="rect">
               <a:avLst/>
@@ -13825,16 +13825,16 @@
           </p:nvSpPr>
           <p:spPr>
             <a:xfrm flipH="1" rot="10800000">
-              <a:off x="3168000" y="328680"/>
-              <a:ext cx="86400" cy="953280"/>
+              <a:off x="3167640" y="329040"/>
+              <a:ext cx="86040" cy="952920"/>
             </a:xfrm>
             <a:custGeom>
               <a:avLst/>
               <a:gdLst>
-                <a:gd name="textAreaLeft" fmla="*/ 2520 w 86400"/>
-                <a:gd name="textAreaRight" fmla="*/ 94320 w 86400"/>
-                <a:gd name="textAreaTop" fmla="*/ 0 h 953280"/>
-                <a:gd name="textAreaBottom" fmla="*/ 958320 h 953280"/>
+                <a:gd name="textAreaLeft" fmla="*/ 2520 w 86040"/>
+                <a:gd name="textAreaRight" fmla="*/ 94320 w 86040"/>
+                <a:gd name="textAreaTop" fmla="*/ 0 h 952920"/>
+                <a:gd name="textAreaBottom" fmla="*/ 958320 h 952920"/>
               </a:gdLst>
               <a:ahLst/>
               <a:rect l="textAreaLeft" t="textAreaTop" r="textAreaRight" b="textAreaBottom"/>
@@ -13903,16 +13903,16 @@
           </p:nvSpPr>
           <p:spPr>
             <a:xfrm flipH="1">
-              <a:off x="8576280" y="322920"/>
-              <a:ext cx="102240" cy="953280"/>
+              <a:off x="8575560" y="322920"/>
+              <a:ext cx="101880" cy="952920"/>
             </a:xfrm>
             <a:custGeom>
               <a:avLst/>
               <a:gdLst>
-                <a:gd name="textAreaLeft" fmla="*/ 1080 w 102240"/>
-                <a:gd name="textAreaRight" fmla="*/ 108000 w 102240"/>
-                <a:gd name="textAreaTop" fmla="*/ 0 h 953280"/>
-                <a:gd name="textAreaBottom" fmla="*/ 958320 h 953280"/>
+                <a:gd name="textAreaLeft" fmla="*/ 1080 w 101880"/>
+                <a:gd name="textAreaRight" fmla="*/ 108000 w 101880"/>
+                <a:gd name="textAreaTop" fmla="*/ 0 h 952920"/>
+                <a:gd name="textAreaBottom" fmla="*/ 958320 h 952920"/>
               </a:gdLst>
               <a:ahLst/>
               <a:rect l="textAreaLeft" t="textAreaTop" r="textAreaRight" b="textAreaBottom"/>
@@ -13983,7 +13983,7 @@
         <p:spPr>
           <a:xfrm>
             <a:off x="273600" y="6435000"/>
-            <a:ext cx="565560" cy="270720"/>
+            <a:ext cx="565200" cy="270360"/>
           </a:xfrm>
           <a:prstGeom prst="rect">
             <a:avLst/>
@@ -14012,7 +14012,7 @@
                 <a:tab algn="l" pos="0"/>
               </a:tabLst>
             </a:pPr>
-            <a:fld id="{D99B7EFC-BA89-4F84-A1C9-7217DE9239A8}" type="slidenum">
+            <a:fld id="{3459A10A-14CD-49CD-97E1-40F7102CC4FD}" type="slidenum">
               <a:rPr b="0" lang="ru-RU" sz="1400" spc="-1" strike="noStrike">
                 <a:solidFill>
                   <a:srgbClr val="898989"/>
@@ -15253,7 +15253,7 @@
         <p:spPr>
           <a:xfrm>
             <a:off x="8121600" y="1371600"/>
-            <a:ext cx="3883680" cy="4569120"/>
+            <a:ext cx="3883320" cy="4568760"/>
           </a:xfrm>
           <a:prstGeom prst="rect">
             <a:avLst/>
@@ -15448,7 +15448,7 @@
         <p:spPr>
           <a:xfrm>
             <a:off x="7952400" y="3128400"/>
-            <a:ext cx="3768840" cy="549000"/>
+            <a:ext cx="3768480" cy="548640"/>
           </a:xfrm>
           <a:prstGeom prst="rect">
             <a:avLst/>
@@ -15471,7 +15471,7 @@
         <p:spPr>
           <a:xfrm>
             <a:off x="7759800" y="5571000"/>
-            <a:ext cx="4350240" cy="539640"/>
+            <a:ext cx="4349880" cy="539280"/>
           </a:xfrm>
           <a:prstGeom prst="rect">
             <a:avLst/>

--- a/Прогнозирование_вероятности_дефолта.pptx
+++ b/Прогнозирование_вероятности_дефолта.pptx
@@ -90,7 +90,7 @@
         <p:txBody>
           <a:bodyPr/>
           <a:p>
-            <a:fld id="{58B989D7-8FBB-41EC-AA3A-0EC25D78A43A}" type="slidenum">
+            <a:fld id="{487E7DF8-4AAD-4E1D-81F4-79EA9F688DA2}" type="slidenum">
               <a:t>&lt;#&gt;</a:t>
             </a:fld>
           </a:p>
@@ -132,7 +132,7 @@
         <p:txBody>
           <a:bodyPr/>
           <a:p>
-            <a:fld id="{4CF21BEA-2A8E-491B-8D50-9ED678337A5B}" type="slidenum">
+            <a:fld id="{F22786C4-750E-4AA8-AB5E-97F4DB458692}" type="slidenum">
               <a:t>&lt;#&gt;</a:t>
             </a:fld>
           </a:p>
@@ -174,7 +174,7 @@
         <p:txBody>
           <a:bodyPr/>
           <a:p>
-            <a:fld id="{0703FE25-A4D0-4BB7-9505-16404D937A0E}" type="slidenum">
+            <a:fld id="{CBF652FD-6025-4718-80FF-7560400441CE}" type="slidenum">
               <a:t>&lt;#&gt;</a:t>
             </a:fld>
           </a:p>
@@ -216,7 +216,7 @@
         <p:txBody>
           <a:bodyPr/>
           <a:p>
-            <a:fld id="{D1F0278C-FB43-4920-8931-B3E866D22F95}" type="slidenum">
+            <a:fld id="{9A827912-BCEF-4999-AC8B-1596D17100E4}" type="slidenum">
               <a:t>&lt;#&gt;</a:t>
             </a:fld>
           </a:p>
@@ -258,7 +258,7 @@
         <p:txBody>
           <a:bodyPr/>
           <a:p>
-            <a:fld id="{D58C702C-AF97-40B3-9826-9A5CC3E448BC}" type="slidenum">
+            <a:fld id="{52EED4AB-4C51-4BE6-A2F6-A8A9214DBEF3}" type="slidenum">
               <a:t>&lt;#&gt;</a:t>
             </a:fld>
           </a:p>
@@ -300,7 +300,7 @@
         <p:txBody>
           <a:bodyPr/>
           <a:p>
-            <a:fld id="{F2BCA049-7D4E-4308-B603-73A126EA0848}" type="slidenum">
+            <a:fld id="{EC3C8E72-1422-4AC3-8AF9-31E4299A4EEE}" type="slidenum">
               <a:t>&lt;#&gt;</a:t>
             </a:fld>
           </a:p>
@@ -342,7 +342,7 @@
         <p:txBody>
           <a:bodyPr/>
           <a:p>
-            <a:fld id="{99F64D0C-2484-4592-A810-C4D841633F81}" type="slidenum">
+            <a:fld id="{E90B6F63-C7EE-441A-B201-443A259BB605}" type="slidenum">
               <a:t>&lt;#&gt;</a:t>
             </a:fld>
           </a:p>
@@ -412,7 +412,7 @@
         <p:spPr>
           <a:xfrm>
             <a:off x="420480" y="446040"/>
-            <a:ext cx="2356560" cy="717840"/>
+            <a:ext cx="2355120" cy="716400"/>
           </a:xfrm>
           <a:prstGeom prst="rect">
             <a:avLst/>
@@ -430,13 +430,13 @@
         </p:nvPicPr>
         <p:blipFill>
           <a:blip r:embed="rId3"/>
-          <a:srcRect l="0" t="16241" r="0" b="8817"/>
+          <a:srcRect l="0" t="16233" r="0" b="8815"/>
           <a:stretch/>
         </p:blipFill>
         <p:spPr>
           <a:xfrm>
             <a:off x="0" y="0"/>
-            <a:ext cx="12187080" cy="6852960"/>
+            <a:ext cx="12185640" cy="6851520"/>
           </a:xfrm>
           <a:prstGeom prst="rect">
             <a:avLst/>
@@ -455,9 +455,9 @@
         <p:grpSpPr>
           <a:xfrm>
             <a:off x="694440" y="633240"/>
-            <a:ext cx="9497880" cy="4701600"/>
+            <a:ext cx="9496440" cy="4700160"/>
             <a:chOff x="694440" y="633240"/>
-            <a:chExt cx="9497880" cy="4701600"/>
+            <a:chExt cx="9496440" cy="4700160"/>
           </a:xfrm>
         </p:grpSpPr>
         <p:pic>
@@ -473,7 +473,7 @@
           <p:spPr>
             <a:xfrm>
               <a:off x="694440" y="633240"/>
-              <a:ext cx="9497880" cy="4701600"/>
+              <a:ext cx="9496440" cy="4700160"/>
             </a:xfrm>
             <a:prstGeom prst="rect">
               <a:avLst/>
@@ -492,7 +492,7 @@
           <p:spPr>
             <a:xfrm>
               <a:off x="694440" y="5307120"/>
-              <a:ext cx="9497880" cy="23760"/>
+              <a:ext cx="9496440" cy="22320"/>
             </a:xfrm>
             <a:prstGeom prst="rect">
               <a:avLst/>
@@ -552,7 +552,7 @@
         <p:spPr>
           <a:xfrm>
             <a:off x="9157680" y="612000"/>
-            <a:ext cx="2356560" cy="716760"/>
+            <a:ext cx="2355120" cy="715320"/>
           </a:xfrm>
           <a:prstGeom prst="rect">
             <a:avLst/>
@@ -882,7 +882,7 @@
         <p:spPr>
           <a:xfrm>
             <a:off x="420480" y="446040"/>
-            <a:ext cx="2356560" cy="717840"/>
+            <a:ext cx="2355120" cy="716400"/>
           </a:xfrm>
           <a:prstGeom prst="rect">
             <a:avLst/>
@@ -905,7 +905,7 @@
         <p:spPr>
           <a:xfrm>
             <a:off x="273600" y="6433920"/>
-            <a:ext cx="565200" cy="270360"/>
+            <a:ext cx="563760" cy="268920"/>
           </a:xfrm>
           <a:prstGeom prst="rect">
             <a:avLst/>
@@ -947,7 +947,7 @@
                 <a:tab algn="l" pos="0"/>
               </a:tabLst>
             </a:pPr>
-            <a:fld id="{0DB58518-6C0D-4485-8AFD-E2F36B1A2E75}" type="slidenum">
+            <a:fld id="{4A134852-0C98-441E-9523-FD39EC3C2A58}" type="slidenum">
               <a:rPr b="0" lang="ru-RU" sz="2400" spc="-1" strike="noStrike">
                 <a:solidFill>
                   <a:srgbClr val="898989"/>
@@ -1286,7 +1286,7 @@
         <p:spPr>
           <a:xfrm>
             <a:off x="420480" y="446040"/>
-            <a:ext cx="2356560" cy="717840"/>
+            <a:ext cx="2355120" cy="716400"/>
           </a:xfrm>
           <a:prstGeom prst="rect">
             <a:avLst/>
@@ -1309,7 +1309,7 @@
         <p:spPr>
           <a:xfrm>
             <a:off x="273600" y="6433920"/>
-            <a:ext cx="627480" cy="270360"/>
+            <a:ext cx="626040" cy="268920"/>
           </a:xfrm>
           <a:prstGeom prst="rect">
             <a:avLst/>
@@ -1351,7 +1351,7 @@
                 <a:tab algn="l" pos="0"/>
               </a:tabLst>
             </a:pPr>
-            <a:fld id="{2772E0A3-BC17-495F-80D7-5246FE0F120B}" type="slidenum">
+            <a:fld id="{79268C05-E244-4598-888F-434DB5FEE6F0}" type="slidenum">
               <a:rPr b="0" lang="ru-RU" sz="2400" spc="-1" strike="noStrike">
                 <a:solidFill>
                   <a:srgbClr val="898989"/>
@@ -1416,7 +1416,7 @@
         <p:spPr>
           <a:xfrm>
             <a:off x="420480" y="446040"/>
-            <a:ext cx="2356560" cy="717840"/>
+            <a:ext cx="2355120" cy="716400"/>
           </a:xfrm>
           <a:prstGeom prst="rect">
             <a:avLst/>
@@ -1439,7 +1439,7 @@
         <p:spPr>
           <a:xfrm>
             <a:off x="273600" y="6433920"/>
-            <a:ext cx="565200" cy="270360"/>
+            <a:ext cx="563760" cy="268920"/>
           </a:xfrm>
           <a:prstGeom prst="rect">
             <a:avLst/>
@@ -1481,7 +1481,7 @@
                 <a:tab algn="l" pos="0"/>
               </a:tabLst>
             </a:pPr>
-            <a:fld id="{4FC2C489-5E52-41C9-949C-C738E7E7E965}" type="slidenum">
+            <a:fld id="{8DE3096E-2155-4125-AD67-3A57F94E7496}" type="slidenum">
               <a:rPr b="0" lang="ru-RU" sz="2400" spc="-1" strike="noStrike">
                 <a:solidFill>
                   <a:srgbClr val="898989"/>
@@ -1546,7 +1546,7 @@
         <p:spPr>
           <a:xfrm>
             <a:off x="420480" y="446040"/>
-            <a:ext cx="2356560" cy="717840"/>
+            <a:ext cx="2355120" cy="716400"/>
           </a:xfrm>
           <a:prstGeom prst="rect">
             <a:avLst/>
@@ -1569,7 +1569,7 @@
         <p:spPr>
           <a:xfrm>
             <a:off x="273600" y="6433920"/>
-            <a:ext cx="565200" cy="270360"/>
+            <a:ext cx="563760" cy="268920"/>
           </a:xfrm>
           <a:prstGeom prst="rect">
             <a:avLst/>
@@ -1611,7 +1611,7 @@
                 <a:tab algn="l" pos="0"/>
               </a:tabLst>
             </a:pPr>
-            <a:fld id="{681EF5AC-3478-4D10-894E-19730914E87F}" type="slidenum">
+            <a:fld id="{BF21D399-0AC3-46BC-B881-826500ED7C33}" type="slidenum">
               <a:rPr b="0" lang="ru-RU" sz="2400" spc="-1" strike="noStrike">
                 <a:solidFill>
                   <a:srgbClr val="898989"/>
@@ -1676,7 +1676,7 @@
         <p:spPr>
           <a:xfrm>
             <a:off x="420480" y="446040"/>
-            <a:ext cx="2356560" cy="717840"/>
+            <a:ext cx="2355120" cy="716400"/>
           </a:xfrm>
           <a:prstGeom prst="rect">
             <a:avLst/>
@@ -1699,7 +1699,7 @@
         <p:spPr>
           <a:xfrm>
             <a:off x="273600" y="6433920"/>
-            <a:ext cx="565200" cy="270360"/>
+            <a:ext cx="563760" cy="268920"/>
           </a:xfrm>
           <a:prstGeom prst="rect">
             <a:avLst/>
@@ -1741,7 +1741,7 @@
                 <a:tab algn="l" pos="0"/>
               </a:tabLst>
             </a:pPr>
-            <a:fld id="{CB932F7C-DD4F-43F6-8AAB-527163914D79}" type="slidenum">
+            <a:fld id="{271736E4-1DC0-46E2-8E20-F701889AED5D}" type="slidenum">
               <a:rPr b="0" lang="ru-RU" sz="2400" spc="-1" strike="noStrike">
                 <a:solidFill>
                   <a:srgbClr val="898989"/>
@@ -1806,7 +1806,7 @@
         <p:spPr>
           <a:xfrm>
             <a:off x="420480" y="446040"/>
-            <a:ext cx="2356560" cy="717840"/>
+            <a:ext cx="2355120" cy="716400"/>
           </a:xfrm>
           <a:prstGeom prst="rect">
             <a:avLst/>
@@ -1829,7 +1829,7 @@
         <p:spPr>
           <a:xfrm>
             <a:off x="273600" y="6433920"/>
-            <a:ext cx="565200" cy="270360"/>
+            <a:ext cx="563760" cy="268920"/>
           </a:xfrm>
           <a:prstGeom prst="rect">
             <a:avLst/>
@@ -1871,7 +1871,7 @@
                 <a:tab algn="l" pos="0"/>
               </a:tabLst>
             </a:pPr>
-            <a:fld id="{58DD2131-4A74-4FB1-B7B4-671386FE4E66}" type="slidenum">
+            <a:fld id="{C5256FFB-6C85-4F3F-B531-525F24F32CFF}" type="slidenum">
               <a:rPr b="0" lang="ru-RU" sz="2400" spc="-1" strike="noStrike">
                 <a:solidFill>
                   <a:srgbClr val="898989"/>
@@ -1936,7 +1936,7 @@
         <p:spPr>
           <a:xfrm>
             <a:off x="420480" y="446040"/>
-            <a:ext cx="2356560" cy="717840"/>
+            <a:ext cx="2355120" cy="716400"/>
           </a:xfrm>
           <a:prstGeom prst="rect">
             <a:avLst/>
@@ -1959,7 +1959,7 @@
         <p:spPr>
           <a:xfrm>
             <a:off x="273600" y="6433920"/>
-            <a:ext cx="565200" cy="270360"/>
+            <a:ext cx="563760" cy="268920"/>
           </a:xfrm>
           <a:prstGeom prst="rect">
             <a:avLst/>
@@ -2001,7 +2001,7 @@
                 <a:tab algn="l" pos="0"/>
               </a:tabLst>
             </a:pPr>
-            <a:fld id="{12B700DB-3B3C-43B4-B723-E2A38C8A49A6}" type="slidenum">
+            <a:fld id="{BE6DF541-9459-422A-9849-5A09346F9CAB}" type="slidenum">
               <a:rPr b="0" lang="ru-RU" sz="2400" spc="-1" strike="noStrike">
                 <a:solidFill>
                   <a:srgbClr val="898989"/>
@@ -2066,7 +2066,7 @@
         <p:spPr>
           <a:xfrm>
             <a:off x="420480" y="446040"/>
-            <a:ext cx="2356560" cy="717840"/>
+            <a:ext cx="2355120" cy="716400"/>
           </a:xfrm>
           <a:prstGeom prst="rect">
             <a:avLst/>
@@ -2084,13 +2084,13 @@
         </p:nvPicPr>
         <p:blipFill>
           <a:blip r:embed="rId3"/>
-          <a:srcRect l="0" t="16241" r="0" b="8817"/>
+          <a:srcRect l="0" t="16233" r="0" b="8815"/>
           <a:stretch/>
         </p:blipFill>
         <p:spPr>
           <a:xfrm>
             <a:off x="0" y="0"/>
-            <a:ext cx="12187080" cy="6852960"/>
+            <a:ext cx="12185640" cy="6851520"/>
           </a:xfrm>
           <a:prstGeom prst="rect">
             <a:avLst/>
@@ -2113,7 +2113,7 @@
         <p:spPr>
           <a:xfrm>
             <a:off x="6575400" y="2096640"/>
-            <a:ext cx="1326960" cy="1326960"/>
+            <a:ext cx="1325520" cy="1325520"/>
           </a:xfrm>
           <a:prstGeom prst="rect">
             <a:avLst/>
@@ -2136,7 +2136,7 @@
         <p:spPr>
           <a:xfrm>
             <a:off x="1278360" y="2042640"/>
-            <a:ext cx="4705200" cy="1434960"/>
+            <a:ext cx="4703760" cy="1433520"/>
           </a:xfrm>
           <a:prstGeom prst="rect">
             <a:avLst/>
@@ -2155,7 +2155,7 @@
         <p:spPr>
           <a:xfrm>
             <a:off x="7849800" y="2522520"/>
-            <a:ext cx="3043440" cy="473760"/>
+            <a:ext cx="3042000" cy="473760"/>
           </a:xfrm>
           <a:prstGeom prst="rect">
             <a:avLst/>
@@ -2208,16 +2208,16 @@
         </p:nvSpPr>
         <p:spPr>
           <a:xfrm flipH="1">
-            <a:off x="10706760" y="2096640"/>
-            <a:ext cx="125640" cy="1326960"/>
+            <a:off x="10705320" y="2096640"/>
+            <a:ext cx="124200" cy="1325520"/>
           </a:xfrm>
           <a:custGeom>
             <a:avLst/>
             <a:gdLst>
-              <a:gd name="textAreaLeft" fmla="*/ 2520 w 125640"/>
-              <a:gd name="textAreaRight" fmla="*/ 133200 w 125640"/>
-              <a:gd name="textAreaTop" fmla="*/ 0 h 1326960"/>
-              <a:gd name="textAreaBottom" fmla="*/ 1332000 h 1326960"/>
+              <a:gd name="textAreaLeft" fmla="*/ 3240 w 124200"/>
+              <a:gd name="textAreaRight" fmla="*/ 133920 w 124200"/>
+              <a:gd name="textAreaTop" fmla="*/ 0 h 1325520"/>
+              <a:gd name="textAreaBottom" fmla="*/ 1332000 h 1325520"/>
             </a:gdLst>
             <a:ahLst/>
             <a:rect l="textAreaLeft" t="textAreaTop" r="textAreaRight" b="textAreaBottom"/>
@@ -2591,7 +2591,7 @@
         <p:spPr>
           <a:xfrm>
             <a:off x="1078200" y="4363560"/>
-            <a:ext cx="9114120" cy="869040"/>
+            <a:ext cx="9112680" cy="867600"/>
           </a:xfrm>
           <a:prstGeom prst="rect">
             <a:avLst/>
@@ -2645,7 +2645,7 @@
         <p:spPr>
           <a:xfrm>
             <a:off x="1078200" y="743400"/>
-            <a:ext cx="9115200" cy="3412800"/>
+            <a:ext cx="9113760" cy="3411360"/>
           </a:xfrm>
           <a:prstGeom prst="rect">
             <a:avLst/>
@@ -2729,9 +2729,9 @@
         <p:grpSpPr>
           <a:xfrm>
             <a:off x="3168000" y="469440"/>
-            <a:ext cx="3830400" cy="666000"/>
+            <a:ext cx="3828960" cy="666000"/>
             <a:chOff x="3168000" y="469440"/>
-            <a:chExt cx="3830400" cy="666000"/>
+            <a:chExt cx="3828960" cy="666000"/>
           </a:xfrm>
         </p:grpSpPr>
         <p:sp>
@@ -2743,7 +2743,7 @@
           <p:spPr>
             <a:xfrm>
               <a:off x="3168000" y="469440"/>
-              <a:ext cx="3830400" cy="660960"/>
+              <a:ext cx="3828960" cy="659520"/>
             </a:xfrm>
             <a:prstGeom prst="rect">
               <a:avLst/>
@@ -2809,16 +2809,16 @@
           </p:nvSpPr>
           <p:spPr>
             <a:xfrm flipH="1" rot="10800000">
-              <a:off x="3167640" y="474480"/>
-              <a:ext cx="58680" cy="660960"/>
+              <a:off x="3167640" y="475920"/>
+              <a:ext cx="57240" cy="659520"/>
             </a:xfrm>
             <a:custGeom>
               <a:avLst/>
               <a:gdLst>
-                <a:gd name="textAreaLeft" fmla="*/ 2520 w 58680"/>
-                <a:gd name="textAreaRight" fmla="*/ 66240 w 58680"/>
-                <a:gd name="textAreaTop" fmla="*/ 0 h 660960"/>
-                <a:gd name="textAreaBottom" fmla="*/ 666000 h 660960"/>
+                <a:gd name="textAreaLeft" fmla="*/ 3240 w 57240"/>
+                <a:gd name="textAreaRight" fmla="*/ 66960 w 57240"/>
+                <a:gd name="textAreaTop" fmla="*/ 0 h 659520"/>
+                <a:gd name="textAreaBottom" fmla="*/ 666000 h 659520"/>
               </a:gdLst>
               <a:ahLst/>
               <a:rect l="textAreaLeft" t="textAreaTop" r="textAreaRight" b="textAreaBottom"/>
@@ -2887,16 +2887,16 @@
           </p:nvSpPr>
           <p:spPr>
             <a:xfrm flipH="1">
-              <a:off x="6923520" y="469440"/>
-              <a:ext cx="69840" cy="660960"/>
+              <a:off x="6922080" y="469440"/>
+              <a:ext cx="68400" cy="659520"/>
             </a:xfrm>
             <a:custGeom>
               <a:avLst/>
               <a:gdLst>
-                <a:gd name="textAreaLeft" fmla="*/ -2520 w 69840"/>
-                <a:gd name="textAreaRight" fmla="*/ 72360 w 69840"/>
-                <a:gd name="textAreaTop" fmla="*/ 0 h 660960"/>
-                <a:gd name="textAreaBottom" fmla="*/ 666000 h 660960"/>
+                <a:gd name="textAreaLeft" fmla="*/ -3240 w 68400"/>
+                <a:gd name="textAreaRight" fmla="*/ 71640 w 68400"/>
+                <a:gd name="textAreaTop" fmla="*/ 0 h 659520"/>
+                <a:gd name="textAreaBottom" fmla="*/ 666000 h 659520"/>
               </a:gdLst>
               <a:ahLst/>
               <a:rect l="textAreaLeft" t="textAreaTop" r="textAreaRight" b="textAreaBottom"/>
@@ -2967,7 +2967,7 @@
         <p:spPr>
           <a:xfrm>
             <a:off x="273600" y="6435000"/>
-            <a:ext cx="565200" cy="270360"/>
+            <a:ext cx="563760" cy="268920"/>
           </a:xfrm>
           <a:prstGeom prst="rect">
             <a:avLst/>
@@ -2996,7 +2996,7 @@
                 <a:tab algn="l" pos="0"/>
               </a:tabLst>
             </a:pPr>
-            <a:fld id="{98A5C0F9-FB60-470E-AA51-8C0BC3B1D55B}" type="slidenum">
+            <a:fld id="{1D82FCFF-6BCF-467B-9D2A-BEF203934627}" type="slidenum">
               <a:rPr b="0" lang="ru-RU" sz="1400" spc="-1" strike="noStrike">
                 <a:solidFill>
                   <a:srgbClr val="898989"/>
@@ -3004,7 +3004,7 @@
                 <a:latin typeface="Times New Roman"/>
                 <a:ea typeface="Open Sans"/>
               </a:rPr>
-              <a:t>&lt;number&gt;</a:t>
+              <a:t>8</a:t>
             </a:fld>
             <a:endParaRPr b="0" lang="en-US" sz="1400" spc="-1" strike="noStrike">
               <a:solidFill>
@@ -3024,7 +3024,7 @@
         <p:spPr>
           <a:xfrm>
             <a:off x="464040" y="1350720"/>
-            <a:ext cx="7310880" cy="5266080"/>
+            <a:ext cx="7309440" cy="5264640"/>
           </a:xfrm>
           <a:prstGeom prst="rect">
             <a:avLst/>
@@ -3307,7 +3307,7 @@
                 <a:latin typeface="Arial"/>
                 <a:ea typeface="Arial"/>
               </a:rPr>
-              <a:t>Полносвязная нейронная сеть (перцептрон)</a:t>
+              <a:t>Многослойная полносвязная нейронная сеть</a:t>
             </a:r>
             <a:endParaRPr b="0" lang="en-US" sz="2000" spc="-1" strike="noStrike">
               <a:solidFill>
@@ -3350,7 +3350,55 @@
       </p:grpSpPr>
       <p:sp>
         <p:nvSpPr>
-          <p:cNvPr id="101" name="PlaceHolder 1"/>
+          <p:cNvPr id="101" name=""/>
+          <p:cNvSpPr/>
+          <p:nvPr/>
+        </p:nvSpPr>
+        <p:spPr>
+          <a:xfrm>
+            <a:off x="8001000" y="2743200"/>
+            <a:ext cx="3885120" cy="1370520"/>
+          </a:xfrm>
+          <a:prstGeom prst="rect">
+            <a:avLst/>
+          </a:prstGeom>
+          <a:solidFill>
+            <a:srgbClr val="eeeeee"/>
+          </a:solidFill>
+          <a:ln w="0">
+            <a:solidFill>
+              <a:srgbClr val="dddddd"/>
+            </a:solidFill>
+          </a:ln>
+        </p:spPr>
+        <p:style>
+          <a:lnRef idx="0"/>
+          <a:fillRef idx="0"/>
+          <a:effectRef idx="0"/>
+          <a:fontRef idx="minor"/>
+        </p:style>
+        <p:txBody>
+          <a:bodyPr lIns="90000" rIns="90000" tIns="45000" bIns="45000" anchor="ctr">
+            <a:noAutofit/>
+          </a:bodyPr>
+          <a:p>
+            <a:pPr>
+              <a:lnSpc>
+                <a:spcPct val="100000"/>
+              </a:lnSpc>
+            </a:pPr>
+            <a:endParaRPr b="0" lang="en-US" sz="1800" spc="-1" strike="noStrike">
+              <a:solidFill>
+                <a:srgbClr val="000000"/>
+              </a:solidFill>
+              <a:latin typeface="Arial"/>
+            </a:endParaRPr>
+          </a:p>
+        </p:txBody>
+      </p:sp>
+      <p:sp>
+        <p:nvSpPr>
+          <p:cNvPr id="102" name="PlaceHolder 1"/>
           <p:cNvSpPr>
             <a:spLocks noGrp="1"/>
           </p:cNvSpPr>
@@ -3361,7 +3409,7 @@
         <p:spPr>
           <a:xfrm>
             <a:off x="300600" y="1371600"/>
-            <a:ext cx="4040280" cy="1874880"/>
+            <a:ext cx="4038840" cy="1873440"/>
           </a:xfrm>
           <a:prstGeom prst="rect">
             <a:avLst/>
@@ -3479,28 +3527,28 @@
       </p:sp>
       <p:grpSp>
         <p:nvGrpSpPr>
-          <p:cNvPr id="102" name="Группа 10"/>
+          <p:cNvPr id="103" name="Группа 10"/>
           <p:cNvGrpSpPr/>
           <p:nvPr/>
         </p:nvGrpSpPr>
         <p:grpSpPr>
           <a:xfrm>
             <a:off x="3168000" y="469440"/>
-            <a:ext cx="3830400" cy="666000"/>
+            <a:ext cx="3828960" cy="666000"/>
             <a:chOff x="3168000" y="469440"/>
-            <a:chExt cx="3830400" cy="666000"/>
+            <a:chExt cx="3828960" cy="666000"/>
           </a:xfrm>
         </p:grpSpPr>
         <p:sp>
           <p:nvSpPr>
-            <p:cNvPr id="103" name="Прямоугольник 26"/>
+            <p:cNvPr id="104" name="Прямоугольник 26"/>
             <p:cNvSpPr/>
             <p:nvPr/>
           </p:nvSpPr>
           <p:spPr>
             <a:xfrm>
               <a:off x="3168000" y="469440"/>
-              <a:ext cx="3830400" cy="660960"/>
+              <a:ext cx="3828960" cy="659520"/>
             </a:xfrm>
             <a:prstGeom prst="rect">
               <a:avLst/>
@@ -3560,22 +3608,22 @@
         </p:sp>
         <p:sp>
           <p:nvSpPr>
-            <p:cNvPr id="104" name="Прямоугольник 27"/>
+            <p:cNvPr id="105" name="Прямоугольник 27"/>
             <p:cNvSpPr/>
             <p:nvPr/>
           </p:nvSpPr>
           <p:spPr>
             <a:xfrm flipH="1" rot="10800000">
-              <a:off x="3167640" y="474480"/>
-              <a:ext cx="58680" cy="660960"/>
+              <a:off x="3167640" y="475920"/>
+              <a:ext cx="57240" cy="659520"/>
             </a:xfrm>
             <a:custGeom>
               <a:avLst/>
               <a:gdLst>
-                <a:gd name="textAreaLeft" fmla="*/ 2520 w 58680"/>
-                <a:gd name="textAreaRight" fmla="*/ 66240 w 58680"/>
-                <a:gd name="textAreaTop" fmla="*/ 0 h 660960"/>
-                <a:gd name="textAreaBottom" fmla="*/ 666000 h 660960"/>
+                <a:gd name="textAreaLeft" fmla="*/ 3240 w 57240"/>
+                <a:gd name="textAreaRight" fmla="*/ 66960 w 57240"/>
+                <a:gd name="textAreaTop" fmla="*/ 0 h 659520"/>
+                <a:gd name="textAreaBottom" fmla="*/ 666000 h 659520"/>
               </a:gdLst>
               <a:ahLst/>
               <a:rect l="textAreaLeft" t="textAreaTop" r="textAreaRight" b="textAreaBottom"/>
@@ -3638,22 +3686,22 @@
         </p:sp>
         <p:sp>
           <p:nvSpPr>
-            <p:cNvPr id="105" name="Прямоугольник 28"/>
+            <p:cNvPr id="106" name="Прямоугольник 28"/>
             <p:cNvSpPr/>
             <p:nvPr/>
           </p:nvSpPr>
           <p:spPr>
             <a:xfrm flipH="1">
-              <a:off x="6923520" y="469440"/>
-              <a:ext cx="69840" cy="660960"/>
+              <a:off x="6922080" y="469440"/>
+              <a:ext cx="68400" cy="659520"/>
             </a:xfrm>
             <a:custGeom>
               <a:avLst/>
               <a:gdLst>
-                <a:gd name="textAreaLeft" fmla="*/ -2520 w 69840"/>
-                <a:gd name="textAreaRight" fmla="*/ 72360 w 69840"/>
-                <a:gd name="textAreaTop" fmla="*/ 0 h 660960"/>
-                <a:gd name="textAreaBottom" fmla="*/ 666000 h 660960"/>
+                <a:gd name="textAreaLeft" fmla="*/ -3240 w 68400"/>
+                <a:gd name="textAreaRight" fmla="*/ 71640 w 68400"/>
+                <a:gd name="textAreaTop" fmla="*/ 0 h 659520"/>
+                <a:gd name="textAreaBottom" fmla="*/ 666000 h 659520"/>
               </a:gdLst>
               <a:ahLst/>
               <a:rect l="textAreaLeft" t="textAreaTop" r="textAreaRight" b="textAreaBottom"/>
@@ -3717,14 +3765,14 @@
       </p:grpSp>
       <p:sp>
         <p:nvSpPr>
-          <p:cNvPr id="106" name="PlaceHolder 13"/>
+          <p:cNvPr id="107" name="PlaceHolder 13"/>
           <p:cNvSpPr/>
           <p:nvPr/>
         </p:nvSpPr>
         <p:spPr>
           <a:xfrm>
             <a:off x="273600" y="6435000"/>
-            <a:ext cx="565200" cy="270360"/>
+            <a:ext cx="563760" cy="268920"/>
           </a:xfrm>
           <a:prstGeom prst="rect">
             <a:avLst/>
@@ -3753,7 +3801,7 @@
                 <a:tab algn="l" pos="0"/>
               </a:tabLst>
             </a:pPr>
-            <a:fld id="{F1B52302-485C-443E-97CE-AAFB40E75CE4}" type="slidenum">
+            <a:fld id="{2B8D060E-EB19-4050-832F-C8A95D931CB9}" type="slidenum">
               <a:rPr b="0" lang="ru-RU" sz="1400" spc="-1" strike="noStrike">
                 <a:solidFill>
                   <a:srgbClr val="898989"/>
@@ -3774,7 +3822,7 @@
       </p:sp>
       <p:pic>
         <p:nvPicPr>
-          <p:cNvPr id="107" name="" descr=""/>
+          <p:cNvPr id="108" name="" descr=""/>
           <p:cNvPicPr/>
           <p:nvPr/>
         </p:nvPicPr>
@@ -3785,7 +3833,7 @@
         <p:spPr>
           <a:xfrm>
             <a:off x="542160" y="2295000"/>
-            <a:ext cx="3255120" cy="721080"/>
+            <a:ext cx="3253680" cy="719640"/>
           </a:xfrm>
           <a:prstGeom prst="rect">
             <a:avLst/>
@@ -3797,28 +3845,28 @@
       </p:pic>
       <p:grpSp>
         <p:nvGrpSpPr>
-          <p:cNvPr id="108" name=""/>
+          <p:cNvPr id="109" name=""/>
           <p:cNvGrpSpPr/>
           <p:nvPr/>
         </p:nvGrpSpPr>
         <p:grpSpPr>
           <a:xfrm>
             <a:off x="336600" y="3105000"/>
-            <a:ext cx="4181040" cy="1874880"/>
+            <a:ext cx="4179600" cy="1873440"/>
             <a:chOff x="336600" y="3105000"/>
-            <a:chExt cx="4181040" cy="1874880"/>
+            <a:chExt cx="4179600" cy="1873440"/>
           </a:xfrm>
         </p:grpSpPr>
         <p:sp>
           <p:nvSpPr>
-            <p:cNvPr id="109" name="PlaceHolder 27"/>
+            <p:cNvPr id="110" name="PlaceHolder 27"/>
             <p:cNvSpPr/>
             <p:nvPr/>
           </p:nvSpPr>
           <p:spPr>
             <a:xfrm>
               <a:off x="336600" y="3105000"/>
-              <a:ext cx="4181040" cy="1874880"/>
+              <a:ext cx="4179600" cy="1873440"/>
             </a:xfrm>
             <a:prstGeom prst="rect">
               <a:avLst/>
@@ -3890,7 +3938,7 @@
         </p:sp>
         <p:pic>
           <p:nvPicPr>
-            <p:cNvPr id="110" name="" descr=""/>
+            <p:cNvPr id="111" name="" descr=""/>
             <p:cNvPicPr/>
             <p:nvPr/>
           </p:nvPicPr>
@@ -3901,7 +3949,7 @@
           <p:spPr>
             <a:xfrm>
               <a:off x="529200" y="3729600"/>
-              <a:ext cx="3302640" cy="721080"/>
+              <a:ext cx="3301200" cy="719640"/>
             </a:xfrm>
             <a:prstGeom prst="rect">
               <a:avLst/>
@@ -3913,7 +3961,7 @@
         </p:pic>
         <p:pic>
           <p:nvPicPr>
-            <p:cNvPr id="111" name="" descr=""/>
+            <p:cNvPr id="112" name="" descr=""/>
             <p:cNvPicPr/>
             <p:nvPr/>
           </p:nvPicPr>
@@ -3924,7 +3972,7 @@
           <p:spPr>
             <a:xfrm>
               <a:off x="633960" y="4525200"/>
-              <a:ext cx="2740680" cy="311400"/>
+              <a:ext cx="2739240" cy="309960"/>
             </a:xfrm>
             <a:prstGeom prst="rect">
               <a:avLst/>
@@ -3937,28 +3985,28 @@
       </p:grpSp>
       <p:grpSp>
         <p:nvGrpSpPr>
-          <p:cNvPr id="112" name=""/>
+          <p:cNvPr id="113" name=""/>
           <p:cNvGrpSpPr/>
           <p:nvPr/>
         </p:nvGrpSpPr>
         <p:grpSpPr>
           <a:xfrm>
             <a:off x="336600" y="4980600"/>
-            <a:ext cx="4181040" cy="1874880"/>
+            <a:ext cx="4179600" cy="1873440"/>
             <a:chOff x="336600" y="4980600"/>
-            <a:chExt cx="4181040" cy="1874880"/>
+            <a:chExt cx="4179600" cy="1873440"/>
           </a:xfrm>
         </p:grpSpPr>
         <p:sp>
           <p:nvSpPr>
-            <p:cNvPr id="113" name="PlaceHolder 27"/>
+            <p:cNvPr id="114" name="PlaceHolder 27"/>
             <p:cNvSpPr/>
             <p:nvPr/>
           </p:nvSpPr>
           <p:spPr>
             <a:xfrm>
               <a:off x="336600" y="4980600"/>
-              <a:ext cx="4181040" cy="1874880"/>
+              <a:ext cx="4179600" cy="1873440"/>
             </a:xfrm>
             <a:prstGeom prst="rect">
               <a:avLst/>
@@ -4030,7 +4078,7 @@
         </p:sp>
         <p:pic>
           <p:nvPicPr>
-            <p:cNvPr id="114" name="" descr=""/>
+            <p:cNvPr id="115" name="" descr=""/>
             <p:cNvPicPr/>
             <p:nvPr/>
           </p:nvPicPr>
@@ -4041,7 +4089,7 @@
           <p:spPr>
             <a:xfrm>
               <a:off x="491040" y="5696280"/>
-              <a:ext cx="3340800" cy="702000"/>
+              <a:ext cx="3339360" cy="700560"/>
             </a:xfrm>
             <a:prstGeom prst="rect">
               <a:avLst/>
@@ -4052,30 +4100,164 @@
           </p:spPr>
         </p:pic>
       </p:grpSp>
+      <p:sp>
+        <p:nvSpPr>
+          <p:cNvPr id="116" name="PlaceHolder 32"/>
+          <p:cNvSpPr/>
+          <p:nvPr/>
+        </p:nvSpPr>
+        <p:spPr>
+          <a:xfrm>
+            <a:off x="4114800" y="4602960"/>
+            <a:ext cx="2970720" cy="1206360"/>
+          </a:xfrm>
+          <a:prstGeom prst="rect">
+            <a:avLst/>
+          </a:prstGeom>
+          <a:noFill/>
+          <a:ln w="0">
+            <a:noFill/>
+          </a:ln>
+        </p:spPr>
+        <p:style>
+          <a:lnRef idx="0"/>
+          <a:fillRef idx="0"/>
+          <a:effectRef idx="0"/>
+          <a:fontRef idx="minor"/>
+        </p:style>
+        <p:txBody>
+          <a:bodyPr lIns="90000" rIns="90000" tIns="45000" bIns="45000" anchor="t">
+            <a:normAutofit/>
+          </a:bodyPr>
+          <a:p>
+            <a:pPr marL="76320">
+              <a:lnSpc>
+                <a:spcPct val="90000"/>
+              </a:lnSpc>
+              <a:spcBef>
+                <a:spcPts val="751"/>
+              </a:spcBef>
+              <a:tabLst>
+                <a:tab algn="l" pos="0"/>
+              </a:tabLst>
+            </a:pPr>
+            <a:r>
+              <a:rPr b="1" lang="ru-RU" sz="1600" spc="-1" strike="noStrike">
+                <a:solidFill>
+                  <a:srgbClr val="3465a4"/>
+                </a:solidFill>
+                <a:latin typeface="Arial"/>
+                <a:ea typeface="Open Sans"/>
+              </a:rPr>
+              <a:t>Снижение размерности с 303 до 50 значимых признаков оказывает несущественное влияние на метрики качества</a:t>
+            </a:r>
+            <a:endParaRPr b="0" lang="en-US" sz="1600" spc="-1" strike="noStrike">
+              <a:solidFill>
+                <a:srgbClr val="000000"/>
+              </a:solidFill>
+              <a:latin typeface="Arial"/>
+            </a:endParaRPr>
+          </a:p>
+        </p:txBody>
+      </p:sp>
+      <p:sp>
+        <p:nvSpPr>
+          <p:cNvPr id="117" name=""/>
+          <p:cNvSpPr/>
+          <p:nvPr/>
+        </p:nvSpPr>
+        <p:spPr>
+          <a:xfrm>
+            <a:off x="4343400" y="5895000"/>
+            <a:ext cx="2511360" cy="453960"/>
+          </a:xfrm>
+          <a:prstGeom prst="rightArrow">
+            <a:avLst>
+              <a:gd name="adj1" fmla="val 50000"/>
+              <a:gd name="adj2" fmla="val 137500"/>
+            </a:avLst>
+          </a:prstGeom>
+          <a:solidFill>
+            <a:srgbClr val="729fcf"/>
+          </a:solidFill>
+          <a:ln w="0">
+            <a:solidFill>
+              <a:srgbClr val="3465a4"/>
+            </a:solidFill>
+          </a:ln>
+        </p:spPr>
+        <p:style>
+          <a:lnRef idx="0"/>
+          <a:fillRef idx="0"/>
+          <a:effectRef idx="0"/>
+          <a:fontRef idx="minor"/>
+        </p:style>
+        <p:txBody>
+          <a:bodyPr lIns="90000" rIns="90000" tIns="45000" bIns="45000" anchor="ctr">
+            <a:noAutofit/>
+          </a:bodyPr>
+          <a:p>
+            <a:pPr>
+              <a:lnSpc>
+                <a:spcPct val="100000"/>
+              </a:lnSpc>
+            </a:pPr>
+            <a:endParaRPr b="0" lang="en-US" sz="1800" spc="-1" strike="noStrike">
+              <a:solidFill>
+                <a:srgbClr val="000000"/>
+              </a:solidFill>
+              <a:latin typeface="Arial"/>
+            </a:endParaRPr>
+          </a:p>
+        </p:txBody>
+      </p:sp>
+      <p:pic>
+        <p:nvPicPr>
+          <p:cNvPr id="118" name="" descr=""/>
+          <p:cNvPicPr/>
+          <p:nvPr/>
+        </p:nvPicPr>
+        <p:blipFill>
+          <a:blip r:embed="rId5"/>
+          <a:stretch/>
+        </p:blipFill>
+        <p:spPr>
+          <a:xfrm>
+            <a:off x="7200720" y="5486400"/>
+            <a:ext cx="3997440" cy="863280"/>
+          </a:xfrm>
+          <a:prstGeom prst="rect">
+            <a:avLst/>
+          </a:prstGeom>
+          <a:ln w="0">
+            <a:noFill/>
+          </a:ln>
+        </p:spPr>
+      </p:pic>
       <p:grpSp>
         <p:nvGrpSpPr>
-          <p:cNvPr id="115" name=""/>
+          <p:cNvPr id="119" name=""/>
           <p:cNvGrpSpPr/>
           <p:nvPr/>
         </p:nvGrpSpPr>
         <p:grpSpPr>
           <a:xfrm>
-            <a:off x="7704360" y="1552320"/>
-            <a:ext cx="4181040" cy="1646280"/>
-            <a:chOff x="7704360" y="1552320"/>
-            <a:chExt cx="4181040" cy="1646280"/>
+            <a:off x="7772400" y="1371600"/>
+            <a:ext cx="4179600" cy="1644840"/>
+            <a:chOff x="7772400" y="1371600"/>
+            <a:chExt cx="4179600" cy="1644840"/>
           </a:xfrm>
         </p:grpSpPr>
         <p:sp>
           <p:nvSpPr>
-            <p:cNvPr id="116" name="PlaceHolder 27"/>
+            <p:cNvPr id="120" name="PlaceHolder 27"/>
             <p:cNvSpPr/>
             <p:nvPr/>
           </p:nvSpPr>
           <p:spPr>
             <a:xfrm>
-              <a:off x="7704360" y="1552320"/>
-              <a:ext cx="4181040" cy="1646280"/>
+              <a:off x="7772400" y="1371600"/>
+              <a:ext cx="4179600" cy="1644840"/>
             </a:xfrm>
             <a:prstGeom prst="rect">
               <a:avLst/>
@@ -4128,18 +4310,18 @@
         </p:sp>
         <p:pic>
           <p:nvPicPr>
-            <p:cNvPr id="117" name="" descr=""/>
+            <p:cNvPr id="121" name="" descr=""/>
             <p:cNvPicPr/>
             <p:nvPr/>
           </p:nvPicPr>
           <p:blipFill>
-            <a:blip r:embed="rId5"/>
+            <a:blip r:embed="rId6"/>
             <a:stretch/>
           </p:blipFill>
           <p:spPr>
             <a:xfrm>
-              <a:off x="7858800" y="1977840"/>
-              <a:ext cx="3921840" cy="740160"/>
+              <a:off x="7926840" y="1797120"/>
+              <a:ext cx="3920400" cy="738720"/>
             </a:xfrm>
             <a:prstGeom prst="rect">
               <a:avLst/>
@@ -4152,14 +4334,14 @@
       </p:grpSp>
       <p:sp>
         <p:nvSpPr>
-          <p:cNvPr id="118" name="PlaceHolder 32"/>
+          <p:cNvPr id="122" name="PlaceHolder 15"/>
           <p:cNvSpPr/>
           <p:nvPr/>
         </p:nvSpPr>
         <p:spPr>
           <a:xfrm>
-            <a:off x="4114800" y="3886200"/>
-            <a:ext cx="4181040" cy="1646280"/>
+            <a:off x="7914600" y="2743200"/>
+            <a:ext cx="3742920" cy="1370520"/>
           </a:xfrm>
           <a:prstGeom prst="rect">
             <a:avLst/>
@@ -4182,26 +4364,159 @@
           <a:p>
             <a:pPr marL="76320">
               <a:lnSpc>
-                <a:spcPct val="90000"/>
+                <a:spcPct val="100000"/>
               </a:lnSpc>
-              <a:spcBef>
-                <a:spcPts val="751"/>
-              </a:spcBef>
               <a:tabLst>
                 <a:tab algn="l" pos="0"/>
               </a:tabLst>
             </a:pPr>
             <a:r>
-              <a:rPr b="1" lang="ru-RU" sz="1800" spc="-1" strike="noStrike">
-                <a:solidFill>
-                  <a:srgbClr val="3465a4"/>
+              <a:rPr b="1" lang="ru-RU" sz="1200" spc="-1" strike="noStrike">
+                <a:solidFill>
+                  <a:srgbClr val="000000"/>
                 </a:solidFill>
                 <a:latin typeface="Arial"/>
                 <a:ea typeface="Open Sans"/>
               </a:rPr>
-              <a:t>Снижение размерности с 303 до 50 значимых признаков оказывает несущественное влияние на метрики качества</a:t>
+              <a:t>Параметры LightGBM:</a:t>
             </a:r>
-            <a:endParaRPr b="0" lang="en-US" sz="1800" spc="-1" strike="noStrike">
+            <a:endParaRPr b="0" lang="en-US" sz="1200" spc="-1" strike="noStrike">
+              <a:solidFill>
+                <a:srgbClr val="000000"/>
+              </a:solidFill>
+              <a:latin typeface="Arial"/>
+            </a:endParaRPr>
+          </a:p>
+          <a:p>
+            <a:pPr marL="76320">
+              <a:lnSpc>
+                <a:spcPct val="100000"/>
+              </a:lnSpc>
+              <a:tabLst>
+                <a:tab algn="l" pos="0"/>
+              </a:tabLst>
+            </a:pPr>
+            <a:endParaRPr b="0" lang="en-US" sz="1200" spc="-1" strike="noStrike">
+              <a:solidFill>
+                <a:srgbClr val="000000"/>
+              </a:solidFill>
+              <a:latin typeface="Arial"/>
+            </a:endParaRPr>
+          </a:p>
+          <a:p>
+            <a:pPr marL="76320">
+              <a:lnSpc>
+                <a:spcPct val="100000"/>
+              </a:lnSpc>
+              <a:tabLst>
+                <a:tab algn="l" pos="0"/>
+              </a:tabLst>
+            </a:pPr>
+            <a:r>
+              <a:rPr b="0" lang="ru-RU" sz="1200" spc="-1" strike="noStrike">
+                <a:solidFill>
+                  <a:srgbClr val="000000"/>
+                </a:solidFill>
+                <a:latin typeface="Arial"/>
+                <a:ea typeface="Open Sans"/>
+              </a:rPr>
+              <a:t>nthread = 4 число потоков вычислений</a:t>
+            </a:r>
+            <a:endParaRPr b="0" lang="en-US" sz="1200" spc="-1" strike="noStrike">
+              <a:solidFill>
+                <a:srgbClr val="000000"/>
+              </a:solidFill>
+              <a:latin typeface="Arial"/>
+            </a:endParaRPr>
+          </a:p>
+          <a:p>
+            <a:pPr marL="76320">
+              <a:lnSpc>
+                <a:spcPct val="100000"/>
+              </a:lnSpc>
+              <a:tabLst>
+                <a:tab algn="l" pos="0"/>
+              </a:tabLst>
+            </a:pPr>
+            <a:r>
+              <a:rPr b="0" lang="ru-RU" sz="1200" spc="-1" strike="noStrike">
+                <a:solidFill>
+                  <a:srgbClr val="000000"/>
+                </a:solidFill>
+                <a:latin typeface="Arial"/>
+                <a:ea typeface="Open Sans"/>
+              </a:rPr>
+              <a:t>n_estimators = 1500 (количество деревьев)</a:t>
+            </a:r>
+            <a:endParaRPr b="0" lang="en-US" sz="1200" spc="-1" strike="noStrike">
+              <a:solidFill>
+                <a:srgbClr val="000000"/>
+              </a:solidFill>
+              <a:latin typeface="Arial"/>
+            </a:endParaRPr>
+          </a:p>
+          <a:p>
+            <a:pPr marL="76320">
+              <a:lnSpc>
+                <a:spcPct val="100000"/>
+              </a:lnSpc>
+              <a:tabLst>
+                <a:tab algn="l" pos="0"/>
+              </a:tabLst>
+            </a:pPr>
+            <a:r>
+              <a:rPr b="0" lang="ru-RU" sz="1200" spc="-1" strike="noStrike">
+                <a:solidFill>
+                  <a:srgbClr val="000000"/>
+                </a:solidFill>
+                <a:latin typeface="Arial"/>
+                <a:ea typeface="Open Sans"/>
+              </a:rPr>
+              <a:t>learning_rate = 0.02</a:t>
+            </a:r>
+            <a:endParaRPr b="0" lang="en-US" sz="1200" spc="-1" strike="noStrike">
+              <a:solidFill>
+                <a:srgbClr val="000000"/>
+              </a:solidFill>
+              <a:latin typeface="Arial"/>
+            </a:endParaRPr>
+          </a:p>
+          <a:p>
+            <a:pPr marL="76320">
+              <a:lnSpc>
+                <a:spcPct val="100000"/>
+              </a:lnSpc>
+              <a:tabLst>
+                <a:tab algn="l" pos="0"/>
+              </a:tabLst>
+            </a:pPr>
+            <a:r>
+              <a:rPr b="0" lang="ru-RU" sz="1200" spc="-1" strike="noStrike">
+                <a:solidFill>
+                  <a:srgbClr val="000000"/>
+                </a:solidFill>
+                <a:latin typeface="Arial"/>
+                <a:ea typeface="Open Sans"/>
+              </a:rPr>
+              <a:t>max_depth = 5</a:t>
+            </a:r>
+            <a:endParaRPr b="0" lang="en-US" sz="1200" spc="-1" strike="noStrike">
+              <a:solidFill>
+                <a:srgbClr val="000000"/>
+              </a:solidFill>
+              <a:latin typeface="Arial"/>
+            </a:endParaRPr>
+          </a:p>
+          <a:p>
+            <a:pPr marL="76320">
+              <a:lnSpc>
+                <a:spcPct val="100000"/>
+              </a:lnSpc>
+              <a:tabLst>
+                <a:tab algn="l" pos="0"/>
+              </a:tabLst>
+            </a:pPr>
+            <a:endParaRPr b="0" lang="en-US" sz="1200" spc="-1" strike="noStrike">
               <a:solidFill>
                 <a:srgbClr val="000000"/>
               </a:solidFill>
@@ -4210,80 +4525,6 @@
           </a:p>
         </p:txBody>
       </p:sp>
-      <p:sp>
-        <p:nvSpPr>
-          <p:cNvPr id="119" name=""/>
-          <p:cNvSpPr/>
-          <p:nvPr/>
-        </p:nvSpPr>
-        <p:spPr>
-          <a:xfrm>
-            <a:off x="4343400" y="5715000"/>
-            <a:ext cx="2512800" cy="455400"/>
-          </a:xfrm>
-          <a:prstGeom prst="rightArrow">
-            <a:avLst>
-              <a:gd name="adj1" fmla="val 50000"/>
-              <a:gd name="adj2" fmla="val 137500"/>
-            </a:avLst>
-          </a:prstGeom>
-          <a:solidFill>
-            <a:srgbClr val="729fcf"/>
-          </a:solidFill>
-          <a:ln w="0">
-            <a:solidFill>
-              <a:srgbClr val="3465a4"/>
-            </a:solidFill>
-          </a:ln>
-        </p:spPr>
-        <p:style>
-          <a:lnRef idx="0"/>
-          <a:fillRef idx="0"/>
-          <a:effectRef idx="0"/>
-          <a:fontRef idx="minor"/>
-        </p:style>
-        <p:txBody>
-          <a:bodyPr lIns="90000" rIns="90000" tIns="45000" bIns="45000" anchor="ctr">
-            <a:noAutofit/>
-          </a:bodyPr>
-          <a:p>
-            <a:pPr>
-              <a:lnSpc>
-                <a:spcPct val="100000"/>
-              </a:lnSpc>
-            </a:pPr>
-            <a:endParaRPr b="0" lang="en-US" sz="1800" spc="-1" strike="noStrike">
-              <a:solidFill>
-                <a:srgbClr val="000000"/>
-              </a:solidFill>
-              <a:latin typeface="Arial"/>
-            </a:endParaRPr>
-          </a:p>
-        </p:txBody>
-      </p:sp>
-      <p:pic>
-        <p:nvPicPr>
-          <p:cNvPr id="120" name="" descr=""/>
-          <p:cNvPicPr/>
-          <p:nvPr/>
-        </p:nvPicPr>
-        <p:blipFill>
-          <a:blip r:embed="rId6"/>
-          <a:stretch/>
-        </p:blipFill>
-        <p:spPr>
-          <a:xfrm>
-            <a:off x="7200720" y="5486400"/>
-            <a:ext cx="3998880" cy="864720"/>
-          </a:xfrm>
-          <a:prstGeom prst="rect">
-            <a:avLst/>
-          </a:prstGeom>
-          <a:ln w="0">
-            <a:noFill/>
-          </a:ln>
-        </p:spPr>
-      </p:pic>
     </p:spTree>
   </p:cSld>
   <mc:AlternateContent>
@@ -4316,28 +4557,28 @@
       </p:grpSpPr>
       <p:grpSp>
         <p:nvGrpSpPr>
-          <p:cNvPr id="121" name="Группа 15"/>
+          <p:cNvPr id="123" name="Группа 15"/>
           <p:cNvGrpSpPr/>
           <p:nvPr/>
         </p:nvGrpSpPr>
         <p:grpSpPr>
           <a:xfrm>
             <a:off x="3168000" y="184320"/>
-            <a:ext cx="7116120" cy="1236240"/>
+            <a:ext cx="7114680" cy="1236240"/>
             <a:chOff x="3168000" y="184320"/>
-            <a:chExt cx="7116120" cy="1236240"/>
+            <a:chExt cx="7114680" cy="1236240"/>
           </a:xfrm>
         </p:grpSpPr>
         <p:sp>
           <p:nvSpPr>
-            <p:cNvPr id="122" name="Прямоугольник 41"/>
+            <p:cNvPr id="124" name="Прямоугольник 41"/>
             <p:cNvSpPr/>
             <p:nvPr/>
           </p:nvSpPr>
           <p:spPr>
             <a:xfrm>
               <a:off x="3168000" y="184320"/>
-              <a:ext cx="7116120" cy="1230840"/>
+              <a:ext cx="7114680" cy="1229400"/>
             </a:xfrm>
             <a:prstGeom prst="rect">
               <a:avLst/>
@@ -4397,22 +4638,22 @@
         </p:sp>
         <p:sp>
           <p:nvSpPr>
-            <p:cNvPr id="123" name="Прямоугольник 42"/>
+            <p:cNvPr id="125" name="Прямоугольник 42"/>
             <p:cNvSpPr/>
             <p:nvPr/>
           </p:nvSpPr>
           <p:spPr>
             <a:xfrm flipH="1" rot="10800000">
-              <a:off x="3168000" y="189720"/>
-              <a:ext cx="113040" cy="1230840"/>
+              <a:off x="3168000" y="191160"/>
+              <a:ext cx="111600" cy="1229400"/>
             </a:xfrm>
             <a:custGeom>
               <a:avLst/>
               <a:gdLst>
-                <a:gd name="textAreaLeft" fmla="*/ -360 w 113040"/>
-                <a:gd name="textAreaRight" fmla="*/ 117720 w 113040"/>
-                <a:gd name="textAreaTop" fmla="*/ 0 h 1230840"/>
-                <a:gd name="textAreaBottom" fmla="*/ 1235880 h 1230840"/>
+                <a:gd name="textAreaLeft" fmla="*/ -1080 w 111600"/>
+                <a:gd name="textAreaRight" fmla="*/ 117000 w 111600"/>
+                <a:gd name="textAreaTop" fmla="*/ 0 h 1229400"/>
+                <a:gd name="textAreaBottom" fmla="*/ 1235880 h 1229400"/>
               </a:gdLst>
               <a:ahLst/>
               <a:rect l="textAreaLeft" t="textAreaTop" r="textAreaRight" b="textAreaBottom"/>
@@ -4475,22 +4716,22 @@
         </p:sp>
         <p:sp>
           <p:nvSpPr>
-            <p:cNvPr id="124" name="Прямоугольник 43"/>
+            <p:cNvPr id="126" name="Прямоугольник 43"/>
             <p:cNvSpPr/>
             <p:nvPr/>
           </p:nvSpPr>
           <p:spPr>
             <a:xfrm flipH="1">
-              <a:off x="10144800" y="184320"/>
-              <a:ext cx="133920" cy="1230840"/>
+              <a:off x="10143360" y="184320"/>
+              <a:ext cx="132480" cy="1229400"/>
             </a:xfrm>
             <a:custGeom>
               <a:avLst/>
               <a:gdLst>
-                <a:gd name="textAreaLeft" fmla="*/ 720 w 133920"/>
-                <a:gd name="textAreaRight" fmla="*/ 139320 w 133920"/>
-                <a:gd name="textAreaTop" fmla="*/ 0 h 1230840"/>
-                <a:gd name="textAreaBottom" fmla="*/ 1235880 h 1230840"/>
+                <a:gd name="textAreaLeft" fmla="*/ 1440 w 132480"/>
+                <a:gd name="textAreaRight" fmla="*/ 140040 w 132480"/>
+                <a:gd name="textAreaTop" fmla="*/ 0 h 1229400"/>
+                <a:gd name="textAreaBottom" fmla="*/ 1235880 h 1229400"/>
               </a:gdLst>
               <a:ahLst/>
               <a:rect l="textAreaLeft" t="textAreaTop" r="textAreaRight" b="textAreaBottom"/>
@@ -4554,14 +4795,14 @@
       </p:grpSp>
       <p:sp>
         <p:nvSpPr>
-          <p:cNvPr id="125" name="PlaceHolder 25"/>
+          <p:cNvPr id="127" name="PlaceHolder 25"/>
           <p:cNvSpPr/>
           <p:nvPr/>
         </p:nvSpPr>
         <p:spPr>
           <a:xfrm>
             <a:off x="273600" y="6435000"/>
-            <a:ext cx="565200" cy="270360"/>
+            <a:ext cx="563760" cy="268920"/>
           </a:xfrm>
           <a:prstGeom prst="rect">
             <a:avLst/>
@@ -4590,7 +4831,7 @@
                 <a:tab algn="l" pos="0"/>
               </a:tabLst>
             </a:pPr>
-            <a:fld id="{84E40953-ACF4-4614-AD92-869929DDD232}" type="slidenum">
+            <a:fld id="{D434B80A-E00D-4374-9E69-CF7A7C055B4E}" type="slidenum">
               <a:rPr b="0" lang="ru-RU" sz="1400" spc="-1" strike="noStrike">
                 <a:solidFill>
                   <a:srgbClr val="898989"/>
@@ -4598,7 +4839,7 @@
                 <a:latin typeface="Times New Roman"/>
                 <a:ea typeface="Open Sans"/>
               </a:rPr>
-              <a:t>&lt;number&gt;</a:t>
+              <a:t>11</a:t>
             </a:fld>
             <a:endParaRPr b="0" lang="en-US" sz="1400" spc="-1" strike="noStrike">
               <a:solidFill>
@@ -4611,7 +4852,7 @@
       </p:sp>
       <p:pic>
         <p:nvPicPr>
-          <p:cNvPr id="126" name="" descr=""/>
+          <p:cNvPr id="128" name="" descr=""/>
           <p:cNvPicPr/>
           <p:nvPr/>
         </p:nvPicPr>
@@ -4622,7 +4863,7 @@
         <p:spPr>
           <a:xfrm>
             <a:off x="132480" y="1563480"/>
-            <a:ext cx="9142200" cy="4835520"/>
+            <a:ext cx="9140760" cy="4834080"/>
           </a:xfrm>
           <a:prstGeom prst="rect">
             <a:avLst/>
@@ -4634,14 +4875,14 @@
       </p:pic>
       <p:sp>
         <p:nvSpPr>
-          <p:cNvPr id="127" name="Google Shape;149;p 2"/>
+          <p:cNvPr id="129" name="Google Shape;149;p 2"/>
           <p:cNvSpPr/>
           <p:nvPr/>
         </p:nvSpPr>
         <p:spPr>
           <a:xfrm>
             <a:off x="9274680" y="1600200"/>
-            <a:ext cx="2735280" cy="2284920"/>
+            <a:ext cx="2733840" cy="2283480"/>
           </a:xfrm>
           <a:prstGeom prst="rect">
             <a:avLst/>
@@ -4811,7 +5052,7 @@
       </p:grpSpPr>
       <p:sp>
         <p:nvSpPr>
-          <p:cNvPr id="128" name="PlaceHolder 1"/>
+          <p:cNvPr id="130" name="PlaceHolder 1"/>
           <p:cNvSpPr>
             <a:spLocks noGrp="1"/>
           </p:cNvSpPr>
@@ -4822,7 +5063,7 @@
         <p:spPr>
           <a:xfrm>
             <a:off x="388440" y="1371600"/>
-            <a:ext cx="11039760" cy="5256000"/>
+            <a:ext cx="11038320" cy="5254560"/>
           </a:xfrm>
           <a:prstGeom prst="rect">
             <a:avLst/>
@@ -4850,7 +5091,7 @@
               </a:tabLst>
             </a:pPr>
             <a:r>
-              <a:rPr b="1" lang="ru-RU" sz="2200" spc="-1" strike="noStrike">
+              <a:rPr b="1" lang="ru-RU" sz="1800" spc="-1" strike="noStrike">
                 <a:solidFill>
                   <a:srgbClr val="262626"/>
                 </a:solidFill>
@@ -4859,7 +5100,7 @@
               </a:rPr>
               <a:t>Порядок поиска оптимальных параметров для дерева решений</a:t>
             </a:r>
-            <a:endParaRPr b="0" lang="en-US" sz="2200" spc="-1" strike="noStrike">
+            <a:endParaRPr b="0" lang="en-US" sz="1800" spc="-1" strike="noStrike">
               <a:solidFill>
                 <a:srgbClr val="000000"/>
               </a:solidFill>
@@ -4885,7 +5126,7 @@
               </a:tabLst>
             </a:pPr>
             <a:r>
-              <a:rPr b="0" lang="ru-RU" sz="2200" spc="-1" strike="noStrike">
+              <a:rPr b="0" lang="ru-RU" sz="1800" spc="-1" strike="noStrike">
                 <a:solidFill>
                   <a:srgbClr val="262626"/>
                 </a:solidFill>
@@ -4894,7 +5135,7 @@
               </a:rPr>
               <a:t>Поиск гиперпараметров выполнен методом GridSearchCV с перекрестной проверкой с количеством блоков 10</a:t>
             </a:r>
-            <a:endParaRPr b="0" lang="en-US" sz="2200" spc="-1" strike="noStrike">
+            <a:endParaRPr b="0" lang="en-US" sz="1800" spc="-1" strike="noStrike">
               <a:solidFill>
                 <a:srgbClr val="000000"/>
               </a:solidFill>
@@ -4920,7 +5161,7 @@
               </a:tabLst>
             </a:pPr>
             <a:r>
-              <a:rPr b="0" lang="ru-RU" sz="2200" spc="-1" strike="noStrike">
+              <a:rPr b="0" lang="ru-RU" sz="1800" spc="-1" strike="noStrike">
                 <a:solidFill>
                   <a:srgbClr val="262626"/>
                 </a:solidFill>
@@ -4929,7 +5170,7 @@
               </a:rPr>
               <a:t>Список оптимизируемых параметров:</a:t>
             </a:r>
-            <a:endParaRPr b="0" lang="en-US" sz="2200" spc="-1" strike="noStrike">
+            <a:endParaRPr b="0" lang="en-US" sz="1800" spc="-1" strike="noStrike">
               <a:solidFill>
                 <a:srgbClr val="000000"/>
               </a:solidFill>
@@ -4958,7 +5199,7 @@
               </a:tabLst>
             </a:pPr>
             <a:r>
-              <a:rPr b="0" lang="ru-RU" sz="2200" spc="-1" strike="noStrike">
+              <a:rPr b="0" lang="ru-RU" sz="1800" spc="-1" strike="noStrike">
                 <a:solidFill>
                   <a:srgbClr val="262626"/>
                 </a:solidFill>
@@ -4967,7 +5208,7 @@
               </a:rPr>
               <a:t>Глубина дерева (  [3, 5, 10, None]  )</a:t>
             </a:r>
-            <a:endParaRPr b="0" lang="en-US" sz="2200" spc="-1" strike="noStrike">
+            <a:endParaRPr b="0" lang="en-US" sz="1800" spc="-1" strike="noStrike">
               <a:solidFill>
                 <a:srgbClr val="000000"/>
               </a:solidFill>
@@ -4993,7 +5234,7 @@
               </a:tabLst>
             </a:pPr>
             <a:r>
-              <a:rPr b="0" lang="ru-RU" sz="2200" spc="-1" strike="noStrike">
+              <a:rPr b="0" lang="ru-RU" sz="1800" spc="-1" strike="noStrike">
                 <a:solidFill>
                   <a:srgbClr val="262626"/>
                 </a:solidFill>
@@ -5002,7 +5243,7 @@
               </a:rPr>
               <a:t>Функция измерения качества разбиения (gini / entropy)</a:t>
             </a:r>
-            <a:endParaRPr b="0" lang="en-US" sz="2200" spc="-1" strike="noStrike">
+            <a:endParaRPr b="0" lang="en-US" sz="1800" spc="-1" strike="noStrike">
               <a:solidFill>
                 <a:srgbClr val="000000"/>
               </a:solidFill>
@@ -5031,7 +5272,7 @@
               </a:tabLst>
             </a:pPr>
             <a:r>
-              <a:rPr b="0" lang="ru-RU" sz="2200" spc="-1" strike="noStrike">
+              <a:rPr b="0" lang="ru-RU" sz="1800" spc="-1" strike="noStrike">
                 <a:solidFill>
                   <a:srgbClr val="262626"/>
                 </a:solidFill>
@@ -5040,7 +5281,7 @@
               </a:rPr>
               <a:t>Гиперпараметры оптимальной модели - {'criterion': 'entropy', 'max_depth': 5} </a:t>
             </a:r>
-            <a:endParaRPr b="0" lang="en-US" sz="2200" spc="-1" strike="noStrike">
+            <a:endParaRPr b="0" lang="en-US" sz="1800" spc="-1" strike="noStrike">
               <a:solidFill>
                 <a:srgbClr val="000000"/>
               </a:solidFill>
@@ -5066,7 +5307,7 @@
               </a:tabLst>
             </a:pPr>
             <a:r>
-              <a:rPr b="0" lang="ru-RU" sz="2200" spc="-1" strike="noStrike">
+              <a:rPr b="0" lang="ru-RU" sz="1800" spc="-1" strike="noStrike">
                 <a:solidFill>
                   <a:srgbClr val="262626"/>
                 </a:solidFill>
@@ -5075,7 +5316,7 @@
               </a:rPr>
               <a:t>Подставляем оптимальные гиперпараметры в модель дерева решений, обучаемой на всей выборке</a:t>
             </a:r>
-            <a:endParaRPr b="0" lang="en-US" sz="2200" spc="-1" strike="noStrike">
+            <a:endParaRPr b="0" lang="en-US" sz="1800" spc="-1" strike="noStrike">
               <a:solidFill>
                 <a:srgbClr val="000000"/>
               </a:solidFill>
@@ -5101,7 +5342,7 @@
               </a:tabLst>
             </a:pPr>
             <a:r>
-              <a:rPr b="0" lang="ru-RU" sz="2200" spc="-1" strike="noStrike">
+              <a:rPr b="0" lang="ru-RU" sz="1800" spc="-1" strike="noStrike">
                 <a:solidFill>
                   <a:srgbClr val="262626"/>
                 </a:solidFill>
@@ -5110,7 +5351,7 @@
               </a:rPr>
               <a:t>Оцениваем точность на тестовом наборе</a:t>
             </a:r>
-            <a:endParaRPr b="0" lang="en-US" sz="2200" spc="-1" strike="noStrike">
+            <a:endParaRPr b="0" lang="en-US" sz="1800" spc="-1" strike="noStrike">
               <a:solidFill>
                 <a:srgbClr val="000000"/>
               </a:solidFill>
@@ -5121,28 +5362,28 @@
       </p:sp>
       <p:grpSp>
         <p:nvGrpSpPr>
-          <p:cNvPr id="129" name="Группа 8"/>
+          <p:cNvPr id="131" name="Группа 8"/>
           <p:cNvGrpSpPr/>
           <p:nvPr/>
         </p:nvGrpSpPr>
         <p:grpSpPr>
           <a:xfrm>
             <a:off x="3168000" y="283680"/>
-            <a:ext cx="5971320" cy="1037520"/>
+            <a:ext cx="5969880" cy="1037520"/>
             <a:chOff x="3168000" y="283680"/>
-            <a:chExt cx="5971320" cy="1037520"/>
+            <a:chExt cx="5969880" cy="1037520"/>
           </a:xfrm>
         </p:grpSpPr>
         <p:sp>
           <p:nvSpPr>
-            <p:cNvPr id="130" name="Прямоугольник 20"/>
+            <p:cNvPr id="132" name="Прямоугольник 20"/>
             <p:cNvSpPr/>
             <p:nvPr/>
           </p:nvSpPr>
           <p:spPr>
             <a:xfrm>
               <a:off x="3168000" y="283680"/>
-              <a:ext cx="5971320" cy="1032480"/>
+              <a:ext cx="5969880" cy="1031040"/>
             </a:xfrm>
             <a:prstGeom prst="rect">
               <a:avLst/>
@@ -5202,22 +5443,22 @@
         </p:sp>
         <p:sp>
           <p:nvSpPr>
-            <p:cNvPr id="131" name="Прямоугольник 21"/>
+            <p:cNvPr id="133" name="Прямоугольник 21"/>
             <p:cNvSpPr/>
             <p:nvPr/>
           </p:nvSpPr>
           <p:spPr>
             <a:xfrm flipH="1" rot="10800000">
-              <a:off x="3167640" y="288720"/>
-              <a:ext cx="93960" cy="1032480"/>
+              <a:off x="3167640" y="290160"/>
+              <a:ext cx="92520" cy="1031040"/>
             </a:xfrm>
             <a:custGeom>
               <a:avLst/>
               <a:gdLst>
-                <a:gd name="textAreaLeft" fmla="*/ 2520 w 93960"/>
-                <a:gd name="textAreaRight" fmla="*/ 101520 w 93960"/>
-                <a:gd name="textAreaTop" fmla="*/ 0 h 1032480"/>
-                <a:gd name="textAreaBottom" fmla="*/ 1037520 h 1032480"/>
+                <a:gd name="textAreaLeft" fmla="*/ 3240 w 92520"/>
+                <a:gd name="textAreaRight" fmla="*/ 102240 w 92520"/>
+                <a:gd name="textAreaTop" fmla="*/ 0 h 1031040"/>
+                <a:gd name="textAreaBottom" fmla="*/ 1037520 h 1031040"/>
               </a:gdLst>
               <a:ahLst/>
               <a:rect l="textAreaLeft" t="textAreaTop" r="textAreaRight" b="textAreaBottom"/>
@@ -5280,22 +5521,22 @@
         </p:sp>
         <p:sp>
           <p:nvSpPr>
-            <p:cNvPr id="132" name="Прямоугольник 22"/>
+            <p:cNvPr id="134" name="Прямоугольник 22"/>
             <p:cNvSpPr/>
             <p:nvPr/>
           </p:nvSpPr>
           <p:spPr>
             <a:xfrm flipH="1">
-              <a:off x="9022320" y="283680"/>
-              <a:ext cx="111240" cy="1032480"/>
+              <a:off x="9020880" y="283680"/>
+              <a:ext cx="109800" cy="1031040"/>
             </a:xfrm>
             <a:custGeom>
               <a:avLst/>
               <a:gdLst>
-                <a:gd name="textAreaLeft" fmla="*/ 2520 w 111240"/>
-                <a:gd name="textAreaRight" fmla="*/ 118800 w 111240"/>
-                <a:gd name="textAreaTop" fmla="*/ 0 h 1032480"/>
-                <a:gd name="textAreaBottom" fmla="*/ 1037520 h 1032480"/>
+                <a:gd name="textAreaLeft" fmla="*/ 3240 w 109800"/>
+                <a:gd name="textAreaRight" fmla="*/ 119520 w 109800"/>
+                <a:gd name="textAreaTop" fmla="*/ 0 h 1031040"/>
+                <a:gd name="textAreaBottom" fmla="*/ 1037520 h 1031040"/>
               </a:gdLst>
               <a:ahLst/>
               <a:rect l="textAreaLeft" t="textAreaTop" r="textAreaRight" b="textAreaBottom"/>
@@ -5359,14 +5600,14 @@
       </p:grpSp>
       <p:sp>
         <p:nvSpPr>
-          <p:cNvPr id="133" name="PlaceHolder 21"/>
+          <p:cNvPr id="135" name="PlaceHolder 21"/>
           <p:cNvSpPr/>
           <p:nvPr/>
         </p:nvSpPr>
         <p:spPr>
           <a:xfrm>
             <a:off x="273600" y="6435000"/>
-            <a:ext cx="565200" cy="270360"/>
+            <a:ext cx="563760" cy="268920"/>
           </a:xfrm>
           <a:prstGeom prst="rect">
             <a:avLst/>
@@ -5395,7 +5636,7 @@
                 <a:tab algn="l" pos="0"/>
               </a:tabLst>
             </a:pPr>
-            <a:fld id="{7A169C38-D5F3-494C-9508-48F2FD75F67C}" type="slidenum">
+            <a:fld id="{286668EC-0880-49B9-92E5-A723279C0066}" type="slidenum">
               <a:rPr b="0" lang="ru-RU" sz="1400" spc="-1" strike="noStrike">
                 <a:solidFill>
                   <a:srgbClr val="898989"/>
@@ -5403,7 +5644,7 @@
                 <a:latin typeface="Times New Roman"/>
                 <a:ea typeface="Open Sans"/>
               </a:rPr>
-              <a:t>&lt;number&gt;</a:t>
+              <a:t>13</a:t>
             </a:fld>
             <a:endParaRPr b="0" lang="en-US" sz="1400" spc="-1" strike="noStrike">
               <a:solidFill>
@@ -5416,7 +5657,7 @@
       </p:sp>
       <p:pic>
         <p:nvPicPr>
-          <p:cNvPr id="134" name="" descr=""/>
+          <p:cNvPr id="136" name="" descr=""/>
           <p:cNvPicPr/>
           <p:nvPr/>
         </p:nvPicPr>
@@ -5426,8 +5667,8 @@
         </p:blipFill>
         <p:spPr>
           <a:xfrm>
-            <a:off x="6616800" y="5545800"/>
-            <a:ext cx="4046400" cy="902520"/>
+            <a:off x="6508800" y="5293800"/>
+            <a:ext cx="4044960" cy="901080"/>
           </a:xfrm>
           <a:prstGeom prst="rect">
             <a:avLst/>
@@ -5467,86 +5708,30 @@
           <a:chExt cx="0" cy="0"/>
         </a:xfrm>
       </p:grpSpPr>
-      <p:sp>
-        <p:nvSpPr>
-          <p:cNvPr id="135" name="PlaceHolder 1"/>
-          <p:cNvSpPr>
-            <a:spLocks noGrp="1"/>
-          </p:cNvSpPr>
-          <p:nvPr>
-            <p:ph/>
-          </p:nvPr>
-        </p:nvSpPr>
-        <p:spPr>
-          <a:xfrm>
-            <a:off x="388440" y="1299600"/>
-            <a:ext cx="6239160" cy="504000"/>
-          </a:xfrm>
-          <a:prstGeom prst="rect">
-            <a:avLst/>
-          </a:prstGeom>
-          <a:noFill/>
-          <a:ln w="0">
-            <a:noFill/>
-          </a:ln>
-        </p:spPr>
-        <p:txBody>
-          <a:bodyPr lIns="91440" rIns="91440" tIns="45720" bIns="45720" anchor="t">
-            <a:normAutofit/>
-          </a:bodyPr>
-          <a:p>
-            <a:pPr indent="0">
-              <a:lnSpc>
-                <a:spcPct val="115000"/>
-              </a:lnSpc>
-              <a:buNone/>
-              <a:tabLst>
-                <a:tab algn="l" pos="0"/>
-              </a:tabLst>
-            </a:pPr>
-            <a:r>
-              <a:rPr b="1" lang="ru-RU" sz="1800" spc="-1" strike="noStrike">
-                <a:solidFill>
-                  <a:srgbClr val="262626"/>
-                </a:solidFill>
-                <a:latin typeface="Arial"/>
-                <a:ea typeface="Open Sans"/>
-              </a:rPr>
-              <a:t>Логистическая регрессия с l1-регуляризацией</a:t>
-            </a:r>
-            <a:endParaRPr b="0" lang="en-US" sz="1800" spc="-1" strike="noStrike">
-              <a:solidFill>
-                <a:srgbClr val="000000"/>
-              </a:solidFill>
-              <a:latin typeface="Arial"/>
-            </a:endParaRPr>
-          </a:p>
-        </p:txBody>
-      </p:sp>
       <p:grpSp>
         <p:nvGrpSpPr>
-          <p:cNvPr id="136" name="Группа 16"/>
+          <p:cNvPr id="137" name="Группа 9"/>
           <p:cNvGrpSpPr/>
           <p:nvPr/>
         </p:nvGrpSpPr>
         <p:grpSpPr>
           <a:xfrm>
-            <a:off x="3168000" y="469440"/>
-            <a:ext cx="3830400" cy="666000"/>
-            <a:chOff x="3168000" y="469440"/>
-            <a:chExt cx="3830400" cy="666000"/>
+            <a:off x="3168000" y="283680"/>
+            <a:ext cx="5969880" cy="1037520"/>
+            <a:chOff x="3168000" y="283680"/>
+            <a:chExt cx="5969880" cy="1037520"/>
           </a:xfrm>
         </p:grpSpPr>
         <p:sp>
           <p:nvSpPr>
-            <p:cNvPr id="137" name="Прямоугольник 44"/>
+            <p:cNvPr id="138" name="Прямоугольник 23"/>
             <p:cNvSpPr/>
             <p:nvPr/>
           </p:nvSpPr>
           <p:spPr>
             <a:xfrm>
-              <a:off x="3168000" y="469440"/>
-              <a:ext cx="3830400" cy="660960"/>
+              <a:off x="3168000" y="283680"/>
+              <a:ext cx="5969880" cy="1031040"/>
             </a:xfrm>
             <a:prstGeom prst="rect">
               <a:avLst/>
@@ -5593,7 +5778,7 @@
                   <a:latin typeface="ALS Sector Bold"/>
                   <a:ea typeface="Arial"/>
                 </a:rPr>
-                <a:t>Обучение моделей</a:t>
+                <a:t>Полносвязная NN</a:t>
               </a:r>
               <a:endParaRPr b="0" lang="en-US" sz="2800" spc="-1" strike="noStrike">
                 <a:solidFill>
@@ -5606,22 +5791,22 @@
         </p:sp>
         <p:sp>
           <p:nvSpPr>
-            <p:cNvPr id="138" name="Прямоугольник 45"/>
+            <p:cNvPr id="139" name="Прямоугольник 24"/>
             <p:cNvSpPr/>
             <p:nvPr/>
           </p:nvSpPr>
           <p:spPr>
             <a:xfrm flipH="1" rot="10800000">
-              <a:off x="3167640" y="474480"/>
-              <a:ext cx="58680" cy="660960"/>
+              <a:off x="3167640" y="290160"/>
+              <a:ext cx="92520" cy="1031040"/>
             </a:xfrm>
             <a:custGeom>
               <a:avLst/>
               <a:gdLst>
-                <a:gd name="textAreaLeft" fmla="*/ 2520 w 58680"/>
-                <a:gd name="textAreaRight" fmla="*/ 66240 w 58680"/>
-                <a:gd name="textAreaTop" fmla="*/ 0 h 660960"/>
-                <a:gd name="textAreaBottom" fmla="*/ 666000 h 660960"/>
+                <a:gd name="textAreaLeft" fmla="*/ 3240 w 92520"/>
+                <a:gd name="textAreaRight" fmla="*/ 102240 w 92520"/>
+                <a:gd name="textAreaTop" fmla="*/ 0 h 1031040"/>
+                <a:gd name="textAreaBottom" fmla="*/ 1037520 h 1031040"/>
               </a:gdLst>
               <a:ahLst/>
               <a:rect l="textAreaLeft" t="textAreaTop" r="textAreaRight" b="textAreaBottom"/>
@@ -5684,22 +5869,22 @@
         </p:sp>
         <p:sp>
           <p:nvSpPr>
-            <p:cNvPr id="139" name="Прямоугольник 46"/>
+            <p:cNvPr id="140" name="Прямоугольник 25"/>
             <p:cNvSpPr/>
             <p:nvPr/>
           </p:nvSpPr>
           <p:spPr>
             <a:xfrm flipH="1">
-              <a:off x="6923520" y="469440"/>
-              <a:ext cx="69840" cy="660960"/>
+              <a:off x="9020880" y="283680"/>
+              <a:ext cx="109800" cy="1031040"/>
             </a:xfrm>
             <a:custGeom>
               <a:avLst/>
               <a:gdLst>
-                <a:gd name="textAreaLeft" fmla="*/ -2520 w 69840"/>
-                <a:gd name="textAreaRight" fmla="*/ 72360 w 69840"/>
-                <a:gd name="textAreaTop" fmla="*/ 0 h 660960"/>
-                <a:gd name="textAreaBottom" fmla="*/ 666000 h 660960"/>
+                <a:gd name="textAreaLeft" fmla="*/ 3240 w 109800"/>
+                <a:gd name="textAreaRight" fmla="*/ 119520 w 109800"/>
+                <a:gd name="textAreaTop" fmla="*/ 0 h 1031040"/>
+                <a:gd name="textAreaBottom" fmla="*/ 1037520 h 1031040"/>
               </a:gdLst>
               <a:ahLst/>
               <a:rect l="textAreaLeft" t="textAreaTop" r="textAreaRight" b="textAreaBottom"/>
@@ -5763,14 +5948,14 @@
       </p:grpSp>
       <p:sp>
         <p:nvSpPr>
-          <p:cNvPr id="140" name="PlaceHolder 14"/>
+          <p:cNvPr id="141" name="PlaceHolder 5"/>
           <p:cNvSpPr/>
           <p:nvPr/>
         </p:nvSpPr>
         <p:spPr>
           <a:xfrm>
             <a:off x="273600" y="6435000"/>
-            <a:ext cx="565200" cy="270360"/>
+            <a:ext cx="563760" cy="268920"/>
           </a:xfrm>
           <a:prstGeom prst="rect">
             <a:avLst/>
@@ -5799,7 +5984,7 @@
                 <a:tab algn="l" pos="0"/>
               </a:tabLst>
             </a:pPr>
-            <a:fld id="{22030582-DA5C-4389-B7DE-C4763EB17621}" type="slidenum">
+            <a:fld id="{0A15710E-D8A9-4E44-A7EF-2CBDC8B4E435}" type="slidenum">
               <a:rPr b="0" lang="ru-RU" sz="1400" spc="-1" strike="noStrike">
                 <a:solidFill>
                   <a:srgbClr val="898989"/>
@@ -5820,14 +6005,14 @@
       </p:sp>
       <p:sp>
         <p:nvSpPr>
-          <p:cNvPr id="141" name="PlaceHolder 23"/>
+          <p:cNvPr id="142" name=""/>
           <p:cNvSpPr/>
           <p:nvPr/>
         </p:nvSpPr>
         <p:spPr>
           <a:xfrm>
-            <a:off x="6244200" y="1276200"/>
-            <a:ext cx="5484600" cy="504000"/>
+            <a:off x="228600" y="1440720"/>
+            <a:ext cx="5943240" cy="3130920"/>
           </a:xfrm>
           <a:prstGeom prst="rect">
             <a:avLst/>
@@ -5845,205 +6030,31 @@
         </p:style>
         <p:txBody>
           <a:bodyPr lIns="90000" rIns="90000" tIns="45000" bIns="45000" anchor="t">
-            <a:normAutofit/>
+            <a:noAutofit/>
           </a:bodyPr>
           <a:p>
-            <a:pPr>
+            <a:pPr marL="216000" indent="-216000">
               <a:lnSpc>
                 <a:spcPct val="115000"/>
               </a:lnSpc>
-              <a:tabLst>
-                <a:tab algn="l" pos="0"/>
-              </a:tabLst>
+              <a:buClr>
+                <a:srgbClr val="000000"/>
+              </a:buClr>
+              <a:buSzPct val="45000"/>
+              <a:buFont typeface="Wingdings" charset="2"/>
+              <a:buChar char=""/>
             </a:pPr>
             <a:r>
-              <a:rPr b="1" lang="ru-RU" sz="1800" spc="-1" strike="noStrike">
+              <a:rPr b="0" lang="ru-RU" sz="1600" spc="-1" strike="noStrike">
                 <a:solidFill>
                   <a:srgbClr val="262626"/>
                 </a:solidFill>
                 <a:latin typeface="Arial"/>
                 <a:ea typeface="Open Sans"/>
               </a:rPr>
-              <a:t>Логистическая регрессия без регуляризации</a:t>
+              <a:t>Использован фреймворк Tensorflow + Keras</a:t>
             </a:r>
-            <a:endParaRPr b="0" lang="en-US" sz="1800" spc="-1" strike="noStrike">
-              <a:solidFill>
-                <a:srgbClr val="000000"/>
-              </a:solidFill>
-              <a:latin typeface="Arial"/>
-            </a:endParaRPr>
-          </a:p>
-        </p:txBody>
-      </p:sp>
-      <p:sp>
-        <p:nvSpPr>
-          <p:cNvPr id="142" name="PlaceHolder 29"/>
-          <p:cNvSpPr/>
-          <p:nvPr/>
-        </p:nvSpPr>
-        <p:spPr>
-          <a:xfrm>
-            <a:off x="457200" y="2694600"/>
-            <a:ext cx="5484600" cy="504000"/>
-          </a:xfrm>
-          <a:prstGeom prst="rect">
-            <a:avLst/>
-          </a:prstGeom>
-          <a:noFill/>
-          <a:ln w="0">
-            <a:noFill/>
-          </a:ln>
-        </p:spPr>
-        <p:style>
-          <a:lnRef idx="0"/>
-          <a:fillRef idx="0"/>
-          <a:effectRef idx="0"/>
-          <a:fontRef idx="minor"/>
-        </p:style>
-        <p:txBody>
-          <a:bodyPr lIns="90000" rIns="90000" tIns="45000" bIns="45000" anchor="t">
-            <a:normAutofit/>
-          </a:bodyPr>
-          <a:p>
-            <a:pPr>
-              <a:lnSpc>
-                <a:spcPct val="115000"/>
-              </a:lnSpc>
-              <a:tabLst>
-                <a:tab algn="l" pos="0"/>
-              </a:tabLst>
-            </a:pPr>
-            <a:r>
-              <a:rPr b="1" lang="ru-RU" sz="1800" spc="-1" strike="noStrike">
-                <a:solidFill>
-                  <a:srgbClr val="262626"/>
-                </a:solidFill>
-                <a:latin typeface="Arial"/>
-                <a:ea typeface="Open Sans"/>
-              </a:rPr>
-              <a:t>AdaBoost</a:t>
-            </a:r>
-            <a:endParaRPr b="0" lang="en-US" sz="1800" spc="-1" strike="noStrike">
-              <a:solidFill>
-                <a:srgbClr val="000000"/>
-              </a:solidFill>
-              <a:latin typeface="Arial"/>
-            </a:endParaRPr>
-          </a:p>
-        </p:txBody>
-      </p:sp>
-      <p:sp>
-        <p:nvSpPr>
-          <p:cNvPr id="143" name="PlaceHolder 30"/>
-          <p:cNvSpPr/>
-          <p:nvPr/>
-        </p:nvSpPr>
-        <p:spPr>
-          <a:xfrm>
-            <a:off x="6400800" y="2694600"/>
-            <a:ext cx="5484600" cy="504000"/>
-          </a:xfrm>
-          <a:prstGeom prst="rect">
-            <a:avLst/>
-          </a:prstGeom>
-          <a:noFill/>
-          <a:ln w="0">
-            <a:noFill/>
-          </a:ln>
-        </p:spPr>
-        <p:style>
-          <a:lnRef idx="0"/>
-          <a:fillRef idx="0"/>
-          <a:effectRef idx="0"/>
-          <a:fontRef idx="minor"/>
-        </p:style>
-        <p:txBody>
-          <a:bodyPr lIns="90000" rIns="90000" tIns="45000" bIns="45000" anchor="t">
-            <a:normAutofit/>
-          </a:bodyPr>
-          <a:p>
-            <a:pPr>
-              <a:lnSpc>
-                <a:spcPct val="115000"/>
-              </a:lnSpc>
-              <a:spcBef>
-                <a:spcPts val="1191"/>
-              </a:spcBef>
-              <a:spcAft>
-                <a:spcPts val="992"/>
-              </a:spcAft>
-              <a:tabLst>
-                <a:tab algn="l" pos="0"/>
-              </a:tabLst>
-            </a:pPr>
-            <a:r>
-              <a:rPr b="1" lang="ru-RU" sz="1800" spc="-1" strike="noStrike">
-                <a:solidFill>
-                  <a:srgbClr val="262626"/>
-                </a:solidFill>
-                <a:latin typeface="Arial"/>
-                <a:ea typeface="Open Sans"/>
-              </a:rPr>
-              <a:t>XGBoost</a:t>
-            </a:r>
-            <a:endParaRPr b="0" lang="en-US" sz="1800" spc="-1" strike="noStrike">
-              <a:solidFill>
-                <a:srgbClr val="000000"/>
-              </a:solidFill>
-              <a:latin typeface="Arial"/>
-            </a:endParaRPr>
-          </a:p>
-        </p:txBody>
-      </p:sp>
-      <p:sp>
-        <p:nvSpPr>
-          <p:cNvPr id="144" name="PlaceHolder 31"/>
-          <p:cNvSpPr/>
-          <p:nvPr/>
-        </p:nvSpPr>
-        <p:spPr>
-          <a:xfrm>
-            <a:off x="388440" y="4572000"/>
-            <a:ext cx="11496960" cy="1598400"/>
-          </a:xfrm>
-          <a:prstGeom prst="rect">
-            <a:avLst/>
-          </a:prstGeom>
-          <a:noFill/>
-          <a:ln w="0">
-            <a:noFill/>
-          </a:ln>
-        </p:spPr>
-        <p:style>
-          <a:lnRef idx="0"/>
-          <a:fillRef idx="0"/>
-          <a:effectRef idx="0"/>
-          <a:fontRef idx="minor"/>
-        </p:style>
-        <p:txBody>
-          <a:bodyPr lIns="90000" rIns="90000" tIns="45000" bIns="45000" anchor="t">
-            <a:normAutofit/>
-          </a:bodyPr>
-          <a:p>
-            <a:pPr>
-              <a:lnSpc>
-                <a:spcPct val="115000"/>
-              </a:lnSpc>
-              <a:tabLst>
-                <a:tab algn="l" pos="0"/>
-              </a:tabLst>
-            </a:pPr>
-            <a:r>
-              <a:rPr b="1" lang="ru-RU" sz="1800" spc="-1" strike="noStrike">
-                <a:solidFill>
-                  <a:srgbClr val="262626"/>
-                </a:solidFill>
-                <a:latin typeface="Arial"/>
-                <a:ea typeface="Open Sans"/>
-              </a:rPr>
-              <a:t>Выводы</a:t>
-            </a:r>
-            <a:endParaRPr b="0" lang="en-US" sz="1800" spc="-1" strike="noStrike">
+            <a:endParaRPr b="0" lang="en-US" sz="1600" spc="-1" strike="noStrike">
               <a:solidFill>
                 <a:srgbClr val="000000"/>
               </a:solidFill>
@@ -6061,21 +6072,18 @@
               <a:buSzPct val="45000"/>
               <a:buFont typeface="Wingdings" charset="2"/>
               <a:buChar char=""/>
-              <a:tabLst>
-                <a:tab algn="l" pos="0"/>
-              </a:tabLst>
             </a:pPr>
             <a:r>
-              <a:rPr b="0" lang="ru-RU" sz="1800" spc="-1" strike="noStrike">
+              <a:rPr b="0" lang="ru-RU" sz="1600" spc="-1" strike="noStrike">
                 <a:solidFill>
                   <a:srgbClr val="262626"/>
                 </a:solidFill>
                 <a:latin typeface="Arial"/>
                 <a:ea typeface="Open Sans"/>
               </a:rPr>
-              <a:t>Ребалансировка датасета дает выраженный положительный эффект на предсказательную способность всех рассмотренных классификаторов</a:t>
+              <a:t>На вход подается стандартизованный и сбалансированный датасет</a:t>
             </a:r>
-            <a:endParaRPr b="0" lang="en-US" sz="1800" spc="-1" strike="noStrike">
+            <a:endParaRPr b="0" lang="en-US" sz="1600" spc="-1" strike="noStrike">
               <a:solidFill>
                 <a:srgbClr val="000000"/>
               </a:solidFill>
@@ -6093,21 +6101,18 @@
               <a:buSzPct val="45000"/>
               <a:buFont typeface="Wingdings" charset="2"/>
               <a:buChar char=""/>
-              <a:tabLst>
-                <a:tab algn="l" pos="0"/>
-              </a:tabLst>
             </a:pPr>
             <a:r>
-              <a:rPr b="0" lang="ru-RU" sz="1800" spc="-1" strike="noStrike">
+              <a:rPr b="0" lang="ru-RU" sz="1600" spc="-1" strike="noStrike">
                 <a:solidFill>
                   <a:srgbClr val="262626"/>
                 </a:solidFill>
                 <a:latin typeface="Arial"/>
                 <a:ea typeface="Open Sans"/>
               </a:rPr>
-              <a:t>Наилучшие метрики показала модель LightGBM </a:t>
+              <a:t>Модель состоит из 2 скрытых слоев с функцией активации ReLU и 1 выходного слоя</a:t>
             </a:r>
-            <a:endParaRPr b="0" lang="en-US" sz="1800" spc="-1" strike="noStrike">
+            <a:endParaRPr b="0" lang="en-US" sz="1600" spc="-1" strike="noStrike">
               <a:solidFill>
                 <a:srgbClr val="000000"/>
               </a:solidFill>
@@ -6115,15 +6120,57 @@
             </a:endParaRPr>
           </a:p>
           <a:p>
-            <a:pPr>
+            <a:pPr marL="216000" indent="-216000">
               <a:lnSpc>
                 <a:spcPct val="115000"/>
               </a:lnSpc>
-              <a:tabLst>
-                <a:tab algn="l" pos="0"/>
-              </a:tabLst>
+              <a:buClr>
+                <a:srgbClr val="000000"/>
+              </a:buClr>
+              <a:buSzPct val="45000"/>
+              <a:buFont typeface="Wingdings" charset="2"/>
+              <a:buChar char=""/>
             </a:pPr>
-            <a:endParaRPr b="0" lang="en-US" sz="1800" spc="-1" strike="noStrike">
+            <a:r>
+              <a:rPr b="0" lang="ru-RU" sz="1600" spc="-1" strike="noStrike">
+                <a:solidFill>
+                  <a:srgbClr val="262626"/>
+                </a:solidFill>
+                <a:latin typeface="Arial"/>
+                <a:ea typeface="Open Sans"/>
+              </a:rPr>
+              <a:t>Слои BatchNorm и DropOut защищают от переобучения модели</a:t>
+            </a:r>
+            <a:endParaRPr b="0" lang="en-US" sz="1600" spc="-1" strike="noStrike">
+              <a:solidFill>
+                <a:srgbClr val="000000"/>
+              </a:solidFill>
+              <a:latin typeface="Arial"/>
+            </a:endParaRPr>
+          </a:p>
+          <a:p>
+            <a:pPr marL="216000" indent="-216000">
+              <a:lnSpc>
+                <a:spcPct val="115000"/>
+              </a:lnSpc>
+              <a:buClr>
+                <a:srgbClr val="000000"/>
+              </a:buClr>
+              <a:buSzPct val="45000"/>
+              <a:buFont typeface="Wingdings" charset="2"/>
+              <a:buChar char=""/>
+            </a:pPr>
+            <a:r>
+              <a:rPr b="0" lang="ru-RU" sz="1600" spc="-1" strike="noStrike">
+                <a:solidFill>
+                  <a:srgbClr val="262626"/>
+                </a:solidFill>
+                <a:latin typeface="Arial"/>
+                <a:ea typeface="Open Sans"/>
+              </a:rPr>
+              <a:t>Используем метод EarlyStopping, который мониторит метрику val_loss и если метрика перестает улучшаться в течении 10 эпох, автоматически прекращает обучение нейросети</a:t>
+            </a:r>
+            <a:endParaRPr b="0" lang="en-US" sz="1600" spc="-1" strike="noStrike">
               <a:solidFill>
                 <a:srgbClr val="000000"/>
               </a:solidFill>
@@ -6134,7 +6181,7 @@
       </p:sp>
       <p:pic>
         <p:nvPicPr>
-          <p:cNvPr id="145" name="" descr=""/>
+          <p:cNvPr id="143" name="" descr=""/>
           <p:cNvPicPr/>
           <p:nvPr/>
         </p:nvPicPr>
@@ -6144,8 +6191,8 @@
         </p:blipFill>
         <p:spPr>
           <a:xfrm>
-            <a:off x="457200" y="1780200"/>
-            <a:ext cx="3970080" cy="950400"/>
+            <a:off x="6642000" y="1512720"/>
+            <a:ext cx="4968000" cy="2493360"/>
           </a:xfrm>
           <a:prstGeom prst="rect">
             <a:avLst/>
@@ -6157,7 +6204,7 @@
       </p:pic>
       <p:pic>
         <p:nvPicPr>
-          <p:cNvPr id="146" name="" descr=""/>
+          <p:cNvPr id="144" name="" descr=""/>
           <p:cNvPicPr/>
           <p:nvPr/>
         </p:nvPicPr>
@@ -6167,54 +6214,8 @@
         </p:blipFill>
         <p:spPr>
           <a:xfrm>
-            <a:off x="6388920" y="1761480"/>
-            <a:ext cx="4065480" cy="931320"/>
-          </a:xfrm>
-          <a:prstGeom prst="rect">
-            <a:avLst/>
-          </a:prstGeom>
-          <a:ln w="0">
-            <a:noFill/>
-          </a:ln>
-        </p:spPr>
-      </p:pic>
-      <p:pic>
-        <p:nvPicPr>
-          <p:cNvPr id="147" name="" descr=""/>
-          <p:cNvPicPr/>
-          <p:nvPr/>
-        </p:nvPicPr>
-        <p:blipFill>
-          <a:blip r:embed="rId3"/>
-          <a:stretch/>
-        </p:blipFill>
-        <p:spPr>
-          <a:xfrm>
-            <a:off x="447840" y="3200400"/>
-            <a:ext cx="3893760" cy="902520"/>
-          </a:xfrm>
-          <a:prstGeom prst="rect">
-            <a:avLst/>
-          </a:prstGeom>
-          <a:ln w="0">
-            <a:noFill/>
-          </a:ln>
-        </p:spPr>
-      </p:pic>
-      <p:pic>
-        <p:nvPicPr>
-          <p:cNvPr id="148" name="" descr=""/>
-          <p:cNvPicPr/>
-          <p:nvPr/>
-        </p:nvPicPr>
-        <p:blipFill>
-          <a:blip r:embed="rId4"/>
-          <a:stretch/>
-        </p:blipFill>
-        <p:spPr>
-          <a:xfrm>
-            <a:off x="6400800" y="3200400"/>
-            <a:ext cx="4036680" cy="874080"/>
+            <a:off x="6705720" y="4715280"/>
+            <a:ext cx="4038120" cy="999360"/>
           </a:xfrm>
           <a:prstGeom prst="rect">
             <a:avLst/>
@@ -6256,18 +6257,14 @@
       </p:grpSpPr>
       <p:sp>
         <p:nvSpPr>
-          <p:cNvPr id="149" name="PlaceHolder 1"/>
-          <p:cNvSpPr>
-            <a:spLocks noGrp="1"/>
-          </p:cNvSpPr>
-          <p:nvPr>
-            <p:ph/>
-          </p:nvPr>
+          <p:cNvPr id="145" name="Текст 8"/>
+          <p:cNvSpPr/>
+          <p:nvPr/>
         </p:nvSpPr>
         <p:spPr>
           <a:xfrm>
-            <a:off x="388440" y="1371600"/>
-            <a:ext cx="11723040" cy="5253480"/>
+            <a:off x="388800" y="1371960"/>
+            <a:ext cx="11344320" cy="4910400"/>
           </a:xfrm>
           <a:prstGeom prst="rect">
             <a:avLst/>
@@ -6277,154 +6274,80 @@
             <a:noFill/>
           </a:ln>
         </p:spPr>
+        <p:style>
+          <a:lnRef idx="0"/>
+          <a:fillRef idx="0"/>
+          <a:effectRef idx="0"/>
+          <a:fontRef idx="minor"/>
+        </p:style>
         <p:txBody>
-          <a:bodyPr lIns="91440" rIns="91440" tIns="45720" bIns="45720" anchor="t">
+          <a:bodyPr lIns="90000" rIns="90000" tIns="45000" bIns="45000" anchor="t">
             <a:normAutofit/>
           </a:bodyPr>
           <a:p>
-            <a:pPr marL="76320" indent="0" algn="just">
+            <a:pPr>
               <a:lnSpc>
-                <a:spcPct val="90000"/>
+                <a:spcPct val="100000"/>
               </a:lnSpc>
-              <a:spcBef>
-                <a:spcPts val="751"/>
-              </a:spcBef>
-              <a:buNone/>
+            </a:pPr>
+            <a:endParaRPr b="1" lang="en-US" sz="1800" spc="-1" strike="noStrike">
+              <a:solidFill>
+                <a:srgbClr val="000000"/>
+              </a:solidFill>
+              <a:latin typeface="Arial"/>
+            </a:endParaRPr>
+          </a:p>
+        </p:txBody>
+      </p:sp>
+      <p:sp>
+        <p:nvSpPr>
+          <p:cNvPr id="146" name="PlaceHolder 7"/>
+          <p:cNvSpPr/>
+          <p:nvPr/>
+        </p:nvSpPr>
+        <p:spPr>
+          <a:xfrm>
+            <a:off x="273600" y="6435000"/>
+            <a:ext cx="563760" cy="268920"/>
+          </a:xfrm>
+          <a:prstGeom prst="rect">
+            <a:avLst/>
+          </a:prstGeom>
+          <a:noFill/>
+          <a:ln w="0">
+            <a:noFill/>
+          </a:ln>
+        </p:spPr>
+        <p:style>
+          <a:lnRef idx="0"/>
+          <a:fillRef idx="0"/>
+          <a:effectRef idx="0"/>
+          <a:fontRef idx="minor"/>
+        </p:style>
+        <p:txBody>
+          <a:bodyPr lIns="90000" rIns="90000" tIns="45000" bIns="45000" anchor="ctr">
+            <a:noAutofit/>
+          </a:bodyPr>
+          <a:p>
+            <a:pPr>
+              <a:lnSpc>
+                <a:spcPct val="100000"/>
+              </a:lnSpc>
               <a:tabLst>
                 <a:tab algn="l" pos="0"/>
               </a:tabLst>
             </a:pPr>
-            <a:endParaRPr b="0" lang="en-US" sz="2200" spc="-1" strike="noStrike">
-              <a:solidFill>
-                <a:srgbClr val="000000"/>
-              </a:solidFill>
-              <a:latin typeface="Arial"/>
-            </a:endParaRPr>
-          </a:p>
-          <a:p>
-            <a:pPr marL="76320" indent="0" algn="just">
-              <a:lnSpc>
-                <a:spcPct val="90000"/>
-              </a:lnSpc>
-              <a:spcBef>
-                <a:spcPts val="751"/>
-              </a:spcBef>
-              <a:buNone/>
-              <a:tabLst>
-                <a:tab algn="l" pos="0"/>
-              </a:tabLst>
-            </a:pPr>
-            <a:r>
-              <a:rPr b="0" lang="ru-RU" sz="2200" spc="-1" strike="noStrike">
-                <a:solidFill>
-                  <a:srgbClr val="262626"/>
-                </a:solidFill>
-                <a:latin typeface="ALS Sector Regular"/>
+            <a:fld id="{BF24705A-9053-4967-AAF5-BFA702B8CF89}" type="slidenum">
+              <a:rPr b="0" lang="ru-RU" sz="1400" spc="-1" strike="noStrike">
+                <a:solidFill>
+                  <a:srgbClr val="898989"/>
+                </a:solidFill>
+                <a:latin typeface="Times New Roman"/>
                 <a:ea typeface="Open Sans"/>
               </a:rPr>
-              <a:t> </a:t>
-            </a:r>
-            <a:endParaRPr b="0" lang="en-US" sz="2200" spc="-1" strike="noStrike">
-              <a:solidFill>
-                <a:srgbClr val="000000"/>
-              </a:solidFill>
-              <a:latin typeface="Arial"/>
-            </a:endParaRPr>
-          </a:p>
-          <a:p>
-            <a:pPr marL="76320" indent="0" algn="just">
-              <a:lnSpc>
-                <a:spcPct val="90000"/>
-              </a:lnSpc>
-              <a:spcBef>
-                <a:spcPts val="751"/>
-              </a:spcBef>
-              <a:buNone/>
-              <a:tabLst>
-                <a:tab algn="l" pos="0"/>
-              </a:tabLst>
-            </a:pPr>
-            <a:endParaRPr b="0" lang="en-US" sz="2200" spc="-1" strike="noStrike">
-              <a:solidFill>
-                <a:srgbClr val="000000"/>
-              </a:solidFill>
-              <a:latin typeface="Arial"/>
-            </a:endParaRPr>
-          </a:p>
-          <a:p>
-            <a:pPr marL="76320" indent="0" algn="just">
-              <a:lnSpc>
-                <a:spcPct val="90000"/>
-              </a:lnSpc>
-              <a:spcBef>
-                <a:spcPts val="751"/>
-              </a:spcBef>
-              <a:buNone/>
-              <a:tabLst>
-                <a:tab algn="l" pos="0"/>
-              </a:tabLst>
-            </a:pPr>
-            <a:endParaRPr b="0" lang="en-US" sz="2200" spc="-1" strike="noStrike">
-              <a:solidFill>
-                <a:srgbClr val="000000"/>
-              </a:solidFill>
-              <a:latin typeface="Arial"/>
-            </a:endParaRPr>
-          </a:p>
-          <a:p>
-            <a:pPr marL="76320" indent="0" algn="just">
-              <a:lnSpc>
-                <a:spcPct val="90000"/>
-              </a:lnSpc>
-              <a:spcBef>
-                <a:spcPts val="751"/>
-              </a:spcBef>
-              <a:buNone/>
-              <a:tabLst>
-                <a:tab algn="l" pos="0"/>
-              </a:tabLst>
-            </a:pPr>
-            <a:endParaRPr b="0" lang="en-US" sz="2200" spc="-1" strike="noStrike">
-              <a:solidFill>
-                <a:srgbClr val="000000"/>
-              </a:solidFill>
-              <a:latin typeface="Arial"/>
-            </a:endParaRPr>
-          </a:p>
-          <a:p>
-            <a:pPr marL="76320" indent="0" algn="just">
-              <a:lnSpc>
-                <a:spcPct val="90000"/>
-              </a:lnSpc>
-              <a:spcBef>
-                <a:spcPts val="751"/>
-              </a:spcBef>
-              <a:buNone/>
-              <a:tabLst>
-                <a:tab algn="l" pos="0"/>
-              </a:tabLst>
-            </a:pPr>
-            <a:endParaRPr b="0" lang="en-US" sz="2200" spc="-1" strike="noStrike">
-              <a:solidFill>
-                <a:srgbClr val="000000"/>
-              </a:solidFill>
-              <a:latin typeface="Arial"/>
-            </a:endParaRPr>
-          </a:p>
-          <a:p>
-            <a:pPr marL="76320" indent="0" algn="just">
-              <a:lnSpc>
-                <a:spcPct val="90000"/>
-              </a:lnSpc>
-              <a:spcBef>
-                <a:spcPts val="751"/>
-              </a:spcBef>
-              <a:buNone/>
-              <a:tabLst>
-                <a:tab algn="l" pos="0"/>
-              </a:tabLst>
-            </a:pPr>
-            <a:endParaRPr b="0" lang="en-US" sz="2200" spc="-1" strike="noStrike">
+              <a:t>&lt;number&gt;</a:t>
+            </a:fld>
+            <a:endParaRPr b="0" lang="en-US" sz="1400" spc="-1" strike="noStrike">
               <a:solidFill>
                 <a:srgbClr val="000000"/>
               </a:solidFill>
@@ -6435,28 +6358,28 @@
       </p:sp>
       <p:grpSp>
         <p:nvGrpSpPr>
-          <p:cNvPr id="150" name="Группа 9"/>
+          <p:cNvPr id="147" name="Группа 2"/>
           <p:cNvGrpSpPr/>
           <p:nvPr/>
         </p:nvGrpSpPr>
         <p:grpSpPr>
           <a:xfrm>
-            <a:off x="3168000" y="283680"/>
-            <a:ext cx="5971320" cy="1037520"/>
-            <a:chOff x="3168000" y="283680"/>
-            <a:chExt cx="5971320" cy="1037520"/>
+            <a:off x="3168000" y="345600"/>
+            <a:ext cx="5974920" cy="1038960"/>
+            <a:chOff x="3168000" y="345600"/>
+            <a:chExt cx="5974920" cy="1038960"/>
           </a:xfrm>
         </p:grpSpPr>
         <p:sp>
           <p:nvSpPr>
-            <p:cNvPr id="151" name="Прямоугольник 23"/>
+            <p:cNvPr id="148" name="Прямоугольник 4"/>
             <p:cNvSpPr/>
             <p:nvPr/>
           </p:nvSpPr>
           <p:spPr>
             <a:xfrm>
-              <a:off x="3168000" y="283680"/>
-              <a:ext cx="5971320" cy="1032480"/>
+              <a:off x="3168000" y="345600"/>
+              <a:ext cx="5974920" cy="1029600"/>
             </a:xfrm>
             <a:prstGeom prst="rect">
               <a:avLst/>
@@ -6503,7 +6426,7 @@
                   <a:latin typeface="ALS Sector Bold"/>
                   <a:ea typeface="Arial"/>
                 </a:rPr>
-                <a:t>Полносвязная NN</a:t>
+                <a:t>Метрики качества</a:t>
               </a:r>
               <a:endParaRPr b="0" lang="en-US" sz="2800" spc="-1" strike="noStrike">
                 <a:solidFill>
@@ -6516,22 +6439,22 @@
         </p:sp>
         <p:sp>
           <p:nvSpPr>
-            <p:cNvPr id="152" name="Прямоугольник 24"/>
+            <p:cNvPr id="149" name="Прямоугольник 5"/>
             <p:cNvSpPr/>
             <p:nvPr/>
           </p:nvSpPr>
           <p:spPr>
             <a:xfrm flipH="1" rot="10800000">
-              <a:off x="3167640" y="288720"/>
-              <a:ext cx="93960" cy="1032480"/>
+              <a:off x="3167640" y="354960"/>
+              <a:ext cx="89640" cy="1029600"/>
             </a:xfrm>
             <a:custGeom>
               <a:avLst/>
               <a:gdLst>
-                <a:gd name="textAreaLeft" fmla="*/ 2520 w 93960"/>
-                <a:gd name="textAreaRight" fmla="*/ 101520 w 93960"/>
-                <a:gd name="textAreaTop" fmla="*/ 0 h 1032480"/>
-                <a:gd name="textAreaBottom" fmla="*/ 1037520 h 1032480"/>
+                <a:gd name="textAreaLeft" fmla="*/ 4320 w 89640"/>
+                <a:gd name="textAreaRight" fmla="*/ 103320 w 89640"/>
+                <a:gd name="textAreaTop" fmla="*/ 0 h 1029600"/>
+                <a:gd name="textAreaBottom" fmla="*/ 1038600 h 1029600"/>
               </a:gdLst>
               <a:ahLst/>
               <a:rect l="textAreaLeft" t="textAreaTop" r="textAreaRight" b="textAreaBottom"/>
@@ -6594,22 +6517,22 @@
         </p:sp>
         <p:sp>
           <p:nvSpPr>
-            <p:cNvPr id="153" name="Прямоугольник 25"/>
+            <p:cNvPr id="150" name="Прямоугольник 6"/>
             <p:cNvSpPr/>
             <p:nvPr/>
           </p:nvSpPr>
           <p:spPr>
             <a:xfrm flipH="1">
-              <a:off x="9022320" y="283680"/>
-              <a:ext cx="111240" cy="1032480"/>
+              <a:off x="9025920" y="345600"/>
+              <a:ext cx="106920" cy="1029600"/>
             </a:xfrm>
             <a:custGeom>
               <a:avLst/>
               <a:gdLst>
-                <a:gd name="textAreaLeft" fmla="*/ 2520 w 111240"/>
-                <a:gd name="textAreaRight" fmla="*/ 118800 w 111240"/>
-                <a:gd name="textAreaTop" fmla="*/ 0 h 1032480"/>
-                <a:gd name="textAreaBottom" fmla="*/ 1037520 h 1032480"/>
+                <a:gd name="textAreaLeft" fmla="*/ -2880 w 106920"/>
+                <a:gd name="textAreaRight" fmla="*/ 112680 w 106920"/>
+                <a:gd name="textAreaTop" fmla="*/ 0 h 1029600"/>
+                <a:gd name="textAreaBottom" fmla="*/ 1038600 h 1029600"/>
               </a:gdLst>
               <a:ahLst/>
               <a:rect l="textAreaLeft" t="textAreaTop" r="textAreaRight" b="textAreaBottom"/>
@@ -6671,316 +6594,1559 @@
           </p:txBody>
         </p:sp>
       </p:grpSp>
-      <p:sp>
-        <p:nvSpPr>
-          <p:cNvPr id="154" name="PlaceHolder 5"/>
-          <p:cNvSpPr/>
+      <p:graphicFrame>
+        <p:nvGraphicFramePr>
+          <p:cNvPr id="151" name=""/>
+          <p:cNvGraphicFramePr/>
           <p:nvPr/>
-        </p:nvSpPr>
-        <p:spPr>
-          <a:xfrm>
-            <a:off x="273600" y="6435000"/>
-            <a:ext cx="565200" cy="270360"/>
-          </a:xfrm>
-          <a:prstGeom prst="rect">
-            <a:avLst/>
-          </a:prstGeom>
-          <a:noFill/>
-          <a:ln w="0">
-            <a:noFill/>
-          </a:ln>
-        </p:spPr>
-        <p:style>
-          <a:lnRef idx="0"/>
-          <a:fillRef idx="0"/>
-          <a:effectRef idx="0"/>
-          <a:fontRef idx="minor"/>
-        </p:style>
-        <p:txBody>
-          <a:bodyPr lIns="90000" rIns="90000" tIns="45000" bIns="45000" anchor="ctr">
-            <a:noAutofit/>
-          </a:bodyPr>
-          <a:p>
-            <a:pPr>
-              <a:lnSpc>
-                <a:spcPct val="100000"/>
-              </a:lnSpc>
-              <a:tabLst>
-                <a:tab algn="l" pos="0"/>
-              </a:tabLst>
-            </a:pPr>
-            <a:fld id="{15E14AB3-DABE-4223-96DF-F0CA407F40B8}" type="slidenum">
-              <a:rPr b="0" lang="ru-RU" sz="1400" spc="-1" strike="noStrike">
-                <a:solidFill>
-                  <a:srgbClr val="898989"/>
-                </a:solidFill>
-                <a:latin typeface="Times New Roman"/>
-                <a:ea typeface="Open Sans"/>
-              </a:rPr>
-              <a:t>&lt;number&gt;</a:t>
-            </a:fld>
-            <a:endParaRPr b="0" lang="en-US" sz="1400" spc="-1" strike="noStrike">
-              <a:solidFill>
-                <a:srgbClr val="000000"/>
-              </a:solidFill>
-              <a:latin typeface="Arial"/>
-            </a:endParaRPr>
-          </a:p>
-        </p:txBody>
-      </p:sp>
-      <p:sp>
-        <p:nvSpPr>
-          <p:cNvPr id="155" name=""/>
-          <p:cNvSpPr/>
-          <p:nvPr/>
-        </p:nvSpPr>
-        <p:spPr>
-          <a:xfrm>
-            <a:off x="228600" y="1440720"/>
-            <a:ext cx="7085160" cy="2901240"/>
-          </a:xfrm>
-          <a:prstGeom prst="rect">
-            <a:avLst/>
-          </a:prstGeom>
-          <a:noFill/>
-          <a:ln w="0">
-            <a:noFill/>
-          </a:ln>
-        </p:spPr>
-        <p:style>
-          <a:lnRef idx="0"/>
-          <a:fillRef idx="0"/>
-          <a:effectRef idx="0"/>
-          <a:fontRef idx="minor"/>
-        </p:style>
-        <p:txBody>
-          <a:bodyPr lIns="90000" rIns="90000" tIns="45000" bIns="45000" anchor="t">
-            <a:noAutofit/>
-          </a:bodyPr>
-          <a:p>
-            <a:pPr marL="216000" indent="-216000">
-              <a:lnSpc>
-                <a:spcPct val="100000"/>
-              </a:lnSpc>
-              <a:buClr>
-                <a:srgbClr val="000000"/>
-              </a:buClr>
-              <a:buSzPct val="45000"/>
-              <a:buFont typeface="Wingdings" charset="2"/>
-              <a:buChar char=""/>
-            </a:pPr>
-            <a:r>
-              <a:rPr b="0" lang="ru-RU" sz="1800" spc="-1" strike="noStrike">
-                <a:solidFill>
-                  <a:srgbClr val="262626"/>
-                </a:solidFill>
-                <a:latin typeface="Arial"/>
-                <a:ea typeface="Open Sans"/>
-              </a:rPr>
-              <a:t>Использован фреймворк Tensorflow + Keras</a:t>
-            </a:r>
-            <a:endParaRPr b="0" lang="en-US" sz="1800" spc="-1" strike="noStrike">
-              <a:solidFill>
-                <a:srgbClr val="000000"/>
-              </a:solidFill>
-              <a:latin typeface="Arial"/>
-            </a:endParaRPr>
-          </a:p>
-          <a:p>
-            <a:pPr marL="216000" indent="-216000">
-              <a:lnSpc>
-                <a:spcPct val="100000"/>
-              </a:lnSpc>
-              <a:buClr>
-                <a:srgbClr val="000000"/>
-              </a:buClr>
-              <a:buSzPct val="45000"/>
-              <a:buFont typeface="Wingdings" charset="2"/>
-              <a:buChar char=""/>
-            </a:pPr>
-            <a:r>
-              <a:rPr b="0" lang="ru-RU" sz="1800" spc="-1" strike="noStrike">
-                <a:solidFill>
-                  <a:srgbClr val="262626"/>
-                </a:solidFill>
-                <a:latin typeface="Arial"/>
-                <a:ea typeface="Open Sans"/>
-              </a:rPr>
-              <a:t>На вход подается стандартизованный и сбалансированный датасет</a:t>
-            </a:r>
-            <a:endParaRPr b="0" lang="en-US" sz="1800" spc="-1" strike="noStrike">
-              <a:solidFill>
-                <a:srgbClr val="000000"/>
-              </a:solidFill>
-              <a:latin typeface="Arial"/>
-            </a:endParaRPr>
-          </a:p>
-          <a:p>
-            <a:pPr marL="216000" indent="-216000">
-              <a:lnSpc>
-                <a:spcPct val="100000"/>
-              </a:lnSpc>
-              <a:buClr>
-                <a:srgbClr val="000000"/>
-              </a:buClr>
-              <a:buSzPct val="45000"/>
-              <a:buFont typeface="Wingdings" charset="2"/>
-              <a:buChar char=""/>
-            </a:pPr>
-            <a:r>
-              <a:rPr b="0" lang="ru-RU" sz="1800" spc="-1" strike="noStrike">
-                <a:solidFill>
-                  <a:srgbClr val="262626"/>
-                </a:solidFill>
-                <a:latin typeface="Arial"/>
-                <a:ea typeface="Open Sans"/>
-              </a:rPr>
-              <a:t>Слои </a:t>
-            </a:r>
-            <a:r>
-              <a:rPr b="1" lang="ru-RU" sz="1800" spc="-1" strike="noStrike">
-                <a:solidFill>
-                  <a:srgbClr val="262626"/>
-                </a:solidFill>
-                <a:latin typeface="Arial"/>
-                <a:ea typeface="Open Sans"/>
-              </a:rPr>
-              <a:t>BatchNorm</a:t>
-            </a:r>
-            <a:r>
-              <a:rPr b="0" lang="ru-RU" sz="1800" spc="-1" strike="noStrike">
-                <a:solidFill>
-                  <a:srgbClr val="262626"/>
-                </a:solidFill>
-                <a:latin typeface="Arial"/>
-                <a:ea typeface="Open Sans"/>
-              </a:rPr>
-              <a:t> и </a:t>
-            </a:r>
-            <a:r>
-              <a:rPr b="1" lang="ru-RU" sz="1800" spc="-1" strike="noStrike">
-                <a:solidFill>
-                  <a:srgbClr val="262626"/>
-                </a:solidFill>
-                <a:latin typeface="Arial"/>
-                <a:ea typeface="Open Sans"/>
-              </a:rPr>
-              <a:t>DropOut</a:t>
-            </a:r>
-            <a:r>
-              <a:rPr b="0" lang="ru-RU" sz="1800" spc="-1" strike="noStrike">
-                <a:solidFill>
-                  <a:srgbClr val="262626"/>
-                </a:solidFill>
-                <a:latin typeface="Arial"/>
-                <a:ea typeface="Open Sans"/>
-              </a:rPr>
-              <a:t> защищают от переобучения модели</a:t>
-            </a:r>
-            <a:endParaRPr b="0" lang="en-US" sz="1800" spc="-1" strike="noStrike">
-              <a:solidFill>
-                <a:srgbClr val="000000"/>
-              </a:solidFill>
-              <a:latin typeface="Arial"/>
-            </a:endParaRPr>
-          </a:p>
-          <a:p>
-            <a:pPr marL="216000" indent="-216000">
-              <a:lnSpc>
-                <a:spcPct val="100000"/>
-              </a:lnSpc>
-              <a:buClr>
-                <a:srgbClr val="000000"/>
-              </a:buClr>
-              <a:buSzPct val="45000"/>
-              <a:buFont typeface="Wingdings" charset="2"/>
-              <a:buChar char=""/>
-            </a:pPr>
-            <a:r>
-              <a:rPr b="0" lang="ru-RU" sz="1800" spc="-1" strike="noStrike">
-                <a:solidFill>
-                  <a:srgbClr val="262626"/>
-                </a:solidFill>
-                <a:latin typeface="Arial"/>
-                <a:ea typeface="Open Sans"/>
-              </a:rPr>
-              <a:t>Используем метод </a:t>
-            </a:r>
-            <a:r>
-              <a:rPr b="1" lang="ru-RU" sz="1800" spc="-1" strike="noStrike">
-                <a:solidFill>
-                  <a:srgbClr val="262626"/>
-                </a:solidFill>
-                <a:latin typeface="Arial"/>
-                <a:ea typeface="Open Sans"/>
-              </a:rPr>
-              <a:t>EarlyStopping</a:t>
-            </a:r>
-            <a:r>
-              <a:rPr b="0" lang="ru-RU" sz="1800" spc="-1" strike="noStrike">
-                <a:solidFill>
-                  <a:srgbClr val="262626"/>
-                </a:solidFill>
-                <a:latin typeface="Arial"/>
-                <a:ea typeface="Open Sans"/>
-              </a:rPr>
-              <a:t>, который мониторит метрику val_loss и если метрика перестает улучшаться в течении 10 эпох, автоматически прекращает обучение нейросети</a:t>
-            </a:r>
-            <a:endParaRPr b="0" lang="en-US" sz="1800" spc="-1" strike="noStrike">
-              <a:solidFill>
-                <a:srgbClr val="000000"/>
-              </a:solidFill>
-              <a:latin typeface="Arial"/>
-            </a:endParaRPr>
-          </a:p>
-        </p:txBody>
-      </p:sp>
-      <p:pic>
-        <p:nvPicPr>
-          <p:cNvPr id="156" name="" descr=""/>
-          <p:cNvPicPr/>
-          <p:nvPr/>
-        </p:nvPicPr>
-        <p:blipFill>
-          <a:blip r:embed="rId1"/>
-          <a:stretch/>
-        </p:blipFill>
-        <p:spPr>
-          <a:xfrm>
-            <a:off x="7363800" y="1330560"/>
-            <a:ext cx="4465800" cy="2903400"/>
-          </a:xfrm>
-          <a:prstGeom prst="rect">
-            <a:avLst/>
-          </a:prstGeom>
-          <a:ln w="0">
-            <a:noFill/>
-          </a:ln>
-        </p:spPr>
-      </p:pic>
-      <p:pic>
-        <p:nvPicPr>
-          <p:cNvPr id="157" name="" descr=""/>
-          <p:cNvPicPr/>
-          <p:nvPr/>
-        </p:nvPicPr>
-        <p:blipFill>
-          <a:blip r:embed="rId2"/>
-          <a:stretch/>
-        </p:blipFill>
-        <p:spPr>
-          <a:xfrm>
-            <a:off x="4185000" y="4114800"/>
-            <a:ext cx="4969440" cy="2494800"/>
-          </a:xfrm>
-          <a:prstGeom prst="rect">
-            <a:avLst/>
-          </a:prstGeom>
-          <a:ln w="0">
-            <a:noFill/>
-          </a:ln>
-        </p:spPr>
-      </p:pic>
+        </p:nvGraphicFramePr>
+        <p:xfrm>
+          <a:off x="520560" y="1630440"/>
+          <a:ext cx="7708680" cy="3024000"/>
+        </p:xfrm>
+        <a:graphic>
+          <a:graphicData uri="http://schemas.openxmlformats.org/drawingml/2006/table">
+            <a:tbl>
+              <a:tblPr/>
+              <a:tblGrid>
+                <a:gridCol w="4426200"/>
+                <a:gridCol w="1442880"/>
+                <a:gridCol w="1839960"/>
+              </a:tblGrid>
+              <a:tr h="691200">
+                <a:tc>
+                  <a:txBody>
+                    <a:bodyPr lIns="36000" rIns="36000" anchor="t">
+                      <a:noAutofit/>
+                    </a:bodyPr>
+                    <a:p>
+                      <a:pPr>
+                        <a:lnSpc>
+                          <a:spcPct val="100000"/>
+                        </a:lnSpc>
+                      </a:pPr>
+                      <a:r>
+                        <a:rPr b="1" lang="en-US" sz="1400" spc="-1" strike="noStrike">
+                          <a:solidFill>
+                            <a:srgbClr val="000000"/>
+                          </a:solidFill>
+                          <a:latin typeface="Arial"/>
+                        </a:rPr>
+                        <a:t>Классификатор</a:t>
+                      </a:r>
+                      <a:endParaRPr b="0" lang="en-US" sz="1400" spc="-1" strike="noStrike">
+                        <a:solidFill>
+                          <a:srgbClr val="000000"/>
+                        </a:solidFill>
+                        <a:latin typeface="Arial"/>
+                      </a:endParaRPr>
+                    </a:p>
+                  </a:txBody>
+                  <a:tcPr anchor="t" marL="36000" marR="36000">
+                    <a:lnL w="7200">
+                      <a:solidFill>
+                        <a:srgbClr val="000000"/>
+                      </a:solidFill>
+                      <a:prstDash val="solid"/>
+                    </a:lnL>
+                    <a:lnR w="7200">
+                      <a:solidFill>
+                        <a:srgbClr val="000000"/>
+                      </a:solidFill>
+                      <a:prstDash val="solid"/>
+                    </a:lnR>
+                    <a:lnT w="7200">
+                      <a:solidFill>
+                        <a:srgbClr val="000000"/>
+                      </a:solidFill>
+                      <a:prstDash val="solid"/>
+                    </a:lnT>
+                    <a:lnB w="7200">
+                      <a:solidFill>
+                        <a:srgbClr val="000000"/>
+                      </a:solidFill>
+                      <a:prstDash val="solid"/>
+                    </a:lnB>
+                    <a:noFill/>
+                  </a:tcPr>
+                </a:tc>
+                <a:tc>
+                  <a:txBody>
+                    <a:bodyPr lIns="36000" rIns="36000" anchor="t">
+                      <a:noAutofit/>
+                    </a:bodyPr>
+                    <a:p>
+                      <a:pPr>
+                        <a:lnSpc>
+                          <a:spcPct val="100000"/>
+                        </a:lnSpc>
+                      </a:pPr>
+                      <a:r>
+                        <a:rPr b="1" lang="en-US" sz="1400" spc="-1" strike="noStrike">
+                          <a:solidFill>
+                            <a:srgbClr val="000000"/>
+                          </a:solidFill>
+                          <a:latin typeface="Arial"/>
+                        </a:rPr>
+                        <a:t>Тренировочная выборка</a:t>
+                      </a:r>
+                      <a:endParaRPr b="0" lang="en-US" sz="1400" spc="-1" strike="noStrike">
+                        <a:solidFill>
+                          <a:srgbClr val="000000"/>
+                        </a:solidFill>
+                        <a:latin typeface="Arial"/>
+                      </a:endParaRPr>
+                    </a:p>
+                  </a:txBody>
+                  <a:tcPr anchor="t" marL="36000" marR="36000">
+                    <a:lnL w="7200">
+                      <a:solidFill>
+                        <a:srgbClr val="000000"/>
+                      </a:solidFill>
+                      <a:prstDash val="solid"/>
+                    </a:lnL>
+                    <a:lnR w="7200">
+                      <a:solidFill>
+                        <a:srgbClr val="000000"/>
+                      </a:solidFill>
+                      <a:prstDash val="solid"/>
+                    </a:lnR>
+                    <a:lnT w="7200">
+                      <a:solidFill>
+                        <a:srgbClr val="000000"/>
+                      </a:solidFill>
+                      <a:prstDash val="solid"/>
+                    </a:lnT>
+                    <a:lnB w="7200">
+                      <a:solidFill>
+                        <a:srgbClr val="000000"/>
+                      </a:solidFill>
+                      <a:prstDash val="solid"/>
+                    </a:lnB>
+                    <a:noFill/>
+                  </a:tcPr>
+                </a:tc>
+                <a:tc>
+                  <a:txBody>
+                    <a:bodyPr lIns="36000" rIns="36000" anchor="t">
+                      <a:noAutofit/>
+                    </a:bodyPr>
+                    <a:p>
+                      <a:pPr>
+                        <a:lnSpc>
+                          <a:spcPct val="100000"/>
+                        </a:lnSpc>
+                      </a:pPr>
+                      <a:r>
+                        <a:rPr b="1" lang="en-US" sz="1400" spc="-1" strike="noStrike">
+                          <a:solidFill>
+                            <a:srgbClr val="000000"/>
+                          </a:solidFill>
+                          <a:latin typeface="Arial"/>
+                        </a:rPr>
+                        <a:t>Тестовая выборка</a:t>
+                      </a:r>
+                      <a:endParaRPr b="0" lang="en-US" sz="1400" spc="-1" strike="noStrike">
+                        <a:solidFill>
+                          <a:srgbClr val="000000"/>
+                        </a:solidFill>
+                        <a:latin typeface="Arial"/>
+                      </a:endParaRPr>
+                    </a:p>
+                  </a:txBody>
+                  <a:tcPr anchor="t" marL="36000" marR="36000">
+                    <a:lnL w="7200">
+                      <a:solidFill>
+                        <a:srgbClr val="000000"/>
+                      </a:solidFill>
+                      <a:prstDash val="solid"/>
+                    </a:lnL>
+                    <a:lnR w="7200">
+                      <a:solidFill>
+                        <a:srgbClr val="000000"/>
+                      </a:solidFill>
+                      <a:prstDash val="solid"/>
+                    </a:lnR>
+                    <a:lnT w="7200">
+                      <a:solidFill>
+                        <a:srgbClr val="000000"/>
+                      </a:solidFill>
+                      <a:prstDash val="solid"/>
+                    </a:lnT>
+                    <a:lnB w="7200">
+                      <a:solidFill>
+                        <a:srgbClr val="000000"/>
+                      </a:solidFill>
+                      <a:prstDash val="solid"/>
+                    </a:lnB>
+                    <a:noFill/>
+                  </a:tcPr>
+                </a:tc>
+              </a:tr>
+              <a:tr h="291600">
+                <a:tc>
+                  <a:txBody>
+                    <a:bodyPr lIns="36000" rIns="36000" anchor="t">
+                      <a:noAutofit/>
+                    </a:bodyPr>
+                    <a:p>
+                      <a:pPr>
+                        <a:lnSpc>
+                          <a:spcPct val="100000"/>
+                        </a:lnSpc>
+                      </a:pPr>
+                      <a:r>
+                        <a:rPr b="0" lang="en-US" sz="1400" spc="-1" strike="noStrike">
+                          <a:solidFill>
+                            <a:srgbClr val="000000"/>
+                          </a:solidFill>
+                          <a:latin typeface="Arial"/>
+                        </a:rPr>
+                        <a:t>LightGBM на полном датасете</a:t>
+                      </a:r>
+                      <a:endParaRPr b="0" lang="en-US" sz="1400" spc="-1" strike="noStrike">
+                        <a:solidFill>
+                          <a:srgbClr val="000000"/>
+                        </a:solidFill>
+                        <a:latin typeface="Arial"/>
+                      </a:endParaRPr>
+                    </a:p>
+                  </a:txBody>
+                  <a:tcPr anchor="t" marL="36000" marR="36000">
+                    <a:lnL w="7200">
+                      <a:solidFill>
+                        <a:srgbClr val="000000"/>
+                      </a:solidFill>
+                      <a:prstDash val="solid"/>
+                    </a:lnL>
+                    <a:lnR w="7200">
+                      <a:solidFill>
+                        <a:srgbClr val="000000"/>
+                      </a:solidFill>
+                      <a:prstDash val="solid"/>
+                    </a:lnR>
+                    <a:lnT w="7200">
+                      <a:solidFill>
+                        <a:srgbClr val="000000"/>
+                      </a:solidFill>
+                      <a:prstDash val="solid"/>
+                    </a:lnT>
+                    <a:lnB w="7200">
+                      <a:solidFill>
+                        <a:srgbClr val="000000"/>
+                      </a:solidFill>
+                      <a:prstDash val="solid"/>
+                    </a:lnB>
+                    <a:noFill/>
+                  </a:tcPr>
+                </a:tc>
+                <a:tc>
+                  <a:txBody>
+                    <a:bodyPr lIns="36000" rIns="36000" anchor="t">
+                      <a:noAutofit/>
+                    </a:bodyPr>
+                    <a:p>
+                      <a:pPr algn="r">
+                        <a:lnSpc>
+                          <a:spcPct val="100000"/>
+                        </a:lnSpc>
+                      </a:pPr>
+                      <a:r>
+                        <a:rPr b="0" lang="en-US" sz="1400" spc="-1" strike="noStrike">
+                          <a:solidFill>
+                            <a:srgbClr val="000000"/>
+                          </a:solidFill>
+                          <a:latin typeface="Arial"/>
+                        </a:rPr>
+                        <a:t>0.8402</a:t>
+                      </a:r>
+                      <a:endParaRPr b="0" lang="en-US" sz="1400" spc="-1" strike="noStrike">
+                        <a:solidFill>
+                          <a:srgbClr val="000000"/>
+                        </a:solidFill>
+                        <a:latin typeface="Arial"/>
+                      </a:endParaRPr>
+                    </a:p>
+                  </a:txBody>
+                  <a:tcPr anchor="t" marL="36000" marR="36000">
+                    <a:lnL w="7200">
+                      <a:solidFill>
+                        <a:srgbClr val="000000"/>
+                      </a:solidFill>
+                      <a:prstDash val="solid"/>
+                    </a:lnL>
+                    <a:lnR w="7200">
+                      <a:solidFill>
+                        <a:srgbClr val="000000"/>
+                      </a:solidFill>
+                      <a:prstDash val="solid"/>
+                    </a:lnR>
+                    <a:lnT w="7200">
+                      <a:solidFill>
+                        <a:srgbClr val="000000"/>
+                      </a:solidFill>
+                      <a:prstDash val="solid"/>
+                    </a:lnT>
+                    <a:lnB w="7200">
+                      <a:solidFill>
+                        <a:srgbClr val="000000"/>
+                      </a:solidFill>
+                      <a:prstDash val="solid"/>
+                    </a:lnB>
+                    <a:noFill/>
+                  </a:tcPr>
+                </a:tc>
+                <a:tc>
+                  <a:txBody>
+                    <a:bodyPr lIns="36000" rIns="36000" anchor="t">
+                      <a:noAutofit/>
+                    </a:bodyPr>
+                    <a:p>
+                      <a:pPr algn="r">
+                        <a:lnSpc>
+                          <a:spcPct val="100000"/>
+                        </a:lnSpc>
+                      </a:pPr>
+                      <a:r>
+                        <a:rPr b="0" lang="en-US" sz="1400" spc="-1" strike="noStrike">
+                          <a:solidFill>
+                            <a:srgbClr val="000000"/>
+                          </a:solidFill>
+                          <a:latin typeface="Arial"/>
+                        </a:rPr>
+                        <a:t>0.7754</a:t>
+                      </a:r>
+                      <a:endParaRPr b="0" lang="en-US" sz="1400" spc="-1" strike="noStrike">
+                        <a:solidFill>
+                          <a:srgbClr val="000000"/>
+                        </a:solidFill>
+                        <a:latin typeface="Arial"/>
+                      </a:endParaRPr>
+                    </a:p>
+                  </a:txBody>
+                  <a:tcPr anchor="t" marL="36000" marR="36000">
+                    <a:lnL w="7200">
+                      <a:solidFill>
+                        <a:srgbClr val="000000"/>
+                      </a:solidFill>
+                      <a:prstDash val="solid"/>
+                    </a:lnL>
+                    <a:lnR w="7200">
+                      <a:solidFill>
+                        <a:srgbClr val="000000"/>
+                      </a:solidFill>
+                      <a:prstDash val="solid"/>
+                    </a:lnR>
+                    <a:lnT w="7200">
+                      <a:solidFill>
+                        <a:srgbClr val="000000"/>
+                      </a:solidFill>
+                      <a:prstDash val="solid"/>
+                    </a:lnT>
+                    <a:lnB w="7200">
+                      <a:solidFill>
+                        <a:srgbClr val="000000"/>
+                      </a:solidFill>
+                      <a:prstDash val="solid"/>
+                    </a:lnB>
+                    <a:noFill/>
+                  </a:tcPr>
+                </a:tc>
+              </a:tr>
+              <a:tr h="291600">
+                <a:tc>
+                  <a:txBody>
+                    <a:bodyPr lIns="36000" rIns="36000" anchor="t">
+                      <a:noAutofit/>
+                    </a:bodyPr>
+                    <a:p>
+                      <a:pPr>
+                        <a:lnSpc>
+                          <a:spcPct val="100000"/>
+                        </a:lnSpc>
+                      </a:pPr>
+                      <a:r>
+                        <a:rPr b="0" lang="en-US" sz="1400" spc="-1" strike="noStrike">
+                          <a:solidFill>
+                            <a:srgbClr val="000000"/>
+                          </a:solidFill>
+                          <a:latin typeface="Arial"/>
+                        </a:rPr>
+                        <a:t>LightGBM на подмножестве признаков</a:t>
+                      </a:r>
+                      <a:endParaRPr b="0" lang="en-US" sz="1400" spc="-1" strike="noStrike">
+                        <a:solidFill>
+                          <a:srgbClr val="000000"/>
+                        </a:solidFill>
+                        <a:latin typeface="Arial"/>
+                      </a:endParaRPr>
+                    </a:p>
+                  </a:txBody>
+                  <a:tcPr anchor="t" marL="36000" marR="36000">
+                    <a:lnL w="7200">
+                      <a:solidFill>
+                        <a:srgbClr val="000000"/>
+                      </a:solidFill>
+                      <a:prstDash val="solid"/>
+                    </a:lnL>
+                    <a:lnR w="7200">
+                      <a:solidFill>
+                        <a:srgbClr val="000000"/>
+                      </a:solidFill>
+                      <a:prstDash val="solid"/>
+                    </a:lnR>
+                    <a:lnT w="7200">
+                      <a:solidFill>
+                        <a:srgbClr val="000000"/>
+                      </a:solidFill>
+                      <a:prstDash val="solid"/>
+                    </a:lnT>
+                    <a:lnB w="7200">
+                      <a:solidFill>
+                        <a:srgbClr val="000000"/>
+                      </a:solidFill>
+                      <a:prstDash val="solid"/>
+                    </a:lnB>
+                    <a:noFill/>
+                  </a:tcPr>
+                </a:tc>
+                <a:tc>
+                  <a:txBody>
+                    <a:bodyPr lIns="36000" rIns="36000" anchor="t">
+                      <a:noAutofit/>
+                    </a:bodyPr>
+                    <a:p>
+                      <a:pPr algn="r">
+                        <a:lnSpc>
+                          <a:spcPct val="100000"/>
+                        </a:lnSpc>
+                      </a:pPr>
+                      <a:r>
+                        <a:rPr b="0" lang="en-US" sz="1400" spc="-1" strike="noStrike">
+                          <a:solidFill>
+                            <a:srgbClr val="000000"/>
+                          </a:solidFill>
+                          <a:latin typeface="Arial"/>
+                        </a:rPr>
+                        <a:t>0.8286</a:t>
+                      </a:r>
+                      <a:endParaRPr b="0" lang="en-US" sz="1400" spc="-1" strike="noStrike">
+                        <a:solidFill>
+                          <a:srgbClr val="000000"/>
+                        </a:solidFill>
+                        <a:latin typeface="Arial"/>
+                      </a:endParaRPr>
+                    </a:p>
+                  </a:txBody>
+                  <a:tcPr anchor="t" marL="36000" marR="36000">
+                    <a:lnL w="7200">
+                      <a:solidFill>
+                        <a:srgbClr val="000000"/>
+                      </a:solidFill>
+                      <a:prstDash val="solid"/>
+                    </a:lnL>
+                    <a:lnR w="7200">
+                      <a:solidFill>
+                        <a:srgbClr val="000000"/>
+                      </a:solidFill>
+                      <a:prstDash val="solid"/>
+                    </a:lnR>
+                    <a:lnT w="7200">
+                      <a:solidFill>
+                        <a:srgbClr val="000000"/>
+                      </a:solidFill>
+                      <a:prstDash val="solid"/>
+                    </a:lnT>
+                    <a:lnB w="7200">
+                      <a:solidFill>
+                        <a:srgbClr val="000000"/>
+                      </a:solidFill>
+                      <a:prstDash val="solid"/>
+                    </a:lnB>
+                    <a:noFill/>
+                  </a:tcPr>
+                </a:tc>
+                <a:tc>
+                  <a:txBody>
+                    <a:bodyPr lIns="36000" rIns="36000" anchor="t">
+                      <a:noAutofit/>
+                    </a:bodyPr>
+                    <a:p>
+                      <a:pPr algn="r">
+                        <a:lnSpc>
+                          <a:spcPct val="100000"/>
+                        </a:lnSpc>
+                      </a:pPr>
+                      <a:r>
+                        <a:rPr b="0" lang="en-US" sz="1400" spc="-1" strike="noStrike">
+                          <a:solidFill>
+                            <a:srgbClr val="000000"/>
+                          </a:solidFill>
+                          <a:latin typeface="Arial"/>
+                        </a:rPr>
+                        <a:t>0.7676</a:t>
+                      </a:r>
+                      <a:endParaRPr b="0" lang="en-US" sz="1400" spc="-1" strike="noStrike">
+                        <a:solidFill>
+                          <a:srgbClr val="000000"/>
+                        </a:solidFill>
+                        <a:latin typeface="Arial"/>
+                      </a:endParaRPr>
+                    </a:p>
+                  </a:txBody>
+                  <a:tcPr anchor="t" marL="36000" marR="36000">
+                    <a:lnL w="7200">
+                      <a:solidFill>
+                        <a:srgbClr val="000000"/>
+                      </a:solidFill>
+                      <a:prstDash val="solid"/>
+                    </a:lnL>
+                    <a:lnR w="7200">
+                      <a:solidFill>
+                        <a:srgbClr val="000000"/>
+                      </a:solidFill>
+                      <a:prstDash val="solid"/>
+                    </a:lnR>
+                    <a:lnT w="7200">
+                      <a:solidFill>
+                        <a:srgbClr val="000000"/>
+                      </a:solidFill>
+                      <a:prstDash val="solid"/>
+                    </a:lnT>
+                    <a:lnB w="7200">
+                      <a:solidFill>
+                        <a:srgbClr val="000000"/>
+                      </a:solidFill>
+                      <a:prstDash val="solid"/>
+                    </a:lnB>
+                    <a:noFill/>
+                  </a:tcPr>
+                </a:tc>
+              </a:tr>
+              <a:tr h="291600">
+                <a:tc>
+                  <a:txBody>
+                    <a:bodyPr lIns="36000" rIns="36000" anchor="t">
+                      <a:noAutofit/>
+                    </a:bodyPr>
+                    <a:p>
+                      <a:pPr>
+                        <a:lnSpc>
+                          <a:spcPct val="100000"/>
+                        </a:lnSpc>
+                      </a:pPr>
+                      <a:r>
+                        <a:rPr b="0" lang="en-US" sz="1400" spc="-1" strike="noStrike">
+                          <a:solidFill>
+                            <a:srgbClr val="000000"/>
+                          </a:solidFill>
+                          <a:latin typeface="Arial"/>
+                        </a:rPr>
+                        <a:t>Адаптивный бустинг AdaBoost</a:t>
+                      </a:r>
+                      <a:endParaRPr b="0" lang="en-US" sz="1400" spc="-1" strike="noStrike">
+                        <a:solidFill>
+                          <a:srgbClr val="000000"/>
+                        </a:solidFill>
+                        <a:latin typeface="Arial"/>
+                      </a:endParaRPr>
+                    </a:p>
+                  </a:txBody>
+                  <a:tcPr anchor="t" marL="36000" marR="36000">
+                    <a:lnL w="7200">
+                      <a:solidFill>
+                        <a:srgbClr val="000000"/>
+                      </a:solidFill>
+                      <a:prstDash val="solid"/>
+                    </a:lnL>
+                    <a:lnR w="7200">
+                      <a:solidFill>
+                        <a:srgbClr val="000000"/>
+                      </a:solidFill>
+                      <a:prstDash val="solid"/>
+                    </a:lnR>
+                    <a:lnT w="7200">
+                      <a:solidFill>
+                        <a:srgbClr val="000000"/>
+                      </a:solidFill>
+                      <a:prstDash val="solid"/>
+                    </a:lnT>
+                    <a:lnB w="7200">
+                      <a:solidFill>
+                        <a:srgbClr val="000000"/>
+                      </a:solidFill>
+                      <a:prstDash val="solid"/>
+                    </a:lnB>
+                    <a:noFill/>
+                  </a:tcPr>
+                </a:tc>
+                <a:tc>
+                  <a:txBody>
+                    <a:bodyPr lIns="36000" rIns="36000" anchor="t">
+                      <a:noAutofit/>
+                    </a:bodyPr>
+                    <a:p>
+                      <a:pPr algn="r">
+                        <a:lnSpc>
+                          <a:spcPct val="100000"/>
+                        </a:lnSpc>
+                      </a:pPr>
+                      <a:r>
+                        <a:rPr b="0" lang="en-US" sz="1400" spc="-1" strike="noStrike">
+                          <a:solidFill>
+                            <a:srgbClr val="000000"/>
+                          </a:solidFill>
+                          <a:latin typeface="Arial"/>
+                        </a:rPr>
+                        <a:t>0.7603</a:t>
+                      </a:r>
+                      <a:endParaRPr b="0" lang="en-US" sz="1400" spc="-1" strike="noStrike">
+                        <a:solidFill>
+                          <a:srgbClr val="000000"/>
+                        </a:solidFill>
+                        <a:latin typeface="Arial"/>
+                      </a:endParaRPr>
+                    </a:p>
+                  </a:txBody>
+                  <a:tcPr anchor="t" marL="36000" marR="36000">
+                    <a:lnL w="7200">
+                      <a:solidFill>
+                        <a:srgbClr val="000000"/>
+                      </a:solidFill>
+                      <a:prstDash val="solid"/>
+                    </a:lnL>
+                    <a:lnR w="7200">
+                      <a:solidFill>
+                        <a:srgbClr val="000000"/>
+                      </a:solidFill>
+                      <a:prstDash val="solid"/>
+                    </a:lnR>
+                    <a:lnT w="7200">
+                      <a:solidFill>
+                        <a:srgbClr val="000000"/>
+                      </a:solidFill>
+                      <a:prstDash val="solid"/>
+                    </a:lnT>
+                    <a:lnB w="7200">
+                      <a:solidFill>
+                        <a:srgbClr val="000000"/>
+                      </a:solidFill>
+                      <a:prstDash val="solid"/>
+                    </a:lnB>
+                    <a:noFill/>
+                  </a:tcPr>
+                </a:tc>
+                <a:tc>
+                  <a:txBody>
+                    <a:bodyPr lIns="36000" rIns="36000" anchor="t">
+                      <a:noAutofit/>
+                    </a:bodyPr>
+                    <a:p>
+                      <a:pPr algn="r">
+                        <a:lnSpc>
+                          <a:spcPct val="100000"/>
+                        </a:lnSpc>
+                      </a:pPr>
+                      <a:r>
+                        <a:rPr b="0" lang="en-US" sz="1400" spc="-1" strike="noStrike">
+                          <a:solidFill>
+                            <a:srgbClr val="000000"/>
+                          </a:solidFill>
+                          <a:latin typeface="Arial"/>
+                        </a:rPr>
+                        <a:t>0.7577</a:t>
+                      </a:r>
+                      <a:endParaRPr b="0" lang="en-US" sz="1400" spc="-1" strike="noStrike">
+                        <a:solidFill>
+                          <a:srgbClr val="000000"/>
+                        </a:solidFill>
+                        <a:latin typeface="Arial"/>
+                      </a:endParaRPr>
+                    </a:p>
+                  </a:txBody>
+                  <a:tcPr anchor="t" marL="36000" marR="36000">
+                    <a:lnL w="7200">
+                      <a:solidFill>
+                        <a:srgbClr val="000000"/>
+                      </a:solidFill>
+                      <a:prstDash val="solid"/>
+                    </a:lnL>
+                    <a:lnR w="7200">
+                      <a:solidFill>
+                        <a:srgbClr val="000000"/>
+                      </a:solidFill>
+                      <a:prstDash val="solid"/>
+                    </a:lnR>
+                    <a:lnT w="7200">
+                      <a:solidFill>
+                        <a:srgbClr val="000000"/>
+                      </a:solidFill>
+                      <a:prstDash val="solid"/>
+                    </a:lnT>
+                    <a:lnB w="7200">
+                      <a:solidFill>
+                        <a:srgbClr val="000000"/>
+                      </a:solidFill>
+                      <a:prstDash val="solid"/>
+                    </a:lnB>
+                    <a:noFill/>
+                  </a:tcPr>
+                </a:tc>
+              </a:tr>
+              <a:tr h="291600">
+                <a:tc>
+                  <a:txBody>
+                    <a:bodyPr lIns="36000" rIns="36000" anchor="t">
+                      <a:noAutofit/>
+                    </a:bodyPr>
+                    <a:p>
+                      <a:pPr>
+                        <a:lnSpc>
+                          <a:spcPct val="100000"/>
+                        </a:lnSpc>
+                      </a:pPr>
+                      <a:r>
+                        <a:rPr b="0" lang="en-US" sz="1400" spc="-1" strike="noStrike">
+                          <a:solidFill>
+                            <a:srgbClr val="000000"/>
+                          </a:solidFill>
+                          <a:latin typeface="Arial"/>
+                        </a:rPr>
+                        <a:t>Экстремальный градиентный бустинг XGBoost</a:t>
+                      </a:r>
+                      <a:endParaRPr b="0" lang="en-US" sz="1400" spc="-1" strike="noStrike">
+                        <a:solidFill>
+                          <a:srgbClr val="000000"/>
+                        </a:solidFill>
+                        <a:latin typeface="Arial"/>
+                      </a:endParaRPr>
+                    </a:p>
+                  </a:txBody>
+                  <a:tcPr anchor="t" marL="36000" marR="36000">
+                    <a:lnL w="7200">
+                      <a:solidFill>
+                        <a:srgbClr val="000000"/>
+                      </a:solidFill>
+                      <a:prstDash val="solid"/>
+                    </a:lnL>
+                    <a:lnR w="7200">
+                      <a:solidFill>
+                        <a:srgbClr val="000000"/>
+                      </a:solidFill>
+                      <a:prstDash val="solid"/>
+                    </a:lnR>
+                    <a:lnT w="7200">
+                      <a:solidFill>
+                        <a:srgbClr val="000000"/>
+                      </a:solidFill>
+                      <a:prstDash val="solid"/>
+                    </a:lnT>
+                    <a:lnB w="7200">
+                      <a:solidFill>
+                        <a:srgbClr val="000000"/>
+                      </a:solidFill>
+                      <a:prstDash val="solid"/>
+                    </a:lnB>
+                    <a:noFill/>
+                  </a:tcPr>
+                </a:tc>
+                <a:tc>
+                  <a:txBody>
+                    <a:bodyPr lIns="36000" rIns="36000" anchor="t">
+                      <a:noAutofit/>
+                    </a:bodyPr>
+                    <a:p>
+                      <a:pPr algn="r">
+                        <a:lnSpc>
+                          <a:spcPct val="100000"/>
+                        </a:lnSpc>
+                      </a:pPr>
+                      <a:r>
+                        <a:rPr b="0" lang="en-US" sz="1400" spc="-1" strike="noStrike">
+                          <a:solidFill>
+                            <a:srgbClr val="000000"/>
+                          </a:solidFill>
+                          <a:latin typeface="Arial"/>
+                        </a:rPr>
+                        <a:t>0.8980</a:t>
+                      </a:r>
+                      <a:endParaRPr b="0" lang="en-US" sz="1400" spc="-1" strike="noStrike">
+                        <a:solidFill>
+                          <a:srgbClr val="000000"/>
+                        </a:solidFill>
+                        <a:latin typeface="Arial"/>
+                      </a:endParaRPr>
+                    </a:p>
+                  </a:txBody>
+                  <a:tcPr anchor="t" marL="36000" marR="36000">
+                    <a:lnL w="7200">
+                      <a:solidFill>
+                        <a:srgbClr val="000000"/>
+                      </a:solidFill>
+                      <a:prstDash val="solid"/>
+                    </a:lnL>
+                    <a:lnR w="7200">
+                      <a:solidFill>
+                        <a:srgbClr val="000000"/>
+                      </a:solidFill>
+                      <a:prstDash val="solid"/>
+                    </a:lnR>
+                    <a:lnT w="7200">
+                      <a:solidFill>
+                        <a:srgbClr val="000000"/>
+                      </a:solidFill>
+                      <a:prstDash val="solid"/>
+                    </a:lnT>
+                    <a:lnB w="7200">
+                      <a:solidFill>
+                        <a:srgbClr val="000000"/>
+                      </a:solidFill>
+                      <a:prstDash val="solid"/>
+                    </a:lnB>
+                    <a:noFill/>
+                  </a:tcPr>
+                </a:tc>
+                <a:tc>
+                  <a:txBody>
+                    <a:bodyPr lIns="36000" rIns="36000" anchor="t">
+                      <a:noAutofit/>
+                    </a:bodyPr>
+                    <a:p>
+                      <a:pPr algn="r">
+                        <a:lnSpc>
+                          <a:spcPct val="100000"/>
+                        </a:lnSpc>
+                      </a:pPr>
+                      <a:r>
+                        <a:rPr b="0" lang="en-US" sz="1400" spc="-1" strike="noStrike">
+                          <a:solidFill>
+                            <a:srgbClr val="000000"/>
+                          </a:solidFill>
+                          <a:latin typeface="Arial"/>
+                        </a:rPr>
+                        <a:t>0.7565</a:t>
+                      </a:r>
+                      <a:endParaRPr b="0" lang="en-US" sz="1400" spc="-1" strike="noStrike">
+                        <a:solidFill>
+                          <a:srgbClr val="000000"/>
+                        </a:solidFill>
+                        <a:latin typeface="Arial"/>
+                      </a:endParaRPr>
+                    </a:p>
+                  </a:txBody>
+                  <a:tcPr anchor="t" marL="36000" marR="36000">
+                    <a:lnL w="7200">
+                      <a:solidFill>
+                        <a:srgbClr val="000000"/>
+                      </a:solidFill>
+                      <a:prstDash val="solid"/>
+                    </a:lnL>
+                    <a:lnR w="7200">
+                      <a:solidFill>
+                        <a:srgbClr val="000000"/>
+                      </a:solidFill>
+                      <a:prstDash val="solid"/>
+                    </a:lnR>
+                    <a:lnT w="7200">
+                      <a:solidFill>
+                        <a:srgbClr val="000000"/>
+                      </a:solidFill>
+                      <a:prstDash val="solid"/>
+                    </a:lnT>
+                    <a:lnB w="7200">
+                      <a:solidFill>
+                        <a:srgbClr val="000000"/>
+                      </a:solidFill>
+                      <a:prstDash val="solid"/>
+                    </a:lnB>
+                    <a:noFill/>
+                  </a:tcPr>
+                </a:tc>
+              </a:tr>
+              <a:tr h="291600">
+                <a:tc>
+                  <a:txBody>
+                    <a:bodyPr lIns="36000" rIns="36000" anchor="t">
+                      <a:noAutofit/>
+                    </a:bodyPr>
+                    <a:p>
+                      <a:pPr>
+                        <a:lnSpc>
+                          <a:spcPct val="100000"/>
+                        </a:lnSpc>
+                      </a:pPr>
+                      <a:r>
+                        <a:rPr b="0" lang="en-US" sz="1400" spc="-1" strike="noStrike">
+                          <a:solidFill>
+                            <a:srgbClr val="000000"/>
+                          </a:solidFill>
+                          <a:latin typeface="Arial"/>
+                        </a:rPr>
+                        <a:t>Многослойная нейронная сеть</a:t>
+                      </a:r>
+                      <a:endParaRPr b="0" lang="en-US" sz="1400" spc="-1" strike="noStrike">
+                        <a:solidFill>
+                          <a:srgbClr val="000000"/>
+                        </a:solidFill>
+                        <a:latin typeface="Arial"/>
+                      </a:endParaRPr>
+                    </a:p>
+                  </a:txBody>
+                  <a:tcPr anchor="t" marL="36000" marR="36000">
+                    <a:lnL w="7200">
+                      <a:solidFill>
+                        <a:srgbClr val="000000"/>
+                      </a:solidFill>
+                      <a:prstDash val="solid"/>
+                    </a:lnL>
+                    <a:lnR w="7200">
+                      <a:solidFill>
+                        <a:srgbClr val="000000"/>
+                      </a:solidFill>
+                      <a:prstDash val="solid"/>
+                    </a:lnR>
+                    <a:lnT w="7200">
+                      <a:solidFill>
+                        <a:srgbClr val="000000"/>
+                      </a:solidFill>
+                      <a:prstDash val="solid"/>
+                    </a:lnT>
+                    <a:lnB w="7200">
+                      <a:solidFill>
+                        <a:srgbClr val="000000"/>
+                      </a:solidFill>
+                      <a:prstDash val="solid"/>
+                    </a:lnB>
+                    <a:noFill/>
+                  </a:tcPr>
+                </a:tc>
+                <a:tc>
+                  <a:txBody>
+                    <a:bodyPr lIns="36000" rIns="36000" anchor="t">
+                      <a:noAutofit/>
+                    </a:bodyPr>
+                    <a:p>
+                      <a:pPr algn="r">
+                        <a:lnSpc>
+                          <a:spcPct val="100000"/>
+                        </a:lnSpc>
+                      </a:pPr>
+                      <a:r>
+                        <a:rPr b="0" lang="en-US" sz="1400" spc="-1" strike="noStrike">
+                          <a:solidFill>
+                            <a:srgbClr val="000000"/>
+                          </a:solidFill>
+                          <a:latin typeface="Arial"/>
+                        </a:rPr>
+                        <a:t>0.7566</a:t>
+                      </a:r>
+                      <a:endParaRPr b="0" lang="en-US" sz="1400" spc="-1" strike="noStrike">
+                        <a:solidFill>
+                          <a:srgbClr val="000000"/>
+                        </a:solidFill>
+                        <a:latin typeface="Arial"/>
+                      </a:endParaRPr>
+                    </a:p>
+                  </a:txBody>
+                  <a:tcPr anchor="t" marL="36000" marR="36000">
+                    <a:lnL w="7200">
+                      <a:solidFill>
+                        <a:srgbClr val="000000"/>
+                      </a:solidFill>
+                      <a:prstDash val="solid"/>
+                    </a:lnL>
+                    <a:lnR w="7200">
+                      <a:solidFill>
+                        <a:srgbClr val="000000"/>
+                      </a:solidFill>
+                      <a:prstDash val="solid"/>
+                    </a:lnR>
+                    <a:lnT w="7200">
+                      <a:solidFill>
+                        <a:srgbClr val="000000"/>
+                      </a:solidFill>
+                      <a:prstDash val="solid"/>
+                    </a:lnT>
+                    <a:lnB w="7200">
+                      <a:solidFill>
+                        <a:srgbClr val="000000"/>
+                      </a:solidFill>
+                      <a:prstDash val="solid"/>
+                    </a:lnB>
+                    <a:noFill/>
+                  </a:tcPr>
+                </a:tc>
+                <a:tc>
+                  <a:txBody>
+                    <a:bodyPr lIns="36000" rIns="36000" anchor="t">
+                      <a:noAutofit/>
+                    </a:bodyPr>
+                    <a:p>
+                      <a:pPr algn="r">
+                        <a:lnSpc>
+                          <a:spcPct val="100000"/>
+                        </a:lnSpc>
+                      </a:pPr>
+                      <a:r>
+                        <a:rPr b="0" lang="en-US" sz="1400" spc="-1" strike="noStrike">
+                          <a:solidFill>
+                            <a:srgbClr val="000000"/>
+                          </a:solidFill>
+                          <a:latin typeface="Arial"/>
+                        </a:rPr>
+                        <a:t>0.7517</a:t>
+                      </a:r>
+                      <a:endParaRPr b="0" lang="en-US" sz="1400" spc="-1" strike="noStrike">
+                        <a:solidFill>
+                          <a:srgbClr val="000000"/>
+                        </a:solidFill>
+                        <a:latin typeface="Arial"/>
+                      </a:endParaRPr>
+                    </a:p>
+                  </a:txBody>
+                  <a:tcPr anchor="t" marL="36000" marR="36000">
+                    <a:lnL w="7200">
+                      <a:solidFill>
+                        <a:srgbClr val="000000"/>
+                      </a:solidFill>
+                      <a:prstDash val="solid"/>
+                    </a:lnL>
+                    <a:lnR w="7200">
+                      <a:solidFill>
+                        <a:srgbClr val="000000"/>
+                      </a:solidFill>
+                      <a:prstDash val="solid"/>
+                    </a:lnR>
+                    <a:lnT w="7200">
+                      <a:solidFill>
+                        <a:srgbClr val="000000"/>
+                      </a:solidFill>
+                      <a:prstDash val="solid"/>
+                    </a:lnT>
+                    <a:lnB w="7200">
+                      <a:solidFill>
+                        <a:srgbClr val="000000"/>
+                      </a:solidFill>
+                      <a:prstDash val="solid"/>
+                    </a:lnB>
+                    <a:noFill/>
+                  </a:tcPr>
+                </a:tc>
+              </a:tr>
+              <a:tr h="291600">
+                <a:tc>
+                  <a:txBody>
+                    <a:bodyPr lIns="36000" rIns="36000" anchor="t">
+                      <a:noAutofit/>
+                    </a:bodyPr>
+                    <a:p>
+                      <a:pPr>
+                        <a:lnSpc>
+                          <a:spcPct val="100000"/>
+                        </a:lnSpc>
+                      </a:pPr>
+                      <a:r>
+                        <a:rPr b="0" lang="en-US" sz="1400" spc="-1" strike="noStrike">
+                          <a:solidFill>
+                            <a:srgbClr val="000000"/>
+                          </a:solidFill>
+                          <a:latin typeface="Arial"/>
+                        </a:rPr>
+                        <a:t>Логистическая регрессия + l1-регуляризация</a:t>
+                      </a:r>
+                      <a:endParaRPr b="0" lang="en-US" sz="1400" spc="-1" strike="noStrike">
+                        <a:solidFill>
+                          <a:srgbClr val="000000"/>
+                        </a:solidFill>
+                        <a:latin typeface="Arial"/>
+                      </a:endParaRPr>
+                    </a:p>
+                  </a:txBody>
+                  <a:tcPr anchor="t" marL="36000" marR="36000">
+                    <a:lnL w="7200">
+                      <a:solidFill>
+                        <a:srgbClr val="000000"/>
+                      </a:solidFill>
+                      <a:prstDash val="solid"/>
+                    </a:lnL>
+                    <a:lnR w="7200">
+                      <a:solidFill>
+                        <a:srgbClr val="000000"/>
+                      </a:solidFill>
+                      <a:prstDash val="solid"/>
+                    </a:lnR>
+                    <a:lnT w="7200">
+                      <a:solidFill>
+                        <a:srgbClr val="000000"/>
+                      </a:solidFill>
+                      <a:prstDash val="solid"/>
+                    </a:lnT>
+                    <a:lnB w="7200">
+                      <a:solidFill>
+                        <a:srgbClr val="000000"/>
+                      </a:solidFill>
+                      <a:prstDash val="solid"/>
+                    </a:lnB>
+                    <a:noFill/>
+                  </a:tcPr>
+                </a:tc>
+                <a:tc>
+                  <a:txBody>
+                    <a:bodyPr lIns="36000" rIns="36000" anchor="t">
+                      <a:noAutofit/>
+                    </a:bodyPr>
+                    <a:p>
+                      <a:pPr algn="r">
+                        <a:lnSpc>
+                          <a:spcPct val="100000"/>
+                        </a:lnSpc>
+                      </a:pPr>
+                      <a:r>
+                        <a:rPr b="0" lang="en-US" sz="1400" spc="-1" strike="noStrike">
+                          <a:solidFill>
+                            <a:srgbClr val="000000"/>
+                          </a:solidFill>
+                          <a:latin typeface="Arial"/>
+                        </a:rPr>
+                        <a:t>0.7453</a:t>
+                      </a:r>
+                      <a:endParaRPr b="0" lang="en-US" sz="1400" spc="-1" strike="noStrike">
+                        <a:solidFill>
+                          <a:srgbClr val="000000"/>
+                        </a:solidFill>
+                        <a:latin typeface="Arial"/>
+                      </a:endParaRPr>
+                    </a:p>
+                  </a:txBody>
+                  <a:tcPr anchor="t" marL="36000" marR="36000">
+                    <a:lnL w="7200">
+                      <a:solidFill>
+                        <a:srgbClr val="000000"/>
+                      </a:solidFill>
+                      <a:prstDash val="solid"/>
+                    </a:lnL>
+                    <a:lnR w="7200">
+                      <a:solidFill>
+                        <a:srgbClr val="000000"/>
+                      </a:solidFill>
+                      <a:prstDash val="solid"/>
+                    </a:lnR>
+                    <a:lnT w="7200">
+                      <a:solidFill>
+                        <a:srgbClr val="000000"/>
+                      </a:solidFill>
+                      <a:prstDash val="solid"/>
+                    </a:lnT>
+                    <a:lnB w="7200">
+                      <a:solidFill>
+                        <a:srgbClr val="000000"/>
+                      </a:solidFill>
+                      <a:prstDash val="solid"/>
+                    </a:lnB>
+                    <a:noFill/>
+                  </a:tcPr>
+                </a:tc>
+                <a:tc>
+                  <a:txBody>
+                    <a:bodyPr lIns="36000" rIns="36000" anchor="t">
+                      <a:noAutofit/>
+                    </a:bodyPr>
+                    <a:p>
+                      <a:pPr algn="r">
+                        <a:lnSpc>
+                          <a:spcPct val="100000"/>
+                        </a:lnSpc>
+                      </a:pPr>
+                      <a:r>
+                        <a:rPr b="0" lang="en-US" sz="1400" spc="-1" strike="noStrike">
+                          <a:solidFill>
+                            <a:srgbClr val="000000"/>
+                          </a:solidFill>
+                          <a:latin typeface="Arial"/>
+                        </a:rPr>
+                        <a:t>0.7488</a:t>
+                      </a:r>
+                      <a:endParaRPr b="0" lang="en-US" sz="1400" spc="-1" strike="noStrike">
+                        <a:solidFill>
+                          <a:srgbClr val="000000"/>
+                        </a:solidFill>
+                        <a:latin typeface="Arial"/>
+                      </a:endParaRPr>
+                    </a:p>
+                  </a:txBody>
+                  <a:tcPr anchor="t" marL="36000" marR="36000">
+                    <a:lnL w="7200">
+                      <a:solidFill>
+                        <a:srgbClr val="000000"/>
+                      </a:solidFill>
+                      <a:prstDash val="solid"/>
+                    </a:lnL>
+                    <a:lnR w="7200">
+                      <a:solidFill>
+                        <a:srgbClr val="000000"/>
+                      </a:solidFill>
+                      <a:prstDash val="solid"/>
+                    </a:lnR>
+                    <a:lnT w="7200">
+                      <a:solidFill>
+                        <a:srgbClr val="000000"/>
+                      </a:solidFill>
+                      <a:prstDash val="solid"/>
+                    </a:lnT>
+                    <a:lnB w="7200">
+                      <a:solidFill>
+                        <a:srgbClr val="000000"/>
+                      </a:solidFill>
+                      <a:prstDash val="solid"/>
+                    </a:lnB>
+                    <a:noFill/>
+                  </a:tcPr>
+                </a:tc>
+              </a:tr>
+              <a:tr h="291600">
+                <a:tc>
+                  <a:txBody>
+                    <a:bodyPr lIns="36000" rIns="36000" anchor="t">
+                      <a:noAutofit/>
+                    </a:bodyPr>
+                    <a:p>
+                      <a:pPr>
+                        <a:lnSpc>
+                          <a:spcPct val="100000"/>
+                        </a:lnSpc>
+                      </a:pPr>
+                      <a:r>
+                        <a:rPr b="0" lang="en-US" sz="1400" spc="-1" strike="noStrike">
+                          <a:solidFill>
+                            <a:srgbClr val="000000"/>
+                          </a:solidFill>
+                          <a:latin typeface="Arial"/>
+                        </a:rPr>
+                        <a:t>Дерево решений</a:t>
+                      </a:r>
+                      <a:endParaRPr b="0" lang="en-US" sz="1400" spc="-1" strike="noStrike">
+                        <a:solidFill>
+                          <a:srgbClr val="000000"/>
+                        </a:solidFill>
+                        <a:latin typeface="Arial"/>
+                      </a:endParaRPr>
+                    </a:p>
+                  </a:txBody>
+                  <a:tcPr anchor="t" marL="36000" marR="36000">
+                    <a:lnL w="7200">
+                      <a:solidFill>
+                        <a:srgbClr val="000000"/>
+                      </a:solidFill>
+                      <a:prstDash val="solid"/>
+                    </a:lnL>
+                    <a:lnR w="7200">
+                      <a:solidFill>
+                        <a:srgbClr val="000000"/>
+                      </a:solidFill>
+                      <a:prstDash val="solid"/>
+                    </a:lnR>
+                    <a:lnT w="7200">
+                      <a:solidFill>
+                        <a:srgbClr val="000000"/>
+                      </a:solidFill>
+                      <a:prstDash val="solid"/>
+                    </a:lnT>
+                    <a:lnB w="7200">
+                      <a:solidFill>
+                        <a:srgbClr val="000000"/>
+                      </a:solidFill>
+                      <a:prstDash val="solid"/>
+                    </a:lnB>
+                    <a:noFill/>
+                  </a:tcPr>
+                </a:tc>
+                <a:tc>
+                  <a:txBody>
+                    <a:bodyPr lIns="36000" rIns="36000" anchor="t">
+                      <a:noAutofit/>
+                    </a:bodyPr>
+                    <a:p>
+                      <a:pPr algn="r">
+                        <a:lnSpc>
+                          <a:spcPct val="100000"/>
+                        </a:lnSpc>
+                      </a:pPr>
+                      <a:r>
+                        <a:rPr b="0" lang="en-US" sz="1400" spc="-1" strike="noStrike">
+                          <a:solidFill>
+                            <a:srgbClr val="000000"/>
+                          </a:solidFill>
+                          <a:latin typeface="Arial"/>
+                        </a:rPr>
+                        <a:t>0.7294</a:t>
+                      </a:r>
+                      <a:endParaRPr b="0" lang="en-US" sz="1400" spc="-1" strike="noStrike">
+                        <a:solidFill>
+                          <a:srgbClr val="000000"/>
+                        </a:solidFill>
+                        <a:latin typeface="Arial"/>
+                      </a:endParaRPr>
+                    </a:p>
+                  </a:txBody>
+                  <a:tcPr anchor="t" marL="36000" marR="36000">
+                    <a:lnL w="7200">
+                      <a:solidFill>
+                        <a:srgbClr val="000000"/>
+                      </a:solidFill>
+                      <a:prstDash val="solid"/>
+                    </a:lnL>
+                    <a:lnR w="7200">
+                      <a:solidFill>
+                        <a:srgbClr val="000000"/>
+                      </a:solidFill>
+                      <a:prstDash val="solid"/>
+                    </a:lnR>
+                    <a:lnT w="7200">
+                      <a:solidFill>
+                        <a:srgbClr val="000000"/>
+                      </a:solidFill>
+                      <a:prstDash val="solid"/>
+                    </a:lnT>
+                    <a:lnB w="7200">
+                      <a:solidFill>
+                        <a:srgbClr val="000000"/>
+                      </a:solidFill>
+                      <a:prstDash val="solid"/>
+                    </a:lnB>
+                    <a:noFill/>
+                  </a:tcPr>
+                </a:tc>
+                <a:tc>
+                  <a:txBody>
+                    <a:bodyPr lIns="36000" rIns="36000" anchor="t">
+                      <a:noAutofit/>
+                    </a:bodyPr>
+                    <a:p>
+                      <a:pPr algn="r">
+                        <a:lnSpc>
+                          <a:spcPct val="100000"/>
+                        </a:lnSpc>
+                      </a:pPr>
+                      <a:r>
+                        <a:rPr b="0" lang="en-US" sz="1400" spc="-1" strike="noStrike">
+                          <a:solidFill>
+                            <a:srgbClr val="000000"/>
+                          </a:solidFill>
+                          <a:latin typeface="Arial"/>
+                        </a:rPr>
+                        <a:t>0.7278</a:t>
+                      </a:r>
+                      <a:endParaRPr b="0" lang="en-US" sz="1400" spc="-1" strike="noStrike">
+                        <a:solidFill>
+                          <a:srgbClr val="000000"/>
+                        </a:solidFill>
+                        <a:latin typeface="Arial"/>
+                      </a:endParaRPr>
+                    </a:p>
+                  </a:txBody>
+                  <a:tcPr anchor="t" marL="36000" marR="36000">
+                    <a:lnL w="7200">
+                      <a:solidFill>
+                        <a:srgbClr val="000000"/>
+                      </a:solidFill>
+                      <a:prstDash val="solid"/>
+                    </a:lnL>
+                    <a:lnR w="7200">
+                      <a:solidFill>
+                        <a:srgbClr val="000000"/>
+                      </a:solidFill>
+                      <a:prstDash val="solid"/>
+                    </a:lnR>
+                    <a:lnT w="7200">
+                      <a:solidFill>
+                        <a:srgbClr val="000000"/>
+                      </a:solidFill>
+                      <a:prstDash val="solid"/>
+                    </a:lnT>
+                    <a:lnB w="7200">
+                      <a:solidFill>
+                        <a:srgbClr val="000000"/>
+                      </a:solidFill>
+                      <a:prstDash val="solid"/>
+                    </a:lnB>
+                    <a:noFill/>
+                  </a:tcPr>
+                </a:tc>
+              </a:tr>
+              <a:tr h="291600">
+                <a:tc>
+                  <a:txBody>
+                    <a:bodyPr lIns="36000" rIns="36000" anchor="t">
+                      <a:noAutofit/>
+                    </a:bodyPr>
+                    <a:p>
+                      <a:pPr>
+                        <a:lnSpc>
+                          <a:spcPct val="100000"/>
+                        </a:lnSpc>
+                      </a:pPr>
+                      <a:r>
+                        <a:rPr b="0" lang="en-US" sz="1400" spc="-1" strike="noStrike">
+                          <a:solidFill>
+                            <a:srgbClr val="000000"/>
+                          </a:solidFill>
+                          <a:latin typeface="Arial"/>
+                        </a:rPr>
+                        <a:t>Логистическая регрессия</a:t>
+                      </a:r>
+                      <a:endParaRPr b="0" lang="en-US" sz="1400" spc="-1" strike="noStrike">
+                        <a:solidFill>
+                          <a:srgbClr val="000000"/>
+                        </a:solidFill>
+                        <a:latin typeface="Arial"/>
+                      </a:endParaRPr>
+                    </a:p>
+                  </a:txBody>
+                  <a:tcPr anchor="t" marL="36000" marR="36000">
+                    <a:lnL w="7200">
+                      <a:solidFill>
+                        <a:srgbClr val="000000"/>
+                      </a:solidFill>
+                      <a:prstDash val="solid"/>
+                    </a:lnL>
+                    <a:lnR w="7200">
+                      <a:solidFill>
+                        <a:srgbClr val="000000"/>
+                      </a:solidFill>
+                      <a:prstDash val="solid"/>
+                    </a:lnR>
+                    <a:lnT w="7200">
+                      <a:solidFill>
+                        <a:srgbClr val="000000"/>
+                      </a:solidFill>
+                      <a:prstDash val="solid"/>
+                    </a:lnT>
+                    <a:lnB w="7200">
+                      <a:solidFill>
+                        <a:srgbClr val="000000"/>
+                      </a:solidFill>
+                      <a:prstDash val="solid"/>
+                    </a:lnB>
+                    <a:noFill/>
+                  </a:tcPr>
+                </a:tc>
+                <a:tc>
+                  <a:txBody>
+                    <a:bodyPr lIns="36000" rIns="36000" anchor="t">
+                      <a:noAutofit/>
+                    </a:bodyPr>
+                    <a:p>
+                      <a:pPr algn="r">
+                        <a:lnSpc>
+                          <a:spcPct val="100000"/>
+                        </a:lnSpc>
+                      </a:pPr>
+                      <a:r>
+                        <a:rPr b="0" lang="en-US" sz="1400" spc="-1" strike="noStrike">
+                          <a:solidFill>
+                            <a:srgbClr val="000000"/>
+                          </a:solidFill>
+                          <a:latin typeface="Arial"/>
+                        </a:rPr>
+                        <a:t>0.6607</a:t>
+                      </a:r>
+                      <a:endParaRPr b="0" lang="en-US" sz="1400" spc="-1" strike="noStrike">
+                        <a:solidFill>
+                          <a:srgbClr val="000000"/>
+                        </a:solidFill>
+                        <a:latin typeface="Arial"/>
+                      </a:endParaRPr>
+                    </a:p>
+                  </a:txBody>
+                  <a:tcPr anchor="t" marL="36000" marR="36000">
+                    <a:lnL w="7200">
+                      <a:solidFill>
+                        <a:srgbClr val="000000"/>
+                      </a:solidFill>
+                      <a:prstDash val="solid"/>
+                    </a:lnL>
+                    <a:lnR w="7200">
+                      <a:solidFill>
+                        <a:srgbClr val="000000"/>
+                      </a:solidFill>
+                      <a:prstDash val="solid"/>
+                    </a:lnR>
+                    <a:lnT w="7200">
+                      <a:solidFill>
+                        <a:srgbClr val="000000"/>
+                      </a:solidFill>
+                      <a:prstDash val="solid"/>
+                    </a:lnT>
+                    <a:lnB w="7200">
+                      <a:solidFill>
+                        <a:srgbClr val="000000"/>
+                      </a:solidFill>
+                      <a:prstDash val="solid"/>
+                    </a:lnB>
+                    <a:noFill/>
+                  </a:tcPr>
+                </a:tc>
+                <a:tc>
+                  <a:txBody>
+                    <a:bodyPr lIns="36000" rIns="36000" anchor="t">
+                      <a:noAutofit/>
+                    </a:bodyPr>
+                    <a:p>
+                      <a:pPr algn="r">
+                        <a:lnSpc>
+                          <a:spcPct val="100000"/>
+                        </a:lnSpc>
+                      </a:pPr>
+                      <a:r>
+                        <a:rPr b="0" lang="en-US" sz="1400" spc="-1" strike="noStrike">
+                          <a:solidFill>
+                            <a:srgbClr val="000000"/>
+                          </a:solidFill>
+                          <a:latin typeface="Arial"/>
+                        </a:rPr>
+                        <a:t>0.6664</a:t>
+                      </a:r>
+                      <a:endParaRPr b="0" lang="en-US" sz="1400" spc="-1" strike="noStrike">
+                        <a:solidFill>
+                          <a:srgbClr val="000000"/>
+                        </a:solidFill>
+                        <a:latin typeface="Arial"/>
+                      </a:endParaRPr>
+                    </a:p>
+                  </a:txBody>
+                  <a:tcPr anchor="t" marL="36000" marR="36000">
+                    <a:lnL w="7200">
+                      <a:solidFill>
+                        <a:srgbClr val="000000"/>
+                      </a:solidFill>
+                      <a:prstDash val="solid"/>
+                    </a:lnL>
+                    <a:lnR w="7200">
+                      <a:solidFill>
+                        <a:srgbClr val="000000"/>
+                      </a:solidFill>
+                      <a:prstDash val="solid"/>
+                    </a:lnR>
+                    <a:lnT w="7200">
+                      <a:solidFill>
+                        <a:srgbClr val="000000"/>
+                      </a:solidFill>
+                      <a:prstDash val="solid"/>
+                    </a:lnT>
+                    <a:lnB w="7200">
+                      <a:solidFill>
+                        <a:srgbClr val="000000"/>
+                      </a:solidFill>
+                      <a:prstDash val="solid"/>
+                    </a:lnB>
+                    <a:noFill/>
+                  </a:tcPr>
+                </a:tc>
+              </a:tr>
+            </a:tbl>
+          </a:graphicData>
+        </a:graphic>
+      </p:graphicFrame>
     </p:spTree>
   </p:cSld>
   <mc:AlternateContent>
@@ -7013,14 +8179,14 @@
       </p:grpSpPr>
       <p:sp>
         <p:nvSpPr>
-          <p:cNvPr id="158" name="Текст 8"/>
+          <p:cNvPr id="152" name="Текст 1"/>
           <p:cNvSpPr/>
           <p:nvPr/>
         </p:nvSpPr>
         <p:spPr>
           <a:xfrm>
             <a:off x="388800" y="1371960"/>
-            <a:ext cx="11345760" cy="4911840"/>
+            <a:ext cx="11344320" cy="4910400"/>
           </a:xfrm>
           <a:prstGeom prst="rect">
             <a:avLst/>
@@ -7038,7 +8204,7 @@
         </p:style>
         <p:txBody>
           <a:bodyPr lIns="90000" rIns="90000" tIns="45000" bIns="45000" anchor="t">
-            <a:normAutofit fontScale="87222" lnSpcReduction="10000"/>
+            <a:normAutofit fontScale="75000"/>
           </a:bodyPr>
           <a:p>
             <a:pPr marL="73080" indent="-216000">
@@ -7121,7 +8287,7 @@
                 <a:latin typeface="Arial"/>
                 <a:ea typeface="Open Sans"/>
               </a:rPr>
-              <a:t>Не удалось обучить нейронную сеть, которая бы показывала результат, сопоставимый с классическими классификаторами </a:t>
+              <a:t>LightGBM показал результаты лучше, чем адаптивный и экстремальный бустинги</a:t>
             </a:r>
             <a:endParaRPr b="0" lang="en-US" sz="2200" spc="-1" strike="noStrike">
               <a:solidFill>
@@ -7166,7 +8332,272 @@
                 <a:latin typeface="Arial"/>
                 <a:ea typeface="Open Sans"/>
               </a:rPr>
-              <a:t>Признаки отранжированы по значимости</a:t>
+              <a:t>Ребалансировка датасета дает выраженный положительный эффект на предсказательную способность всех рассмотренных классификаторов</a:t>
+            </a:r>
+            <a:endParaRPr b="0" lang="en-US" sz="2200" spc="-1" strike="noStrike">
+              <a:solidFill>
+                <a:srgbClr val="000000"/>
+              </a:solidFill>
+              <a:latin typeface="Arial"/>
+            </a:endParaRPr>
+          </a:p>
+          <a:p>
+            <a:pPr marL="73080" indent="-216000">
+              <a:lnSpc>
+                <a:spcPct val="115000"/>
+              </a:lnSpc>
+              <a:spcBef>
+                <a:spcPts val="751"/>
+              </a:spcBef>
+              <a:buClr>
+                <a:srgbClr val="000000"/>
+              </a:buClr>
+              <a:buSzPct val="45000"/>
+              <a:buFont typeface="Segoe UI"/>
+              <a:buChar char="□"/>
+              <a:tabLst>
+                <a:tab algn="l" pos="0"/>
+              </a:tabLst>
+            </a:pPr>
+            <a:r>
+              <a:rPr b="0" lang="ru-RU" sz="2200" spc="-1" strike="noStrike">
+                <a:solidFill>
+                  <a:srgbClr val="262626"/>
+                </a:solidFill>
+                <a:latin typeface="Arial"/>
+                <a:ea typeface="Open Sans"/>
+              </a:rPr>
+              <a:t> </a:t>
+            </a:r>
+            <a:r>
+              <a:rPr b="0" lang="ru-RU" sz="2200" spc="-1" strike="noStrike">
+                <a:solidFill>
+                  <a:srgbClr val="262626"/>
+                </a:solidFill>
+                <a:latin typeface="Arial"/>
+                <a:ea typeface="Open Sans"/>
+              </a:rPr>
+              <a:t>В датасете выделены наиболее значимые для обучения признаки</a:t>
+            </a:r>
+            <a:endParaRPr b="0" lang="en-US" sz="2200" spc="-1" strike="noStrike">
+              <a:solidFill>
+                <a:srgbClr val="000000"/>
+              </a:solidFill>
+              <a:latin typeface="Arial"/>
+            </a:endParaRPr>
+          </a:p>
+          <a:p>
+            <a:pPr marL="73080" indent="-216000">
+              <a:lnSpc>
+                <a:spcPct val="115000"/>
+              </a:lnSpc>
+              <a:spcBef>
+                <a:spcPts val="751"/>
+              </a:spcBef>
+              <a:buClr>
+                <a:srgbClr val="000000"/>
+              </a:buClr>
+              <a:buSzPct val="45000"/>
+              <a:buFont typeface="Segoe UI"/>
+              <a:buChar char="□"/>
+              <a:tabLst>
+                <a:tab algn="l" pos="0"/>
+              </a:tabLst>
+            </a:pPr>
+            <a:r>
+              <a:rPr b="0" lang="ru-RU" sz="2200" spc="-1" strike="noStrike">
+                <a:solidFill>
+                  <a:srgbClr val="262626"/>
+                </a:solidFill>
+                <a:latin typeface="Arial"/>
+                <a:ea typeface="Open Sans"/>
+              </a:rPr>
+              <a:t> </a:t>
+            </a:r>
+            <a:r>
+              <a:rPr b="0" lang="ru-RU" sz="2200" spc="-1" strike="noStrike">
+                <a:solidFill>
+                  <a:srgbClr val="262626"/>
+                </a:solidFill>
+                <a:latin typeface="Arial"/>
+                <a:ea typeface="Open Sans"/>
+              </a:rPr>
+              <a:t>Дальнейшие шаги по улучшению качества моделей могли бы включать:</a:t>
+            </a:r>
+            <a:endParaRPr b="0" lang="en-US" sz="2200" spc="-1" strike="noStrike">
+              <a:solidFill>
+                <a:srgbClr val="000000"/>
+              </a:solidFill>
+              <a:latin typeface="Arial"/>
+            </a:endParaRPr>
+          </a:p>
+          <a:p>
+            <a:pPr lvl="4" marL="1080000" indent="-216000">
+              <a:lnSpc>
+                <a:spcPct val="85000"/>
+              </a:lnSpc>
+              <a:spcBef>
+                <a:spcPts val="720"/>
+              </a:spcBef>
+              <a:buClr>
+                <a:srgbClr val="000000"/>
+              </a:buClr>
+              <a:buSzPct val="45000"/>
+              <a:buFont typeface="Wingdings" charset="2"/>
+              <a:buChar char=""/>
+              <a:tabLst>
+                <a:tab algn="l" pos="0"/>
+              </a:tabLst>
+            </a:pPr>
+            <a:r>
+              <a:rPr b="0" lang="ru-RU" sz="2200" spc="-1" strike="noStrike">
+                <a:solidFill>
+                  <a:srgbClr val="262626"/>
+                </a:solidFill>
+                <a:latin typeface="Arial"/>
+                <a:ea typeface="Open Sans"/>
+              </a:rPr>
+              <a:t>Более тонкую настройку стандартизации непрерывных переменных</a:t>
+            </a:r>
+            <a:endParaRPr b="0" lang="en-US" sz="2200" spc="-1" strike="noStrike">
+              <a:solidFill>
+                <a:srgbClr val="000000"/>
+              </a:solidFill>
+              <a:latin typeface="Arial"/>
+            </a:endParaRPr>
+          </a:p>
+          <a:p>
+            <a:pPr lvl="4" marL="1080000" indent="-216000">
+              <a:lnSpc>
+                <a:spcPct val="85000"/>
+              </a:lnSpc>
+              <a:spcBef>
+                <a:spcPts val="720"/>
+              </a:spcBef>
+              <a:buClr>
+                <a:srgbClr val="000000"/>
+              </a:buClr>
+              <a:buSzPct val="45000"/>
+              <a:buFont typeface="Wingdings" charset="2"/>
+              <a:buChar char=""/>
+              <a:tabLst>
+                <a:tab algn="l" pos="0"/>
+              </a:tabLst>
+            </a:pPr>
+            <a:r>
+              <a:rPr b="0" lang="ru-RU" sz="2200" spc="-1" strike="noStrike">
+                <a:solidFill>
+                  <a:srgbClr val="262626"/>
+                </a:solidFill>
+                <a:latin typeface="Arial"/>
+                <a:ea typeface="Open Sans"/>
+              </a:rPr>
+              <a:t>Снижение размерности, сокращение признаков в выборке, например методом главных компонент (PCA)</a:t>
+            </a:r>
+            <a:endParaRPr b="0" lang="en-US" sz="2200" spc="-1" strike="noStrike">
+              <a:solidFill>
+                <a:srgbClr val="000000"/>
+              </a:solidFill>
+              <a:latin typeface="Arial"/>
+            </a:endParaRPr>
+          </a:p>
+          <a:p>
+            <a:pPr lvl="4" marL="1080000" indent="-216000">
+              <a:lnSpc>
+                <a:spcPct val="85000"/>
+              </a:lnSpc>
+              <a:spcBef>
+                <a:spcPts val="720"/>
+              </a:spcBef>
+              <a:buClr>
+                <a:srgbClr val="000000"/>
+              </a:buClr>
+              <a:buSzPct val="45000"/>
+              <a:buFont typeface="Wingdings" charset="2"/>
+              <a:buChar char=""/>
+              <a:tabLst>
+                <a:tab algn="l" pos="0"/>
+              </a:tabLst>
+            </a:pPr>
+            <a:r>
+              <a:rPr b="0" lang="ru-RU" sz="2200" spc="-1" strike="noStrike">
+                <a:solidFill>
+                  <a:srgbClr val="262626"/>
+                </a:solidFill>
+                <a:latin typeface="Arial"/>
+                <a:ea typeface="Open Sans"/>
+              </a:rPr>
+              <a:t>Подбор гиперпараметров (невозможен в текущем исследовании из-за большого количества признаков)</a:t>
+            </a:r>
+            <a:endParaRPr b="0" lang="en-US" sz="2200" spc="-1" strike="noStrike">
+              <a:solidFill>
+                <a:srgbClr val="000000"/>
+              </a:solidFill>
+              <a:latin typeface="Arial"/>
+            </a:endParaRPr>
+          </a:p>
+          <a:p>
+            <a:pPr lvl="4" marL="1080000" indent="-216000">
+              <a:lnSpc>
+                <a:spcPct val="85000"/>
+              </a:lnSpc>
+              <a:spcBef>
+                <a:spcPts val="720"/>
+              </a:spcBef>
+              <a:buClr>
+                <a:srgbClr val="000000"/>
+              </a:buClr>
+              <a:buSzPct val="45000"/>
+              <a:buFont typeface="Wingdings" charset="2"/>
+              <a:buChar char=""/>
+              <a:tabLst>
+                <a:tab algn="l" pos="0"/>
+              </a:tabLst>
+            </a:pPr>
+            <a:r>
+              <a:rPr b="0" lang="ru-RU" sz="2200" spc="-1" strike="noStrike">
+                <a:solidFill>
+                  <a:srgbClr val="262626"/>
+                </a:solidFill>
+                <a:latin typeface="Arial"/>
+                <a:ea typeface="Open Sans"/>
+              </a:rPr>
+              <a:t>Обучение деревьев на случайных подвыборках (bagging и выбор признаков)</a:t>
+            </a:r>
+            <a:endParaRPr b="0" lang="en-US" sz="2200" spc="-1" strike="noStrike">
+              <a:solidFill>
+                <a:srgbClr val="000000"/>
+              </a:solidFill>
+              <a:latin typeface="Arial"/>
+            </a:endParaRPr>
+          </a:p>
+          <a:p>
+            <a:pPr lvl="4" marL="1080000" indent="-216000">
+              <a:lnSpc>
+                <a:spcPct val="85000"/>
+              </a:lnSpc>
+              <a:spcBef>
+                <a:spcPts val="720"/>
+              </a:spcBef>
+              <a:buClr>
+                <a:srgbClr val="000000"/>
+              </a:buClr>
+              <a:buSzPct val="45000"/>
+              <a:buFont typeface="Wingdings" charset="2"/>
+              <a:buChar char=""/>
+              <a:tabLst>
+                <a:tab algn="l" pos="0"/>
+              </a:tabLst>
+            </a:pPr>
+            <a:r>
+              <a:rPr b="0" lang="ru-RU" sz="2200" spc="-1" strike="noStrike">
+                <a:solidFill>
+                  <a:srgbClr val="262626"/>
+                </a:solidFill>
+                <a:latin typeface="Arial"/>
+                <a:ea typeface="Open Sans"/>
+              </a:rPr>
+              <a:t>Стекинг нескольких ансамблей</a:t>
             </a:r>
             <a:endParaRPr b="0" lang="en-US" sz="2200" spc="-1" strike="noStrike">
               <a:solidFill>
@@ -7211,147 +8642,7 @@
                 <a:latin typeface="Arial"/>
                 <a:ea typeface="Open Sans"/>
               </a:rPr>
-              <a:t>Дальнейшие шаги по улучшению качества моделей могли бы включать:</a:t>
-            </a:r>
-            <a:endParaRPr b="0" lang="en-US" sz="2200" spc="-1" strike="noStrike">
-              <a:solidFill>
-                <a:srgbClr val="000000"/>
-              </a:solidFill>
-              <a:latin typeface="Arial"/>
-            </a:endParaRPr>
-          </a:p>
-          <a:p>
-            <a:pPr lvl="4" marL="1080000" indent="-216000">
-              <a:lnSpc>
-                <a:spcPct val="85000"/>
-              </a:lnSpc>
-              <a:spcBef>
-                <a:spcPts val="720"/>
-              </a:spcBef>
-              <a:buClr>
-                <a:srgbClr val="000000"/>
-              </a:buClr>
-              <a:buSzPct val="45000"/>
-              <a:buFont typeface="Wingdings" charset="2"/>
-              <a:buChar char=""/>
-              <a:tabLst>
-                <a:tab algn="l" pos="0"/>
-              </a:tabLst>
-            </a:pPr>
-            <a:r>
-              <a:rPr b="0" lang="ru-RU" sz="2200" spc="-1" strike="noStrike">
-                <a:solidFill>
-                  <a:srgbClr val="262626"/>
-                </a:solidFill>
-                <a:latin typeface="Arial"/>
-                <a:ea typeface="Open Sans"/>
-              </a:rPr>
-              <a:t>Более тонкую настройку стандартизации непрерывных переменных</a:t>
-            </a:r>
-            <a:endParaRPr b="0" lang="en-US" sz="2200" spc="-1" strike="noStrike">
-              <a:solidFill>
-                <a:srgbClr val="000000"/>
-              </a:solidFill>
-              <a:latin typeface="Arial"/>
-            </a:endParaRPr>
-          </a:p>
-          <a:p>
-            <a:pPr lvl="4" marL="1080000" indent="-216000">
-              <a:lnSpc>
-                <a:spcPct val="85000"/>
-              </a:lnSpc>
-              <a:spcBef>
-                <a:spcPts val="720"/>
-              </a:spcBef>
-              <a:buClr>
-                <a:srgbClr val="000000"/>
-              </a:buClr>
-              <a:buSzPct val="45000"/>
-              <a:buFont typeface="Wingdings" charset="2"/>
-              <a:buChar char=""/>
-              <a:tabLst>
-                <a:tab algn="l" pos="0"/>
-              </a:tabLst>
-            </a:pPr>
-            <a:r>
-              <a:rPr b="0" lang="ru-RU" sz="2200" spc="-1" strike="noStrike">
-                <a:solidFill>
-                  <a:srgbClr val="262626"/>
-                </a:solidFill>
-                <a:latin typeface="Arial"/>
-                <a:ea typeface="Open Sans"/>
-              </a:rPr>
-              <a:t>Снижение размерности, сокращение признаков в выборке, например методом главных компонент (PCA)</a:t>
-            </a:r>
-            <a:endParaRPr b="0" lang="en-US" sz="2200" spc="-1" strike="noStrike">
-              <a:solidFill>
-                <a:srgbClr val="000000"/>
-              </a:solidFill>
-              <a:latin typeface="Arial"/>
-            </a:endParaRPr>
-          </a:p>
-          <a:p>
-            <a:pPr lvl="4" marL="1080000" indent="-216000">
-              <a:lnSpc>
-                <a:spcPct val="85000"/>
-              </a:lnSpc>
-              <a:spcBef>
-                <a:spcPts val="720"/>
-              </a:spcBef>
-              <a:buClr>
-                <a:srgbClr val="000000"/>
-              </a:buClr>
-              <a:buSzPct val="45000"/>
-              <a:buFont typeface="Wingdings" charset="2"/>
-              <a:buChar char=""/>
-              <a:tabLst>
-                <a:tab algn="l" pos="0"/>
-              </a:tabLst>
-            </a:pPr>
-            <a:r>
-              <a:rPr b="0" lang="ru-RU" sz="2200" spc="-1" strike="noStrike">
-                <a:solidFill>
-                  <a:srgbClr val="262626"/>
-                </a:solidFill>
-                <a:latin typeface="Arial"/>
-                <a:ea typeface="Open Sans"/>
-              </a:rPr>
-              <a:t>Дальнейший подбор гиперпараметров (невозможен в текущем исследовании из-за большого количества признаков)</a:t>
-            </a:r>
-            <a:endParaRPr b="0" lang="en-US" sz="2200" spc="-1" strike="noStrike">
-              <a:solidFill>
-                <a:srgbClr val="000000"/>
-              </a:solidFill>
-              <a:latin typeface="Arial"/>
-            </a:endParaRPr>
-          </a:p>
-          <a:p>
-            <a:pPr lvl="4" marL="1080000" indent="-216000">
-              <a:lnSpc>
-                <a:spcPct val="85000"/>
-              </a:lnSpc>
-              <a:spcBef>
-                <a:spcPts val="720"/>
-              </a:spcBef>
-              <a:buClr>
-                <a:srgbClr val="000000"/>
-              </a:buClr>
-              <a:buSzPct val="45000"/>
-              <a:buFont typeface="Wingdings" charset="2"/>
-              <a:buChar char=""/>
-              <a:tabLst>
-                <a:tab algn="l" pos="0"/>
-              </a:tabLst>
-            </a:pPr>
-            <a:r>
-              <a:rPr b="0" lang="ru-RU" sz="2200" spc="-1" strike="noStrike">
-                <a:solidFill>
-                  <a:srgbClr val="262626"/>
-                </a:solidFill>
-                <a:latin typeface="Arial"/>
-                <a:ea typeface="Open Sans"/>
-              </a:rPr>
-              <a:t>Обучение деревьев на случайных подвыборках (bagging и выбор признаков)</a:t>
+              <a:t>Возможна в дальнейшем разработка приложения для использования обученной модели </a:t>
             </a:r>
             <a:endParaRPr b="0" lang="en-US" sz="2200" spc="-1" strike="noStrike">
               <a:solidFill>
@@ -7396,51 +8687,6 @@
                 <a:latin typeface="Arial"/>
                 <a:ea typeface="Open Sans"/>
               </a:rPr>
-              <a:t>Возможна в дальнейшем разработка приложения для использования обученной модели </a:t>
-            </a:r>
-            <a:endParaRPr b="0" lang="en-US" sz="2200" spc="-1" strike="noStrike">
-              <a:solidFill>
-                <a:srgbClr val="000000"/>
-              </a:solidFill>
-              <a:latin typeface="Arial"/>
-            </a:endParaRPr>
-          </a:p>
-          <a:p>
-            <a:pPr marL="73080" indent="-216000">
-              <a:lnSpc>
-                <a:spcPct val="115000"/>
-              </a:lnSpc>
-              <a:spcBef>
-                <a:spcPts val="1729"/>
-              </a:spcBef>
-              <a:buClr>
-                <a:srgbClr val="000000"/>
-              </a:buClr>
-              <a:buSzPct val="45000"/>
-              <a:buFont typeface="Segoe UI"/>
-              <a:buChar char="□"/>
-              <a:tabLst>
-                <a:tab algn="l" pos="0"/>
-              </a:tabLst>
-            </a:pPr>
-            <a:r>
-              <a:rPr b="0" lang="ru-RU" sz="2200" spc="-1" strike="noStrike">
-                <a:solidFill>
-                  <a:srgbClr val="262626"/>
-                </a:solidFill>
-                <a:latin typeface="Arial"/>
-                <a:ea typeface="Open Sans"/>
-              </a:rPr>
-              <a:t> </a:t>
-            </a:r>
-            <a:r>
-              <a:rPr b="0" lang="ru-RU" sz="2200" spc="-1" strike="noStrike">
-                <a:solidFill>
-                  <a:srgbClr val="262626"/>
-                </a:solidFill>
-                <a:latin typeface="Arial"/>
-                <a:ea typeface="Open Sans"/>
-              </a:rPr>
               <a:t>Ссылка на репозиторий GitHub: </a:t>
             </a:r>
             <a:r>
@@ -7476,14 +8722,14 @@
       </p:sp>
       <p:sp>
         <p:nvSpPr>
-          <p:cNvPr id="159" name="PlaceHolder 7"/>
+          <p:cNvPr id="153" name="PlaceHolder 11"/>
           <p:cNvSpPr/>
           <p:nvPr/>
         </p:nvSpPr>
         <p:spPr>
           <a:xfrm>
             <a:off x="273600" y="6435000"/>
-            <a:ext cx="565200" cy="270360"/>
+            <a:ext cx="563760" cy="268920"/>
           </a:xfrm>
           <a:prstGeom prst="rect">
             <a:avLst/>
@@ -7512,7 +8758,7 @@
                 <a:tab algn="l" pos="0"/>
               </a:tabLst>
             </a:pPr>
-            <a:fld id="{8A682B3F-4BD5-4E6F-8879-C72FB48D97BE}" type="slidenum">
+            <a:fld id="{2622C99E-C280-40FB-A638-3845B6B2B22A}" type="slidenum">
               <a:rPr b="0" lang="ru-RU" sz="1400" spc="-1" strike="noStrike">
                 <a:solidFill>
                   <a:srgbClr val="898989"/>
@@ -7533,28 +8779,28 @@
       </p:sp>
       <p:grpSp>
         <p:nvGrpSpPr>
-          <p:cNvPr id="160" name="Группа 2"/>
+          <p:cNvPr id="154" name="Группа 11"/>
           <p:cNvGrpSpPr/>
           <p:nvPr/>
         </p:nvGrpSpPr>
         <p:grpSpPr>
           <a:xfrm>
             <a:off x="3168000" y="532080"/>
-            <a:ext cx="3830400" cy="666000"/>
+            <a:ext cx="3828960" cy="666000"/>
             <a:chOff x="3168000" y="532080"/>
-            <a:chExt cx="3830400" cy="666000"/>
+            <a:chExt cx="3828960" cy="666000"/>
           </a:xfrm>
         </p:grpSpPr>
         <p:sp>
           <p:nvSpPr>
-            <p:cNvPr id="161" name="Прямоугольник 4"/>
+            <p:cNvPr id="155" name="Прямоугольник 29"/>
             <p:cNvSpPr/>
             <p:nvPr/>
           </p:nvSpPr>
           <p:spPr>
             <a:xfrm>
               <a:off x="3168000" y="532080"/>
-              <a:ext cx="3830400" cy="660960"/>
+              <a:ext cx="3828960" cy="659520"/>
             </a:xfrm>
             <a:prstGeom prst="rect">
               <a:avLst/>
@@ -7614,22 +8860,22 @@
         </p:sp>
         <p:sp>
           <p:nvSpPr>
-            <p:cNvPr id="162" name="Прямоугольник 5"/>
+            <p:cNvPr id="156" name="Прямоугольник 30"/>
             <p:cNvSpPr/>
             <p:nvPr/>
           </p:nvSpPr>
           <p:spPr>
             <a:xfrm flipH="1" rot="10800000">
-              <a:off x="3167640" y="537120"/>
-              <a:ext cx="58680" cy="660960"/>
+              <a:off x="3167640" y="538560"/>
+              <a:ext cx="57240" cy="659520"/>
             </a:xfrm>
             <a:custGeom>
               <a:avLst/>
               <a:gdLst>
-                <a:gd name="textAreaLeft" fmla="*/ 2520 w 58680"/>
-                <a:gd name="textAreaRight" fmla="*/ 66240 w 58680"/>
-                <a:gd name="textAreaTop" fmla="*/ 0 h 660960"/>
-                <a:gd name="textAreaBottom" fmla="*/ 666000 h 660960"/>
+                <a:gd name="textAreaLeft" fmla="*/ 3240 w 57240"/>
+                <a:gd name="textAreaRight" fmla="*/ 66960 w 57240"/>
+                <a:gd name="textAreaTop" fmla="*/ 0 h 659520"/>
+                <a:gd name="textAreaBottom" fmla="*/ 666000 h 659520"/>
               </a:gdLst>
               <a:ahLst/>
               <a:rect l="textAreaLeft" t="textAreaTop" r="textAreaRight" b="textAreaBottom"/>
@@ -7692,22 +8938,22 @@
         </p:sp>
         <p:sp>
           <p:nvSpPr>
-            <p:cNvPr id="163" name="Прямоугольник 6"/>
+            <p:cNvPr id="157" name="Прямоугольник 31"/>
             <p:cNvSpPr/>
             <p:nvPr/>
           </p:nvSpPr>
           <p:spPr>
             <a:xfrm flipH="1">
-              <a:off x="6923520" y="532080"/>
-              <a:ext cx="69840" cy="660960"/>
+              <a:off x="6922080" y="532080"/>
+              <a:ext cx="68400" cy="659520"/>
             </a:xfrm>
             <a:custGeom>
               <a:avLst/>
               <a:gdLst>
-                <a:gd name="textAreaLeft" fmla="*/ -2520 w 69840"/>
-                <a:gd name="textAreaRight" fmla="*/ 72360 w 69840"/>
-                <a:gd name="textAreaTop" fmla="*/ 0 h 660960"/>
-                <a:gd name="textAreaBottom" fmla="*/ 666000 h 660960"/>
+                <a:gd name="textAreaLeft" fmla="*/ -3240 w 68400"/>
+                <a:gd name="textAreaRight" fmla="*/ 71640 w 68400"/>
+                <a:gd name="textAreaTop" fmla="*/ 0 h 659520"/>
+                <a:gd name="textAreaBottom" fmla="*/ 666000 h 659520"/>
               </a:gdLst>
               <a:ahLst/>
               <a:rect l="textAreaLeft" t="textAreaTop" r="textAreaRight" b="textAreaBottom"/>
@@ -7801,14 +9047,14 @@
       </p:grpSpPr>
       <p:sp>
         <p:nvSpPr>
-          <p:cNvPr id="164" name="PlaceHolder 9"/>
+          <p:cNvPr id="158" name="PlaceHolder 9"/>
           <p:cNvSpPr/>
           <p:nvPr/>
         </p:nvSpPr>
         <p:spPr>
           <a:xfrm>
             <a:off x="273600" y="6435000"/>
-            <a:ext cx="565200" cy="270360"/>
+            <a:ext cx="563760" cy="268920"/>
           </a:xfrm>
           <a:prstGeom prst="rect">
             <a:avLst/>
@@ -7837,7 +9083,7 @@
                 <a:tab algn="l" pos="0"/>
               </a:tabLst>
             </a:pPr>
-            <a:fld id="{8CCBDE20-536D-4D54-98CF-6A8C8CCA2463}" type="slidenum">
+            <a:fld id="{B93DE571-88A0-4F56-B36F-3CEEA7FCCAC9}" type="slidenum">
               <a:rPr b="0" lang="ru-RU" sz="1400" spc="-1" strike="noStrike">
                 <a:solidFill>
                   <a:srgbClr val="898989"/>
@@ -7858,14 +9104,14 @@
       </p:sp>
       <p:sp>
         <p:nvSpPr>
-          <p:cNvPr id="165" name="PlaceHolder 10"/>
+          <p:cNvPr id="159" name="PlaceHolder 10"/>
           <p:cNvSpPr/>
           <p:nvPr/>
         </p:nvSpPr>
         <p:spPr>
           <a:xfrm>
             <a:off x="2514600" y="2057400"/>
-            <a:ext cx="6924240" cy="731880"/>
+            <a:ext cx="6922800" cy="730440"/>
           </a:xfrm>
           <a:prstGeom prst="rect">
             <a:avLst/>
@@ -7985,7 +9231,7 @@
         <p:spPr>
           <a:xfrm>
             <a:off x="273600" y="6435000"/>
-            <a:ext cx="565200" cy="270360"/>
+            <a:ext cx="563760" cy="268920"/>
           </a:xfrm>
           <a:prstGeom prst="rect">
             <a:avLst/>
@@ -8014,7 +9260,7 @@
                 <a:tab algn="l" pos="0"/>
               </a:tabLst>
             </a:pPr>
-            <a:fld id="{AB0877D9-1E5E-497F-8B49-00DD7A0CEA7B}" type="slidenum">
+            <a:fld id="{5E872CAE-B07B-44EE-9970-494C6E41357B}" type="slidenum">
               <a:rPr b="0" lang="ru-RU" sz="1400" spc="-1" strike="noStrike">
                 <a:solidFill>
                   <a:srgbClr val="898989"/>
@@ -8042,7 +9288,7 @@
         <p:spPr>
           <a:xfrm>
             <a:off x="457200" y="1406520"/>
-            <a:ext cx="11494440" cy="5024880"/>
+            <a:ext cx="11493000" cy="5023440"/>
           </a:xfrm>
           <a:prstGeom prst="rect">
             <a:avLst/>
@@ -8112,9 +9358,9 @@
         <p:grpSpPr>
           <a:xfrm>
             <a:off x="3168000" y="500760"/>
-            <a:ext cx="3830400" cy="666000"/>
+            <a:ext cx="3828960" cy="666000"/>
             <a:chOff x="3168000" y="500760"/>
-            <a:chExt cx="3830400" cy="666000"/>
+            <a:chExt cx="3828960" cy="666000"/>
           </a:xfrm>
         </p:grpSpPr>
         <p:sp>
@@ -8126,7 +9372,7 @@
           <p:spPr>
             <a:xfrm>
               <a:off x="3168000" y="500760"/>
-              <a:ext cx="3830400" cy="660960"/>
+              <a:ext cx="3828960" cy="659520"/>
             </a:xfrm>
             <a:prstGeom prst="rect">
               <a:avLst/>
@@ -8192,16 +9438,16 @@
           </p:nvSpPr>
           <p:spPr>
             <a:xfrm flipH="1" rot="10800000">
-              <a:off x="3167640" y="505800"/>
-              <a:ext cx="58680" cy="660960"/>
+              <a:off x="3167640" y="507240"/>
+              <a:ext cx="57240" cy="659520"/>
             </a:xfrm>
             <a:custGeom>
               <a:avLst/>
               <a:gdLst>
-                <a:gd name="textAreaLeft" fmla="*/ 2520 w 58680"/>
-                <a:gd name="textAreaRight" fmla="*/ 66240 w 58680"/>
-                <a:gd name="textAreaTop" fmla="*/ 0 h 660960"/>
-                <a:gd name="textAreaBottom" fmla="*/ 666000 h 660960"/>
+                <a:gd name="textAreaLeft" fmla="*/ 3240 w 57240"/>
+                <a:gd name="textAreaRight" fmla="*/ 66960 w 57240"/>
+                <a:gd name="textAreaTop" fmla="*/ 0 h 659520"/>
+                <a:gd name="textAreaBottom" fmla="*/ 666000 h 659520"/>
               </a:gdLst>
               <a:ahLst/>
               <a:rect l="textAreaLeft" t="textAreaTop" r="textAreaRight" b="textAreaBottom"/>
@@ -8270,16 +9516,16 @@
           </p:nvSpPr>
           <p:spPr>
             <a:xfrm flipH="1">
-              <a:off x="6923520" y="500760"/>
-              <a:ext cx="69840" cy="660960"/>
+              <a:off x="6922080" y="500760"/>
+              <a:ext cx="68400" cy="659520"/>
             </a:xfrm>
             <a:custGeom>
               <a:avLst/>
               <a:gdLst>
-                <a:gd name="textAreaLeft" fmla="*/ -2520 w 69840"/>
-                <a:gd name="textAreaRight" fmla="*/ 72360 w 69840"/>
-                <a:gd name="textAreaTop" fmla="*/ 0 h 660960"/>
-                <a:gd name="textAreaBottom" fmla="*/ 666000 h 660960"/>
+                <a:gd name="textAreaLeft" fmla="*/ -3240 w 68400"/>
+                <a:gd name="textAreaRight" fmla="*/ 71640 w 68400"/>
+                <a:gd name="textAreaTop" fmla="*/ 0 h 659520"/>
+                <a:gd name="textAreaBottom" fmla="*/ 666000 h 659520"/>
               </a:gdLst>
               <a:ahLst/>
               <a:rect l="textAreaLeft" t="textAreaTop" r="textAreaRight" b="textAreaBottom"/>
@@ -8354,7 +9600,7 @@
         <p:spPr>
           <a:xfrm>
             <a:off x="8229600" y="2715120"/>
-            <a:ext cx="3158640" cy="1624680"/>
+            <a:ext cx="3157200" cy="1623240"/>
           </a:xfrm>
           <a:prstGeom prst="rect">
             <a:avLst/>
@@ -8373,7 +9619,7 @@
         <p:spPr>
           <a:xfrm>
             <a:off x="457200" y="2743200"/>
-            <a:ext cx="7083000" cy="2242440"/>
+            <a:ext cx="7081560" cy="2241000"/>
           </a:xfrm>
           <a:prstGeom prst="rect">
             <a:avLst/>
@@ -8473,7 +9719,7 @@
         <p:spPr>
           <a:xfrm>
             <a:off x="273600" y="6435000"/>
-            <a:ext cx="565200" cy="270360"/>
+            <a:ext cx="563760" cy="268920"/>
           </a:xfrm>
           <a:prstGeom prst="rect">
             <a:avLst/>
@@ -8502,7 +9748,7 @@
                 <a:tab algn="l" pos="0"/>
               </a:tabLst>
             </a:pPr>
-            <a:fld id="{6FD2474C-DBF6-40C6-834D-D7811B3C1ACF}" type="slidenum">
+            <a:fld id="{B5FA539B-0282-4B1B-91B5-D51F5110C941}" type="slidenum">
               <a:rPr b="0" lang="ru-RU" sz="1400" spc="-1" strike="noStrike">
                 <a:solidFill>
                   <a:srgbClr val="898989"/>
@@ -8510,7 +9756,7 @@
                 <a:latin typeface="Times New Roman"/>
                 <a:ea typeface="Open Sans"/>
               </a:rPr>
-              <a:t>&lt;number&gt;</a:t>
+              <a:t>2</a:t>
             </a:fld>
             <a:endParaRPr b="0" lang="en-US" sz="1400" spc="-1" strike="noStrike">
               <a:solidFill>
@@ -8530,7 +9776,7 @@
         <p:spPr>
           <a:xfrm>
             <a:off x="389160" y="1600200"/>
-            <a:ext cx="11494440" cy="4796280"/>
+            <a:ext cx="11493000" cy="4794840"/>
           </a:xfrm>
           <a:prstGeom prst="rect">
             <a:avLst/>
@@ -8905,52 +10151,7 @@
                 <a:latin typeface="Arial"/>
                 <a:ea typeface="Open Sans"/>
               </a:rPr>
-              <a:t>Создать репозиторий в GitHub и разместить там код и результаты исследования. Оформить файл README</a:t>
-            </a:r>
-            <a:endParaRPr b="0" lang="en-US" sz="2000" spc="-1" strike="noStrike">
-              <a:solidFill>
-                <a:srgbClr val="000000"/>
-              </a:solidFill>
-              <a:latin typeface="Arial"/>
-            </a:endParaRPr>
-          </a:p>
-          <a:p>
-            <a:pPr marL="54720" indent="-216000">
-              <a:lnSpc>
-                <a:spcPct val="90000"/>
-              </a:lnSpc>
-              <a:spcBef>
-                <a:spcPts val="1134"/>
-              </a:spcBef>
-              <a:buClr>
-                <a:srgbClr val="000000"/>
-              </a:buClr>
-              <a:buSzPct val="45000"/>
-              <a:buFont typeface="Wingdings" charset="2"/>
-              <a:buChar char=""/>
-              <a:tabLst>
-                <a:tab algn="l" pos="0"/>
-              </a:tabLst>
-            </a:pPr>
-            <a:r>
-              <a:rPr b="0" lang="ru-RU" sz="2000" spc="-1" strike="noStrike">
-                <a:solidFill>
-                  <a:srgbClr val="262626"/>
-                </a:solidFill>
-                <a:latin typeface="Arial"/>
-                <a:ea typeface="Open Sans"/>
-              </a:rPr>
-              <a:t> </a:t>
-            </a:r>
-            <a:r>
-              <a:rPr b="0" lang="ru-RU" sz="2000" spc="-1" strike="noStrike">
-                <a:solidFill>
-                  <a:srgbClr val="262626"/>
-                </a:solidFill>
-                <a:latin typeface="Arial"/>
-                <a:ea typeface="Open Sans"/>
-              </a:rPr>
-              <a:t>Сохранить обученную модель для использования в приложении</a:t>
+              <a:t>Создать репозиторий в GitHub и разместить там код и результаты исследования. Оформить файл README </a:t>
             </a:r>
             <a:endParaRPr b="0" lang="en-US" sz="2000" spc="-1" strike="noStrike">
               <a:solidFill>
@@ -8970,9 +10171,9 @@
         <p:grpSpPr>
           <a:xfrm>
             <a:off x="3168000" y="500760"/>
-            <a:ext cx="3830400" cy="666000"/>
+            <a:ext cx="3828960" cy="666000"/>
             <a:chOff x="3168000" y="500760"/>
-            <a:chExt cx="3830400" cy="666000"/>
+            <a:chExt cx="3828960" cy="666000"/>
           </a:xfrm>
         </p:grpSpPr>
         <p:sp>
@@ -8984,7 +10185,7 @@
           <p:spPr>
             <a:xfrm>
               <a:off x="3168000" y="500760"/>
-              <a:ext cx="3830400" cy="660960"/>
+              <a:ext cx="3828960" cy="659520"/>
             </a:xfrm>
             <a:prstGeom prst="rect">
               <a:avLst/>
@@ -9050,16 +10251,16 @@
           </p:nvSpPr>
           <p:spPr>
             <a:xfrm flipH="1" rot="10800000">
-              <a:off x="3167640" y="505800"/>
-              <a:ext cx="58680" cy="660960"/>
+              <a:off x="3167640" y="507240"/>
+              <a:ext cx="57240" cy="659520"/>
             </a:xfrm>
             <a:custGeom>
               <a:avLst/>
               <a:gdLst>
-                <a:gd name="textAreaLeft" fmla="*/ 2520 w 58680"/>
-                <a:gd name="textAreaRight" fmla="*/ 66240 w 58680"/>
-                <a:gd name="textAreaTop" fmla="*/ 0 h 660960"/>
-                <a:gd name="textAreaBottom" fmla="*/ 666000 h 660960"/>
+                <a:gd name="textAreaLeft" fmla="*/ 3240 w 57240"/>
+                <a:gd name="textAreaRight" fmla="*/ 66960 w 57240"/>
+                <a:gd name="textAreaTop" fmla="*/ 0 h 659520"/>
+                <a:gd name="textAreaBottom" fmla="*/ 666000 h 659520"/>
               </a:gdLst>
               <a:ahLst/>
               <a:rect l="textAreaLeft" t="textAreaTop" r="textAreaRight" b="textAreaBottom"/>
@@ -9128,16 +10329,16 @@
           </p:nvSpPr>
           <p:spPr>
             <a:xfrm flipH="1">
-              <a:off x="6923520" y="500760"/>
-              <a:ext cx="69840" cy="660960"/>
+              <a:off x="6922080" y="500760"/>
+              <a:ext cx="68400" cy="659520"/>
             </a:xfrm>
             <a:custGeom>
               <a:avLst/>
               <a:gdLst>
-                <a:gd name="textAreaLeft" fmla="*/ -2520 w 69840"/>
-                <a:gd name="textAreaRight" fmla="*/ 72360 w 69840"/>
-                <a:gd name="textAreaTop" fmla="*/ 0 h 660960"/>
-                <a:gd name="textAreaBottom" fmla="*/ 666000 h 660960"/>
+                <a:gd name="textAreaLeft" fmla="*/ -3240 w 68400"/>
+                <a:gd name="textAreaRight" fmla="*/ 71640 w 68400"/>
+                <a:gd name="textAreaTop" fmla="*/ 0 h 659520"/>
+                <a:gd name="textAreaBottom" fmla="*/ 666000 h 659520"/>
               </a:gdLst>
               <a:ahLst/>
               <a:rect l="textAreaLeft" t="textAreaTop" r="textAreaRight" b="textAreaBottom"/>
@@ -9242,7 +10443,7 @@
         <p:spPr>
           <a:xfrm>
             <a:off x="388440" y="1371600"/>
-            <a:ext cx="11038680" cy="5025600"/>
+            <a:ext cx="11037240" cy="5024160"/>
           </a:xfrm>
           <a:prstGeom prst="rect">
             <a:avLst/>
@@ -9622,9 +10823,9 @@
         <p:grpSpPr>
           <a:xfrm>
             <a:off x="3168000" y="469440"/>
-            <a:ext cx="3830400" cy="666000"/>
+            <a:ext cx="3828960" cy="666000"/>
             <a:chOff x="3168000" y="469440"/>
-            <a:chExt cx="3830400" cy="666000"/>
+            <a:chExt cx="3828960" cy="666000"/>
           </a:xfrm>
         </p:grpSpPr>
         <p:sp>
@@ -9636,7 +10837,7 @@
           <p:spPr>
             <a:xfrm>
               <a:off x="3168000" y="469440"/>
-              <a:ext cx="3830400" cy="660960"/>
+              <a:ext cx="3828960" cy="659520"/>
             </a:xfrm>
             <a:prstGeom prst="rect">
               <a:avLst/>
@@ -9702,16 +10903,16 @@
           </p:nvSpPr>
           <p:spPr>
             <a:xfrm flipH="1" rot="10800000">
-              <a:off x="3167640" y="474480"/>
-              <a:ext cx="58680" cy="660960"/>
+              <a:off x="3167640" y="475920"/>
+              <a:ext cx="57240" cy="659520"/>
             </a:xfrm>
             <a:custGeom>
               <a:avLst/>
               <a:gdLst>
-                <a:gd name="textAreaLeft" fmla="*/ 2520 w 58680"/>
-                <a:gd name="textAreaRight" fmla="*/ 66240 w 58680"/>
-                <a:gd name="textAreaTop" fmla="*/ 0 h 660960"/>
-                <a:gd name="textAreaBottom" fmla="*/ 666000 h 660960"/>
+                <a:gd name="textAreaLeft" fmla="*/ 3240 w 57240"/>
+                <a:gd name="textAreaRight" fmla="*/ 66960 w 57240"/>
+                <a:gd name="textAreaTop" fmla="*/ 0 h 659520"/>
+                <a:gd name="textAreaBottom" fmla="*/ 666000 h 659520"/>
               </a:gdLst>
               <a:ahLst/>
               <a:rect l="textAreaLeft" t="textAreaTop" r="textAreaRight" b="textAreaBottom"/>
@@ -9780,16 +10981,16 @@
           </p:nvSpPr>
           <p:spPr>
             <a:xfrm flipH="1">
-              <a:off x="6923520" y="469440"/>
-              <a:ext cx="69840" cy="660960"/>
+              <a:off x="6922080" y="469440"/>
+              <a:ext cx="68400" cy="659520"/>
             </a:xfrm>
             <a:custGeom>
               <a:avLst/>
               <a:gdLst>
-                <a:gd name="textAreaLeft" fmla="*/ -2520 w 69840"/>
-                <a:gd name="textAreaRight" fmla="*/ 72360 w 69840"/>
-                <a:gd name="textAreaTop" fmla="*/ 0 h 660960"/>
-                <a:gd name="textAreaBottom" fmla="*/ 666000 h 660960"/>
+                <a:gd name="textAreaLeft" fmla="*/ -3240 w 68400"/>
+                <a:gd name="textAreaRight" fmla="*/ 71640 w 68400"/>
+                <a:gd name="textAreaTop" fmla="*/ 0 h 659520"/>
+                <a:gd name="textAreaBottom" fmla="*/ 666000 h 659520"/>
               </a:gdLst>
               <a:ahLst/>
               <a:rect l="textAreaLeft" t="textAreaTop" r="textAreaRight" b="textAreaBottom"/>
@@ -9860,7 +11061,7 @@
         <p:spPr>
           <a:xfrm>
             <a:off x="273600" y="6435000"/>
-            <a:ext cx="565200" cy="270360"/>
+            <a:ext cx="563760" cy="268920"/>
           </a:xfrm>
           <a:prstGeom prst="rect">
             <a:avLst/>
@@ -9889,7 +11090,7 @@
                 <a:tab algn="l" pos="0"/>
               </a:tabLst>
             </a:pPr>
-            <a:fld id="{FD4F09AD-B75D-44FE-AA0C-D686B46AD3D3}" type="slidenum">
+            <a:fld id="{BDA7D26A-3A24-4347-AA68-99BFBB9B3ECB}" type="slidenum">
               <a:rPr b="0" lang="ru-RU" sz="1400" spc="-1" strike="noStrike">
                 <a:solidFill>
                   <a:srgbClr val="898989"/>
@@ -9947,9 +11148,9 @@
         <p:grpSpPr>
           <a:xfrm>
             <a:off x="3168000" y="203760"/>
-            <a:ext cx="6887520" cy="1197360"/>
+            <a:ext cx="6886080" cy="1197360"/>
             <a:chOff x="3168000" y="203760"/>
-            <a:chExt cx="6887520" cy="1197360"/>
+            <a:chExt cx="6886080" cy="1197360"/>
           </a:xfrm>
         </p:grpSpPr>
         <p:sp>
@@ -9961,7 +11162,7 @@
           <p:spPr>
             <a:xfrm>
               <a:off x="3168000" y="203760"/>
-              <a:ext cx="6887520" cy="1190520"/>
+              <a:ext cx="6886080" cy="1189080"/>
             </a:xfrm>
             <a:prstGeom prst="rect">
               <a:avLst/>
@@ -10050,16 +11251,16 @@
           </p:nvSpPr>
           <p:spPr>
             <a:xfrm flipH="1" rot="10800000">
-              <a:off x="3167640" y="210600"/>
-              <a:ext cx="107640" cy="1190520"/>
+              <a:off x="3167640" y="212040"/>
+              <a:ext cx="106200" cy="1189080"/>
             </a:xfrm>
             <a:custGeom>
               <a:avLst/>
               <a:gdLst>
-                <a:gd name="textAreaLeft" fmla="*/ 3240 w 107640"/>
-                <a:gd name="textAreaRight" fmla="*/ 117360 w 107640"/>
-                <a:gd name="textAreaTop" fmla="*/ 0 h 1190520"/>
-                <a:gd name="textAreaBottom" fmla="*/ 1196640 h 1190520"/>
+                <a:gd name="textAreaLeft" fmla="*/ 3960 w 106200"/>
+                <a:gd name="textAreaRight" fmla="*/ 118080 w 106200"/>
+                <a:gd name="textAreaTop" fmla="*/ 0 h 1189080"/>
+                <a:gd name="textAreaBottom" fmla="*/ 1196640 h 1189080"/>
               </a:gdLst>
               <a:ahLst/>
               <a:rect l="textAreaLeft" t="textAreaTop" r="textAreaRight" b="textAreaBottom"/>
@@ -10128,16 +11329,16 @@
           </p:nvSpPr>
           <p:spPr>
             <a:xfrm flipH="1">
-              <a:off x="9920520" y="203760"/>
-              <a:ext cx="127800" cy="1190520"/>
+              <a:off x="9919080" y="203760"/>
+              <a:ext cx="126360" cy="1189080"/>
             </a:xfrm>
             <a:custGeom>
               <a:avLst/>
               <a:gdLst>
-                <a:gd name="textAreaLeft" fmla="*/ -3600 w 127800"/>
-                <a:gd name="textAreaRight" fmla="*/ 130320 w 127800"/>
-                <a:gd name="textAreaTop" fmla="*/ 0 h 1190520"/>
-                <a:gd name="textAreaBottom" fmla="*/ 1196640 h 1190520"/>
+                <a:gd name="textAreaLeft" fmla="*/ -4320 w 126360"/>
+                <a:gd name="textAreaRight" fmla="*/ 129600 w 126360"/>
+                <a:gd name="textAreaTop" fmla="*/ 0 h 1189080"/>
+                <a:gd name="textAreaBottom" fmla="*/ 1196640 h 1189080"/>
               </a:gdLst>
               <a:ahLst/>
               <a:rect l="textAreaLeft" t="textAreaTop" r="textAreaRight" b="textAreaBottom"/>
@@ -10208,7 +11409,7 @@
         <p:spPr>
           <a:xfrm>
             <a:off x="273600" y="6435000"/>
-            <a:ext cx="565200" cy="270360"/>
+            <a:ext cx="563760" cy="268920"/>
           </a:xfrm>
           <a:prstGeom prst="rect">
             <a:avLst/>
@@ -10237,7 +11438,7 @@
                 <a:tab algn="l" pos="0"/>
               </a:tabLst>
             </a:pPr>
-            <a:fld id="{12C99A7D-C107-4253-8EB7-A0BB757B1150}" type="slidenum">
+            <a:fld id="{792B50C9-0465-46F5-9B3C-24313640DC73}" type="slidenum">
               <a:rPr b="0" lang="ru-RU" sz="1400" spc="-1" strike="noStrike">
                 <a:solidFill>
                   <a:srgbClr val="898989"/>
@@ -10265,7 +11466,7 @@
         <p:spPr>
           <a:xfrm>
             <a:off x="5943600" y="1602360"/>
-            <a:ext cx="5713560" cy="1368000"/>
+            <a:ext cx="5712120" cy="1366560"/>
           </a:xfrm>
           <a:prstGeom prst="rect">
             <a:avLst/>
@@ -10384,7 +11585,7 @@
         <p:spPr>
           <a:xfrm>
             <a:off x="452160" y="1492200"/>
-            <a:ext cx="2662200" cy="2675520"/>
+            <a:ext cx="2660760" cy="2674080"/>
           </a:xfrm>
           <a:prstGeom prst="rect">
             <a:avLst/>
@@ -10407,7 +11608,7 @@
         <p:spPr>
           <a:xfrm>
             <a:off x="3136680" y="1492200"/>
-            <a:ext cx="2648880" cy="2670840"/>
+            <a:ext cx="2647440" cy="2669400"/>
           </a:xfrm>
           <a:prstGeom prst="rect">
             <a:avLst/>
@@ -10430,7 +11631,7 @@
         <p:spPr>
           <a:xfrm>
             <a:off x="541800" y="4170960"/>
-            <a:ext cx="2428560" cy="2457000"/>
+            <a:ext cx="2427120" cy="2455560"/>
           </a:xfrm>
           <a:prstGeom prst="rect">
             <a:avLst/>
@@ -10453,7 +11654,7 @@
         <p:spPr>
           <a:xfrm>
             <a:off x="3384720" y="4271400"/>
-            <a:ext cx="2284560" cy="2303640"/>
+            <a:ext cx="2283120" cy="2302200"/>
           </a:xfrm>
           <a:prstGeom prst="rect">
             <a:avLst/>
@@ -10502,9 +11703,9 @@
         <p:grpSpPr>
           <a:xfrm>
             <a:off x="3168000" y="203760"/>
-            <a:ext cx="6887520" cy="1197360"/>
+            <a:ext cx="6886080" cy="1197360"/>
             <a:chOff x="3168000" y="203760"/>
-            <a:chExt cx="6887520" cy="1197360"/>
+            <a:chExt cx="6886080" cy="1197360"/>
           </a:xfrm>
         </p:grpSpPr>
         <p:sp>
@@ -10516,7 +11717,7 @@
           <p:spPr>
             <a:xfrm>
               <a:off x="3168000" y="203760"/>
-              <a:ext cx="6887520" cy="1190520"/>
+              <a:ext cx="6886080" cy="1189080"/>
             </a:xfrm>
             <a:prstGeom prst="rect">
               <a:avLst/>
@@ -10605,16 +11806,16 @@
           </p:nvSpPr>
           <p:spPr>
             <a:xfrm flipH="1" rot="10800000">
-              <a:off x="3167640" y="210600"/>
-              <a:ext cx="107640" cy="1190520"/>
+              <a:off x="3167640" y="212040"/>
+              <a:ext cx="106200" cy="1189080"/>
             </a:xfrm>
             <a:custGeom>
               <a:avLst/>
               <a:gdLst>
-                <a:gd name="textAreaLeft" fmla="*/ 3240 w 107640"/>
-                <a:gd name="textAreaRight" fmla="*/ 117360 w 107640"/>
-                <a:gd name="textAreaTop" fmla="*/ 0 h 1190520"/>
-                <a:gd name="textAreaBottom" fmla="*/ 1196640 h 1190520"/>
+                <a:gd name="textAreaLeft" fmla="*/ 3960 w 106200"/>
+                <a:gd name="textAreaRight" fmla="*/ 118080 w 106200"/>
+                <a:gd name="textAreaTop" fmla="*/ 0 h 1189080"/>
+                <a:gd name="textAreaBottom" fmla="*/ 1196640 h 1189080"/>
               </a:gdLst>
               <a:ahLst/>
               <a:rect l="textAreaLeft" t="textAreaTop" r="textAreaRight" b="textAreaBottom"/>
@@ -10683,16 +11884,16 @@
           </p:nvSpPr>
           <p:spPr>
             <a:xfrm flipH="1">
-              <a:off x="9920520" y="203760"/>
-              <a:ext cx="127800" cy="1190520"/>
+              <a:off x="9919080" y="203760"/>
+              <a:ext cx="126360" cy="1189080"/>
             </a:xfrm>
             <a:custGeom>
               <a:avLst/>
               <a:gdLst>
-                <a:gd name="textAreaLeft" fmla="*/ -3600 w 127800"/>
-                <a:gd name="textAreaRight" fmla="*/ 130320 w 127800"/>
-                <a:gd name="textAreaTop" fmla="*/ 0 h 1190520"/>
-                <a:gd name="textAreaBottom" fmla="*/ 1196640 h 1190520"/>
+                <a:gd name="textAreaLeft" fmla="*/ -4320 w 126360"/>
+                <a:gd name="textAreaRight" fmla="*/ 129600 w 126360"/>
+                <a:gd name="textAreaTop" fmla="*/ 0 h 1189080"/>
+                <a:gd name="textAreaBottom" fmla="*/ 1196640 h 1189080"/>
               </a:gdLst>
               <a:ahLst/>
               <a:rect l="textAreaLeft" t="textAreaTop" r="textAreaRight" b="textAreaBottom"/>
@@ -10763,7 +11964,7 @@
         <p:spPr>
           <a:xfrm>
             <a:off x="273600" y="6435000"/>
-            <a:ext cx="565200" cy="270360"/>
+            <a:ext cx="563760" cy="268920"/>
           </a:xfrm>
           <a:prstGeom prst="rect">
             <a:avLst/>
@@ -10792,7 +11993,7 @@
                 <a:tab algn="l" pos="0"/>
               </a:tabLst>
             </a:pPr>
-            <a:fld id="{4E8F9CB6-DF67-47CD-A63F-8C80AEBB755B}" type="slidenum">
+            <a:fld id="{B66C7749-9C51-47E2-8011-A77AD2562798}" type="slidenum">
               <a:rPr b="0" lang="ru-RU" sz="1400" spc="-1" strike="noStrike">
                 <a:solidFill>
                   <a:srgbClr val="898989"/>
@@ -10800,7 +12001,7 @@
                 <a:latin typeface="Times New Roman"/>
                 <a:ea typeface="Open Sans"/>
               </a:rPr>
-              <a:t>&lt;number&gt;</a:t>
+              <a:t>5</a:t>
             </a:fld>
             <a:endParaRPr b="0" lang="en-US" sz="1400" spc="-1" strike="noStrike">
               <a:solidFill>
@@ -10820,7 +12021,7 @@
         <p:spPr>
           <a:xfrm>
             <a:off x="388440" y="1600200"/>
-            <a:ext cx="4407840" cy="911520"/>
+            <a:ext cx="4406400" cy="910080"/>
           </a:xfrm>
           <a:prstGeom prst="rect">
             <a:avLst/>
@@ -10880,7 +12081,7 @@
         <p:spPr>
           <a:xfrm>
             <a:off x="5029200" y="1600200"/>
-            <a:ext cx="6855480" cy="1138680"/>
+            <a:ext cx="6854040" cy="1137240"/>
           </a:xfrm>
           <a:prstGeom prst="rect">
             <a:avLst/>
@@ -10898,7 +12099,7 @@
         </p:style>
         <p:txBody>
           <a:bodyPr lIns="90000" rIns="90000" tIns="45000" bIns="45000" anchor="t">
-            <a:normAutofit/>
+            <a:normAutofit fontScale="98333" lnSpcReduction="10000"/>
           </a:bodyPr>
           <a:p>
             <a:pPr marL="76320" algn="just">
@@ -11907,7 +13108,7 @@
         <p:spPr>
           <a:xfrm>
             <a:off x="529200" y="2536920"/>
-            <a:ext cx="4112280" cy="3517920"/>
+            <a:ext cx="4110840" cy="3516480"/>
           </a:xfrm>
           <a:prstGeom prst="rect">
             <a:avLst/>
@@ -11960,7 +13161,7 @@
         <p:spPr>
           <a:xfrm>
             <a:off x="388440" y="1371600"/>
-            <a:ext cx="5779440" cy="5253480"/>
+            <a:ext cx="5778000" cy="5252040"/>
           </a:xfrm>
           <a:prstGeom prst="rect">
             <a:avLst/>
@@ -12127,7 +13328,7 @@
                 <a:latin typeface="Arial"/>
                 <a:ea typeface="Open Sans"/>
               </a:rPr>
-              <a:t>Добавление новых числовых признаков на основании агрегации информации о предыдущей кредитной истории (такие как коэффициенты кредитной нагрузки, доход в расчете на одного члена семьи и др.)</a:t>
+              <a:t>Добавление новых числовых признаков на основании агрегации информации о предыдущей кредитной истории (такие как коэффициенты кредитной нагрузки, доход в расчете на одного члена семьи и др.) </a:t>
             </a:r>
             <a:endParaRPr b="0" lang="en-US" sz="1800" spc="-1" strike="noStrike">
               <a:solidFill>
@@ -12147,9 +13348,9 @@
         <p:grpSpPr>
           <a:xfrm>
             <a:off x="3168000" y="243720"/>
-            <a:ext cx="6428880" cy="1117440"/>
+            <a:ext cx="6427440" cy="1117440"/>
             <a:chOff x="3168000" y="243720"/>
-            <a:chExt cx="6428880" cy="1117440"/>
+            <a:chExt cx="6427440" cy="1117440"/>
           </a:xfrm>
         </p:grpSpPr>
         <p:sp>
@@ -12161,7 +13362,7 @@
           <p:spPr>
             <a:xfrm>
               <a:off x="3168000" y="243720"/>
-              <a:ext cx="6428880" cy="1111680"/>
+              <a:ext cx="6427440" cy="1110240"/>
             </a:xfrm>
             <a:prstGeom prst="rect">
               <a:avLst/>
@@ -12227,16 +13428,16 @@
           </p:nvSpPr>
           <p:spPr>
             <a:xfrm flipH="1" rot="10800000">
-              <a:off x="3168000" y="249480"/>
-              <a:ext cx="101520" cy="1111680"/>
+              <a:off x="3168000" y="250920"/>
+              <a:ext cx="100080" cy="1110240"/>
             </a:xfrm>
             <a:custGeom>
               <a:avLst/>
               <a:gdLst>
-                <a:gd name="textAreaLeft" fmla="*/ 2880 w 101520"/>
-                <a:gd name="textAreaRight" fmla="*/ 109800 w 101520"/>
-                <a:gd name="textAreaTop" fmla="*/ 0 h 1111680"/>
-                <a:gd name="textAreaBottom" fmla="*/ 1116720 h 1111680"/>
+                <a:gd name="textAreaLeft" fmla="*/ 3600 w 100080"/>
+                <a:gd name="textAreaRight" fmla="*/ 110520 w 100080"/>
+                <a:gd name="textAreaTop" fmla="*/ 0 h 1110240"/>
+                <a:gd name="textAreaBottom" fmla="*/ 1116720 h 1110240"/>
               </a:gdLst>
               <a:ahLst/>
               <a:rect l="textAreaLeft" t="textAreaTop" r="textAreaRight" b="textAreaBottom"/>
@@ -12305,16 +13506,16 @@
           </p:nvSpPr>
           <p:spPr>
             <a:xfrm flipH="1">
-              <a:off x="9471240" y="243720"/>
-              <a:ext cx="120240" cy="1111680"/>
+              <a:off x="9469800" y="243720"/>
+              <a:ext cx="118800" cy="1110240"/>
             </a:xfrm>
             <a:custGeom>
               <a:avLst/>
               <a:gdLst>
-                <a:gd name="textAreaLeft" fmla="*/ -2520 w 120240"/>
-                <a:gd name="textAreaRight" fmla="*/ 122760 w 120240"/>
-                <a:gd name="textAreaTop" fmla="*/ 0 h 1111680"/>
-                <a:gd name="textAreaBottom" fmla="*/ 1116720 h 1111680"/>
+                <a:gd name="textAreaLeft" fmla="*/ -3240 w 118800"/>
+                <a:gd name="textAreaRight" fmla="*/ 122040 w 118800"/>
+                <a:gd name="textAreaTop" fmla="*/ 0 h 1110240"/>
+                <a:gd name="textAreaBottom" fmla="*/ 1116720 h 1110240"/>
               </a:gdLst>
               <a:ahLst/>
               <a:rect l="textAreaLeft" t="textAreaTop" r="textAreaRight" b="textAreaBottom"/>
@@ -12385,7 +13586,7 @@
         <p:spPr>
           <a:xfrm>
             <a:off x="6400800" y="1359000"/>
-            <a:ext cx="5482080" cy="5266080"/>
+            <a:ext cx="5480640" cy="5264640"/>
           </a:xfrm>
           <a:prstGeom prst="rect">
             <a:avLst/>
@@ -12912,7 +14113,7 @@
                 <a:latin typeface="Arial"/>
                 <a:ea typeface="Arial"/>
               </a:rPr>
-              <a:t>Итого 120 оригинальный признаков и еще 20 дополнительных</a:t>
+              <a:t>Итого 120 оригинальный признаков и еще 140 дополнительных</a:t>
             </a:r>
             <a:endParaRPr b="0" lang="en-US" sz="1600" spc="-1" strike="noStrike">
               <a:solidFill>
@@ -12932,7 +14133,7 @@
         <p:spPr>
           <a:xfrm>
             <a:off x="273600" y="6435000"/>
-            <a:ext cx="565200" cy="270360"/>
+            <a:ext cx="563760" cy="268920"/>
           </a:xfrm>
           <a:prstGeom prst="rect">
             <a:avLst/>
@@ -12961,7 +14162,7 @@
                 <a:tab algn="l" pos="0"/>
               </a:tabLst>
             </a:pPr>
-            <a:fld id="{274B4FAA-82EF-4900-B847-DD3DA44381AE}" type="slidenum">
+            <a:fld id="{4346A616-CFFF-4F3F-973D-6A21F6C6432C}" type="slidenum">
               <a:rPr b="0" lang="ru-RU" sz="1400" spc="-1" strike="noStrike">
                 <a:solidFill>
                   <a:srgbClr val="898989"/>
@@ -13023,7 +14224,7 @@
         <p:spPr>
           <a:xfrm>
             <a:off x="388440" y="1600200"/>
-            <a:ext cx="11494440" cy="5024880"/>
+            <a:ext cx="11493000" cy="5023440"/>
           </a:xfrm>
           <a:prstGeom prst="rect">
             <a:avLst/>
@@ -13400,7 +14601,7 @@
                 <a:latin typeface="Arial"/>
                 <a:ea typeface="Open Sans"/>
               </a:rPr>
-              <a:t>5) Нормализация и стандартизация: применяем One-Hot encoding для категориальных переменных и стандартизацию для числовых переменных</a:t>
+              <a:t>5) Нормализация и стандартизация: применяем One-Hot encoding для категориальных переменных (всего таких 15 штук) и стандартизацию для числовых переменных</a:t>
             </a:r>
             <a:endParaRPr b="0" lang="en-US" sz="1800" spc="-1" strike="noStrike">
               <a:solidFill>
@@ -13420,9 +14621,9 @@
         <p:grpSpPr>
           <a:xfrm>
             <a:off x="3168000" y="243720"/>
-            <a:ext cx="6428880" cy="1117440"/>
+            <a:ext cx="6427440" cy="1117440"/>
             <a:chOff x="3168000" y="243720"/>
-            <a:chExt cx="6428880" cy="1117440"/>
+            <a:chExt cx="6427440" cy="1117440"/>
           </a:xfrm>
         </p:grpSpPr>
         <p:sp>
@@ -13434,7 +14635,7 @@
           <p:spPr>
             <a:xfrm>
               <a:off x="3168000" y="243720"/>
-              <a:ext cx="6428880" cy="1111680"/>
+              <a:ext cx="6427440" cy="1110240"/>
             </a:xfrm>
             <a:prstGeom prst="rect">
               <a:avLst/>
@@ -13500,16 +14701,16 @@
           </p:nvSpPr>
           <p:spPr>
             <a:xfrm flipH="1" rot="10800000">
-              <a:off x="3168000" y="249480"/>
-              <a:ext cx="101520" cy="1111680"/>
+              <a:off x="3168000" y="250920"/>
+              <a:ext cx="100080" cy="1110240"/>
             </a:xfrm>
             <a:custGeom>
               <a:avLst/>
               <a:gdLst>
-                <a:gd name="textAreaLeft" fmla="*/ 2880 w 101520"/>
-                <a:gd name="textAreaRight" fmla="*/ 109800 w 101520"/>
-                <a:gd name="textAreaTop" fmla="*/ 0 h 1111680"/>
-                <a:gd name="textAreaBottom" fmla="*/ 1116720 h 1111680"/>
+                <a:gd name="textAreaLeft" fmla="*/ 3600 w 100080"/>
+                <a:gd name="textAreaRight" fmla="*/ 110520 w 100080"/>
+                <a:gd name="textAreaTop" fmla="*/ 0 h 1110240"/>
+                <a:gd name="textAreaBottom" fmla="*/ 1116720 h 1110240"/>
               </a:gdLst>
               <a:ahLst/>
               <a:rect l="textAreaLeft" t="textAreaTop" r="textAreaRight" b="textAreaBottom"/>
@@ -13578,16 +14779,16 @@
           </p:nvSpPr>
           <p:spPr>
             <a:xfrm flipH="1">
-              <a:off x="9471240" y="243720"/>
-              <a:ext cx="120240" cy="1111680"/>
+              <a:off x="9469800" y="243720"/>
+              <a:ext cx="118800" cy="1110240"/>
             </a:xfrm>
             <a:custGeom>
               <a:avLst/>
               <a:gdLst>
-                <a:gd name="textAreaLeft" fmla="*/ -2520 w 120240"/>
-                <a:gd name="textAreaRight" fmla="*/ 122760 w 120240"/>
-                <a:gd name="textAreaTop" fmla="*/ 0 h 1111680"/>
-                <a:gd name="textAreaBottom" fmla="*/ 1116720 h 1111680"/>
+                <a:gd name="textAreaLeft" fmla="*/ -3240 w 118800"/>
+                <a:gd name="textAreaRight" fmla="*/ 122040 w 118800"/>
+                <a:gd name="textAreaTop" fmla="*/ 0 h 1110240"/>
+                <a:gd name="textAreaBottom" fmla="*/ 1116720 h 1110240"/>
               </a:gdLst>
               <a:ahLst/>
               <a:rect l="textAreaLeft" t="textAreaTop" r="textAreaRight" b="textAreaBottom"/>
@@ -13658,7 +14859,7 @@
         <p:spPr>
           <a:xfrm>
             <a:off x="273600" y="6435000"/>
-            <a:ext cx="565200" cy="270360"/>
+            <a:ext cx="563760" cy="268920"/>
           </a:xfrm>
           <a:prstGeom prst="rect">
             <a:avLst/>
@@ -13687,7 +14888,7 @@
                 <a:tab algn="l" pos="0"/>
               </a:tabLst>
             </a:pPr>
-            <a:fld id="{219453FB-9504-473B-A41C-0E47F73B2B5A}" type="slidenum">
+            <a:fld id="{44FAC773-E9C3-4593-9E82-76B758930276}" type="slidenum">
               <a:rPr b="0" lang="ru-RU" sz="1400" spc="-1" strike="noStrike">
                 <a:solidFill>
                   <a:srgbClr val="898989"/>
@@ -13745,9 +14946,9 @@
         <p:grpSpPr>
           <a:xfrm>
             <a:off x="3168000" y="322920"/>
-            <a:ext cx="5515560" cy="959040"/>
+            <a:ext cx="5514120" cy="959040"/>
             <a:chOff x="3168000" y="322920"/>
-            <a:chExt cx="5515560" cy="959040"/>
+            <a:chExt cx="5514120" cy="959040"/>
           </a:xfrm>
         </p:grpSpPr>
         <p:sp>
@@ -13759,7 +14960,7 @@
           <p:spPr>
             <a:xfrm>
               <a:off x="3168000" y="322920"/>
-              <a:ext cx="5515560" cy="952920"/>
+              <a:ext cx="5514120" cy="951480"/>
             </a:xfrm>
             <a:prstGeom prst="rect">
               <a:avLst/>
@@ -13825,16 +15026,16 @@
           </p:nvSpPr>
           <p:spPr>
             <a:xfrm flipH="1" rot="10800000">
-              <a:off x="3167640" y="329040"/>
-              <a:ext cx="86040" cy="952920"/>
+              <a:off x="3167640" y="330480"/>
+              <a:ext cx="84600" cy="951480"/>
             </a:xfrm>
             <a:custGeom>
               <a:avLst/>
               <a:gdLst>
-                <a:gd name="textAreaLeft" fmla="*/ 2520 w 86040"/>
-                <a:gd name="textAreaRight" fmla="*/ 94320 w 86040"/>
-                <a:gd name="textAreaTop" fmla="*/ 0 h 952920"/>
-                <a:gd name="textAreaBottom" fmla="*/ 958320 h 952920"/>
+                <a:gd name="textAreaLeft" fmla="*/ 3240 w 84600"/>
+                <a:gd name="textAreaRight" fmla="*/ 95040 w 84600"/>
+                <a:gd name="textAreaTop" fmla="*/ 0 h 951480"/>
+                <a:gd name="textAreaBottom" fmla="*/ 958320 h 951480"/>
               </a:gdLst>
               <a:ahLst/>
               <a:rect l="textAreaLeft" t="textAreaTop" r="textAreaRight" b="textAreaBottom"/>
@@ -13903,16 +15104,16 @@
           </p:nvSpPr>
           <p:spPr>
             <a:xfrm flipH="1">
-              <a:off x="8575560" y="322920"/>
-              <a:ext cx="101880" cy="952920"/>
+              <a:off x="8574120" y="322920"/>
+              <a:ext cx="100440" cy="951480"/>
             </a:xfrm>
             <a:custGeom>
               <a:avLst/>
               <a:gdLst>
-                <a:gd name="textAreaLeft" fmla="*/ 1080 w 101880"/>
-                <a:gd name="textAreaRight" fmla="*/ 108000 w 101880"/>
-                <a:gd name="textAreaTop" fmla="*/ 0 h 952920"/>
-                <a:gd name="textAreaBottom" fmla="*/ 958320 h 952920"/>
+                <a:gd name="textAreaLeft" fmla="*/ 1800 w 100440"/>
+                <a:gd name="textAreaRight" fmla="*/ 108720 w 100440"/>
+                <a:gd name="textAreaTop" fmla="*/ 0 h 951480"/>
+                <a:gd name="textAreaBottom" fmla="*/ 958320 h 951480"/>
               </a:gdLst>
               <a:ahLst/>
               <a:rect l="textAreaLeft" t="textAreaTop" r="textAreaRight" b="textAreaBottom"/>
@@ -13983,7 +15184,7 @@
         <p:spPr>
           <a:xfrm>
             <a:off x="273600" y="6435000"/>
-            <a:ext cx="565200" cy="270360"/>
+            <a:ext cx="563760" cy="268920"/>
           </a:xfrm>
           <a:prstGeom prst="rect">
             <a:avLst/>
@@ -14012,7 +15213,7 @@
                 <a:tab algn="l" pos="0"/>
               </a:tabLst>
             </a:pPr>
-            <a:fld id="{3459A10A-14CD-49CD-97E1-40F7102CC4FD}" type="slidenum">
+            <a:fld id="{31EC5A92-F013-4290-A023-2347A4C533D3}" type="slidenum">
               <a:rPr b="0" lang="ru-RU" sz="1400" spc="-1" strike="noStrike">
                 <a:solidFill>
                   <a:srgbClr val="898989"/>
@@ -15253,7 +16454,7 @@
         <p:spPr>
           <a:xfrm>
             <a:off x="8121600" y="1371600"/>
-            <a:ext cx="3883320" cy="4568760"/>
+            <a:ext cx="3881880" cy="4567320"/>
           </a:xfrm>
           <a:prstGeom prst="rect">
             <a:avLst/>
@@ -15448,7 +16649,7 @@
         <p:spPr>
           <a:xfrm>
             <a:off x="7952400" y="3128400"/>
-            <a:ext cx="3768480" cy="548640"/>
+            <a:ext cx="3767040" cy="547200"/>
           </a:xfrm>
           <a:prstGeom prst="rect">
             <a:avLst/>
@@ -15471,7 +16672,7 @@
         <p:spPr>
           <a:xfrm>
             <a:off x="7759800" y="5571000"/>
-            <a:ext cx="4349880" cy="539280"/>
+            <a:ext cx="4348440" cy="537840"/>
           </a:xfrm>
           <a:prstGeom prst="rect">
             <a:avLst/>

--- a/Прогнозирование_вероятности_дефолта.pptx
+++ b/Прогнозирование_вероятности_дефолта.pptx
@@ -90,7 +90,7 @@
         <p:txBody>
           <a:bodyPr/>
           <a:p>
-            <a:fld id="{487E7DF8-4AAD-4E1D-81F4-79EA9F688DA2}" type="slidenum">
+            <a:fld id="{569D3966-21BA-4F94-8A56-C03F87D88D3E}" type="slidenum">
               <a:t>&lt;#&gt;</a:t>
             </a:fld>
           </a:p>
@@ -132,7 +132,7 @@
         <p:txBody>
           <a:bodyPr/>
           <a:p>
-            <a:fld id="{F22786C4-750E-4AA8-AB5E-97F4DB458692}" type="slidenum">
+            <a:fld id="{A9C921CB-5B4B-4D22-AE4A-938740A0CA07}" type="slidenum">
               <a:t>&lt;#&gt;</a:t>
             </a:fld>
           </a:p>
@@ -174,7 +174,7 @@
         <p:txBody>
           <a:bodyPr/>
           <a:p>
-            <a:fld id="{CBF652FD-6025-4718-80FF-7560400441CE}" type="slidenum">
+            <a:fld id="{E38BC831-961B-4484-9C30-08B27D96D15F}" type="slidenum">
               <a:t>&lt;#&gt;</a:t>
             </a:fld>
           </a:p>
@@ -216,7 +216,7 @@
         <p:txBody>
           <a:bodyPr/>
           <a:p>
-            <a:fld id="{9A827912-BCEF-4999-AC8B-1596D17100E4}" type="slidenum">
+            <a:fld id="{07EEF80D-51E0-43D7-B2C3-70D585458AB6}" type="slidenum">
               <a:t>&lt;#&gt;</a:t>
             </a:fld>
           </a:p>
@@ -258,7 +258,7 @@
         <p:txBody>
           <a:bodyPr/>
           <a:p>
-            <a:fld id="{52EED4AB-4C51-4BE6-A2F6-A8A9214DBEF3}" type="slidenum">
+            <a:fld id="{5B23CD56-D9B5-443D-ADD2-9F66DE4B93B9}" type="slidenum">
               <a:t>&lt;#&gt;</a:t>
             </a:fld>
           </a:p>
@@ -300,7 +300,7 @@
         <p:txBody>
           <a:bodyPr/>
           <a:p>
-            <a:fld id="{EC3C8E72-1422-4AC3-8AF9-31E4299A4EEE}" type="slidenum">
+            <a:fld id="{54AC4C71-326E-40BA-B48F-32678B78149E}" type="slidenum">
               <a:t>&lt;#&gt;</a:t>
             </a:fld>
           </a:p>
@@ -342,7 +342,7 @@
         <p:txBody>
           <a:bodyPr/>
           <a:p>
-            <a:fld id="{E90B6F63-C7EE-441A-B201-443A259BB605}" type="slidenum">
+            <a:fld id="{1E7CE5C6-4A49-4FBF-8307-5729A6081C0B}" type="slidenum">
               <a:t>&lt;#&gt;</a:t>
             </a:fld>
           </a:p>
@@ -412,7 +412,7 @@
         <p:spPr>
           <a:xfrm>
             <a:off x="420480" y="446040"/>
-            <a:ext cx="2355120" cy="716400"/>
+            <a:ext cx="2354760" cy="716040"/>
           </a:xfrm>
           <a:prstGeom prst="rect">
             <a:avLst/>
@@ -430,13 +430,13 @@
         </p:nvPicPr>
         <p:blipFill>
           <a:blip r:embed="rId3"/>
-          <a:srcRect l="0" t="16233" r="0" b="8815"/>
+          <a:srcRect l="0" t="16231" r="0" b="8815"/>
           <a:stretch/>
         </p:blipFill>
         <p:spPr>
           <a:xfrm>
             <a:off x="0" y="0"/>
-            <a:ext cx="12185640" cy="6851520"/>
+            <a:ext cx="12185280" cy="6851160"/>
           </a:xfrm>
           <a:prstGeom prst="rect">
             <a:avLst/>
@@ -455,9 +455,9 @@
         <p:grpSpPr>
           <a:xfrm>
             <a:off x="694440" y="633240"/>
-            <a:ext cx="9496440" cy="4700160"/>
+            <a:ext cx="9496080" cy="4699800"/>
             <a:chOff x="694440" y="633240"/>
-            <a:chExt cx="9496440" cy="4700160"/>
+            <a:chExt cx="9496080" cy="4699800"/>
           </a:xfrm>
         </p:grpSpPr>
         <p:pic>
@@ -473,7 +473,7 @@
           <p:spPr>
             <a:xfrm>
               <a:off x="694440" y="633240"/>
-              <a:ext cx="9496440" cy="4700160"/>
+              <a:ext cx="9496080" cy="4699800"/>
             </a:xfrm>
             <a:prstGeom prst="rect">
               <a:avLst/>
@@ -492,7 +492,7 @@
           <p:spPr>
             <a:xfrm>
               <a:off x="694440" y="5307120"/>
-              <a:ext cx="9496440" cy="22320"/>
+              <a:ext cx="9496080" cy="21960"/>
             </a:xfrm>
             <a:prstGeom prst="rect">
               <a:avLst/>
@@ -552,7 +552,7 @@
         <p:spPr>
           <a:xfrm>
             <a:off x="9157680" y="612000"/>
-            <a:ext cx="2355120" cy="715320"/>
+            <a:ext cx="2354760" cy="714960"/>
           </a:xfrm>
           <a:prstGeom prst="rect">
             <a:avLst/>
@@ -882,7 +882,7 @@
         <p:spPr>
           <a:xfrm>
             <a:off x="420480" y="446040"/>
-            <a:ext cx="2355120" cy="716400"/>
+            <a:ext cx="2354760" cy="716040"/>
           </a:xfrm>
           <a:prstGeom prst="rect">
             <a:avLst/>
@@ -905,7 +905,7 @@
         <p:spPr>
           <a:xfrm>
             <a:off x="273600" y="6433920"/>
-            <a:ext cx="563760" cy="268920"/>
+            <a:ext cx="563400" cy="268560"/>
           </a:xfrm>
           <a:prstGeom prst="rect">
             <a:avLst/>
@@ -947,7 +947,7 @@
                 <a:tab algn="l" pos="0"/>
               </a:tabLst>
             </a:pPr>
-            <a:fld id="{4A134852-0C98-441E-9523-FD39EC3C2A58}" type="slidenum">
+            <a:fld id="{9A76065A-AFA1-4EDB-8D24-E5863084F930}" type="slidenum">
               <a:rPr b="0" lang="ru-RU" sz="2400" spc="-1" strike="noStrike">
                 <a:solidFill>
                   <a:srgbClr val="898989"/>
@@ -1286,7 +1286,7 @@
         <p:spPr>
           <a:xfrm>
             <a:off x="420480" y="446040"/>
-            <a:ext cx="2355120" cy="716400"/>
+            <a:ext cx="2354760" cy="716040"/>
           </a:xfrm>
           <a:prstGeom prst="rect">
             <a:avLst/>
@@ -1309,7 +1309,7 @@
         <p:spPr>
           <a:xfrm>
             <a:off x="273600" y="6433920"/>
-            <a:ext cx="626040" cy="268920"/>
+            <a:ext cx="625680" cy="268560"/>
           </a:xfrm>
           <a:prstGeom prst="rect">
             <a:avLst/>
@@ -1351,7 +1351,7 @@
                 <a:tab algn="l" pos="0"/>
               </a:tabLst>
             </a:pPr>
-            <a:fld id="{79268C05-E244-4598-888F-434DB5FEE6F0}" type="slidenum">
+            <a:fld id="{F1EB599D-7736-43B2-8BEB-929DF1DC3DE4}" type="slidenum">
               <a:rPr b="0" lang="ru-RU" sz="2400" spc="-1" strike="noStrike">
                 <a:solidFill>
                   <a:srgbClr val="898989"/>
@@ -1416,7 +1416,7 @@
         <p:spPr>
           <a:xfrm>
             <a:off x="420480" y="446040"/>
-            <a:ext cx="2355120" cy="716400"/>
+            <a:ext cx="2354760" cy="716040"/>
           </a:xfrm>
           <a:prstGeom prst="rect">
             <a:avLst/>
@@ -1439,7 +1439,7 @@
         <p:spPr>
           <a:xfrm>
             <a:off x="273600" y="6433920"/>
-            <a:ext cx="563760" cy="268920"/>
+            <a:ext cx="563400" cy="268560"/>
           </a:xfrm>
           <a:prstGeom prst="rect">
             <a:avLst/>
@@ -1481,7 +1481,7 @@
                 <a:tab algn="l" pos="0"/>
               </a:tabLst>
             </a:pPr>
-            <a:fld id="{8DE3096E-2155-4125-AD67-3A57F94E7496}" type="slidenum">
+            <a:fld id="{98DE9869-73C3-4133-A2DA-A94102B8E087}" type="slidenum">
               <a:rPr b="0" lang="ru-RU" sz="2400" spc="-1" strike="noStrike">
                 <a:solidFill>
                   <a:srgbClr val="898989"/>
@@ -1546,7 +1546,7 @@
         <p:spPr>
           <a:xfrm>
             <a:off x="420480" y="446040"/>
-            <a:ext cx="2355120" cy="716400"/>
+            <a:ext cx="2354760" cy="716040"/>
           </a:xfrm>
           <a:prstGeom prst="rect">
             <a:avLst/>
@@ -1569,7 +1569,7 @@
         <p:spPr>
           <a:xfrm>
             <a:off x="273600" y="6433920"/>
-            <a:ext cx="563760" cy="268920"/>
+            <a:ext cx="563400" cy="268560"/>
           </a:xfrm>
           <a:prstGeom prst="rect">
             <a:avLst/>
@@ -1611,7 +1611,7 @@
                 <a:tab algn="l" pos="0"/>
               </a:tabLst>
             </a:pPr>
-            <a:fld id="{BF21D399-0AC3-46BC-B881-826500ED7C33}" type="slidenum">
+            <a:fld id="{93E736D1-40A7-47EF-A303-F472482A2E4A}" type="slidenum">
               <a:rPr b="0" lang="ru-RU" sz="2400" spc="-1" strike="noStrike">
                 <a:solidFill>
                   <a:srgbClr val="898989"/>
@@ -1676,7 +1676,7 @@
         <p:spPr>
           <a:xfrm>
             <a:off x="420480" y="446040"/>
-            <a:ext cx="2355120" cy="716400"/>
+            <a:ext cx="2354760" cy="716040"/>
           </a:xfrm>
           <a:prstGeom prst="rect">
             <a:avLst/>
@@ -1699,7 +1699,7 @@
         <p:spPr>
           <a:xfrm>
             <a:off x="273600" y="6433920"/>
-            <a:ext cx="563760" cy="268920"/>
+            <a:ext cx="563400" cy="268560"/>
           </a:xfrm>
           <a:prstGeom prst="rect">
             <a:avLst/>
@@ -1741,7 +1741,7 @@
                 <a:tab algn="l" pos="0"/>
               </a:tabLst>
             </a:pPr>
-            <a:fld id="{271736E4-1DC0-46E2-8E20-F701889AED5D}" type="slidenum">
+            <a:fld id="{A336689D-3D43-4C53-B236-FDE4166EAA0E}" type="slidenum">
               <a:rPr b="0" lang="ru-RU" sz="2400" spc="-1" strike="noStrike">
                 <a:solidFill>
                   <a:srgbClr val="898989"/>
@@ -1806,7 +1806,7 @@
         <p:spPr>
           <a:xfrm>
             <a:off x="420480" y="446040"/>
-            <a:ext cx="2355120" cy="716400"/>
+            <a:ext cx="2354760" cy="716040"/>
           </a:xfrm>
           <a:prstGeom prst="rect">
             <a:avLst/>
@@ -1829,7 +1829,7 @@
         <p:spPr>
           <a:xfrm>
             <a:off x="273600" y="6433920"/>
-            <a:ext cx="563760" cy="268920"/>
+            <a:ext cx="563400" cy="268560"/>
           </a:xfrm>
           <a:prstGeom prst="rect">
             <a:avLst/>
@@ -1871,7 +1871,7 @@
                 <a:tab algn="l" pos="0"/>
               </a:tabLst>
             </a:pPr>
-            <a:fld id="{C5256FFB-6C85-4F3F-B531-525F24F32CFF}" type="slidenum">
+            <a:fld id="{F1F77798-658E-430C-BA7E-6026F06610BF}" type="slidenum">
               <a:rPr b="0" lang="ru-RU" sz="2400" spc="-1" strike="noStrike">
                 <a:solidFill>
                   <a:srgbClr val="898989"/>
@@ -1936,7 +1936,7 @@
         <p:spPr>
           <a:xfrm>
             <a:off x="420480" y="446040"/>
-            <a:ext cx="2355120" cy="716400"/>
+            <a:ext cx="2354760" cy="716040"/>
           </a:xfrm>
           <a:prstGeom prst="rect">
             <a:avLst/>
@@ -1959,7 +1959,7 @@
         <p:spPr>
           <a:xfrm>
             <a:off x="273600" y="6433920"/>
-            <a:ext cx="563760" cy="268920"/>
+            <a:ext cx="563400" cy="268560"/>
           </a:xfrm>
           <a:prstGeom prst="rect">
             <a:avLst/>
@@ -2001,7 +2001,7 @@
                 <a:tab algn="l" pos="0"/>
               </a:tabLst>
             </a:pPr>
-            <a:fld id="{BE6DF541-9459-422A-9849-5A09346F9CAB}" type="slidenum">
+            <a:fld id="{19EDB69E-1A37-41B2-9CF9-46BBAB735EA9}" type="slidenum">
               <a:rPr b="0" lang="ru-RU" sz="2400" spc="-1" strike="noStrike">
                 <a:solidFill>
                   <a:srgbClr val="898989"/>
@@ -2066,7 +2066,7 @@
         <p:spPr>
           <a:xfrm>
             <a:off x="420480" y="446040"/>
-            <a:ext cx="2355120" cy="716400"/>
+            <a:ext cx="2354760" cy="716040"/>
           </a:xfrm>
           <a:prstGeom prst="rect">
             <a:avLst/>
@@ -2084,13 +2084,13 @@
         </p:nvPicPr>
         <p:blipFill>
           <a:blip r:embed="rId3"/>
-          <a:srcRect l="0" t="16233" r="0" b="8815"/>
+          <a:srcRect l="0" t="16231" r="0" b="8815"/>
           <a:stretch/>
         </p:blipFill>
         <p:spPr>
           <a:xfrm>
             <a:off x="0" y="0"/>
-            <a:ext cx="12185640" cy="6851520"/>
+            <a:ext cx="12185280" cy="6851160"/>
           </a:xfrm>
           <a:prstGeom prst="rect">
             <a:avLst/>
@@ -2113,7 +2113,7 @@
         <p:spPr>
           <a:xfrm>
             <a:off x="6575400" y="2096640"/>
-            <a:ext cx="1325520" cy="1325520"/>
+            <a:ext cx="1325160" cy="1325160"/>
           </a:xfrm>
           <a:prstGeom prst="rect">
             <a:avLst/>
@@ -2136,7 +2136,7 @@
         <p:spPr>
           <a:xfrm>
             <a:off x="1278360" y="2042640"/>
-            <a:ext cx="4703760" cy="1433520"/>
+            <a:ext cx="4703400" cy="1433160"/>
           </a:xfrm>
           <a:prstGeom prst="rect">
             <a:avLst/>
@@ -2155,7 +2155,7 @@
         <p:spPr>
           <a:xfrm>
             <a:off x="7849800" y="2522520"/>
-            <a:ext cx="3042000" cy="473760"/>
+            <a:ext cx="3041640" cy="473760"/>
           </a:xfrm>
           <a:prstGeom prst="rect">
             <a:avLst/>
@@ -2209,15 +2209,15 @@
         <p:spPr>
           <a:xfrm flipH="1">
             <a:off x="10705320" y="2096640"/>
-            <a:ext cx="124200" cy="1325520"/>
+            <a:ext cx="123840" cy="1325160"/>
           </a:xfrm>
           <a:custGeom>
             <a:avLst/>
             <a:gdLst>
-              <a:gd name="textAreaLeft" fmla="*/ 3240 w 124200"/>
-              <a:gd name="textAreaRight" fmla="*/ 133920 w 124200"/>
-              <a:gd name="textAreaTop" fmla="*/ 0 h 1325520"/>
-              <a:gd name="textAreaBottom" fmla="*/ 1332000 h 1325520"/>
+              <a:gd name="textAreaLeft" fmla="*/ 3600 w 123840"/>
+              <a:gd name="textAreaRight" fmla="*/ 134280 w 123840"/>
+              <a:gd name="textAreaTop" fmla="*/ 0 h 1325160"/>
+              <a:gd name="textAreaBottom" fmla="*/ 1332000 h 1325160"/>
             </a:gdLst>
             <a:ahLst/>
             <a:rect l="textAreaLeft" t="textAreaTop" r="textAreaRight" b="textAreaBottom"/>
@@ -2591,7 +2591,7 @@
         <p:spPr>
           <a:xfrm>
             <a:off x="1078200" y="4363560"/>
-            <a:ext cx="9112680" cy="867600"/>
+            <a:ext cx="9112320" cy="867240"/>
           </a:xfrm>
           <a:prstGeom prst="rect">
             <a:avLst/>
@@ -2645,7 +2645,7 @@
         <p:spPr>
           <a:xfrm>
             <a:off x="1078200" y="743400"/>
-            <a:ext cx="9113760" cy="3411360"/>
+            <a:ext cx="9113400" cy="3411000"/>
           </a:xfrm>
           <a:prstGeom prst="rect">
             <a:avLst/>
@@ -2729,9 +2729,9 @@
         <p:grpSpPr>
           <a:xfrm>
             <a:off x="3168000" y="469440"/>
-            <a:ext cx="3828960" cy="666000"/>
+            <a:ext cx="3828600" cy="666000"/>
             <a:chOff x="3168000" y="469440"/>
-            <a:chExt cx="3828960" cy="666000"/>
+            <a:chExt cx="3828600" cy="666000"/>
           </a:xfrm>
         </p:grpSpPr>
         <p:sp>
@@ -2743,7 +2743,7 @@
           <p:spPr>
             <a:xfrm>
               <a:off x="3168000" y="469440"/>
-              <a:ext cx="3828960" cy="659520"/>
+              <a:ext cx="3828600" cy="659160"/>
             </a:xfrm>
             <a:prstGeom prst="rect">
               <a:avLst/>
@@ -2809,16 +2809,16 @@
           </p:nvSpPr>
           <p:spPr>
             <a:xfrm flipH="1" rot="10800000">
-              <a:off x="3167640" y="475920"/>
-              <a:ext cx="57240" cy="659520"/>
+              <a:off x="3168000" y="476280"/>
+              <a:ext cx="56880" cy="659160"/>
             </a:xfrm>
             <a:custGeom>
               <a:avLst/>
               <a:gdLst>
-                <a:gd name="textAreaLeft" fmla="*/ 3240 w 57240"/>
-                <a:gd name="textAreaRight" fmla="*/ 66960 w 57240"/>
-                <a:gd name="textAreaTop" fmla="*/ 0 h 659520"/>
-                <a:gd name="textAreaBottom" fmla="*/ 666000 h 659520"/>
+                <a:gd name="textAreaLeft" fmla="*/ 3600 w 56880"/>
+                <a:gd name="textAreaRight" fmla="*/ 67320 w 56880"/>
+                <a:gd name="textAreaTop" fmla="*/ 0 h 659160"/>
+                <a:gd name="textAreaBottom" fmla="*/ 666000 h 659160"/>
               </a:gdLst>
               <a:ahLst/>
               <a:rect l="textAreaLeft" t="textAreaTop" r="textAreaRight" b="textAreaBottom"/>
@@ -2887,16 +2887,16 @@
           </p:nvSpPr>
           <p:spPr>
             <a:xfrm flipH="1">
-              <a:off x="6922080" y="469440"/>
-              <a:ext cx="68400" cy="659520"/>
+              <a:off x="6921360" y="469440"/>
+              <a:ext cx="68040" cy="659160"/>
             </a:xfrm>
             <a:custGeom>
               <a:avLst/>
               <a:gdLst>
-                <a:gd name="textAreaLeft" fmla="*/ -3240 w 68400"/>
-                <a:gd name="textAreaRight" fmla="*/ 71640 w 68400"/>
-                <a:gd name="textAreaTop" fmla="*/ 0 h 659520"/>
-                <a:gd name="textAreaBottom" fmla="*/ 666000 h 659520"/>
+                <a:gd name="textAreaLeft" fmla="*/ -3600 w 68040"/>
+                <a:gd name="textAreaRight" fmla="*/ 71280 w 68040"/>
+                <a:gd name="textAreaTop" fmla="*/ 0 h 659160"/>
+                <a:gd name="textAreaBottom" fmla="*/ 666000 h 659160"/>
               </a:gdLst>
               <a:ahLst/>
               <a:rect l="textAreaLeft" t="textAreaTop" r="textAreaRight" b="textAreaBottom"/>
@@ -2967,7 +2967,7 @@
         <p:spPr>
           <a:xfrm>
             <a:off x="273600" y="6435000"/>
-            <a:ext cx="563760" cy="268920"/>
+            <a:ext cx="563400" cy="268560"/>
           </a:xfrm>
           <a:prstGeom prst="rect">
             <a:avLst/>
@@ -2996,7 +2996,7 @@
                 <a:tab algn="l" pos="0"/>
               </a:tabLst>
             </a:pPr>
-            <a:fld id="{1D82FCFF-6BCF-467B-9D2A-BEF203934627}" type="slidenum">
+            <a:fld id="{83DF219D-3858-4728-BE5D-B8583BBCBCA1}" type="slidenum">
               <a:rPr b="0" lang="ru-RU" sz="1400" spc="-1" strike="noStrike">
                 <a:solidFill>
                   <a:srgbClr val="898989"/>
@@ -3024,7 +3024,7 @@
         <p:spPr>
           <a:xfrm>
             <a:off x="464040" y="1350720"/>
-            <a:ext cx="7309440" cy="5264640"/>
+            <a:ext cx="7309080" cy="5264280"/>
           </a:xfrm>
           <a:prstGeom prst="rect">
             <a:avLst/>
@@ -3357,7 +3357,7 @@
         <p:spPr>
           <a:xfrm>
             <a:off x="8001000" y="2743200"/>
-            <a:ext cx="3885120" cy="1370520"/>
+            <a:ext cx="3884760" cy="1370160"/>
           </a:xfrm>
           <a:prstGeom prst="rect">
             <a:avLst/>
@@ -3409,7 +3409,7 @@
         <p:spPr>
           <a:xfrm>
             <a:off x="300600" y="1371600"/>
-            <a:ext cx="4038840" cy="1873440"/>
+            <a:ext cx="4038480" cy="1873080"/>
           </a:xfrm>
           <a:prstGeom prst="rect">
             <a:avLst/>
@@ -3534,9 +3534,9 @@
         <p:grpSpPr>
           <a:xfrm>
             <a:off x="3168000" y="469440"/>
-            <a:ext cx="3828960" cy="666000"/>
+            <a:ext cx="3828600" cy="666000"/>
             <a:chOff x="3168000" y="469440"/>
-            <a:chExt cx="3828960" cy="666000"/>
+            <a:chExt cx="3828600" cy="666000"/>
           </a:xfrm>
         </p:grpSpPr>
         <p:sp>
@@ -3548,7 +3548,7 @@
           <p:spPr>
             <a:xfrm>
               <a:off x="3168000" y="469440"/>
-              <a:ext cx="3828960" cy="659520"/>
+              <a:ext cx="3828600" cy="659160"/>
             </a:xfrm>
             <a:prstGeom prst="rect">
               <a:avLst/>
@@ -3614,16 +3614,16 @@
           </p:nvSpPr>
           <p:spPr>
             <a:xfrm flipH="1" rot="10800000">
-              <a:off x="3167640" y="475920"/>
-              <a:ext cx="57240" cy="659520"/>
+              <a:off x="3168000" y="476280"/>
+              <a:ext cx="56880" cy="659160"/>
             </a:xfrm>
             <a:custGeom>
               <a:avLst/>
               <a:gdLst>
-                <a:gd name="textAreaLeft" fmla="*/ 3240 w 57240"/>
-                <a:gd name="textAreaRight" fmla="*/ 66960 w 57240"/>
-                <a:gd name="textAreaTop" fmla="*/ 0 h 659520"/>
-                <a:gd name="textAreaBottom" fmla="*/ 666000 h 659520"/>
+                <a:gd name="textAreaLeft" fmla="*/ 3600 w 56880"/>
+                <a:gd name="textAreaRight" fmla="*/ 67320 w 56880"/>
+                <a:gd name="textAreaTop" fmla="*/ 0 h 659160"/>
+                <a:gd name="textAreaBottom" fmla="*/ 666000 h 659160"/>
               </a:gdLst>
               <a:ahLst/>
               <a:rect l="textAreaLeft" t="textAreaTop" r="textAreaRight" b="textAreaBottom"/>
@@ -3692,16 +3692,16 @@
           </p:nvSpPr>
           <p:spPr>
             <a:xfrm flipH="1">
-              <a:off x="6922080" y="469440"/>
-              <a:ext cx="68400" cy="659520"/>
+              <a:off x="6921360" y="469440"/>
+              <a:ext cx="68040" cy="659160"/>
             </a:xfrm>
             <a:custGeom>
               <a:avLst/>
               <a:gdLst>
-                <a:gd name="textAreaLeft" fmla="*/ -3240 w 68400"/>
-                <a:gd name="textAreaRight" fmla="*/ 71640 w 68400"/>
-                <a:gd name="textAreaTop" fmla="*/ 0 h 659520"/>
-                <a:gd name="textAreaBottom" fmla="*/ 666000 h 659520"/>
+                <a:gd name="textAreaLeft" fmla="*/ -3600 w 68040"/>
+                <a:gd name="textAreaRight" fmla="*/ 71280 w 68040"/>
+                <a:gd name="textAreaTop" fmla="*/ 0 h 659160"/>
+                <a:gd name="textAreaBottom" fmla="*/ 666000 h 659160"/>
               </a:gdLst>
               <a:ahLst/>
               <a:rect l="textAreaLeft" t="textAreaTop" r="textAreaRight" b="textAreaBottom"/>
@@ -3772,7 +3772,7 @@
         <p:spPr>
           <a:xfrm>
             <a:off x="273600" y="6435000"/>
-            <a:ext cx="563760" cy="268920"/>
+            <a:ext cx="563400" cy="268560"/>
           </a:xfrm>
           <a:prstGeom prst="rect">
             <a:avLst/>
@@ -3801,7 +3801,7 @@
                 <a:tab algn="l" pos="0"/>
               </a:tabLst>
             </a:pPr>
-            <a:fld id="{2B8D060E-EB19-4050-832F-C8A95D931CB9}" type="slidenum">
+            <a:fld id="{C0FCDFFD-9676-4572-9255-903BB3EC6BB3}" type="slidenum">
               <a:rPr b="0" lang="ru-RU" sz="1400" spc="-1" strike="noStrike">
                 <a:solidFill>
                   <a:srgbClr val="898989"/>
@@ -3833,7 +3833,7 @@
         <p:spPr>
           <a:xfrm>
             <a:off x="542160" y="2295000"/>
-            <a:ext cx="3253680" cy="719640"/>
+            <a:ext cx="3253320" cy="719280"/>
           </a:xfrm>
           <a:prstGeom prst="rect">
             <a:avLst/>
@@ -3852,9 +3852,9 @@
         <p:grpSpPr>
           <a:xfrm>
             <a:off x="336600" y="3105000"/>
-            <a:ext cx="4179600" cy="1873440"/>
+            <a:ext cx="4179240" cy="1873080"/>
             <a:chOff x="336600" y="3105000"/>
-            <a:chExt cx="4179600" cy="1873440"/>
+            <a:chExt cx="4179240" cy="1873080"/>
           </a:xfrm>
         </p:grpSpPr>
         <p:sp>
@@ -3866,7 +3866,7 @@
           <p:spPr>
             <a:xfrm>
               <a:off x="336600" y="3105000"/>
-              <a:ext cx="4179600" cy="1873440"/>
+              <a:ext cx="4179240" cy="1873080"/>
             </a:xfrm>
             <a:prstGeom prst="rect">
               <a:avLst/>
@@ -3949,7 +3949,7 @@
           <p:spPr>
             <a:xfrm>
               <a:off x="529200" y="3729600"/>
-              <a:ext cx="3301200" cy="719640"/>
+              <a:ext cx="3300840" cy="719280"/>
             </a:xfrm>
             <a:prstGeom prst="rect">
               <a:avLst/>
@@ -3972,7 +3972,7 @@
           <p:spPr>
             <a:xfrm>
               <a:off x="633960" y="4525200"/>
-              <a:ext cx="2739240" cy="309960"/>
+              <a:ext cx="2738880" cy="309600"/>
             </a:xfrm>
             <a:prstGeom prst="rect">
               <a:avLst/>
@@ -3992,9 +3992,9 @@
         <p:grpSpPr>
           <a:xfrm>
             <a:off x="336600" y="4980600"/>
-            <a:ext cx="4179600" cy="1873440"/>
+            <a:ext cx="4179240" cy="1873080"/>
             <a:chOff x="336600" y="4980600"/>
-            <a:chExt cx="4179600" cy="1873440"/>
+            <a:chExt cx="4179240" cy="1873080"/>
           </a:xfrm>
         </p:grpSpPr>
         <p:sp>
@@ -4006,7 +4006,7 @@
           <p:spPr>
             <a:xfrm>
               <a:off x="336600" y="4980600"/>
-              <a:ext cx="4179600" cy="1873440"/>
+              <a:ext cx="4179240" cy="1873080"/>
             </a:xfrm>
             <a:prstGeom prst="rect">
               <a:avLst/>
@@ -4089,7 +4089,7 @@
           <p:spPr>
             <a:xfrm>
               <a:off x="491040" y="5696280"/>
-              <a:ext cx="3339360" cy="700560"/>
+              <a:ext cx="3339000" cy="700200"/>
             </a:xfrm>
             <a:prstGeom prst="rect">
               <a:avLst/>
@@ -4109,7 +4109,7 @@
         <p:spPr>
           <a:xfrm>
             <a:off x="4114800" y="4602960"/>
-            <a:ext cx="2970720" cy="1206360"/>
+            <a:ext cx="2970360" cy="1206000"/>
           </a:xfrm>
           <a:prstGeom prst="rect">
             <a:avLst/>
@@ -4169,7 +4169,7 @@
         <p:spPr>
           <a:xfrm>
             <a:off x="4343400" y="5895000"/>
-            <a:ext cx="2511360" cy="453960"/>
+            <a:ext cx="2511000" cy="453600"/>
           </a:xfrm>
           <a:prstGeom prst="rightArrow">
             <a:avLst>
@@ -4224,7 +4224,7 @@
         <p:spPr>
           <a:xfrm>
             <a:off x="7200720" y="5486400"/>
-            <a:ext cx="3997440" cy="863280"/>
+            <a:ext cx="3997080" cy="862920"/>
           </a:xfrm>
           <a:prstGeom prst="rect">
             <a:avLst/>
@@ -4243,9 +4243,9 @@
         <p:grpSpPr>
           <a:xfrm>
             <a:off x="7772400" y="1371600"/>
-            <a:ext cx="4179600" cy="1644840"/>
+            <a:ext cx="4179240" cy="1644480"/>
             <a:chOff x="7772400" y="1371600"/>
-            <a:chExt cx="4179600" cy="1644840"/>
+            <a:chExt cx="4179240" cy="1644480"/>
           </a:xfrm>
         </p:grpSpPr>
         <p:sp>
@@ -4257,7 +4257,7 @@
           <p:spPr>
             <a:xfrm>
               <a:off x="7772400" y="1371600"/>
-              <a:ext cx="4179600" cy="1644840"/>
+              <a:ext cx="4179240" cy="1644480"/>
             </a:xfrm>
             <a:prstGeom prst="rect">
               <a:avLst/>
@@ -4321,7 +4321,7 @@
           <p:spPr>
             <a:xfrm>
               <a:off x="7926840" y="1797120"/>
-              <a:ext cx="3920400" cy="738720"/>
+              <a:ext cx="3920040" cy="738360"/>
             </a:xfrm>
             <a:prstGeom prst="rect">
               <a:avLst/>
@@ -4341,7 +4341,7 @@
         <p:spPr>
           <a:xfrm>
             <a:off x="7914600" y="2743200"/>
-            <a:ext cx="3742920" cy="1370520"/>
+            <a:ext cx="3742560" cy="1370160"/>
           </a:xfrm>
           <a:prstGeom prst="rect">
             <a:avLst/>
@@ -4564,9 +4564,9 @@
         <p:grpSpPr>
           <a:xfrm>
             <a:off x="3168000" y="184320"/>
-            <a:ext cx="7114680" cy="1236240"/>
+            <a:ext cx="7114320" cy="1236240"/>
             <a:chOff x="3168000" y="184320"/>
-            <a:chExt cx="7114680" cy="1236240"/>
+            <a:chExt cx="7114320" cy="1236240"/>
           </a:xfrm>
         </p:grpSpPr>
         <p:sp>
@@ -4578,7 +4578,7 @@
           <p:spPr>
             <a:xfrm>
               <a:off x="3168000" y="184320"/>
-              <a:ext cx="7114680" cy="1229400"/>
+              <a:ext cx="7114320" cy="1229040"/>
             </a:xfrm>
             <a:prstGeom prst="rect">
               <a:avLst/>
@@ -4644,16 +4644,16 @@
           </p:nvSpPr>
           <p:spPr>
             <a:xfrm flipH="1" rot="10800000">
-              <a:off x="3168000" y="191160"/>
-              <a:ext cx="111600" cy="1229400"/>
+              <a:off x="3167640" y="191520"/>
+              <a:ext cx="111240" cy="1229040"/>
             </a:xfrm>
             <a:custGeom>
               <a:avLst/>
               <a:gdLst>
-                <a:gd name="textAreaLeft" fmla="*/ -1080 w 111600"/>
-                <a:gd name="textAreaRight" fmla="*/ 117000 w 111600"/>
-                <a:gd name="textAreaTop" fmla="*/ 0 h 1229400"/>
-                <a:gd name="textAreaBottom" fmla="*/ 1235880 h 1229400"/>
+                <a:gd name="textAreaLeft" fmla="*/ -1440 w 111240"/>
+                <a:gd name="textAreaRight" fmla="*/ 116640 w 111240"/>
+                <a:gd name="textAreaTop" fmla="*/ 0 h 1229040"/>
+                <a:gd name="textAreaBottom" fmla="*/ 1235880 h 1229040"/>
               </a:gdLst>
               <a:ahLst/>
               <a:rect l="textAreaLeft" t="textAreaTop" r="textAreaRight" b="textAreaBottom"/>
@@ -4722,16 +4722,16 @@
           </p:nvSpPr>
           <p:spPr>
             <a:xfrm flipH="1">
-              <a:off x="10143360" y="184320"/>
-              <a:ext cx="132480" cy="1229400"/>
+              <a:off x="10142640" y="184320"/>
+              <a:ext cx="132120" cy="1229040"/>
             </a:xfrm>
             <a:custGeom>
               <a:avLst/>
               <a:gdLst>
-                <a:gd name="textAreaLeft" fmla="*/ 1440 w 132480"/>
-                <a:gd name="textAreaRight" fmla="*/ 140040 w 132480"/>
-                <a:gd name="textAreaTop" fmla="*/ 0 h 1229400"/>
-                <a:gd name="textAreaBottom" fmla="*/ 1235880 h 1229400"/>
+                <a:gd name="textAreaLeft" fmla="*/ 1440 w 132120"/>
+                <a:gd name="textAreaRight" fmla="*/ 140040 w 132120"/>
+                <a:gd name="textAreaTop" fmla="*/ 0 h 1229040"/>
+                <a:gd name="textAreaBottom" fmla="*/ 1235880 h 1229040"/>
               </a:gdLst>
               <a:ahLst/>
               <a:rect l="textAreaLeft" t="textAreaTop" r="textAreaRight" b="textAreaBottom"/>
@@ -4802,7 +4802,7 @@
         <p:spPr>
           <a:xfrm>
             <a:off x="273600" y="6435000"/>
-            <a:ext cx="563760" cy="268920"/>
+            <a:ext cx="563400" cy="268560"/>
           </a:xfrm>
           <a:prstGeom prst="rect">
             <a:avLst/>
@@ -4831,7 +4831,7 @@
                 <a:tab algn="l" pos="0"/>
               </a:tabLst>
             </a:pPr>
-            <a:fld id="{D434B80A-E00D-4374-9E69-CF7A7C055B4E}" type="slidenum">
+            <a:fld id="{B042AC81-54A4-47ED-B227-43AFDE73C010}" type="slidenum">
               <a:rPr b="0" lang="ru-RU" sz="1400" spc="-1" strike="noStrike">
                 <a:solidFill>
                   <a:srgbClr val="898989"/>
@@ -4863,7 +4863,7 @@
         <p:spPr>
           <a:xfrm>
             <a:off x="132480" y="1563480"/>
-            <a:ext cx="9140760" cy="4834080"/>
+            <a:ext cx="9140400" cy="4833720"/>
           </a:xfrm>
           <a:prstGeom prst="rect">
             <a:avLst/>
@@ -4882,7 +4882,7 @@
         <p:spPr>
           <a:xfrm>
             <a:off x="9274680" y="1600200"/>
-            <a:ext cx="2733840" cy="2283480"/>
+            <a:ext cx="2733480" cy="2283120"/>
           </a:xfrm>
           <a:prstGeom prst="rect">
             <a:avLst/>
@@ -5063,7 +5063,7 @@
         <p:spPr>
           <a:xfrm>
             <a:off x="388440" y="1371600"/>
-            <a:ext cx="11038320" cy="5254560"/>
+            <a:ext cx="11037960" cy="5254200"/>
           </a:xfrm>
           <a:prstGeom prst="rect">
             <a:avLst/>
@@ -5369,9 +5369,9 @@
         <p:grpSpPr>
           <a:xfrm>
             <a:off x="3168000" y="283680"/>
-            <a:ext cx="5969880" cy="1037520"/>
+            <a:ext cx="5969520" cy="1037520"/>
             <a:chOff x="3168000" y="283680"/>
-            <a:chExt cx="5969880" cy="1037520"/>
+            <a:chExt cx="5969520" cy="1037520"/>
           </a:xfrm>
         </p:grpSpPr>
         <p:sp>
@@ -5383,7 +5383,7 @@
           <p:spPr>
             <a:xfrm>
               <a:off x="3168000" y="283680"/>
-              <a:ext cx="5969880" cy="1031040"/>
+              <a:ext cx="5969520" cy="1030680"/>
             </a:xfrm>
             <a:prstGeom prst="rect">
               <a:avLst/>
@@ -5449,16 +5449,16 @@
           </p:nvSpPr>
           <p:spPr>
             <a:xfrm flipH="1" rot="10800000">
-              <a:off x="3167640" y="290160"/>
-              <a:ext cx="92520" cy="1031040"/>
+              <a:off x="3168000" y="290520"/>
+              <a:ext cx="92160" cy="1030680"/>
             </a:xfrm>
             <a:custGeom>
               <a:avLst/>
               <a:gdLst>
-                <a:gd name="textAreaLeft" fmla="*/ 3240 w 92520"/>
-                <a:gd name="textAreaRight" fmla="*/ 102240 w 92520"/>
-                <a:gd name="textAreaTop" fmla="*/ 0 h 1031040"/>
-                <a:gd name="textAreaBottom" fmla="*/ 1037520 h 1031040"/>
+                <a:gd name="textAreaLeft" fmla="*/ 3600 w 92160"/>
+                <a:gd name="textAreaRight" fmla="*/ 102600 w 92160"/>
+                <a:gd name="textAreaTop" fmla="*/ 0 h 1030680"/>
+                <a:gd name="textAreaBottom" fmla="*/ 1037520 h 1030680"/>
               </a:gdLst>
               <a:ahLst/>
               <a:rect l="textAreaLeft" t="textAreaTop" r="textAreaRight" b="textAreaBottom"/>
@@ -5528,15 +5528,15 @@
           <p:spPr>
             <a:xfrm flipH="1">
               <a:off x="9020880" y="283680"/>
-              <a:ext cx="109800" cy="1031040"/>
+              <a:ext cx="109440" cy="1030680"/>
             </a:xfrm>
             <a:custGeom>
               <a:avLst/>
               <a:gdLst>
-                <a:gd name="textAreaLeft" fmla="*/ 3240 w 109800"/>
-                <a:gd name="textAreaRight" fmla="*/ 119520 w 109800"/>
-                <a:gd name="textAreaTop" fmla="*/ 0 h 1031040"/>
-                <a:gd name="textAreaBottom" fmla="*/ 1037520 h 1031040"/>
+                <a:gd name="textAreaLeft" fmla="*/ 3600 w 109440"/>
+                <a:gd name="textAreaRight" fmla="*/ 119880 w 109440"/>
+                <a:gd name="textAreaTop" fmla="*/ 0 h 1030680"/>
+                <a:gd name="textAreaBottom" fmla="*/ 1037520 h 1030680"/>
               </a:gdLst>
               <a:ahLst/>
               <a:rect l="textAreaLeft" t="textAreaTop" r="textAreaRight" b="textAreaBottom"/>
@@ -5607,7 +5607,7 @@
         <p:spPr>
           <a:xfrm>
             <a:off x="273600" y="6435000"/>
-            <a:ext cx="563760" cy="268920"/>
+            <a:ext cx="563400" cy="268560"/>
           </a:xfrm>
           <a:prstGeom prst="rect">
             <a:avLst/>
@@ -5636,7 +5636,7 @@
                 <a:tab algn="l" pos="0"/>
               </a:tabLst>
             </a:pPr>
-            <a:fld id="{286668EC-0880-49B9-92E5-A723279C0066}" type="slidenum">
+            <a:fld id="{FE467049-EBED-4337-962C-99FEABA90BBB}" type="slidenum">
               <a:rPr b="0" lang="ru-RU" sz="1400" spc="-1" strike="noStrike">
                 <a:solidFill>
                   <a:srgbClr val="898989"/>
@@ -5668,7 +5668,7 @@
         <p:spPr>
           <a:xfrm>
             <a:off x="6508800" y="5293800"/>
-            <a:ext cx="4044960" cy="901080"/>
+            <a:ext cx="4044600" cy="900720"/>
           </a:xfrm>
           <a:prstGeom prst="rect">
             <a:avLst/>
@@ -5717,9 +5717,9 @@
         <p:grpSpPr>
           <a:xfrm>
             <a:off x="3168000" y="283680"/>
-            <a:ext cx="5969880" cy="1037520"/>
+            <a:ext cx="5969520" cy="1037520"/>
             <a:chOff x="3168000" y="283680"/>
-            <a:chExt cx="5969880" cy="1037520"/>
+            <a:chExt cx="5969520" cy="1037520"/>
           </a:xfrm>
         </p:grpSpPr>
         <p:sp>
@@ -5731,7 +5731,7 @@
           <p:spPr>
             <a:xfrm>
               <a:off x="3168000" y="283680"/>
-              <a:ext cx="5969880" cy="1031040"/>
+              <a:ext cx="5969520" cy="1030680"/>
             </a:xfrm>
             <a:prstGeom prst="rect">
               <a:avLst/>
@@ -5797,16 +5797,16 @@
           </p:nvSpPr>
           <p:spPr>
             <a:xfrm flipH="1" rot="10800000">
-              <a:off x="3167640" y="290160"/>
-              <a:ext cx="92520" cy="1031040"/>
+              <a:off x="3168000" y="290520"/>
+              <a:ext cx="92160" cy="1030680"/>
             </a:xfrm>
             <a:custGeom>
               <a:avLst/>
               <a:gdLst>
-                <a:gd name="textAreaLeft" fmla="*/ 3240 w 92520"/>
-                <a:gd name="textAreaRight" fmla="*/ 102240 w 92520"/>
-                <a:gd name="textAreaTop" fmla="*/ 0 h 1031040"/>
-                <a:gd name="textAreaBottom" fmla="*/ 1037520 h 1031040"/>
+                <a:gd name="textAreaLeft" fmla="*/ 3600 w 92160"/>
+                <a:gd name="textAreaRight" fmla="*/ 102600 w 92160"/>
+                <a:gd name="textAreaTop" fmla="*/ 0 h 1030680"/>
+                <a:gd name="textAreaBottom" fmla="*/ 1037520 h 1030680"/>
               </a:gdLst>
               <a:ahLst/>
               <a:rect l="textAreaLeft" t="textAreaTop" r="textAreaRight" b="textAreaBottom"/>
@@ -5876,15 +5876,15 @@
           <p:spPr>
             <a:xfrm flipH="1">
               <a:off x="9020880" y="283680"/>
-              <a:ext cx="109800" cy="1031040"/>
+              <a:ext cx="109440" cy="1030680"/>
             </a:xfrm>
             <a:custGeom>
               <a:avLst/>
               <a:gdLst>
-                <a:gd name="textAreaLeft" fmla="*/ 3240 w 109800"/>
-                <a:gd name="textAreaRight" fmla="*/ 119520 w 109800"/>
-                <a:gd name="textAreaTop" fmla="*/ 0 h 1031040"/>
-                <a:gd name="textAreaBottom" fmla="*/ 1037520 h 1031040"/>
+                <a:gd name="textAreaLeft" fmla="*/ 3600 w 109440"/>
+                <a:gd name="textAreaRight" fmla="*/ 119880 w 109440"/>
+                <a:gd name="textAreaTop" fmla="*/ 0 h 1030680"/>
+                <a:gd name="textAreaBottom" fmla="*/ 1037520 h 1030680"/>
               </a:gdLst>
               <a:ahLst/>
               <a:rect l="textAreaLeft" t="textAreaTop" r="textAreaRight" b="textAreaBottom"/>
@@ -5955,7 +5955,7 @@
         <p:spPr>
           <a:xfrm>
             <a:off x="273600" y="6435000"/>
-            <a:ext cx="563760" cy="268920"/>
+            <a:ext cx="563400" cy="268560"/>
           </a:xfrm>
           <a:prstGeom prst="rect">
             <a:avLst/>
@@ -5984,7 +5984,7 @@
                 <a:tab algn="l" pos="0"/>
               </a:tabLst>
             </a:pPr>
-            <a:fld id="{0A15710E-D8A9-4E44-A7EF-2CBDC8B4E435}" type="slidenum">
+            <a:fld id="{00AB72B6-9902-4360-AB29-7466494F2DB5}" type="slidenum">
               <a:rPr b="0" lang="ru-RU" sz="1400" spc="-1" strike="noStrike">
                 <a:solidFill>
                   <a:srgbClr val="898989"/>
@@ -6012,7 +6012,7 @@
         <p:spPr>
           <a:xfrm>
             <a:off x="228600" y="1440720"/>
-            <a:ext cx="5943240" cy="3130920"/>
+            <a:ext cx="5942880" cy="3130560"/>
           </a:xfrm>
           <a:prstGeom prst="rect">
             <a:avLst/>
@@ -6192,7 +6192,7 @@
         <p:spPr>
           <a:xfrm>
             <a:off x="6642000" y="1512720"/>
-            <a:ext cx="4968000" cy="2493360"/>
+            <a:ext cx="4967640" cy="2493000"/>
           </a:xfrm>
           <a:prstGeom prst="rect">
             <a:avLst/>
@@ -6215,7 +6215,7 @@
         <p:spPr>
           <a:xfrm>
             <a:off x="6705720" y="4715280"/>
-            <a:ext cx="4038120" cy="999360"/>
+            <a:ext cx="4037760" cy="999000"/>
           </a:xfrm>
           <a:prstGeom prst="rect">
             <a:avLst/>
@@ -6264,7 +6264,7 @@
         <p:spPr>
           <a:xfrm>
             <a:off x="388800" y="1371960"/>
-            <a:ext cx="11344320" cy="4910400"/>
+            <a:ext cx="11343960" cy="4910040"/>
           </a:xfrm>
           <a:prstGeom prst="rect">
             <a:avLst/>
@@ -6308,7 +6308,7 @@
         <p:spPr>
           <a:xfrm>
             <a:off x="273600" y="6435000"/>
-            <a:ext cx="563760" cy="268920"/>
+            <a:ext cx="563400" cy="268560"/>
           </a:xfrm>
           <a:prstGeom prst="rect">
             <a:avLst/>
@@ -6337,7 +6337,7 @@
                 <a:tab algn="l" pos="0"/>
               </a:tabLst>
             </a:pPr>
-            <a:fld id="{BF24705A-9053-4967-AAF5-BFA702B8CF89}" type="slidenum">
+            <a:fld id="{84FBB55C-0A4A-4F85-A23C-F8227B661ADA}" type="slidenum">
               <a:rPr b="0" lang="ru-RU" sz="1400" spc="-1" strike="noStrike">
                 <a:solidFill>
                   <a:srgbClr val="898989"/>
@@ -6365,9 +6365,9 @@
         <p:grpSpPr>
           <a:xfrm>
             <a:off x="3168000" y="345600"/>
-            <a:ext cx="5974920" cy="1038960"/>
+            <a:ext cx="5974560" cy="1038960"/>
             <a:chOff x="3168000" y="345600"/>
-            <a:chExt cx="5974920" cy="1038960"/>
+            <a:chExt cx="5974560" cy="1038960"/>
           </a:xfrm>
         </p:grpSpPr>
         <p:sp>
@@ -6379,7 +6379,7 @@
           <p:spPr>
             <a:xfrm>
               <a:off x="3168000" y="345600"/>
-              <a:ext cx="5974920" cy="1029600"/>
+              <a:ext cx="5974560" cy="1029240"/>
             </a:xfrm>
             <a:prstGeom prst="rect">
               <a:avLst/>
@@ -6445,16 +6445,16 @@
           </p:nvSpPr>
           <p:spPr>
             <a:xfrm flipH="1" rot="10800000">
-              <a:off x="3167640" y="354960"/>
-              <a:ext cx="89640" cy="1029600"/>
+              <a:off x="3168000" y="355320"/>
+              <a:ext cx="89280" cy="1029240"/>
             </a:xfrm>
             <a:custGeom>
               <a:avLst/>
               <a:gdLst>
-                <a:gd name="textAreaLeft" fmla="*/ 4320 w 89640"/>
-                <a:gd name="textAreaRight" fmla="*/ 103320 w 89640"/>
-                <a:gd name="textAreaTop" fmla="*/ 0 h 1029600"/>
-                <a:gd name="textAreaBottom" fmla="*/ 1038600 h 1029600"/>
+                <a:gd name="textAreaLeft" fmla="*/ 4680 w 89280"/>
+                <a:gd name="textAreaRight" fmla="*/ 103680 w 89280"/>
+                <a:gd name="textAreaTop" fmla="*/ 0 h 1029240"/>
+                <a:gd name="textAreaBottom" fmla="*/ 1038600 h 1029240"/>
               </a:gdLst>
               <a:ahLst/>
               <a:rect l="textAreaLeft" t="textAreaTop" r="textAreaRight" b="textAreaBottom"/>
@@ -6524,15 +6524,15 @@
           <p:spPr>
             <a:xfrm flipH="1">
               <a:off x="9025920" y="345600"/>
-              <a:ext cx="106920" cy="1029600"/>
+              <a:ext cx="106560" cy="1029240"/>
             </a:xfrm>
             <a:custGeom>
               <a:avLst/>
               <a:gdLst>
-                <a:gd name="textAreaLeft" fmla="*/ -2880 w 106920"/>
-                <a:gd name="textAreaRight" fmla="*/ 112680 w 106920"/>
-                <a:gd name="textAreaTop" fmla="*/ 0 h 1029600"/>
-                <a:gd name="textAreaBottom" fmla="*/ 1038600 h 1029600"/>
+                <a:gd name="textAreaLeft" fmla="*/ -2520 w 106560"/>
+                <a:gd name="textAreaRight" fmla="*/ 113040 w 106560"/>
+                <a:gd name="textAreaTop" fmla="*/ 0 h 1029240"/>
+                <a:gd name="textAreaBottom" fmla="*/ 1038600 h 1029240"/>
               </a:gdLst>
               <a:ahLst/>
               <a:rect l="textAreaLeft" t="textAreaTop" r="textAreaRight" b="textAreaBottom"/>
@@ -8186,7 +8186,7 @@
         <p:spPr>
           <a:xfrm>
             <a:off x="388800" y="1371960"/>
-            <a:ext cx="11344320" cy="4910400"/>
+            <a:ext cx="11343960" cy="4910040"/>
           </a:xfrm>
           <a:prstGeom prst="rect">
             <a:avLst/>
@@ -8242,7 +8242,7 @@
                 <a:latin typeface="Arial"/>
                 <a:ea typeface="Open Sans"/>
               </a:rPr>
-              <a:t>Все обученные классификаторы показывают значительно лучшие результаты, чем базовая модель (+0.227). Все ансамблевые модели работают лучше, чем одно дерево (буст +0.04)</a:t>
+              <a:t>Все обученные классификаторы показывают значительно лучшие результаты, чем базовая модель (+0.227). Все ансамблевые модели работают лучше, чем одно дерево (буст +0.04)  </a:t>
             </a:r>
             <a:endParaRPr b="0" lang="en-US" sz="2200" spc="-1" strike="noStrike">
               <a:solidFill>
@@ -8729,7 +8729,7 @@
         <p:spPr>
           <a:xfrm>
             <a:off x="273600" y="6435000"/>
-            <a:ext cx="563760" cy="268920"/>
+            <a:ext cx="563400" cy="268560"/>
           </a:xfrm>
           <a:prstGeom prst="rect">
             <a:avLst/>
@@ -8758,7 +8758,7 @@
                 <a:tab algn="l" pos="0"/>
               </a:tabLst>
             </a:pPr>
-            <a:fld id="{2622C99E-C280-40FB-A638-3845B6B2B22A}" type="slidenum">
+            <a:fld id="{E425593E-C4C4-4A26-BE28-8BDB689BF0FC}" type="slidenum">
               <a:rPr b="0" lang="ru-RU" sz="1400" spc="-1" strike="noStrike">
                 <a:solidFill>
                   <a:srgbClr val="898989"/>
@@ -8786,9 +8786,9 @@
         <p:grpSpPr>
           <a:xfrm>
             <a:off x="3168000" y="532080"/>
-            <a:ext cx="3828960" cy="666000"/>
+            <a:ext cx="3828600" cy="666000"/>
             <a:chOff x="3168000" y="532080"/>
-            <a:chExt cx="3828960" cy="666000"/>
+            <a:chExt cx="3828600" cy="666000"/>
           </a:xfrm>
         </p:grpSpPr>
         <p:sp>
@@ -8800,7 +8800,7 @@
           <p:spPr>
             <a:xfrm>
               <a:off x="3168000" y="532080"/>
-              <a:ext cx="3828960" cy="659520"/>
+              <a:ext cx="3828600" cy="659160"/>
             </a:xfrm>
             <a:prstGeom prst="rect">
               <a:avLst/>
@@ -8866,16 +8866,16 @@
           </p:nvSpPr>
           <p:spPr>
             <a:xfrm flipH="1" rot="10800000">
-              <a:off x="3167640" y="538560"/>
-              <a:ext cx="57240" cy="659520"/>
+              <a:off x="3168000" y="538920"/>
+              <a:ext cx="56880" cy="659160"/>
             </a:xfrm>
             <a:custGeom>
               <a:avLst/>
               <a:gdLst>
-                <a:gd name="textAreaLeft" fmla="*/ 3240 w 57240"/>
-                <a:gd name="textAreaRight" fmla="*/ 66960 w 57240"/>
-                <a:gd name="textAreaTop" fmla="*/ 0 h 659520"/>
-                <a:gd name="textAreaBottom" fmla="*/ 666000 h 659520"/>
+                <a:gd name="textAreaLeft" fmla="*/ 3600 w 56880"/>
+                <a:gd name="textAreaRight" fmla="*/ 67320 w 56880"/>
+                <a:gd name="textAreaTop" fmla="*/ 0 h 659160"/>
+                <a:gd name="textAreaBottom" fmla="*/ 666000 h 659160"/>
               </a:gdLst>
               <a:ahLst/>
               <a:rect l="textAreaLeft" t="textAreaTop" r="textAreaRight" b="textAreaBottom"/>
@@ -8944,16 +8944,16 @@
           </p:nvSpPr>
           <p:spPr>
             <a:xfrm flipH="1">
-              <a:off x="6922080" y="532080"/>
-              <a:ext cx="68400" cy="659520"/>
+              <a:off x="6921360" y="532080"/>
+              <a:ext cx="68040" cy="659160"/>
             </a:xfrm>
             <a:custGeom>
               <a:avLst/>
               <a:gdLst>
-                <a:gd name="textAreaLeft" fmla="*/ -3240 w 68400"/>
-                <a:gd name="textAreaRight" fmla="*/ 71640 w 68400"/>
-                <a:gd name="textAreaTop" fmla="*/ 0 h 659520"/>
-                <a:gd name="textAreaBottom" fmla="*/ 666000 h 659520"/>
+                <a:gd name="textAreaLeft" fmla="*/ -3600 w 68040"/>
+                <a:gd name="textAreaRight" fmla="*/ 71280 w 68040"/>
+                <a:gd name="textAreaTop" fmla="*/ 0 h 659160"/>
+                <a:gd name="textAreaBottom" fmla="*/ 666000 h 659160"/>
               </a:gdLst>
               <a:ahLst/>
               <a:rect l="textAreaLeft" t="textAreaTop" r="textAreaRight" b="textAreaBottom"/>
@@ -9054,7 +9054,7 @@
         <p:spPr>
           <a:xfrm>
             <a:off x="273600" y="6435000"/>
-            <a:ext cx="563760" cy="268920"/>
+            <a:ext cx="563400" cy="268560"/>
           </a:xfrm>
           <a:prstGeom prst="rect">
             <a:avLst/>
@@ -9083,7 +9083,7 @@
                 <a:tab algn="l" pos="0"/>
               </a:tabLst>
             </a:pPr>
-            <a:fld id="{B93DE571-88A0-4F56-B36F-3CEEA7FCCAC9}" type="slidenum">
+            <a:fld id="{4404EC0E-53F9-4A1A-A0E2-789108468B48}" type="slidenum">
               <a:rPr b="0" lang="ru-RU" sz="1400" spc="-1" strike="noStrike">
                 <a:solidFill>
                   <a:srgbClr val="898989"/>
@@ -9111,7 +9111,7 @@
         <p:spPr>
           <a:xfrm>
             <a:off x="2514600" y="2057400"/>
-            <a:ext cx="6922800" cy="730440"/>
+            <a:ext cx="6922440" cy="730080"/>
           </a:xfrm>
           <a:prstGeom prst="rect">
             <a:avLst/>
@@ -9231,7 +9231,7 @@
         <p:spPr>
           <a:xfrm>
             <a:off x="273600" y="6435000"/>
-            <a:ext cx="563760" cy="268920"/>
+            <a:ext cx="563400" cy="268560"/>
           </a:xfrm>
           <a:prstGeom prst="rect">
             <a:avLst/>
@@ -9260,7 +9260,7 @@
                 <a:tab algn="l" pos="0"/>
               </a:tabLst>
             </a:pPr>
-            <a:fld id="{5E872CAE-B07B-44EE-9970-494C6E41357B}" type="slidenum">
+            <a:fld id="{11402184-C3E2-47C8-B6A1-7B3249E4F6D2}" type="slidenum">
               <a:rPr b="0" lang="ru-RU" sz="1400" spc="-1" strike="noStrike">
                 <a:solidFill>
                   <a:srgbClr val="898989"/>
@@ -9288,7 +9288,7 @@
         <p:spPr>
           <a:xfrm>
             <a:off x="457200" y="1406520"/>
-            <a:ext cx="11493000" cy="5023440"/>
+            <a:ext cx="11492640" cy="5023080"/>
           </a:xfrm>
           <a:prstGeom prst="rect">
             <a:avLst/>
@@ -9358,9 +9358,9 @@
         <p:grpSpPr>
           <a:xfrm>
             <a:off x="3168000" y="500760"/>
-            <a:ext cx="3828960" cy="666000"/>
+            <a:ext cx="3828600" cy="666000"/>
             <a:chOff x="3168000" y="500760"/>
-            <a:chExt cx="3828960" cy="666000"/>
+            <a:chExt cx="3828600" cy="666000"/>
           </a:xfrm>
         </p:grpSpPr>
         <p:sp>
@@ -9372,7 +9372,7 @@
           <p:spPr>
             <a:xfrm>
               <a:off x="3168000" y="500760"/>
-              <a:ext cx="3828960" cy="659520"/>
+              <a:ext cx="3828600" cy="659160"/>
             </a:xfrm>
             <a:prstGeom prst="rect">
               <a:avLst/>
@@ -9438,16 +9438,16 @@
           </p:nvSpPr>
           <p:spPr>
             <a:xfrm flipH="1" rot="10800000">
-              <a:off x="3167640" y="507240"/>
-              <a:ext cx="57240" cy="659520"/>
+              <a:off x="3168000" y="507600"/>
+              <a:ext cx="56880" cy="659160"/>
             </a:xfrm>
             <a:custGeom>
               <a:avLst/>
               <a:gdLst>
-                <a:gd name="textAreaLeft" fmla="*/ 3240 w 57240"/>
-                <a:gd name="textAreaRight" fmla="*/ 66960 w 57240"/>
-                <a:gd name="textAreaTop" fmla="*/ 0 h 659520"/>
-                <a:gd name="textAreaBottom" fmla="*/ 666000 h 659520"/>
+                <a:gd name="textAreaLeft" fmla="*/ 3600 w 56880"/>
+                <a:gd name="textAreaRight" fmla="*/ 67320 w 56880"/>
+                <a:gd name="textAreaTop" fmla="*/ 0 h 659160"/>
+                <a:gd name="textAreaBottom" fmla="*/ 666000 h 659160"/>
               </a:gdLst>
               <a:ahLst/>
               <a:rect l="textAreaLeft" t="textAreaTop" r="textAreaRight" b="textAreaBottom"/>
@@ -9516,16 +9516,16 @@
           </p:nvSpPr>
           <p:spPr>
             <a:xfrm flipH="1">
-              <a:off x="6922080" y="500760"/>
-              <a:ext cx="68400" cy="659520"/>
+              <a:off x="6921360" y="500760"/>
+              <a:ext cx="68040" cy="659160"/>
             </a:xfrm>
             <a:custGeom>
               <a:avLst/>
               <a:gdLst>
-                <a:gd name="textAreaLeft" fmla="*/ -3240 w 68400"/>
-                <a:gd name="textAreaRight" fmla="*/ 71640 w 68400"/>
-                <a:gd name="textAreaTop" fmla="*/ 0 h 659520"/>
-                <a:gd name="textAreaBottom" fmla="*/ 666000 h 659520"/>
+                <a:gd name="textAreaLeft" fmla="*/ -3600 w 68040"/>
+                <a:gd name="textAreaRight" fmla="*/ 71280 w 68040"/>
+                <a:gd name="textAreaTop" fmla="*/ 0 h 659160"/>
+                <a:gd name="textAreaBottom" fmla="*/ 666000 h 659160"/>
               </a:gdLst>
               <a:ahLst/>
               <a:rect l="textAreaLeft" t="textAreaTop" r="textAreaRight" b="textAreaBottom"/>
@@ -9600,7 +9600,7 @@
         <p:spPr>
           <a:xfrm>
             <a:off x="8229600" y="2715120"/>
-            <a:ext cx="3157200" cy="1623240"/>
+            <a:ext cx="3156840" cy="1622880"/>
           </a:xfrm>
           <a:prstGeom prst="rect">
             <a:avLst/>
@@ -9619,7 +9619,7 @@
         <p:spPr>
           <a:xfrm>
             <a:off x="457200" y="2743200"/>
-            <a:ext cx="7081560" cy="2241000"/>
+            <a:ext cx="7081200" cy="2240640"/>
           </a:xfrm>
           <a:prstGeom prst="rect">
             <a:avLst/>
@@ -9719,7 +9719,7 @@
         <p:spPr>
           <a:xfrm>
             <a:off x="273600" y="6435000"/>
-            <a:ext cx="563760" cy="268920"/>
+            <a:ext cx="563400" cy="268560"/>
           </a:xfrm>
           <a:prstGeom prst="rect">
             <a:avLst/>
@@ -9748,7 +9748,7 @@
                 <a:tab algn="l" pos="0"/>
               </a:tabLst>
             </a:pPr>
-            <a:fld id="{B5FA539B-0282-4B1B-91B5-D51F5110C941}" type="slidenum">
+            <a:fld id="{8B7B375C-1F44-42F9-9A9D-68B915650AB4}" type="slidenum">
               <a:rPr b="0" lang="ru-RU" sz="1400" spc="-1" strike="noStrike">
                 <a:solidFill>
                   <a:srgbClr val="898989"/>
@@ -9776,7 +9776,7 @@
         <p:spPr>
           <a:xfrm>
             <a:off x="389160" y="1600200"/>
-            <a:ext cx="11493000" cy="4794840"/>
+            <a:ext cx="11492640" cy="4794480"/>
           </a:xfrm>
           <a:prstGeom prst="rect">
             <a:avLst/>
@@ -10171,9 +10171,9 @@
         <p:grpSpPr>
           <a:xfrm>
             <a:off x="3168000" y="500760"/>
-            <a:ext cx="3828960" cy="666000"/>
+            <a:ext cx="3828600" cy="666000"/>
             <a:chOff x="3168000" y="500760"/>
-            <a:chExt cx="3828960" cy="666000"/>
+            <a:chExt cx="3828600" cy="666000"/>
           </a:xfrm>
         </p:grpSpPr>
         <p:sp>
@@ -10185,7 +10185,7 @@
           <p:spPr>
             <a:xfrm>
               <a:off x="3168000" y="500760"/>
-              <a:ext cx="3828960" cy="659520"/>
+              <a:ext cx="3828600" cy="659160"/>
             </a:xfrm>
             <a:prstGeom prst="rect">
               <a:avLst/>
@@ -10251,16 +10251,16 @@
           </p:nvSpPr>
           <p:spPr>
             <a:xfrm flipH="1" rot="10800000">
-              <a:off x="3167640" y="507240"/>
-              <a:ext cx="57240" cy="659520"/>
+              <a:off x="3168000" y="507600"/>
+              <a:ext cx="56880" cy="659160"/>
             </a:xfrm>
             <a:custGeom>
               <a:avLst/>
               <a:gdLst>
-                <a:gd name="textAreaLeft" fmla="*/ 3240 w 57240"/>
-                <a:gd name="textAreaRight" fmla="*/ 66960 w 57240"/>
-                <a:gd name="textAreaTop" fmla="*/ 0 h 659520"/>
-                <a:gd name="textAreaBottom" fmla="*/ 666000 h 659520"/>
+                <a:gd name="textAreaLeft" fmla="*/ 3600 w 56880"/>
+                <a:gd name="textAreaRight" fmla="*/ 67320 w 56880"/>
+                <a:gd name="textAreaTop" fmla="*/ 0 h 659160"/>
+                <a:gd name="textAreaBottom" fmla="*/ 666000 h 659160"/>
               </a:gdLst>
               <a:ahLst/>
               <a:rect l="textAreaLeft" t="textAreaTop" r="textAreaRight" b="textAreaBottom"/>
@@ -10329,16 +10329,16 @@
           </p:nvSpPr>
           <p:spPr>
             <a:xfrm flipH="1">
-              <a:off x="6922080" y="500760"/>
-              <a:ext cx="68400" cy="659520"/>
+              <a:off x="6921360" y="500760"/>
+              <a:ext cx="68040" cy="659160"/>
             </a:xfrm>
             <a:custGeom>
               <a:avLst/>
               <a:gdLst>
-                <a:gd name="textAreaLeft" fmla="*/ -3240 w 68400"/>
-                <a:gd name="textAreaRight" fmla="*/ 71640 w 68400"/>
-                <a:gd name="textAreaTop" fmla="*/ 0 h 659520"/>
-                <a:gd name="textAreaBottom" fmla="*/ 666000 h 659520"/>
+                <a:gd name="textAreaLeft" fmla="*/ -3600 w 68040"/>
+                <a:gd name="textAreaRight" fmla="*/ 71280 w 68040"/>
+                <a:gd name="textAreaTop" fmla="*/ 0 h 659160"/>
+                <a:gd name="textAreaBottom" fmla="*/ 666000 h 659160"/>
               </a:gdLst>
               <a:ahLst/>
               <a:rect l="textAreaLeft" t="textAreaTop" r="textAreaRight" b="textAreaBottom"/>
@@ -10443,7 +10443,7 @@
         <p:spPr>
           <a:xfrm>
             <a:off x="388440" y="1371600"/>
-            <a:ext cx="11037240" cy="5024160"/>
+            <a:ext cx="11036880" cy="5023800"/>
           </a:xfrm>
           <a:prstGeom prst="rect">
             <a:avLst/>
@@ -10823,9 +10823,9 @@
         <p:grpSpPr>
           <a:xfrm>
             <a:off x="3168000" y="469440"/>
-            <a:ext cx="3828960" cy="666000"/>
+            <a:ext cx="3828600" cy="666000"/>
             <a:chOff x="3168000" y="469440"/>
-            <a:chExt cx="3828960" cy="666000"/>
+            <a:chExt cx="3828600" cy="666000"/>
           </a:xfrm>
         </p:grpSpPr>
         <p:sp>
@@ -10837,7 +10837,7 @@
           <p:spPr>
             <a:xfrm>
               <a:off x="3168000" y="469440"/>
-              <a:ext cx="3828960" cy="659520"/>
+              <a:ext cx="3828600" cy="659160"/>
             </a:xfrm>
             <a:prstGeom prst="rect">
               <a:avLst/>
@@ -10903,16 +10903,16 @@
           </p:nvSpPr>
           <p:spPr>
             <a:xfrm flipH="1" rot="10800000">
-              <a:off x="3167640" y="475920"/>
-              <a:ext cx="57240" cy="659520"/>
+              <a:off x="3168000" y="476280"/>
+              <a:ext cx="56880" cy="659160"/>
             </a:xfrm>
             <a:custGeom>
               <a:avLst/>
               <a:gdLst>
-                <a:gd name="textAreaLeft" fmla="*/ 3240 w 57240"/>
-                <a:gd name="textAreaRight" fmla="*/ 66960 w 57240"/>
-                <a:gd name="textAreaTop" fmla="*/ 0 h 659520"/>
-                <a:gd name="textAreaBottom" fmla="*/ 666000 h 659520"/>
+                <a:gd name="textAreaLeft" fmla="*/ 3600 w 56880"/>
+                <a:gd name="textAreaRight" fmla="*/ 67320 w 56880"/>
+                <a:gd name="textAreaTop" fmla="*/ 0 h 659160"/>
+                <a:gd name="textAreaBottom" fmla="*/ 666000 h 659160"/>
               </a:gdLst>
               <a:ahLst/>
               <a:rect l="textAreaLeft" t="textAreaTop" r="textAreaRight" b="textAreaBottom"/>
@@ -10981,16 +10981,16 @@
           </p:nvSpPr>
           <p:spPr>
             <a:xfrm flipH="1">
-              <a:off x="6922080" y="469440"/>
-              <a:ext cx="68400" cy="659520"/>
+              <a:off x="6921360" y="469440"/>
+              <a:ext cx="68040" cy="659160"/>
             </a:xfrm>
             <a:custGeom>
               <a:avLst/>
               <a:gdLst>
-                <a:gd name="textAreaLeft" fmla="*/ -3240 w 68400"/>
-                <a:gd name="textAreaRight" fmla="*/ 71640 w 68400"/>
-                <a:gd name="textAreaTop" fmla="*/ 0 h 659520"/>
-                <a:gd name="textAreaBottom" fmla="*/ 666000 h 659520"/>
+                <a:gd name="textAreaLeft" fmla="*/ -3600 w 68040"/>
+                <a:gd name="textAreaRight" fmla="*/ 71280 w 68040"/>
+                <a:gd name="textAreaTop" fmla="*/ 0 h 659160"/>
+                <a:gd name="textAreaBottom" fmla="*/ 666000 h 659160"/>
               </a:gdLst>
               <a:ahLst/>
               <a:rect l="textAreaLeft" t="textAreaTop" r="textAreaRight" b="textAreaBottom"/>
@@ -11061,7 +11061,7 @@
         <p:spPr>
           <a:xfrm>
             <a:off x="273600" y="6435000"/>
-            <a:ext cx="563760" cy="268920"/>
+            <a:ext cx="563400" cy="268560"/>
           </a:xfrm>
           <a:prstGeom prst="rect">
             <a:avLst/>
@@ -11090,7 +11090,7 @@
                 <a:tab algn="l" pos="0"/>
               </a:tabLst>
             </a:pPr>
-            <a:fld id="{BDA7D26A-3A24-4347-AA68-99BFBB9B3ECB}" type="slidenum">
+            <a:fld id="{58C47BFB-1DD9-4DDC-A2A9-F7D17C5C85BA}" type="slidenum">
               <a:rPr b="0" lang="ru-RU" sz="1400" spc="-1" strike="noStrike">
                 <a:solidFill>
                   <a:srgbClr val="898989"/>
@@ -11148,9 +11148,9 @@
         <p:grpSpPr>
           <a:xfrm>
             <a:off x="3168000" y="203760"/>
-            <a:ext cx="6886080" cy="1197360"/>
+            <a:ext cx="6885720" cy="1197360"/>
             <a:chOff x="3168000" y="203760"/>
-            <a:chExt cx="6886080" cy="1197360"/>
+            <a:chExt cx="6885720" cy="1197360"/>
           </a:xfrm>
         </p:grpSpPr>
         <p:sp>
@@ -11162,7 +11162,7 @@
           <p:spPr>
             <a:xfrm>
               <a:off x="3168000" y="203760"/>
-              <a:ext cx="6886080" cy="1189080"/>
+              <a:ext cx="6885720" cy="1188720"/>
             </a:xfrm>
             <a:prstGeom prst="rect">
               <a:avLst/>
@@ -11251,16 +11251,16 @@
           </p:nvSpPr>
           <p:spPr>
             <a:xfrm flipH="1" rot="10800000">
-              <a:off x="3167640" y="212040"/>
-              <a:ext cx="106200" cy="1189080"/>
+              <a:off x="3168000" y="212400"/>
+              <a:ext cx="105840" cy="1188720"/>
             </a:xfrm>
             <a:custGeom>
               <a:avLst/>
               <a:gdLst>
-                <a:gd name="textAreaLeft" fmla="*/ 3960 w 106200"/>
-                <a:gd name="textAreaRight" fmla="*/ 118080 w 106200"/>
-                <a:gd name="textAreaTop" fmla="*/ 0 h 1189080"/>
-                <a:gd name="textAreaBottom" fmla="*/ 1196640 h 1189080"/>
+                <a:gd name="textAreaLeft" fmla="*/ 4320 w 105840"/>
+                <a:gd name="textAreaRight" fmla="*/ 118440 w 105840"/>
+                <a:gd name="textAreaTop" fmla="*/ 0 h 1188720"/>
+                <a:gd name="textAreaBottom" fmla="*/ 1196640 h 1188720"/>
               </a:gdLst>
               <a:ahLst/>
               <a:rect l="textAreaLeft" t="textAreaTop" r="textAreaRight" b="textAreaBottom"/>
@@ -11330,15 +11330,15 @@
           <p:spPr>
             <a:xfrm flipH="1">
               <a:off x="9919080" y="203760"/>
-              <a:ext cx="126360" cy="1189080"/>
+              <a:ext cx="126000" cy="1188720"/>
             </a:xfrm>
             <a:custGeom>
               <a:avLst/>
               <a:gdLst>
-                <a:gd name="textAreaLeft" fmla="*/ -4320 w 126360"/>
-                <a:gd name="textAreaRight" fmla="*/ 129600 w 126360"/>
-                <a:gd name="textAreaTop" fmla="*/ 0 h 1189080"/>
-                <a:gd name="textAreaBottom" fmla="*/ 1196640 h 1189080"/>
+                <a:gd name="textAreaLeft" fmla="*/ -4320 w 126000"/>
+                <a:gd name="textAreaRight" fmla="*/ 129600 w 126000"/>
+                <a:gd name="textAreaTop" fmla="*/ 0 h 1188720"/>
+                <a:gd name="textAreaBottom" fmla="*/ 1196640 h 1188720"/>
               </a:gdLst>
               <a:ahLst/>
               <a:rect l="textAreaLeft" t="textAreaTop" r="textAreaRight" b="textAreaBottom"/>
@@ -11409,7 +11409,7 @@
         <p:spPr>
           <a:xfrm>
             <a:off x="273600" y="6435000"/>
-            <a:ext cx="563760" cy="268920"/>
+            <a:ext cx="563400" cy="268560"/>
           </a:xfrm>
           <a:prstGeom prst="rect">
             <a:avLst/>
@@ -11438,7 +11438,7 @@
                 <a:tab algn="l" pos="0"/>
               </a:tabLst>
             </a:pPr>
-            <a:fld id="{792B50C9-0465-46F5-9B3C-24313640DC73}" type="slidenum">
+            <a:fld id="{BAA7E0E1-A302-45DC-B0FB-77D1705F7FD0}" type="slidenum">
               <a:rPr b="0" lang="ru-RU" sz="1400" spc="-1" strike="noStrike">
                 <a:solidFill>
                   <a:srgbClr val="898989"/>
@@ -11466,7 +11466,7 @@
         <p:spPr>
           <a:xfrm>
             <a:off x="5943600" y="1602360"/>
-            <a:ext cx="5712120" cy="1366560"/>
+            <a:ext cx="5711760" cy="1366200"/>
           </a:xfrm>
           <a:prstGeom prst="rect">
             <a:avLst/>
@@ -11585,7 +11585,7 @@
         <p:spPr>
           <a:xfrm>
             <a:off x="452160" y="1492200"/>
-            <a:ext cx="2660760" cy="2674080"/>
+            <a:ext cx="2660400" cy="2673720"/>
           </a:xfrm>
           <a:prstGeom prst="rect">
             <a:avLst/>
@@ -11608,7 +11608,7 @@
         <p:spPr>
           <a:xfrm>
             <a:off x="3136680" y="1492200"/>
-            <a:ext cx="2647440" cy="2669400"/>
+            <a:ext cx="2647080" cy="2669040"/>
           </a:xfrm>
           <a:prstGeom prst="rect">
             <a:avLst/>
@@ -11631,7 +11631,7 @@
         <p:spPr>
           <a:xfrm>
             <a:off x="541800" y="4170960"/>
-            <a:ext cx="2427120" cy="2455560"/>
+            <a:ext cx="2426760" cy="2455200"/>
           </a:xfrm>
           <a:prstGeom prst="rect">
             <a:avLst/>
@@ -11654,7 +11654,7 @@
         <p:spPr>
           <a:xfrm>
             <a:off x="3384720" y="4271400"/>
-            <a:ext cx="2283120" cy="2302200"/>
+            <a:ext cx="2282760" cy="2301840"/>
           </a:xfrm>
           <a:prstGeom prst="rect">
             <a:avLst/>
@@ -11703,9 +11703,9 @@
         <p:grpSpPr>
           <a:xfrm>
             <a:off x="3168000" y="203760"/>
-            <a:ext cx="6886080" cy="1197360"/>
+            <a:ext cx="6885720" cy="1197360"/>
             <a:chOff x="3168000" y="203760"/>
-            <a:chExt cx="6886080" cy="1197360"/>
+            <a:chExt cx="6885720" cy="1197360"/>
           </a:xfrm>
         </p:grpSpPr>
         <p:sp>
@@ -11717,7 +11717,7 @@
           <p:spPr>
             <a:xfrm>
               <a:off x="3168000" y="203760"/>
-              <a:ext cx="6886080" cy="1189080"/>
+              <a:ext cx="6885720" cy="1188720"/>
             </a:xfrm>
             <a:prstGeom prst="rect">
               <a:avLst/>
@@ -11806,16 +11806,16 @@
           </p:nvSpPr>
           <p:spPr>
             <a:xfrm flipH="1" rot="10800000">
-              <a:off x="3167640" y="212040"/>
-              <a:ext cx="106200" cy="1189080"/>
+              <a:off x="3168000" y="212400"/>
+              <a:ext cx="105840" cy="1188720"/>
             </a:xfrm>
             <a:custGeom>
               <a:avLst/>
               <a:gdLst>
-                <a:gd name="textAreaLeft" fmla="*/ 3960 w 106200"/>
-                <a:gd name="textAreaRight" fmla="*/ 118080 w 106200"/>
-                <a:gd name="textAreaTop" fmla="*/ 0 h 1189080"/>
-                <a:gd name="textAreaBottom" fmla="*/ 1196640 h 1189080"/>
+                <a:gd name="textAreaLeft" fmla="*/ 4320 w 105840"/>
+                <a:gd name="textAreaRight" fmla="*/ 118440 w 105840"/>
+                <a:gd name="textAreaTop" fmla="*/ 0 h 1188720"/>
+                <a:gd name="textAreaBottom" fmla="*/ 1196640 h 1188720"/>
               </a:gdLst>
               <a:ahLst/>
               <a:rect l="textAreaLeft" t="textAreaTop" r="textAreaRight" b="textAreaBottom"/>
@@ -11885,15 +11885,15 @@
           <p:spPr>
             <a:xfrm flipH="1">
               <a:off x="9919080" y="203760"/>
-              <a:ext cx="126360" cy="1189080"/>
+              <a:ext cx="126000" cy="1188720"/>
             </a:xfrm>
             <a:custGeom>
               <a:avLst/>
               <a:gdLst>
-                <a:gd name="textAreaLeft" fmla="*/ -4320 w 126360"/>
-                <a:gd name="textAreaRight" fmla="*/ 129600 w 126360"/>
-                <a:gd name="textAreaTop" fmla="*/ 0 h 1189080"/>
-                <a:gd name="textAreaBottom" fmla="*/ 1196640 h 1189080"/>
+                <a:gd name="textAreaLeft" fmla="*/ -4320 w 126000"/>
+                <a:gd name="textAreaRight" fmla="*/ 129600 w 126000"/>
+                <a:gd name="textAreaTop" fmla="*/ 0 h 1188720"/>
+                <a:gd name="textAreaBottom" fmla="*/ 1196640 h 1188720"/>
               </a:gdLst>
               <a:ahLst/>
               <a:rect l="textAreaLeft" t="textAreaTop" r="textAreaRight" b="textAreaBottom"/>
@@ -11964,7 +11964,7 @@
         <p:spPr>
           <a:xfrm>
             <a:off x="273600" y="6435000"/>
-            <a:ext cx="563760" cy="268920"/>
+            <a:ext cx="563400" cy="268560"/>
           </a:xfrm>
           <a:prstGeom prst="rect">
             <a:avLst/>
@@ -11993,7 +11993,7 @@
                 <a:tab algn="l" pos="0"/>
               </a:tabLst>
             </a:pPr>
-            <a:fld id="{B66C7749-9C51-47E2-8011-A77AD2562798}" type="slidenum">
+            <a:fld id="{5671E6A1-12CB-489B-BEC2-2009D64E3F8B}" type="slidenum">
               <a:rPr b="0" lang="ru-RU" sz="1400" spc="-1" strike="noStrike">
                 <a:solidFill>
                   <a:srgbClr val="898989"/>
@@ -12021,7 +12021,7 @@
         <p:spPr>
           <a:xfrm>
             <a:off x="388440" y="1600200"/>
-            <a:ext cx="4406400" cy="910080"/>
+            <a:ext cx="4406040" cy="909720"/>
           </a:xfrm>
           <a:prstGeom prst="rect">
             <a:avLst/>
@@ -12081,7 +12081,7 @@
         <p:spPr>
           <a:xfrm>
             <a:off x="5029200" y="1600200"/>
-            <a:ext cx="6854040" cy="1137240"/>
+            <a:ext cx="6853680" cy="1136880"/>
           </a:xfrm>
           <a:prstGeom prst="rect">
             <a:avLst/>
@@ -13108,7 +13108,7 @@
         <p:spPr>
           <a:xfrm>
             <a:off x="529200" y="2536920"/>
-            <a:ext cx="4110840" cy="3516480"/>
+            <a:ext cx="4110480" cy="3516120"/>
           </a:xfrm>
           <a:prstGeom prst="rect">
             <a:avLst/>
@@ -13161,7 +13161,7 @@
         <p:spPr>
           <a:xfrm>
             <a:off x="388440" y="1371600"/>
-            <a:ext cx="5778000" cy="5252040"/>
+            <a:ext cx="5777640" cy="5251680"/>
           </a:xfrm>
           <a:prstGeom prst="rect">
             <a:avLst/>
@@ -13348,9 +13348,9 @@
         <p:grpSpPr>
           <a:xfrm>
             <a:off x="3168000" y="243720"/>
-            <a:ext cx="6427440" cy="1117440"/>
+            <a:ext cx="6427080" cy="1117440"/>
             <a:chOff x="3168000" y="243720"/>
-            <a:chExt cx="6427440" cy="1117440"/>
+            <a:chExt cx="6427080" cy="1117440"/>
           </a:xfrm>
         </p:grpSpPr>
         <p:sp>
@@ -13362,7 +13362,7 @@
           <p:spPr>
             <a:xfrm>
               <a:off x="3168000" y="243720"/>
-              <a:ext cx="6427440" cy="1110240"/>
+              <a:ext cx="6427080" cy="1109880"/>
             </a:xfrm>
             <a:prstGeom prst="rect">
               <a:avLst/>
@@ -13428,16 +13428,16 @@
           </p:nvSpPr>
           <p:spPr>
             <a:xfrm flipH="1" rot="10800000">
-              <a:off x="3168000" y="250920"/>
-              <a:ext cx="100080" cy="1110240"/>
+              <a:off x="3167640" y="251280"/>
+              <a:ext cx="99720" cy="1109880"/>
             </a:xfrm>
             <a:custGeom>
               <a:avLst/>
               <a:gdLst>
-                <a:gd name="textAreaLeft" fmla="*/ 3600 w 100080"/>
-                <a:gd name="textAreaRight" fmla="*/ 110520 w 100080"/>
-                <a:gd name="textAreaTop" fmla="*/ 0 h 1110240"/>
-                <a:gd name="textAreaBottom" fmla="*/ 1116720 h 1110240"/>
+                <a:gd name="textAreaLeft" fmla="*/ 3600 w 99720"/>
+                <a:gd name="textAreaRight" fmla="*/ 110520 w 99720"/>
+                <a:gd name="textAreaTop" fmla="*/ 0 h 1109880"/>
+                <a:gd name="textAreaBottom" fmla="*/ 1116720 h 1109880"/>
               </a:gdLst>
               <a:ahLst/>
               <a:rect l="textAreaLeft" t="textAreaTop" r="textAreaRight" b="textAreaBottom"/>
@@ -13506,16 +13506,16 @@
           </p:nvSpPr>
           <p:spPr>
             <a:xfrm flipH="1">
-              <a:off x="9469800" y="243720"/>
-              <a:ext cx="118800" cy="1110240"/>
+              <a:off x="9469080" y="243720"/>
+              <a:ext cx="118440" cy="1109880"/>
             </a:xfrm>
             <a:custGeom>
               <a:avLst/>
               <a:gdLst>
-                <a:gd name="textAreaLeft" fmla="*/ -3240 w 118800"/>
-                <a:gd name="textAreaRight" fmla="*/ 122040 w 118800"/>
-                <a:gd name="textAreaTop" fmla="*/ 0 h 1110240"/>
-                <a:gd name="textAreaBottom" fmla="*/ 1116720 h 1110240"/>
+                <a:gd name="textAreaLeft" fmla="*/ -3600 w 118440"/>
+                <a:gd name="textAreaRight" fmla="*/ 121680 w 118440"/>
+                <a:gd name="textAreaTop" fmla="*/ 0 h 1109880"/>
+                <a:gd name="textAreaBottom" fmla="*/ 1116720 h 1109880"/>
               </a:gdLst>
               <a:ahLst/>
               <a:rect l="textAreaLeft" t="textAreaTop" r="textAreaRight" b="textAreaBottom"/>
@@ -13586,7 +13586,7 @@
         <p:spPr>
           <a:xfrm>
             <a:off x="6400800" y="1359000"/>
-            <a:ext cx="5480640" cy="5264640"/>
+            <a:ext cx="5480280" cy="5264280"/>
           </a:xfrm>
           <a:prstGeom prst="rect">
             <a:avLst/>
@@ -14133,7 +14133,7 @@
         <p:spPr>
           <a:xfrm>
             <a:off x="273600" y="6435000"/>
-            <a:ext cx="563760" cy="268920"/>
+            <a:ext cx="563400" cy="268560"/>
           </a:xfrm>
           <a:prstGeom prst="rect">
             <a:avLst/>
@@ -14162,7 +14162,7 @@
                 <a:tab algn="l" pos="0"/>
               </a:tabLst>
             </a:pPr>
-            <a:fld id="{4346A616-CFFF-4F3F-973D-6A21F6C6432C}" type="slidenum">
+            <a:fld id="{1F935008-6D10-494D-A895-96819306956A}" type="slidenum">
               <a:rPr b="0" lang="ru-RU" sz="1400" spc="-1" strike="noStrike">
                 <a:solidFill>
                   <a:srgbClr val="898989"/>
@@ -14224,7 +14224,7 @@
         <p:spPr>
           <a:xfrm>
             <a:off x="388440" y="1600200"/>
-            <a:ext cx="11493000" cy="5023440"/>
+            <a:ext cx="11492640" cy="5023080"/>
           </a:xfrm>
           <a:prstGeom prst="rect">
             <a:avLst/>
@@ -14621,9 +14621,9 @@
         <p:grpSpPr>
           <a:xfrm>
             <a:off x="3168000" y="243720"/>
-            <a:ext cx="6427440" cy="1117440"/>
+            <a:ext cx="6427080" cy="1117440"/>
             <a:chOff x="3168000" y="243720"/>
-            <a:chExt cx="6427440" cy="1117440"/>
+            <a:chExt cx="6427080" cy="1117440"/>
           </a:xfrm>
         </p:grpSpPr>
         <p:sp>
@@ -14635,7 +14635,7 @@
           <p:spPr>
             <a:xfrm>
               <a:off x="3168000" y="243720"/>
-              <a:ext cx="6427440" cy="1110240"/>
+              <a:ext cx="6427080" cy="1109880"/>
             </a:xfrm>
             <a:prstGeom prst="rect">
               <a:avLst/>
@@ -14701,16 +14701,16 @@
           </p:nvSpPr>
           <p:spPr>
             <a:xfrm flipH="1" rot="10800000">
-              <a:off x="3168000" y="250920"/>
-              <a:ext cx="100080" cy="1110240"/>
+              <a:off x="3167640" y="251280"/>
+              <a:ext cx="99720" cy="1109880"/>
             </a:xfrm>
             <a:custGeom>
               <a:avLst/>
               <a:gdLst>
-                <a:gd name="textAreaLeft" fmla="*/ 3600 w 100080"/>
-                <a:gd name="textAreaRight" fmla="*/ 110520 w 100080"/>
-                <a:gd name="textAreaTop" fmla="*/ 0 h 1110240"/>
-                <a:gd name="textAreaBottom" fmla="*/ 1116720 h 1110240"/>
+                <a:gd name="textAreaLeft" fmla="*/ 3600 w 99720"/>
+                <a:gd name="textAreaRight" fmla="*/ 110520 w 99720"/>
+                <a:gd name="textAreaTop" fmla="*/ 0 h 1109880"/>
+                <a:gd name="textAreaBottom" fmla="*/ 1116720 h 1109880"/>
               </a:gdLst>
               <a:ahLst/>
               <a:rect l="textAreaLeft" t="textAreaTop" r="textAreaRight" b="textAreaBottom"/>
@@ -14779,16 +14779,16 @@
           </p:nvSpPr>
           <p:spPr>
             <a:xfrm flipH="1">
-              <a:off x="9469800" y="243720"/>
-              <a:ext cx="118800" cy="1110240"/>
+              <a:off x="9469080" y="243720"/>
+              <a:ext cx="118440" cy="1109880"/>
             </a:xfrm>
             <a:custGeom>
               <a:avLst/>
               <a:gdLst>
-                <a:gd name="textAreaLeft" fmla="*/ -3240 w 118800"/>
-                <a:gd name="textAreaRight" fmla="*/ 122040 w 118800"/>
-                <a:gd name="textAreaTop" fmla="*/ 0 h 1110240"/>
-                <a:gd name="textAreaBottom" fmla="*/ 1116720 h 1110240"/>
+                <a:gd name="textAreaLeft" fmla="*/ -3600 w 118440"/>
+                <a:gd name="textAreaRight" fmla="*/ 121680 w 118440"/>
+                <a:gd name="textAreaTop" fmla="*/ 0 h 1109880"/>
+                <a:gd name="textAreaBottom" fmla="*/ 1116720 h 1109880"/>
               </a:gdLst>
               <a:ahLst/>
               <a:rect l="textAreaLeft" t="textAreaTop" r="textAreaRight" b="textAreaBottom"/>
@@ -14859,7 +14859,7 @@
         <p:spPr>
           <a:xfrm>
             <a:off x="273600" y="6435000"/>
-            <a:ext cx="563760" cy="268920"/>
+            <a:ext cx="563400" cy="268560"/>
           </a:xfrm>
           <a:prstGeom prst="rect">
             <a:avLst/>
@@ -14888,7 +14888,7 @@
                 <a:tab algn="l" pos="0"/>
               </a:tabLst>
             </a:pPr>
-            <a:fld id="{44FAC773-E9C3-4593-9E82-76B758930276}" type="slidenum">
+            <a:fld id="{1A6D97D2-5E9D-4EA9-8166-BAB13F3A5F09}" type="slidenum">
               <a:rPr b="0" lang="ru-RU" sz="1400" spc="-1" strike="noStrike">
                 <a:solidFill>
                   <a:srgbClr val="898989"/>
@@ -14946,9 +14946,9 @@
         <p:grpSpPr>
           <a:xfrm>
             <a:off x="3168000" y="322920"/>
-            <a:ext cx="5514120" cy="959040"/>
+            <a:ext cx="5513760" cy="959040"/>
             <a:chOff x="3168000" y="322920"/>
-            <a:chExt cx="5514120" cy="959040"/>
+            <a:chExt cx="5513760" cy="959040"/>
           </a:xfrm>
         </p:grpSpPr>
         <p:sp>
@@ -14960,7 +14960,7 @@
           <p:spPr>
             <a:xfrm>
               <a:off x="3168000" y="322920"/>
-              <a:ext cx="5514120" cy="951480"/>
+              <a:ext cx="5513760" cy="951120"/>
             </a:xfrm>
             <a:prstGeom prst="rect">
               <a:avLst/>
@@ -15026,16 +15026,16 @@
           </p:nvSpPr>
           <p:spPr>
             <a:xfrm flipH="1" rot="10800000">
-              <a:off x="3167640" y="330480"/>
-              <a:ext cx="84600" cy="951480"/>
+              <a:off x="3168000" y="330840"/>
+              <a:ext cx="84240" cy="951120"/>
             </a:xfrm>
             <a:custGeom>
               <a:avLst/>
               <a:gdLst>
-                <a:gd name="textAreaLeft" fmla="*/ 3240 w 84600"/>
-                <a:gd name="textAreaRight" fmla="*/ 95040 w 84600"/>
-                <a:gd name="textAreaTop" fmla="*/ 0 h 951480"/>
-                <a:gd name="textAreaBottom" fmla="*/ 958320 h 951480"/>
+                <a:gd name="textAreaLeft" fmla="*/ 3600 w 84240"/>
+                <a:gd name="textAreaRight" fmla="*/ 95400 w 84240"/>
+                <a:gd name="textAreaTop" fmla="*/ 0 h 951120"/>
+                <a:gd name="textAreaBottom" fmla="*/ 958320 h 951120"/>
               </a:gdLst>
               <a:ahLst/>
               <a:rect l="textAreaLeft" t="textAreaTop" r="textAreaRight" b="textAreaBottom"/>
@@ -15105,15 +15105,15 @@
           <p:spPr>
             <a:xfrm flipH="1">
               <a:off x="8574120" y="322920"/>
-              <a:ext cx="100440" cy="951480"/>
+              <a:ext cx="100080" cy="951120"/>
             </a:xfrm>
             <a:custGeom>
               <a:avLst/>
               <a:gdLst>
-                <a:gd name="textAreaLeft" fmla="*/ 1800 w 100440"/>
-                <a:gd name="textAreaRight" fmla="*/ 108720 w 100440"/>
-                <a:gd name="textAreaTop" fmla="*/ 0 h 951480"/>
-                <a:gd name="textAreaBottom" fmla="*/ 958320 h 951480"/>
+                <a:gd name="textAreaLeft" fmla="*/ 2160 w 100080"/>
+                <a:gd name="textAreaRight" fmla="*/ 109080 w 100080"/>
+                <a:gd name="textAreaTop" fmla="*/ 0 h 951120"/>
+                <a:gd name="textAreaBottom" fmla="*/ 958320 h 951120"/>
               </a:gdLst>
               <a:ahLst/>
               <a:rect l="textAreaLeft" t="textAreaTop" r="textAreaRight" b="textAreaBottom"/>
@@ -15184,7 +15184,7 @@
         <p:spPr>
           <a:xfrm>
             <a:off x="273600" y="6435000"/>
-            <a:ext cx="563760" cy="268920"/>
+            <a:ext cx="563400" cy="268560"/>
           </a:xfrm>
           <a:prstGeom prst="rect">
             <a:avLst/>
@@ -15213,7 +15213,7 @@
                 <a:tab algn="l" pos="0"/>
               </a:tabLst>
             </a:pPr>
-            <a:fld id="{31EC5A92-F013-4290-A023-2347A4C533D3}" type="slidenum">
+            <a:fld id="{45CB7DB6-8B65-4CCD-8340-7F58E3433328}" type="slidenum">
               <a:rPr b="0" lang="ru-RU" sz="1400" spc="-1" strike="noStrike">
                 <a:solidFill>
                   <a:srgbClr val="898989"/>
@@ -16454,7 +16454,7 @@
         <p:spPr>
           <a:xfrm>
             <a:off x="8121600" y="1371600"/>
-            <a:ext cx="3881880" cy="4567320"/>
+            <a:ext cx="3881520" cy="4566960"/>
           </a:xfrm>
           <a:prstGeom prst="rect">
             <a:avLst/>
@@ -16649,7 +16649,7 @@
         <p:spPr>
           <a:xfrm>
             <a:off x="7952400" y="3128400"/>
-            <a:ext cx="3767040" cy="547200"/>
+            <a:ext cx="3766680" cy="546840"/>
           </a:xfrm>
           <a:prstGeom prst="rect">
             <a:avLst/>
@@ -16672,7 +16672,7 @@
         <p:spPr>
           <a:xfrm>
             <a:off x="7759800" y="5571000"/>
-            <a:ext cx="4348440" cy="537840"/>
+            <a:ext cx="4348080" cy="537480"/>
           </a:xfrm>
           <a:prstGeom prst="rect">
             <a:avLst/>

--- a/Прогнозирование_вероятности_дефолта.pptx
+++ b/Прогнозирование_вероятности_дефолта.pptx
@@ -90,7 +90,7 @@
         <p:txBody>
           <a:bodyPr/>
           <a:p>
-            <a:fld id="{569D3966-21BA-4F94-8A56-C03F87D88D3E}" type="slidenum">
+            <a:fld id="{4567CC9A-072C-4850-A2E4-E0F88641BE2D}" type="slidenum">
               <a:t>&lt;#&gt;</a:t>
             </a:fld>
           </a:p>
@@ -132,7 +132,7 @@
         <p:txBody>
           <a:bodyPr/>
           <a:p>
-            <a:fld id="{A9C921CB-5B4B-4D22-AE4A-938740A0CA07}" type="slidenum">
+            <a:fld id="{20924CA3-0F4C-44C9-B425-D6FE8608EBCD}" type="slidenum">
               <a:t>&lt;#&gt;</a:t>
             </a:fld>
           </a:p>
@@ -174,7 +174,7 @@
         <p:txBody>
           <a:bodyPr/>
           <a:p>
-            <a:fld id="{E38BC831-961B-4484-9C30-08B27D96D15F}" type="slidenum">
+            <a:fld id="{7233EB16-B149-43C9-8E1C-C71B388F556B}" type="slidenum">
               <a:t>&lt;#&gt;</a:t>
             </a:fld>
           </a:p>
@@ -216,7 +216,7 @@
         <p:txBody>
           <a:bodyPr/>
           <a:p>
-            <a:fld id="{07EEF80D-51E0-43D7-B2C3-70D585458AB6}" type="slidenum">
+            <a:fld id="{6FDFF045-9EB8-424F-B679-C2C58A205BD4}" type="slidenum">
               <a:t>&lt;#&gt;</a:t>
             </a:fld>
           </a:p>
@@ -258,7 +258,7 @@
         <p:txBody>
           <a:bodyPr/>
           <a:p>
-            <a:fld id="{5B23CD56-D9B5-443D-ADD2-9F66DE4B93B9}" type="slidenum">
+            <a:fld id="{6FA1AAA1-E2BE-4B86-9BF0-65C1E035EBB4}" type="slidenum">
               <a:t>&lt;#&gt;</a:t>
             </a:fld>
           </a:p>
@@ -300,7 +300,7 @@
         <p:txBody>
           <a:bodyPr/>
           <a:p>
-            <a:fld id="{54AC4C71-326E-40BA-B48F-32678B78149E}" type="slidenum">
+            <a:fld id="{141E540D-E735-4C04-810B-F22A38A34990}" type="slidenum">
               <a:t>&lt;#&gt;</a:t>
             </a:fld>
           </a:p>
@@ -342,7 +342,7 @@
         <p:txBody>
           <a:bodyPr/>
           <a:p>
-            <a:fld id="{1E7CE5C6-4A49-4FBF-8307-5729A6081C0B}" type="slidenum">
+            <a:fld id="{8EC6D981-B462-4220-BAD4-A02CACB1BFB2}" type="slidenum">
               <a:t>&lt;#&gt;</a:t>
             </a:fld>
           </a:p>
@@ -412,7 +412,7 @@
         <p:spPr>
           <a:xfrm>
             <a:off x="420480" y="446040"/>
-            <a:ext cx="2354760" cy="716040"/>
+            <a:ext cx="2354400" cy="715680"/>
           </a:xfrm>
           <a:prstGeom prst="rect">
             <a:avLst/>
@@ -430,13 +430,13 @@
         </p:nvPicPr>
         <p:blipFill>
           <a:blip r:embed="rId3"/>
-          <a:srcRect l="0" t="16231" r="0" b="8815"/>
+          <a:srcRect l="0" t="16229" r="0" b="8815"/>
           <a:stretch/>
         </p:blipFill>
         <p:spPr>
           <a:xfrm>
             <a:off x="0" y="0"/>
-            <a:ext cx="12185280" cy="6851160"/>
+            <a:ext cx="12184920" cy="6850800"/>
           </a:xfrm>
           <a:prstGeom prst="rect">
             <a:avLst/>
@@ -455,9 +455,9 @@
         <p:grpSpPr>
           <a:xfrm>
             <a:off x="694440" y="633240"/>
-            <a:ext cx="9496080" cy="4699800"/>
+            <a:ext cx="9495720" cy="4699440"/>
             <a:chOff x="694440" y="633240"/>
-            <a:chExt cx="9496080" cy="4699800"/>
+            <a:chExt cx="9495720" cy="4699440"/>
           </a:xfrm>
         </p:grpSpPr>
         <p:pic>
@@ -473,7 +473,7 @@
           <p:spPr>
             <a:xfrm>
               <a:off x="694440" y="633240"/>
-              <a:ext cx="9496080" cy="4699800"/>
+              <a:ext cx="9495720" cy="4699440"/>
             </a:xfrm>
             <a:prstGeom prst="rect">
               <a:avLst/>
@@ -492,7 +492,7 @@
           <p:spPr>
             <a:xfrm>
               <a:off x="694440" y="5307120"/>
-              <a:ext cx="9496080" cy="21960"/>
+              <a:ext cx="9495720" cy="21600"/>
             </a:xfrm>
             <a:prstGeom prst="rect">
               <a:avLst/>
@@ -552,7 +552,7 @@
         <p:spPr>
           <a:xfrm>
             <a:off x="9157680" y="612000"/>
-            <a:ext cx="2354760" cy="714960"/>
+            <a:ext cx="2354400" cy="714600"/>
           </a:xfrm>
           <a:prstGeom prst="rect">
             <a:avLst/>
@@ -882,7 +882,7 @@
         <p:spPr>
           <a:xfrm>
             <a:off x="420480" y="446040"/>
-            <a:ext cx="2354760" cy="716040"/>
+            <a:ext cx="2354400" cy="715680"/>
           </a:xfrm>
           <a:prstGeom prst="rect">
             <a:avLst/>
@@ -905,7 +905,7 @@
         <p:spPr>
           <a:xfrm>
             <a:off x="273600" y="6433920"/>
-            <a:ext cx="563400" cy="268560"/>
+            <a:ext cx="563040" cy="268200"/>
           </a:xfrm>
           <a:prstGeom prst="rect">
             <a:avLst/>
@@ -947,7 +947,7 @@
                 <a:tab algn="l" pos="0"/>
               </a:tabLst>
             </a:pPr>
-            <a:fld id="{9A76065A-AFA1-4EDB-8D24-E5863084F930}" type="slidenum">
+            <a:fld id="{56D149A9-96D7-4257-AECC-2577C088AC54}" type="slidenum">
               <a:rPr b="0" lang="ru-RU" sz="2400" spc="-1" strike="noStrike">
                 <a:solidFill>
                   <a:srgbClr val="898989"/>
@@ -1286,7 +1286,7 @@
         <p:spPr>
           <a:xfrm>
             <a:off x="420480" y="446040"/>
-            <a:ext cx="2354760" cy="716040"/>
+            <a:ext cx="2354400" cy="715680"/>
           </a:xfrm>
           <a:prstGeom prst="rect">
             <a:avLst/>
@@ -1309,7 +1309,7 @@
         <p:spPr>
           <a:xfrm>
             <a:off x="273600" y="6433920"/>
-            <a:ext cx="625680" cy="268560"/>
+            <a:ext cx="625320" cy="268200"/>
           </a:xfrm>
           <a:prstGeom prst="rect">
             <a:avLst/>
@@ -1351,7 +1351,7 @@
                 <a:tab algn="l" pos="0"/>
               </a:tabLst>
             </a:pPr>
-            <a:fld id="{F1EB599D-7736-43B2-8BEB-929DF1DC3DE4}" type="slidenum">
+            <a:fld id="{DA473DDB-9133-4525-89DA-51A7F9370838}" type="slidenum">
               <a:rPr b="0" lang="ru-RU" sz="2400" spc="-1" strike="noStrike">
                 <a:solidFill>
                   <a:srgbClr val="898989"/>
@@ -1416,7 +1416,7 @@
         <p:spPr>
           <a:xfrm>
             <a:off x="420480" y="446040"/>
-            <a:ext cx="2354760" cy="716040"/>
+            <a:ext cx="2354400" cy="715680"/>
           </a:xfrm>
           <a:prstGeom prst="rect">
             <a:avLst/>
@@ -1439,7 +1439,7 @@
         <p:spPr>
           <a:xfrm>
             <a:off x="273600" y="6433920"/>
-            <a:ext cx="563400" cy="268560"/>
+            <a:ext cx="563040" cy="268200"/>
           </a:xfrm>
           <a:prstGeom prst="rect">
             <a:avLst/>
@@ -1481,7 +1481,7 @@
                 <a:tab algn="l" pos="0"/>
               </a:tabLst>
             </a:pPr>
-            <a:fld id="{98DE9869-73C3-4133-A2DA-A94102B8E087}" type="slidenum">
+            <a:fld id="{8E377046-6C79-4E1D-8ACA-2A06E27C64D4}" type="slidenum">
               <a:rPr b="0" lang="ru-RU" sz="2400" spc="-1" strike="noStrike">
                 <a:solidFill>
                   <a:srgbClr val="898989"/>
@@ -1546,7 +1546,7 @@
         <p:spPr>
           <a:xfrm>
             <a:off x="420480" y="446040"/>
-            <a:ext cx="2354760" cy="716040"/>
+            <a:ext cx="2354400" cy="715680"/>
           </a:xfrm>
           <a:prstGeom prst="rect">
             <a:avLst/>
@@ -1569,7 +1569,7 @@
         <p:spPr>
           <a:xfrm>
             <a:off x="273600" y="6433920"/>
-            <a:ext cx="563400" cy="268560"/>
+            <a:ext cx="563040" cy="268200"/>
           </a:xfrm>
           <a:prstGeom prst="rect">
             <a:avLst/>
@@ -1611,7 +1611,7 @@
                 <a:tab algn="l" pos="0"/>
               </a:tabLst>
             </a:pPr>
-            <a:fld id="{93E736D1-40A7-47EF-A303-F472482A2E4A}" type="slidenum">
+            <a:fld id="{DCAA76FE-4A80-4581-8312-1B50D3AEE887}" type="slidenum">
               <a:rPr b="0" lang="ru-RU" sz="2400" spc="-1" strike="noStrike">
                 <a:solidFill>
                   <a:srgbClr val="898989"/>
@@ -1676,7 +1676,7 @@
         <p:spPr>
           <a:xfrm>
             <a:off x="420480" y="446040"/>
-            <a:ext cx="2354760" cy="716040"/>
+            <a:ext cx="2354400" cy="715680"/>
           </a:xfrm>
           <a:prstGeom prst="rect">
             <a:avLst/>
@@ -1699,7 +1699,7 @@
         <p:spPr>
           <a:xfrm>
             <a:off x="273600" y="6433920"/>
-            <a:ext cx="563400" cy="268560"/>
+            <a:ext cx="563040" cy="268200"/>
           </a:xfrm>
           <a:prstGeom prst="rect">
             <a:avLst/>
@@ -1741,7 +1741,7 @@
                 <a:tab algn="l" pos="0"/>
               </a:tabLst>
             </a:pPr>
-            <a:fld id="{A336689D-3D43-4C53-B236-FDE4166EAA0E}" type="slidenum">
+            <a:fld id="{C6956830-6B1F-4C77-9BE4-C96A4D873FF5}" type="slidenum">
               <a:rPr b="0" lang="ru-RU" sz="2400" spc="-1" strike="noStrike">
                 <a:solidFill>
                   <a:srgbClr val="898989"/>
@@ -1806,7 +1806,7 @@
         <p:spPr>
           <a:xfrm>
             <a:off x="420480" y="446040"/>
-            <a:ext cx="2354760" cy="716040"/>
+            <a:ext cx="2354400" cy="715680"/>
           </a:xfrm>
           <a:prstGeom prst="rect">
             <a:avLst/>
@@ -1829,7 +1829,7 @@
         <p:spPr>
           <a:xfrm>
             <a:off x="273600" y="6433920"/>
-            <a:ext cx="563400" cy="268560"/>
+            <a:ext cx="563040" cy="268200"/>
           </a:xfrm>
           <a:prstGeom prst="rect">
             <a:avLst/>
@@ -1871,7 +1871,7 @@
                 <a:tab algn="l" pos="0"/>
               </a:tabLst>
             </a:pPr>
-            <a:fld id="{F1F77798-658E-430C-BA7E-6026F06610BF}" type="slidenum">
+            <a:fld id="{0DD5E651-D58E-411E-ABA6-23C4E0FE35E8}" type="slidenum">
               <a:rPr b="0" lang="ru-RU" sz="2400" spc="-1" strike="noStrike">
                 <a:solidFill>
                   <a:srgbClr val="898989"/>
@@ -1936,7 +1936,7 @@
         <p:spPr>
           <a:xfrm>
             <a:off x="420480" y="446040"/>
-            <a:ext cx="2354760" cy="716040"/>
+            <a:ext cx="2354400" cy="715680"/>
           </a:xfrm>
           <a:prstGeom prst="rect">
             <a:avLst/>
@@ -1959,7 +1959,7 @@
         <p:spPr>
           <a:xfrm>
             <a:off x="273600" y="6433920"/>
-            <a:ext cx="563400" cy="268560"/>
+            <a:ext cx="563040" cy="268200"/>
           </a:xfrm>
           <a:prstGeom prst="rect">
             <a:avLst/>
@@ -2001,7 +2001,7 @@
                 <a:tab algn="l" pos="0"/>
               </a:tabLst>
             </a:pPr>
-            <a:fld id="{19EDB69E-1A37-41B2-9CF9-46BBAB735EA9}" type="slidenum">
+            <a:fld id="{D769331A-AD51-4B55-924A-B83FACB57A95}" type="slidenum">
               <a:rPr b="0" lang="ru-RU" sz="2400" spc="-1" strike="noStrike">
                 <a:solidFill>
                   <a:srgbClr val="898989"/>
@@ -2066,7 +2066,7 @@
         <p:spPr>
           <a:xfrm>
             <a:off x="420480" y="446040"/>
-            <a:ext cx="2354760" cy="716040"/>
+            <a:ext cx="2354400" cy="715680"/>
           </a:xfrm>
           <a:prstGeom prst="rect">
             <a:avLst/>
@@ -2084,13 +2084,13 @@
         </p:nvPicPr>
         <p:blipFill>
           <a:blip r:embed="rId3"/>
-          <a:srcRect l="0" t="16231" r="0" b="8815"/>
+          <a:srcRect l="0" t="16229" r="0" b="8815"/>
           <a:stretch/>
         </p:blipFill>
         <p:spPr>
           <a:xfrm>
             <a:off x="0" y="0"/>
-            <a:ext cx="12185280" cy="6851160"/>
+            <a:ext cx="12184920" cy="6850800"/>
           </a:xfrm>
           <a:prstGeom prst="rect">
             <a:avLst/>
@@ -2113,7 +2113,7 @@
         <p:spPr>
           <a:xfrm>
             <a:off x="6575400" y="2096640"/>
-            <a:ext cx="1325160" cy="1325160"/>
+            <a:ext cx="1324800" cy="1324800"/>
           </a:xfrm>
           <a:prstGeom prst="rect">
             <a:avLst/>
@@ -2136,7 +2136,7 @@
         <p:spPr>
           <a:xfrm>
             <a:off x="1278360" y="2042640"/>
-            <a:ext cx="4703400" cy="1433160"/>
+            <a:ext cx="4703040" cy="1432800"/>
           </a:xfrm>
           <a:prstGeom prst="rect">
             <a:avLst/>
@@ -2155,7 +2155,7 @@
         <p:spPr>
           <a:xfrm>
             <a:off x="7849800" y="2522520"/>
-            <a:ext cx="3041640" cy="473760"/>
+            <a:ext cx="3041280" cy="473760"/>
           </a:xfrm>
           <a:prstGeom prst="rect">
             <a:avLst/>
@@ -2208,16 +2208,16 @@
         </p:nvSpPr>
         <p:spPr>
           <a:xfrm flipH="1">
-            <a:off x="10705320" y="2096640"/>
-            <a:ext cx="123840" cy="1325160"/>
+            <a:off x="10704600" y="2096640"/>
+            <a:ext cx="123480" cy="1324800"/>
           </a:xfrm>
           <a:custGeom>
             <a:avLst/>
             <a:gdLst>
-              <a:gd name="textAreaLeft" fmla="*/ 3600 w 123840"/>
-              <a:gd name="textAreaRight" fmla="*/ 134280 w 123840"/>
-              <a:gd name="textAreaTop" fmla="*/ 0 h 1325160"/>
-              <a:gd name="textAreaBottom" fmla="*/ 1332000 h 1325160"/>
+              <a:gd name="textAreaLeft" fmla="*/ 3600 w 123480"/>
+              <a:gd name="textAreaRight" fmla="*/ 134280 w 123480"/>
+              <a:gd name="textAreaTop" fmla="*/ 0 h 1324800"/>
+              <a:gd name="textAreaBottom" fmla="*/ 1332000 h 1324800"/>
             </a:gdLst>
             <a:ahLst/>
             <a:rect l="textAreaLeft" t="textAreaTop" r="textAreaRight" b="textAreaBottom"/>
@@ -2591,7 +2591,7 @@
         <p:spPr>
           <a:xfrm>
             <a:off x="1078200" y="4363560"/>
-            <a:ext cx="9112320" cy="867240"/>
+            <a:ext cx="9111960" cy="866880"/>
           </a:xfrm>
           <a:prstGeom prst="rect">
             <a:avLst/>
@@ -2645,7 +2645,7 @@
         <p:spPr>
           <a:xfrm>
             <a:off x="1078200" y="743400"/>
-            <a:ext cx="9113400" cy="3411000"/>
+            <a:ext cx="9113040" cy="3410640"/>
           </a:xfrm>
           <a:prstGeom prst="rect">
             <a:avLst/>
@@ -2729,9 +2729,9 @@
         <p:grpSpPr>
           <a:xfrm>
             <a:off x="3168000" y="469440"/>
-            <a:ext cx="3828600" cy="666000"/>
+            <a:ext cx="3828240" cy="666000"/>
             <a:chOff x="3168000" y="469440"/>
-            <a:chExt cx="3828600" cy="666000"/>
+            <a:chExt cx="3828240" cy="666000"/>
           </a:xfrm>
         </p:grpSpPr>
         <p:sp>
@@ -2743,7 +2743,7 @@
           <p:spPr>
             <a:xfrm>
               <a:off x="3168000" y="469440"/>
-              <a:ext cx="3828600" cy="659160"/>
+              <a:ext cx="3828240" cy="658800"/>
             </a:xfrm>
             <a:prstGeom prst="rect">
               <a:avLst/>
@@ -2809,16 +2809,16 @@
           </p:nvSpPr>
           <p:spPr>
             <a:xfrm flipH="1" rot="10800000">
-              <a:off x="3168000" y="476280"/>
-              <a:ext cx="56880" cy="659160"/>
+              <a:off x="3167640" y="476640"/>
+              <a:ext cx="56520" cy="658800"/>
             </a:xfrm>
             <a:custGeom>
               <a:avLst/>
               <a:gdLst>
-                <a:gd name="textAreaLeft" fmla="*/ 3600 w 56880"/>
-                <a:gd name="textAreaRight" fmla="*/ 67320 w 56880"/>
-                <a:gd name="textAreaTop" fmla="*/ 0 h 659160"/>
-                <a:gd name="textAreaBottom" fmla="*/ 666000 h 659160"/>
+                <a:gd name="textAreaLeft" fmla="*/ 3600 w 56520"/>
+                <a:gd name="textAreaRight" fmla="*/ 67320 w 56520"/>
+                <a:gd name="textAreaTop" fmla="*/ 0 h 658800"/>
+                <a:gd name="textAreaBottom" fmla="*/ 666000 h 658800"/>
               </a:gdLst>
               <a:ahLst/>
               <a:rect l="textAreaLeft" t="textAreaTop" r="textAreaRight" b="textAreaBottom"/>
@@ -2888,15 +2888,15 @@
           <p:spPr>
             <a:xfrm flipH="1">
               <a:off x="6921360" y="469440"/>
-              <a:ext cx="68040" cy="659160"/>
+              <a:ext cx="67680" cy="658800"/>
             </a:xfrm>
             <a:custGeom>
               <a:avLst/>
               <a:gdLst>
-                <a:gd name="textAreaLeft" fmla="*/ -3600 w 68040"/>
-                <a:gd name="textAreaRight" fmla="*/ 71280 w 68040"/>
-                <a:gd name="textAreaTop" fmla="*/ 0 h 659160"/>
-                <a:gd name="textAreaBottom" fmla="*/ 666000 h 659160"/>
+                <a:gd name="textAreaLeft" fmla="*/ -3600 w 67680"/>
+                <a:gd name="textAreaRight" fmla="*/ 71280 w 67680"/>
+                <a:gd name="textAreaTop" fmla="*/ 0 h 658800"/>
+                <a:gd name="textAreaBottom" fmla="*/ 666000 h 658800"/>
               </a:gdLst>
               <a:ahLst/>
               <a:rect l="textAreaLeft" t="textAreaTop" r="textAreaRight" b="textAreaBottom"/>
@@ -2967,7 +2967,7 @@
         <p:spPr>
           <a:xfrm>
             <a:off x="273600" y="6435000"/>
-            <a:ext cx="563400" cy="268560"/>
+            <a:ext cx="563040" cy="268200"/>
           </a:xfrm>
           <a:prstGeom prst="rect">
             <a:avLst/>
@@ -2996,7 +2996,7 @@
                 <a:tab algn="l" pos="0"/>
               </a:tabLst>
             </a:pPr>
-            <a:fld id="{83DF219D-3858-4728-BE5D-B8583BBCBCA1}" type="slidenum">
+            <a:fld id="{ED1FEF4C-A54D-4D46-950A-4636B60E66BA}" type="slidenum">
               <a:rPr b="0" lang="ru-RU" sz="1400" spc="-1" strike="noStrike">
                 <a:solidFill>
                   <a:srgbClr val="898989"/>
@@ -3024,7 +3024,7 @@
         <p:spPr>
           <a:xfrm>
             <a:off x="464040" y="1350720"/>
-            <a:ext cx="7309080" cy="5264280"/>
+            <a:ext cx="7308720" cy="5263920"/>
           </a:xfrm>
           <a:prstGeom prst="rect">
             <a:avLst/>
@@ -3357,7 +3357,7 @@
         <p:spPr>
           <a:xfrm>
             <a:off x="8001000" y="2743200"/>
-            <a:ext cx="3884760" cy="1370160"/>
+            <a:ext cx="3884400" cy="1369800"/>
           </a:xfrm>
           <a:prstGeom prst="rect">
             <a:avLst/>
@@ -3409,7 +3409,7 @@
         <p:spPr>
           <a:xfrm>
             <a:off x="300600" y="1371600"/>
-            <a:ext cx="4038480" cy="1873080"/>
+            <a:ext cx="4038120" cy="1872720"/>
           </a:xfrm>
           <a:prstGeom prst="rect">
             <a:avLst/>
@@ -3534,9 +3534,9 @@
         <p:grpSpPr>
           <a:xfrm>
             <a:off x="3168000" y="469440"/>
-            <a:ext cx="3828600" cy="666000"/>
+            <a:ext cx="3828240" cy="666000"/>
             <a:chOff x="3168000" y="469440"/>
-            <a:chExt cx="3828600" cy="666000"/>
+            <a:chExt cx="3828240" cy="666000"/>
           </a:xfrm>
         </p:grpSpPr>
         <p:sp>
@@ -3548,7 +3548,7 @@
           <p:spPr>
             <a:xfrm>
               <a:off x="3168000" y="469440"/>
-              <a:ext cx="3828600" cy="659160"/>
+              <a:ext cx="3828240" cy="658800"/>
             </a:xfrm>
             <a:prstGeom prst="rect">
               <a:avLst/>
@@ -3614,16 +3614,16 @@
           </p:nvSpPr>
           <p:spPr>
             <a:xfrm flipH="1" rot="10800000">
-              <a:off x="3168000" y="476280"/>
-              <a:ext cx="56880" cy="659160"/>
+              <a:off x="3167640" y="476640"/>
+              <a:ext cx="56520" cy="658800"/>
             </a:xfrm>
             <a:custGeom>
               <a:avLst/>
               <a:gdLst>
-                <a:gd name="textAreaLeft" fmla="*/ 3600 w 56880"/>
-                <a:gd name="textAreaRight" fmla="*/ 67320 w 56880"/>
-                <a:gd name="textAreaTop" fmla="*/ 0 h 659160"/>
-                <a:gd name="textAreaBottom" fmla="*/ 666000 h 659160"/>
+                <a:gd name="textAreaLeft" fmla="*/ 3600 w 56520"/>
+                <a:gd name="textAreaRight" fmla="*/ 67320 w 56520"/>
+                <a:gd name="textAreaTop" fmla="*/ 0 h 658800"/>
+                <a:gd name="textAreaBottom" fmla="*/ 666000 h 658800"/>
               </a:gdLst>
               <a:ahLst/>
               <a:rect l="textAreaLeft" t="textAreaTop" r="textAreaRight" b="textAreaBottom"/>
@@ -3693,15 +3693,15 @@
           <p:spPr>
             <a:xfrm flipH="1">
               <a:off x="6921360" y="469440"/>
-              <a:ext cx="68040" cy="659160"/>
+              <a:ext cx="67680" cy="658800"/>
             </a:xfrm>
             <a:custGeom>
               <a:avLst/>
               <a:gdLst>
-                <a:gd name="textAreaLeft" fmla="*/ -3600 w 68040"/>
-                <a:gd name="textAreaRight" fmla="*/ 71280 w 68040"/>
-                <a:gd name="textAreaTop" fmla="*/ 0 h 659160"/>
-                <a:gd name="textAreaBottom" fmla="*/ 666000 h 659160"/>
+                <a:gd name="textAreaLeft" fmla="*/ -3600 w 67680"/>
+                <a:gd name="textAreaRight" fmla="*/ 71280 w 67680"/>
+                <a:gd name="textAreaTop" fmla="*/ 0 h 658800"/>
+                <a:gd name="textAreaBottom" fmla="*/ 666000 h 658800"/>
               </a:gdLst>
               <a:ahLst/>
               <a:rect l="textAreaLeft" t="textAreaTop" r="textAreaRight" b="textAreaBottom"/>
@@ -3772,7 +3772,7 @@
         <p:spPr>
           <a:xfrm>
             <a:off x="273600" y="6435000"/>
-            <a:ext cx="563400" cy="268560"/>
+            <a:ext cx="563040" cy="268200"/>
           </a:xfrm>
           <a:prstGeom prst="rect">
             <a:avLst/>
@@ -3801,7 +3801,7 @@
                 <a:tab algn="l" pos="0"/>
               </a:tabLst>
             </a:pPr>
-            <a:fld id="{C0FCDFFD-9676-4572-9255-903BB3EC6BB3}" type="slidenum">
+            <a:fld id="{ECAD43D9-9D17-44DB-86AB-8F13D2B4A99A}" type="slidenum">
               <a:rPr b="0" lang="ru-RU" sz="1400" spc="-1" strike="noStrike">
                 <a:solidFill>
                   <a:srgbClr val="898989"/>
@@ -3833,7 +3833,7 @@
         <p:spPr>
           <a:xfrm>
             <a:off x="542160" y="2295000"/>
-            <a:ext cx="3253320" cy="719280"/>
+            <a:ext cx="3252960" cy="718920"/>
           </a:xfrm>
           <a:prstGeom prst="rect">
             <a:avLst/>
@@ -3852,9 +3852,9 @@
         <p:grpSpPr>
           <a:xfrm>
             <a:off x="336600" y="3105000"/>
-            <a:ext cx="4179240" cy="1873080"/>
+            <a:ext cx="4178880" cy="1872720"/>
             <a:chOff x="336600" y="3105000"/>
-            <a:chExt cx="4179240" cy="1873080"/>
+            <a:chExt cx="4178880" cy="1872720"/>
           </a:xfrm>
         </p:grpSpPr>
         <p:sp>
@@ -3866,7 +3866,7 @@
           <p:spPr>
             <a:xfrm>
               <a:off x="336600" y="3105000"/>
-              <a:ext cx="4179240" cy="1873080"/>
+              <a:ext cx="4178880" cy="1872720"/>
             </a:xfrm>
             <a:prstGeom prst="rect">
               <a:avLst/>
@@ -3949,7 +3949,7 @@
           <p:spPr>
             <a:xfrm>
               <a:off x="529200" y="3729600"/>
-              <a:ext cx="3300840" cy="719280"/>
+              <a:ext cx="3300480" cy="718920"/>
             </a:xfrm>
             <a:prstGeom prst="rect">
               <a:avLst/>
@@ -3972,7 +3972,7 @@
           <p:spPr>
             <a:xfrm>
               <a:off x="633960" y="4525200"/>
-              <a:ext cx="2738880" cy="309600"/>
+              <a:ext cx="2738520" cy="309240"/>
             </a:xfrm>
             <a:prstGeom prst="rect">
               <a:avLst/>
@@ -3992,9 +3992,9 @@
         <p:grpSpPr>
           <a:xfrm>
             <a:off x="336600" y="4980600"/>
-            <a:ext cx="4179240" cy="1873080"/>
+            <a:ext cx="4178880" cy="1872720"/>
             <a:chOff x="336600" y="4980600"/>
-            <a:chExt cx="4179240" cy="1873080"/>
+            <a:chExt cx="4178880" cy="1872720"/>
           </a:xfrm>
         </p:grpSpPr>
         <p:sp>
@@ -4006,7 +4006,7 @@
           <p:spPr>
             <a:xfrm>
               <a:off x="336600" y="4980600"/>
-              <a:ext cx="4179240" cy="1873080"/>
+              <a:ext cx="4178880" cy="1872720"/>
             </a:xfrm>
             <a:prstGeom prst="rect">
               <a:avLst/>
@@ -4089,7 +4089,7 @@
           <p:spPr>
             <a:xfrm>
               <a:off x="491040" y="5696280"/>
-              <a:ext cx="3339000" cy="700200"/>
+              <a:ext cx="3338640" cy="699840"/>
             </a:xfrm>
             <a:prstGeom prst="rect">
               <a:avLst/>
@@ -4109,7 +4109,7 @@
         <p:spPr>
           <a:xfrm>
             <a:off x="4114800" y="4602960"/>
-            <a:ext cx="2970360" cy="1206000"/>
+            <a:ext cx="2970000" cy="1205640"/>
           </a:xfrm>
           <a:prstGeom prst="rect">
             <a:avLst/>
@@ -4169,7 +4169,7 @@
         <p:spPr>
           <a:xfrm>
             <a:off x="4343400" y="5895000"/>
-            <a:ext cx="2511000" cy="453600"/>
+            <a:ext cx="2510640" cy="453240"/>
           </a:xfrm>
           <a:prstGeom prst="rightArrow">
             <a:avLst>
@@ -4224,7 +4224,7 @@
         <p:spPr>
           <a:xfrm>
             <a:off x="7200720" y="5486400"/>
-            <a:ext cx="3997080" cy="862920"/>
+            <a:ext cx="3996720" cy="862560"/>
           </a:xfrm>
           <a:prstGeom prst="rect">
             <a:avLst/>
@@ -4243,9 +4243,9 @@
         <p:grpSpPr>
           <a:xfrm>
             <a:off x="7772400" y="1371600"/>
-            <a:ext cx="4179240" cy="1644480"/>
+            <a:ext cx="4178880" cy="1644120"/>
             <a:chOff x="7772400" y="1371600"/>
-            <a:chExt cx="4179240" cy="1644480"/>
+            <a:chExt cx="4178880" cy="1644120"/>
           </a:xfrm>
         </p:grpSpPr>
         <p:sp>
@@ -4257,7 +4257,7 @@
           <p:spPr>
             <a:xfrm>
               <a:off x="7772400" y="1371600"/>
-              <a:ext cx="4179240" cy="1644480"/>
+              <a:ext cx="4178880" cy="1644120"/>
             </a:xfrm>
             <a:prstGeom prst="rect">
               <a:avLst/>
@@ -4321,7 +4321,7 @@
           <p:spPr>
             <a:xfrm>
               <a:off x="7926840" y="1797120"/>
-              <a:ext cx="3920040" cy="738360"/>
+              <a:ext cx="3919680" cy="738000"/>
             </a:xfrm>
             <a:prstGeom prst="rect">
               <a:avLst/>
@@ -4341,7 +4341,7 @@
         <p:spPr>
           <a:xfrm>
             <a:off x="7914600" y="2743200"/>
-            <a:ext cx="3742560" cy="1370160"/>
+            <a:ext cx="3742200" cy="1369800"/>
           </a:xfrm>
           <a:prstGeom prst="rect">
             <a:avLst/>
@@ -4564,9 +4564,9 @@
         <p:grpSpPr>
           <a:xfrm>
             <a:off x="3168000" y="184320"/>
-            <a:ext cx="7114320" cy="1236240"/>
+            <a:ext cx="7113960" cy="1236240"/>
             <a:chOff x="3168000" y="184320"/>
-            <a:chExt cx="7114320" cy="1236240"/>
+            <a:chExt cx="7113960" cy="1236240"/>
           </a:xfrm>
         </p:grpSpPr>
         <p:sp>
@@ -4578,7 +4578,7 @@
           <p:spPr>
             <a:xfrm>
               <a:off x="3168000" y="184320"/>
-              <a:ext cx="7114320" cy="1229040"/>
+              <a:ext cx="7113960" cy="1228680"/>
             </a:xfrm>
             <a:prstGeom prst="rect">
               <a:avLst/>
@@ -4644,16 +4644,16 @@
           </p:nvSpPr>
           <p:spPr>
             <a:xfrm flipH="1" rot="10800000">
-              <a:off x="3167640" y="191520"/>
-              <a:ext cx="111240" cy="1229040"/>
+              <a:off x="3168000" y="191880"/>
+              <a:ext cx="110880" cy="1228680"/>
             </a:xfrm>
             <a:custGeom>
               <a:avLst/>
               <a:gdLst>
-                <a:gd name="textAreaLeft" fmla="*/ -1440 w 111240"/>
-                <a:gd name="textAreaRight" fmla="*/ 116640 w 111240"/>
-                <a:gd name="textAreaTop" fmla="*/ 0 h 1229040"/>
-                <a:gd name="textAreaBottom" fmla="*/ 1235880 h 1229040"/>
+                <a:gd name="textAreaLeft" fmla="*/ -1440 w 110880"/>
+                <a:gd name="textAreaRight" fmla="*/ 116640 w 110880"/>
+                <a:gd name="textAreaTop" fmla="*/ 0 h 1228680"/>
+                <a:gd name="textAreaBottom" fmla="*/ 1235880 h 1228680"/>
               </a:gdLst>
               <a:ahLst/>
               <a:rect l="textAreaLeft" t="textAreaTop" r="textAreaRight" b="textAreaBottom"/>
@@ -4723,15 +4723,15 @@
           <p:spPr>
             <a:xfrm flipH="1">
               <a:off x="10142640" y="184320"/>
-              <a:ext cx="132120" cy="1229040"/>
+              <a:ext cx="131760" cy="1228680"/>
             </a:xfrm>
             <a:custGeom>
               <a:avLst/>
               <a:gdLst>
-                <a:gd name="textAreaLeft" fmla="*/ 1440 w 132120"/>
-                <a:gd name="textAreaRight" fmla="*/ 140040 w 132120"/>
-                <a:gd name="textAreaTop" fmla="*/ 0 h 1229040"/>
-                <a:gd name="textAreaBottom" fmla="*/ 1235880 h 1229040"/>
+                <a:gd name="textAreaLeft" fmla="*/ 1800 w 131760"/>
+                <a:gd name="textAreaRight" fmla="*/ 140400 w 131760"/>
+                <a:gd name="textAreaTop" fmla="*/ 0 h 1228680"/>
+                <a:gd name="textAreaBottom" fmla="*/ 1235880 h 1228680"/>
               </a:gdLst>
               <a:ahLst/>
               <a:rect l="textAreaLeft" t="textAreaTop" r="textAreaRight" b="textAreaBottom"/>
@@ -4802,7 +4802,7 @@
         <p:spPr>
           <a:xfrm>
             <a:off x="273600" y="6435000"/>
-            <a:ext cx="563400" cy="268560"/>
+            <a:ext cx="563040" cy="268200"/>
           </a:xfrm>
           <a:prstGeom prst="rect">
             <a:avLst/>
@@ -4831,7 +4831,7 @@
                 <a:tab algn="l" pos="0"/>
               </a:tabLst>
             </a:pPr>
-            <a:fld id="{B042AC81-54A4-47ED-B227-43AFDE73C010}" type="slidenum">
+            <a:fld id="{40E94495-9298-4702-ADBE-6717B2EEA599}" type="slidenum">
               <a:rPr b="0" lang="ru-RU" sz="1400" spc="-1" strike="noStrike">
                 <a:solidFill>
                   <a:srgbClr val="898989"/>
@@ -4863,7 +4863,7 @@
         <p:spPr>
           <a:xfrm>
             <a:off x="132480" y="1563480"/>
-            <a:ext cx="9140400" cy="4833720"/>
+            <a:ext cx="9140040" cy="4833360"/>
           </a:xfrm>
           <a:prstGeom prst="rect">
             <a:avLst/>
@@ -4882,7 +4882,7 @@
         <p:spPr>
           <a:xfrm>
             <a:off x="9274680" y="1600200"/>
-            <a:ext cx="2733480" cy="2283120"/>
+            <a:ext cx="2733120" cy="2282760"/>
           </a:xfrm>
           <a:prstGeom prst="rect">
             <a:avLst/>
@@ -5063,7 +5063,7 @@
         <p:spPr>
           <a:xfrm>
             <a:off x="388440" y="1371600"/>
-            <a:ext cx="11037960" cy="5254200"/>
+            <a:ext cx="11037600" cy="5253840"/>
           </a:xfrm>
           <a:prstGeom prst="rect">
             <a:avLst/>
@@ -5369,9 +5369,9 @@
         <p:grpSpPr>
           <a:xfrm>
             <a:off x="3168000" y="283680"/>
-            <a:ext cx="5969520" cy="1037520"/>
+            <a:ext cx="5969160" cy="1037520"/>
             <a:chOff x="3168000" y="283680"/>
-            <a:chExt cx="5969520" cy="1037520"/>
+            <a:chExt cx="5969160" cy="1037520"/>
           </a:xfrm>
         </p:grpSpPr>
         <p:sp>
@@ -5383,7 +5383,7 @@
           <p:spPr>
             <a:xfrm>
               <a:off x="3168000" y="283680"/>
-              <a:ext cx="5969520" cy="1030680"/>
+              <a:ext cx="5969160" cy="1030320"/>
             </a:xfrm>
             <a:prstGeom prst="rect">
               <a:avLst/>
@@ -5449,16 +5449,16 @@
           </p:nvSpPr>
           <p:spPr>
             <a:xfrm flipH="1" rot="10800000">
-              <a:off x="3168000" y="290520"/>
-              <a:ext cx="92160" cy="1030680"/>
+              <a:off x="3167640" y="290880"/>
+              <a:ext cx="91800" cy="1030320"/>
             </a:xfrm>
             <a:custGeom>
               <a:avLst/>
               <a:gdLst>
-                <a:gd name="textAreaLeft" fmla="*/ 3600 w 92160"/>
-                <a:gd name="textAreaRight" fmla="*/ 102600 w 92160"/>
-                <a:gd name="textAreaTop" fmla="*/ 0 h 1030680"/>
-                <a:gd name="textAreaBottom" fmla="*/ 1037520 h 1030680"/>
+                <a:gd name="textAreaLeft" fmla="*/ 3600 w 91800"/>
+                <a:gd name="textAreaRight" fmla="*/ 102600 w 91800"/>
+                <a:gd name="textAreaTop" fmla="*/ 0 h 1030320"/>
+                <a:gd name="textAreaBottom" fmla="*/ 1037520 h 1030320"/>
               </a:gdLst>
               <a:ahLst/>
               <a:rect l="textAreaLeft" t="textAreaTop" r="textAreaRight" b="textAreaBottom"/>
@@ -5527,16 +5527,16 @@
           </p:nvSpPr>
           <p:spPr>
             <a:xfrm flipH="1">
-              <a:off x="9020880" y="283680"/>
-              <a:ext cx="109440" cy="1030680"/>
+              <a:off x="9020160" y="283680"/>
+              <a:ext cx="109080" cy="1030320"/>
             </a:xfrm>
             <a:custGeom>
               <a:avLst/>
               <a:gdLst>
-                <a:gd name="textAreaLeft" fmla="*/ 3600 w 109440"/>
-                <a:gd name="textAreaRight" fmla="*/ 119880 w 109440"/>
-                <a:gd name="textAreaTop" fmla="*/ 0 h 1030680"/>
-                <a:gd name="textAreaBottom" fmla="*/ 1037520 h 1030680"/>
+                <a:gd name="textAreaLeft" fmla="*/ 3600 w 109080"/>
+                <a:gd name="textAreaRight" fmla="*/ 119880 w 109080"/>
+                <a:gd name="textAreaTop" fmla="*/ 0 h 1030320"/>
+                <a:gd name="textAreaBottom" fmla="*/ 1037520 h 1030320"/>
               </a:gdLst>
               <a:ahLst/>
               <a:rect l="textAreaLeft" t="textAreaTop" r="textAreaRight" b="textAreaBottom"/>
@@ -5607,7 +5607,7 @@
         <p:spPr>
           <a:xfrm>
             <a:off x="273600" y="6435000"/>
-            <a:ext cx="563400" cy="268560"/>
+            <a:ext cx="563040" cy="268200"/>
           </a:xfrm>
           <a:prstGeom prst="rect">
             <a:avLst/>
@@ -5636,7 +5636,7 @@
                 <a:tab algn="l" pos="0"/>
               </a:tabLst>
             </a:pPr>
-            <a:fld id="{FE467049-EBED-4337-962C-99FEABA90BBB}" type="slidenum">
+            <a:fld id="{05E6488D-6136-46DC-8CE6-6D639443B2FA}" type="slidenum">
               <a:rPr b="0" lang="ru-RU" sz="1400" spc="-1" strike="noStrike">
                 <a:solidFill>
                   <a:srgbClr val="898989"/>
@@ -5668,7 +5668,7 @@
         <p:spPr>
           <a:xfrm>
             <a:off x="6508800" y="5293800"/>
-            <a:ext cx="4044600" cy="900720"/>
+            <a:ext cx="4044240" cy="900360"/>
           </a:xfrm>
           <a:prstGeom prst="rect">
             <a:avLst/>
@@ -5717,9 +5717,9 @@
         <p:grpSpPr>
           <a:xfrm>
             <a:off x="3168000" y="283680"/>
-            <a:ext cx="5969520" cy="1037520"/>
+            <a:ext cx="5969160" cy="1037520"/>
             <a:chOff x="3168000" y="283680"/>
-            <a:chExt cx="5969520" cy="1037520"/>
+            <a:chExt cx="5969160" cy="1037520"/>
           </a:xfrm>
         </p:grpSpPr>
         <p:sp>
@@ -5731,7 +5731,7 @@
           <p:spPr>
             <a:xfrm>
               <a:off x="3168000" y="283680"/>
-              <a:ext cx="5969520" cy="1030680"/>
+              <a:ext cx="5969160" cy="1030320"/>
             </a:xfrm>
             <a:prstGeom prst="rect">
               <a:avLst/>
@@ -5797,16 +5797,16 @@
           </p:nvSpPr>
           <p:spPr>
             <a:xfrm flipH="1" rot="10800000">
-              <a:off x="3168000" y="290520"/>
-              <a:ext cx="92160" cy="1030680"/>
+              <a:off x="3167640" y="290880"/>
+              <a:ext cx="91800" cy="1030320"/>
             </a:xfrm>
             <a:custGeom>
               <a:avLst/>
               <a:gdLst>
-                <a:gd name="textAreaLeft" fmla="*/ 3600 w 92160"/>
-                <a:gd name="textAreaRight" fmla="*/ 102600 w 92160"/>
-                <a:gd name="textAreaTop" fmla="*/ 0 h 1030680"/>
-                <a:gd name="textAreaBottom" fmla="*/ 1037520 h 1030680"/>
+                <a:gd name="textAreaLeft" fmla="*/ 3600 w 91800"/>
+                <a:gd name="textAreaRight" fmla="*/ 102600 w 91800"/>
+                <a:gd name="textAreaTop" fmla="*/ 0 h 1030320"/>
+                <a:gd name="textAreaBottom" fmla="*/ 1037520 h 1030320"/>
               </a:gdLst>
               <a:ahLst/>
               <a:rect l="textAreaLeft" t="textAreaTop" r="textAreaRight" b="textAreaBottom"/>
@@ -5875,16 +5875,16 @@
           </p:nvSpPr>
           <p:spPr>
             <a:xfrm flipH="1">
-              <a:off x="9020880" y="283680"/>
-              <a:ext cx="109440" cy="1030680"/>
+              <a:off x="9020160" y="283680"/>
+              <a:ext cx="109080" cy="1030320"/>
             </a:xfrm>
             <a:custGeom>
               <a:avLst/>
               <a:gdLst>
-                <a:gd name="textAreaLeft" fmla="*/ 3600 w 109440"/>
-                <a:gd name="textAreaRight" fmla="*/ 119880 w 109440"/>
-                <a:gd name="textAreaTop" fmla="*/ 0 h 1030680"/>
-                <a:gd name="textAreaBottom" fmla="*/ 1037520 h 1030680"/>
+                <a:gd name="textAreaLeft" fmla="*/ 3600 w 109080"/>
+                <a:gd name="textAreaRight" fmla="*/ 119880 w 109080"/>
+                <a:gd name="textAreaTop" fmla="*/ 0 h 1030320"/>
+                <a:gd name="textAreaBottom" fmla="*/ 1037520 h 1030320"/>
               </a:gdLst>
               <a:ahLst/>
               <a:rect l="textAreaLeft" t="textAreaTop" r="textAreaRight" b="textAreaBottom"/>
@@ -5955,7 +5955,7 @@
         <p:spPr>
           <a:xfrm>
             <a:off x="273600" y="6435000"/>
-            <a:ext cx="563400" cy="268560"/>
+            <a:ext cx="563040" cy="268200"/>
           </a:xfrm>
           <a:prstGeom prst="rect">
             <a:avLst/>
@@ -5984,7 +5984,7 @@
                 <a:tab algn="l" pos="0"/>
               </a:tabLst>
             </a:pPr>
-            <a:fld id="{00AB72B6-9902-4360-AB29-7466494F2DB5}" type="slidenum">
+            <a:fld id="{456B1856-F87F-4111-9AA5-2671461ED6E3}" type="slidenum">
               <a:rPr b="0" lang="ru-RU" sz="1400" spc="-1" strike="noStrike">
                 <a:solidFill>
                   <a:srgbClr val="898989"/>
@@ -6012,7 +6012,7 @@
         <p:spPr>
           <a:xfrm>
             <a:off x="228600" y="1440720"/>
-            <a:ext cx="5942880" cy="3130560"/>
+            <a:ext cx="5942520" cy="3130200"/>
           </a:xfrm>
           <a:prstGeom prst="rect">
             <a:avLst/>
@@ -6192,7 +6192,7 @@
         <p:spPr>
           <a:xfrm>
             <a:off x="6642000" y="1512720"/>
-            <a:ext cx="4967640" cy="2493000"/>
+            <a:ext cx="4967280" cy="2492640"/>
           </a:xfrm>
           <a:prstGeom prst="rect">
             <a:avLst/>
@@ -6215,7 +6215,7 @@
         <p:spPr>
           <a:xfrm>
             <a:off x="6705720" y="4715280"/>
-            <a:ext cx="4037760" cy="999000"/>
+            <a:ext cx="4037400" cy="998640"/>
           </a:xfrm>
           <a:prstGeom prst="rect">
             <a:avLst/>
@@ -6264,7 +6264,7 @@
         <p:spPr>
           <a:xfrm>
             <a:off x="388800" y="1371960"/>
-            <a:ext cx="11343960" cy="4910040"/>
+            <a:ext cx="11343600" cy="4909680"/>
           </a:xfrm>
           <a:prstGeom prst="rect">
             <a:avLst/>
@@ -6308,7 +6308,7 @@
         <p:spPr>
           <a:xfrm>
             <a:off x="273600" y="6435000"/>
-            <a:ext cx="563400" cy="268560"/>
+            <a:ext cx="563040" cy="268200"/>
           </a:xfrm>
           <a:prstGeom prst="rect">
             <a:avLst/>
@@ -6337,7 +6337,7 @@
                 <a:tab algn="l" pos="0"/>
               </a:tabLst>
             </a:pPr>
-            <a:fld id="{84FBB55C-0A4A-4F85-A23C-F8227B661ADA}" type="slidenum">
+            <a:fld id="{48D595C4-7F9B-4C0C-A466-DE85E58BF5BB}" type="slidenum">
               <a:rPr b="0" lang="ru-RU" sz="1400" spc="-1" strike="noStrike">
                 <a:solidFill>
                   <a:srgbClr val="898989"/>
@@ -6365,9 +6365,9 @@
         <p:grpSpPr>
           <a:xfrm>
             <a:off x="3168000" y="345600"/>
-            <a:ext cx="5974560" cy="1038960"/>
+            <a:ext cx="5974200" cy="1038960"/>
             <a:chOff x="3168000" y="345600"/>
-            <a:chExt cx="5974560" cy="1038960"/>
+            <a:chExt cx="5974200" cy="1038960"/>
           </a:xfrm>
         </p:grpSpPr>
         <p:sp>
@@ -6379,7 +6379,7 @@
           <p:spPr>
             <a:xfrm>
               <a:off x="3168000" y="345600"/>
-              <a:ext cx="5974560" cy="1029240"/>
+              <a:ext cx="5974200" cy="1028880"/>
             </a:xfrm>
             <a:prstGeom prst="rect">
               <a:avLst/>
@@ -6445,16 +6445,16 @@
           </p:nvSpPr>
           <p:spPr>
             <a:xfrm flipH="1" rot="10800000">
-              <a:off x="3168000" y="355320"/>
-              <a:ext cx="89280" cy="1029240"/>
+              <a:off x="3167640" y="355680"/>
+              <a:ext cx="88920" cy="1028880"/>
             </a:xfrm>
             <a:custGeom>
               <a:avLst/>
               <a:gdLst>
-                <a:gd name="textAreaLeft" fmla="*/ 4680 w 89280"/>
-                <a:gd name="textAreaRight" fmla="*/ 103680 w 89280"/>
-                <a:gd name="textAreaTop" fmla="*/ 0 h 1029240"/>
-                <a:gd name="textAreaBottom" fmla="*/ 1038600 h 1029240"/>
+                <a:gd name="textAreaLeft" fmla="*/ 4680 w 88920"/>
+                <a:gd name="textAreaRight" fmla="*/ 103680 w 88920"/>
+                <a:gd name="textAreaTop" fmla="*/ 0 h 1028880"/>
+                <a:gd name="textAreaBottom" fmla="*/ 1038600 h 1028880"/>
               </a:gdLst>
               <a:ahLst/>
               <a:rect l="textAreaLeft" t="textAreaTop" r="textAreaRight" b="textAreaBottom"/>
@@ -6523,16 +6523,16 @@
           </p:nvSpPr>
           <p:spPr>
             <a:xfrm flipH="1">
-              <a:off x="9025920" y="345600"/>
-              <a:ext cx="106560" cy="1029240"/>
+              <a:off x="9025200" y="345600"/>
+              <a:ext cx="106200" cy="1028880"/>
             </a:xfrm>
             <a:custGeom>
               <a:avLst/>
               <a:gdLst>
-                <a:gd name="textAreaLeft" fmla="*/ -2520 w 106560"/>
-                <a:gd name="textAreaRight" fmla="*/ 113040 w 106560"/>
-                <a:gd name="textAreaTop" fmla="*/ 0 h 1029240"/>
-                <a:gd name="textAreaBottom" fmla="*/ 1038600 h 1029240"/>
+                <a:gd name="textAreaLeft" fmla="*/ -2520 w 106200"/>
+                <a:gd name="textAreaRight" fmla="*/ 113040 w 106200"/>
+                <a:gd name="textAreaTop" fmla="*/ 0 h 1028880"/>
+                <a:gd name="textAreaBottom" fmla="*/ 1038600 h 1028880"/>
               </a:gdLst>
               <a:ahLst/>
               <a:rect l="textAreaLeft" t="textAreaTop" r="textAreaRight" b="textAreaBottom"/>
@@ -8186,7 +8186,7 @@
         <p:spPr>
           <a:xfrm>
             <a:off x="388800" y="1371960"/>
-            <a:ext cx="11343960" cy="4910040"/>
+            <a:ext cx="11343600" cy="4909680"/>
           </a:xfrm>
           <a:prstGeom prst="rect">
             <a:avLst/>
@@ -8642,7 +8642,7 @@
                 <a:latin typeface="Arial"/>
                 <a:ea typeface="Open Sans"/>
               </a:rPr>
-              <a:t>Возможна в дальнейшем разработка приложения для использования обученной модели </a:t>
+              <a:t>Предобученная модель LightGBM сохранена в репозиторий для использования в приложении в будущем </a:t>
             </a:r>
             <a:endParaRPr b="0" lang="en-US" sz="2200" spc="-1" strike="noStrike">
               <a:solidFill>
@@ -8729,7 +8729,7 @@
         <p:spPr>
           <a:xfrm>
             <a:off x="273600" y="6435000"/>
-            <a:ext cx="563400" cy="268560"/>
+            <a:ext cx="563040" cy="268200"/>
           </a:xfrm>
           <a:prstGeom prst="rect">
             <a:avLst/>
@@ -8758,7 +8758,7 @@
                 <a:tab algn="l" pos="0"/>
               </a:tabLst>
             </a:pPr>
-            <a:fld id="{E425593E-C4C4-4A26-BE28-8BDB689BF0FC}" type="slidenum">
+            <a:fld id="{FB331BA5-0AB9-4E7D-AB08-10A5FE5CD075}" type="slidenum">
               <a:rPr b="0" lang="ru-RU" sz="1400" spc="-1" strike="noStrike">
                 <a:solidFill>
                   <a:srgbClr val="898989"/>
@@ -8786,9 +8786,9 @@
         <p:grpSpPr>
           <a:xfrm>
             <a:off x="3168000" y="532080"/>
-            <a:ext cx="3828600" cy="666000"/>
+            <a:ext cx="3828240" cy="666000"/>
             <a:chOff x="3168000" y="532080"/>
-            <a:chExt cx="3828600" cy="666000"/>
+            <a:chExt cx="3828240" cy="666000"/>
           </a:xfrm>
         </p:grpSpPr>
         <p:sp>
@@ -8800,7 +8800,7 @@
           <p:spPr>
             <a:xfrm>
               <a:off x="3168000" y="532080"/>
-              <a:ext cx="3828600" cy="659160"/>
+              <a:ext cx="3828240" cy="658800"/>
             </a:xfrm>
             <a:prstGeom prst="rect">
               <a:avLst/>
@@ -8866,16 +8866,16 @@
           </p:nvSpPr>
           <p:spPr>
             <a:xfrm flipH="1" rot="10800000">
-              <a:off x="3168000" y="538920"/>
-              <a:ext cx="56880" cy="659160"/>
+              <a:off x="3167640" y="539280"/>
+              <a:ext cx="56520" cy="658800"/>
             </a:xfrm>
             <a:custGeom>
               <a:avLst/>
               <a:gdLst>
-                <a:gd name="textAreaLeft" fmla="*/ 3600 w 56880"/>
-                <a:gd name="textAreaRight" fmla="*/ 67320 w 56880"/>
-                <a:gd name="textAreaTop" fmla="*/ 0 h 659160"/>
-                <a:gd name="textAreaBottom" fmla="*/ 666000 h 659160"/>
+                <a:gd name="textAreaLeft" fmla="*/ 3600 w 56520"/>
+                <a:gd name="textAreaRight" fmla="*/ 67320 w 56520"/>
+                <a:gd name="textAreaTop" fmla="*/ 0 h 658800"/>
+                <a:gd name="textAreaBottom" fmla="*/ 666000 h 658800"/>
               </a:gdLst>
               <a:ahLst/>
               <a:rect l="textAreaLeft" t="textAreaTop" r="textAreaRight" b="textAreaBottom"/>
@@ -8945,15 +8945,15 @@
           <p:spPr>
             <a:xfrm flipH="1">
               <a:off x="6921360" y="532080"/>
-              <a:ext cx="68040" cy="659160"/>
+              <a:ext cx="67680" cy="658800"/>
             </a:xfrm>
             <a:custGeom>
               <a:avLst/>
               <a:gdLst>
-                <a:gd name="textAreaLeft" fmla="*/ -3600 w 68040"/>
-                <a:gd name="textAreaRight" fmla="*/ 71280 w 68040"/>
-                <a:gd name="textAreaTop" fmla="*/ 0 h 659160"/>
-                <a:gd name="textAreaBottom" fmla="*/ 666000 h 659160"/>
+                <a:gd name="textAreaLeft" fmla="*/ -3600 w 67680"/>
+                <a:gd name="textAreaRight" fmla="*/ 71280 w 67680"/>
+                <a:gd name="textAreaTop" fmla="*/ 0 h 658800"/>
+                <a:gd name="textAreaBottom" fmla="*/ 666000 h 658800"/>
               </a:gdLst>
               <a:ahLst/>
               <a:rect l="textAreaLeft" t="textAreaTop" r="textAreaRight" b="textAreaBottom"/>
@@ -9054,7 +9054,7 @@
         <p:spPr>
           <a:xfrm>
             <a:off x="273600" y="6435000"/>
-            <a:ext cx="563400" cy="268560"/>
+            <a:ext cx="563040" cy="268200"/>
           </a:xfrm>
           <a:prstGeom prst="rect">
             <a:avLst/>
@@ -9083,7 +9083,7 @@
                 <a:tab algn="l" pos="0"/>
               </a:tabLst>
             </a:pPr>
-            <a:fld id="{4404EC0E-53F9-4A1A-A0E2-789108468B48}" type="slidenum">
+            <a:fld id="{1EB48646-62B8-49C7-877D-6AE058002D11}" type="slidenum">
               <a:rPr b="0" lang="ru-RU" sz="1400" spc="-1" strike="noStrike">
                 <a:solidFill>
                   <a:srgbClr val="898989"/>
@@ -9111,7 +9111,7 @@
         <p:spPr>
           <a:xfrm>
             <a:off x="2514600" y="2057400"/>
-            <a:ext cx="6922440" cy="730080"/>
+            <a:ext cx="6922080" cy="729720"/>
           </a:xfrm>
           <a:prstGeom prst="rect">
             <a:avLst/>
@@ -9231,7 +9231,7 @@
         <p:spPr>
           <a:xfrm>
             <a:off x="273600" y="6435000"/>
-            <a:ext cx="563400" cy="268560"/>
+            <a:ext cx="563040" cy="268200"/>
           </a:xfrm>
           <a:prstGeom prst="rect">
             <a:avLst/>
@@ -9260,7 +9260,7 @@
                 <a:tab algn="l" pos="0"/>
               </a:tabLst>
             </a:pPr>
-            <a:fld id="{11402184-C3E2-47C8-B6A1-7B3249E4F6D2}" type="slidenum">
+            <a:fld id="{47BD971C-66A2-44B7-9596-B219D25EA580}" type="slidenum">
               <a:rPr b="0" lang="ru-RU" sz="1400" spc="-1" strike="noStrike">
                 <a:solidFill>
                   <a:srgbClr val="898989"/>
@@ -9288,7 +9288,7 @@
         <p:spPr>
           <a:xfrm>
             <a:off x="457200" y="1406520"/>
-            <a:ext cx="11492640" cy="5023080"/>
+            <a:ext cx="11492280" cy="5022720"/>
           </a:xfrm>
           <a:prstGeom prst="rect">
             <a:avLst/>
@@ -9358,9 +9358,9 @@
         <p:grpSpPr>
           <a:xfrm>
             <a:off x="3168000" y="500760"/>
-            <a:ext cx="3828600" cy="666000"/>
+            <a:ext cx="3828240" cy="666000"/>
             <a:chOff x="3168000" y="500760"/>
-            <a:chExt cx="3828600" cy="666000"/>
+            <a:chExt cx="3828240" cy="666000"/>
           </a:xfrm>
         </p:grpSpPr>
         <p:sp>
@@ -9372,7 +9372,7 @@
           <p:spPr>
             <a:xfrm>
               <a:off x="3168000" y="500760"/>
-              <a:ext cx="3828600" cy="659160"/>
+              <a:ext cx="3828240" cy="658800"/>
             </a:xfrm>
             <a:prstGeom prst="rect">
               <a:avLst/>
@@ -9438,16 +9438,16 @@
           </p:nvSpPr>
           <p:spPr>
             <a:xfrm flipH="1" rot="10800000">
-              <a:off x="3168000" y="507600"/>
-              <a:ext cx="56880" cy="659160"/>
+              <a:off x="3167640" y="507960"/>
+              <a:ext cx="56520" cy="658800"/>
             </a:xfrm>
             <a:custGeom>
               <a:avLst/>
               <a:gdLst>
-                <a:gd name="textAreaLeft" fmla="*/ 3600 w 56880"/>
-                <a:gd name="textAreaRight" fmla="*/ 67320 w 56880"/>
-                <a:gd name="textAreaTop" fmla="*/ 0 h 659160"/>
-                <a:gd name="textAreaBottom" fmla="*/ 666000 h 659160"/>
+                <a:gd name="textAreaLeft" fmla="*/ 3600 w 56520"/>
+                <a:gd name="textAreaRight" fmla="*/ 67320 w 56520"/>
+                <a:gd name="textAreaTop" fmla="*/ 0 h 658800"/>
+                <a:gd name="textAreaBottom" fmla="*/ 666000 h 658800"/>
               </a:gdLst>
               <a:ahLst/>
               <a:rect l="textAreaLeft" t="textAreaTop" r="textAreaRight" b="textAreaBottom"/>
@@ -9517,15 +9517,15 @@
           <p:spPr>
             <a:xfrm flipH="1">
               <a:off x="6921360" y="500760"/>
-              <a:ext cx="68040" cy="659160"/>
+              <a:ext cx="67680" cy="658800"/>
             </a:xfrm>
             <a:custGeom>
               <a:avLst/>
               <a:gdLst>
-                <a:gd name="textAreaLeft" fmla="*/ -3600 w 68040"/>
-                <a:gd name="textAreaRight" fmla="*/ 71280 w 68040"/>
-                <a:gd name="textAreaTop" fmla="*/ 0 h 659160"/>
-                <a:gd name="textAreaBottom" fmla="*/ 666000 h 659160"/>
+                <a:gd name="textAreaLeft" fmla="*/ -3600 w 67680"/>
+                <a:gd name="textAreaRight" fmla="*/ 71280 w 67680"/>
+                <a:gd name="textAreaTop" fmla="*/ 0 h 658800"/>
+                <a:gd name="textAreaBottom" fmla="*/ 666000 h 658800"/>
               </a:gdLst>
               <a:ahLst/>
               <a:rect l="textAreaLeft" t="textAreaTop" r="textAreaRight" b="textAreaBottom"/>
@@ -9600,7 +9600,7 @@
         <p:spPr>
           <a:xfrm>
             <a:off x="8229600" y="2715120"/>
-            <a:ext cx="3156840" cy="1622880"/>
+            <a:ext cx="3156480" cy="1622520"/>
           </a:xfrm>
           <a:prstGeom prst="rect">
             <a:avLst/>
@@ -9619,7 +9619,7 @@
         <p:spPr>
           <a:xfrm>
             <a:off x="457200" y="2743200"/>
-            <a:ext cx="7081200" cy="2240640"/>
+            <a:ext cx="7080840" cy="2240280"/>
           </a:xfrm>
           <a:prstGeom prst="rect">
             <a:avLst/>
@@ -9719,7 +9719,7 @@
         <p:spPr>
           <a:xfrm>
             <a:off x="273600" y="6435000"/>
-            <a:ext cx="563400" cy="268560"/>
+            <a:ext cx="563040" cy="268200"/>
           </a:xfrm>
           <a:prstGeom prst="rect">
             <a:avLst/>
@@ -9748,7 +9748,7 @@
                 <a:tab algn="l" pos="0"/>
               </a:tabLst>
             </a:pPr>
-            <a:fld id="{8B7B375C-1F44-42F9-9A9D-68B915650AB4}" type="slidenum">
+            <a:fld id="{94298383-D58B-4C92-8BCD-96593576FF00}" type="slidenum">
               <a:rPr b="0" lang="ru-RU" sz="1400" spc="-1" strike="noStrike">
                 <a:solidFill>
                   <a:srgbClr val="898989"/>
@@ -9776,7 +9776,7 @@
         <p:spPr>
           <a:xfrm>
             <a:off x="389160" y="1600200"/>
-            <a:ext cx="11492640" cy="4794480"/>
+            <a:ext cx="11492280" cy="4794120"/>
           </a:xfrm>
           <a:prstGeom prst="rect">
             <a:avLst/>
@@ -10171,9 +10171,9 @@
         <p:grpSpPr>
           <a:xfrm>
             <a:off x="3168000" y="500760"/>
-            <a:ext cx="3828600" cy="666000"/>
+            <a:ext cx="3828240" cy="666000"/>
             <a:chOff x="3168000" y="500760"/>
-            <a:chExt cx="3828600" cy="666000"/>
+            <a:chExt cx="3828240" cy="666000"/>
           </a:xfrm>
         </p:grpSpPr>
         <p:sp>
@@ -10185,7 +10185,7 @@
           <p:spPr>
             <a:xfrm>
               <a:off x="3168000" y="500760"/>
-              <a:ext cx="3828600" cy="659160"/>
+              <a:ext cx="3828240" cy="658800"/>
             </a:xfrm>
             <a:prstGeom prst="rect">
               <a:avLst/>
@@ -10251,16 +10251,16 @@
           </p:nvSpPr>
           <p:spPr>
             <a:xfrm flipH="1" rot="10800000">
-              <a:off x="3168000" y="507600"/>
-              <a:ext cx="56880" cy="659160"/>
+              <a:off x="3167640" y="507960"/>
+              <a:ext cx="56520" cy="658800"/>
             </a:xfrm>
             <a:custGeom>
               <a:avLst/>
               <a:gdLst>
-                <a:gd name="textAreaLeft" fmla="*/ 3600 w 56880"/>
-                <a:gd name="textAreaRight" fmla="*/ 67320 w 56880"/>
-                <a:gd name="textAreaTop" fmla="*/ 0 h 659160"/>
-                <a:gd name="textAreaBottom" fmla="*/ 666000 h 659160"/>
+                <a:gd name="textAreaLeft" fmla="*/ 3600 w 56520"/>
+                <a:gd name="textAreaRight" fmla="*/ 67320 w 56520"/>
+                <a:gd name="textAreaTop" fmla="*/ 0 h 658800"/>
+                <a:gd name="textAreaBottom" fmla="*/ 666000 h 658800"/>
               </a:gdLst>
               <a:ahLst/>
               <a:rect l="textAreaLeft" t="textAreaTop" r="textAreaRight" b="textAreaBottom"/>
@@ -10330,15 +10330,15 @@
           <p:spPr>
             <a:xfrm flipH="1">
               <a:off x="6921360" y="500760"/>
-              <a:ext cx="68040" cy="659160"/>
+              <a:ext cx="67680" cy="658800"/>
             </a:xfrm>
             <a:custGeom>
               <a:avLst/>
               <a:gdLst>
-                <a:gd name="textAreaLeft" fmla="*/ -3600 w 68040"/>
-                <a:gd name="textAreaRight" fmla="*/ 71280 w 68040"/>
-                <a:gd name="textAreaTop" fmla="*/ 0 h 659160"/>
-                <a:gd name="textAreaBottom" fmla="*/ 666000 h 659160"/>
+                <a:gd name="textAreaLeft" fmla="*/ -3600 w 67680"/>
+                <a:gd name="textAreaRight" fmla="*/ 71280 w 67680"/>
+                <a:gd name="textAreaTop" fmla="*/ 0 h 658800"/>
+                <a:gd name="textAreaBottom" fmla="*/ 666000 h 658800"/>
               </a:gdLst>
               <a:ahLst/>
               <a:rect l="textAreaLeft" t="textAreaTop" r="textAreaRight" b="textAreaBottom"/>
@@ -10443,7 +10443,7 @@
         <p:spPr>
           <a:xfrm>
             <a:off x="388440" y="1371600"/>
-            <a:ext cx="11036880" cy="5023800"/>
+            <a:ext cx="11036520" cy="5023440"/>
           </a:xfrm>
           <a:prstGeom prst="rect">
             <a:avLst/>
@@ -10823,9 +10823,9 @@
         <p:grpSpPr>
           <a:xfrm>
             <a:off x="3168000" y="469440"/>
-            <a:ext cx="3828600" cy="666000"/>
+            <a:ext cx="3828240" cy="666000"/>
             <a:chOff x="3168000" y="469440"/>
-            <a:chExt cx="3828600" cy="666000"/>
+            <a:chExt cx="3828240" cy="666000"/>
           </a:xfrm>
         </p:grpSpPr>
         <p:sp>
@@ -10837,7 +10837,7 @@
           <p:spPr>
             <a:xfrm>
               <a:off x="3168000" y="469440"/>
-              <a:ext cx="3828600" cy="659160"/>
+              <a:ext cx="3828240" cy="658800"/>
             </a:xfrm>
             <a:prstGeom prst="rect">
               <a:avLst/>
@@ -10903,16 +10903,16 @@
           </p:nvSpPr>
           <p:spPr>
             <a:xfrm flipH="1" rot="10800000">
-              <a:off x="3168000" y="476280"/>
-              <a:ext cx="56880" cy="659160"/>
+              <a:off x="3167640" y="476640"/>
+              <a:ext cx="56520" cy="658800"/>
             </a:xfrm>
             <a:custGeom>
               <a:avLst/>
               <a:gdLst>
-                <a:gd name="textAreaLeft" fmla="*/ 3600 w 56880"/>
-                <a:gd name="textAreaRight" fmla="*/ 67320 w 56880"/>
-                <a:gd name="textAreaTop" fmla="*/ 0 h 659160"/>
-                <a:gd name="textAreaBottom" fmla="*/ 666000 h 659160"/>
+                <a:gd name="textAreaLeft" fmla="*/ 3600 w 56520"/>
+                <a:gd name="textAreaRight" fmla="*/ 67320 w 56520"/>
+                <a:gd name="textAreaTop" fmla="*/ 0 h 658800"/>
+                <a:gd name="textAreaBottom" fmla="*/ 666000 h 658800"/>
               </a:gdLst>
               <a:ahLst/>
               <a:rect l="textAreaLeft" t="textAreaTop" r="textAreaRight" b="textAreaBottom"/>
@@ -10982,15 +10982,15 @@
           <p:spPr>
             <a:xfrm flipH="1">
               <a:off x="6921360" y="469440"/>
-              <a:ext cx="68040" cy="659160"/>
+              <a:ext cx="67680" cy="658800"/>
             </a:xfrm>
             <a:custGeom>
               <a:avLst/>
               <a:gdLst>
-                <a:gd name="textAreaLeft" fmla="*/ -3600 w 68040"/>
-                <a:gd name="textAreaRight" fmla="*/ 71280 w 68040"/>
-                <a:gd name="textAreaTop" fmla="*/ 0 h 659160"/>
-                <a:gd name="textAreaBottom" fmla="*/ 666000 h 659160"/>
+                <a:gd name="textAreaLeft" fmla="*/ -3600 w 67680"/>
+                <a:gd name="textAreaRight" fmla="*/ 71280 w 67680"/>
+                <a:gd name="textAreaTop" fmla="*/ 0 h 658800"/>
+                <a:gd name="textAreaBottom" fmla="*/ 666000 h 658800"/>
               </a:gdLst>
               <a:ahLst/>
               <a:rect l="textAreaLeft" t="textAreaTop" r="textAreaRight" b="textAreaBottom"/>
@@ -11061,7 +11061,7 @@
         <p:spPr>
           <a:xfrm>
             <a:off x="273600" y="6435000"/>
-            <a:ext cx="563400" cy="268560"/>
+            <a:ext cx="563040" cy="268200"/>
           </a:xfrm>
           <a:prstGeom prst="rect">
             <a:avLst/>
@@ -11090,7 +11090,7 @@
                 <a:tab algn="l" pos="0"/>
               </a:tabLst>
             </a:pPr>
-            <a:fld id="{58C47BFB-1DD9-4DDC-A2A9-F7D17C5C85BA}" type="slidenum">
+            <a:fld id="{41840392-D63B-45A7-B3F3-F4500A93212B}" type="slidenum">
               <a:rPr b="0" lang="ru-RU" sz="1400" spc="-1" strike="noStrike">
                 <a:solidFill>
                   <a:srgbClr val="898989"/>
@@ -11148,9 +11148,9 @@
         <p:grpSpPr>
           <a:xfrm>
             <a:off x="3168000" y="203760"/>
-            <a:ext cx="6885720" cy="1197360"/>
+            <a:ext cx="6885360" cy="1197360"/>
             <a:chOff x="3168000" y="203760"/>
-            <a:chExt cx="6885720" cy="1197360"/>
+            <a:chExt cx="6885360" cy="1197360"/>
           </a:xfrm>
         </p:grpSpPr>
         <p:sp>
@@ -11162,7 +11162,7 @@
           <p:spPr>
             <a:xfrm>
               <a:off x="3168000" y="203760"/>
-              <a:ext cx="6885720" cy="1188720"/>
+              <a:ext cx="6885360" cy="1188360"/>
             </a:xfrm>
             <a:prstGeom prst="rect">
               <a:avLst/>
@@ -11251,16 +11251,16 @@
           </p:nvSpPr>
           <p:spPr>
             <a:xfrm flipH="1" rot="10800000">
-              <a:off x="3168000" y="212400"/>
-              <a:ext cx="105840" cy="1188720"/>
+              <a:off x="3167640" y="212760"/>
+              <a:ext cx="105480" cy="1188360"/>
             </a:xfrm>
             <a:custGeom>
               <a:avLst/>
               <a:gdLst>
-                <a:gd name="textAreaLeft" fmla="*/ 4320 w 105840"/>
-                <a:gd name="textAreaRight" fmla="*/ 118440 w 105840"/>
-                <a:gd name="textAreaTop" fmla="*/ 0 h 1188720"/>
-                <a:gd name="textAreaBottom" fmla="*/ 1196640 h 1188720"/>
+                <a:gd name="textAreaLeft" fmla="*/ 4320 w 105480"/>
+                <a:gd name="textAreaRight" fmla="*/ 118440 w 105480"/>
+                <a:gd name="textAreaTop" fmla="*/ 0 h 1188360"/>
+                <a:gd name="textAreaBottom" fmla="*/ 1196640 h 1188360"/>
               </a:gdLst>
               <a:ahLst/>
               <a:rect l="textAreaLeft" t="textAreaTop" r="textAreaRight" b="textAreaBottom"/>
@@ -11329,16 +11329,16 @@
           </p:nvSpPr>
           <p:spPr>
             <a:xfrm flipH="1">
-              <a:off x="9919080" y="203760"/>
-              <a:ext cx="126000" cy="1188720"/>
+              <a:off x="9918360" y="203760"/>
+              <a:ext cx="125640" cy="1188360"/>
             </a:xfrm>
             <a:custGeom>
               <a:avLst/>
               <a:gdLst>
-                <a:gd name="textAreaLeft" fmla="*/ -4320 w 126000"/>
-                <a:gd name="textAreaRight" fmla="*/ 129600 w 126000"/>
-                <a:gd name="textAreaTop" fmla="*/ 0 h 1188720"/>
-                <a:gd name="textAreaBottom" fmla="*/ 1196640 h 1188720"/>
+                <a:gd name="textAreaLeft" fmla="*/ -4680 w 125640"/>
+                <a:gd name="textAreaRight" fmla="*/ 129240 w 125640"/>
+                <a:gd name="textAreaTop" fmla="*/ 0 h 1188360"/>
+                <a:gd name="textAreaBottom" fmla="*/ 1196640 h 1188360"/>
               </a:gdLst>
               <a:ahLst/>
               <a:rect l="textAreaLeft" t="textAreaTop" r="textAreaRight" b="textAreaBottom"/>
@@ -11409,7 +11409,7 @@
         <p:spPr>
           <a:xfrm>
             <a:off x="273600" y="6435000"/>
-            <a:ext cx="563400" cy="268560"/>
+            <a:ext cx="563040" cy="268200"/>
           </a:xfrm>
           <a:prstGeom prst="rect">
             <a:avLst/>
@@ -11438,7 +11438,7 @@
                 <a:tab algn="l" pos="0"/>
               </a:tabLst>
             </a:pPr>
-            <a:fld id="{BAA7E0E1-A302-45DC-B0FB-77D1705F7FD0}" type="slidenum">
+            <a:fld id="{FF1E4735-D263-44FC-A404-F82234D9FDEA}" type="slidenum">
               <a:rPr b="0" lang="ru-RU" sz="1400" spc="-1" strike="noStrike">
                 <a:solidFill>
                   <a:srgbClr val="898989"/>
@@ -11466,7 +11466,7 @@
         <p:spPr>
           <a:xfrm>
             <a:off x="5943600" y="1602360"/>
-            <a:ext cx="5711760" cy="1366200"/>
+            <a:ext cx="5711400" cy="1365840"/>
           </a:xfrm>
           <a:prstGeom prst="rect">
             <a:avLst/>
@@ -11585,7 +11585,7 @@
         <p:spPr>
           <a:xfrm>
             <a:off x="452160" y="1492200"/>
-            <a:ext cx="2660400" cy="2673720"/>
+            <a:ext cx="2660040" cy="2673360"/>
           </a:xfrm>
           <a:prstGeom prst="rect">
             <a:avLst/>
@@ -11608,7 +11608,7 @@
         <p:spPr>
           <a:xfrm>
             <a:off x="3136680" y="1492200"/>
-            <a:ext cx="2647080" cy="2669040"/>
+            <a:ext cx="2646720" cy="2668680"/>
           </a:xfrm>
           <a:prstGeom prst="rect">
             <a:avLst/>
@@ -11631,7 +11631,7 @@
         <p:spPr>
           <a:xfrm>
             <a:off x="541800" y="4170960"/>
-            <a:ext cx="2426760" cy="2455200"/>
+            <a:ext cx="2426400" cy="2454840"/>
           </a:xfrm>
           <a:prstGeom prst="rect">
             <a:avLst/>
@@ -11654,7 +11654,7 @@
         <p:spPr>
           <a:xfrm>
             <a:off x="3384720" y="4271400"/>
-            <a:ext cx="2282760" cy="2301840"/>
+            <a:ext cx="2282400" cy="2301480"/>
           </a:xfrm>
           <a:prstGeom prst="rect">
             <a:avLst/>
@@ -11703,9 +11703,9 @@
         <p:grpSpPr>
           <a:xfrm>
             <a:off x="3168000" y="203760"/>
-            <a:ext cx="6885720" cy="1197360"/>
+            <a:ext cx="6885360" cy="1197360"/>
             <a:chOff x="3168000" y="203760"/>
-            <a:chExt cx="6885720" cy="1197360"/>
+            <a:chExt cx="6885360" cy="1197360"/>
           </a:xfrm>
         </p:grpSpPr>
         <p:sp>
@@ -11717,7 +11717,7 @@
           <p:spPr>
             <a:xfrm>
               <a:off x="3168000" y="203760"/>
-              <a:ext cx="6885720" cy="1188720"/>
+              <a:ext cx="6885360" cy="1188360"/>
             </a:xfrm>
             <a:prstGeom prst="rect">
               <a:avLst/>
@@ -11806,16 +11806,16 @@
           </p:nvSpPr>
           <p:spPr>
             <a:xfrm flipH="1" rot="10800000">
-              <a:off x="3168000" y="212400"/>
-              <a:ext cx="105840" cy="1188720"/>
+              <a:off x="3167640" y="212760"/>
+              <a:ext cx="105480" cy="1188360"/>
             </a:xfrm>
             <a:custGeom>
               <a:avLst/>
               <a:gdLst>
-                <a:gd name="textAreaLeft" fmla="*/ 4320 w 105840"/>
-                <a:gd name="textAreaRight" fmla="*/ 118440 w 105840"/>
-                <a:gd name="textAreaTop" fmla="*/ 0 h 1188720"/>
-                <a:gd name="textAreaBottom" fmla="*/ 1196640 h 1188720"/>
+                <a:gd name="textAreaLeft" fmla="*/ 4320 w 105480"/>
+                <a:gd name="textAreaRight" fmla="*/ 118440 w 105480"/>
+                <a:gd name="textAreaTop" fmla="*/ 0 h 1188360"/>
+                <a:gd name="textAreaBottom" fmla="*/ 1196640 h 1188360"/>
               </a:gdLst>
               <a:ahLst/>
               <a:rect l="textAreaLeft" t="textAreaTop" r="textAreaRight" b="textAreaBottom"/>
@@ -11884,16 +11884,16 @@
           </p:nvSpPr>
           <p:spPr>
             <a:xfrm flipH="1">
-              <a:off x="9919080" y="203760"/>
-              <a:ext cx="126000" cy="1188720"/>
+              <a:off x="9918360" y="203760"/>
+              <a:ext cx="125640" cy="1188360"/>
             </a:xfrm>
             <a:custGeom>
               <a:avLst/>
               <a:gdLst>
-                <a:gd name="textAreaLeft" fmla="*/ -4320 w 126000"/>
-                <a:gd name="textAreaRight" fmla="*/ 129600 w 126000"/>
-                <a:gd name="textAreaTop" fmla="*/ 0 h 1188720"/>
-                <a:gd name="textAreaBottom" fmla="*/ 1196640 h 1188720"/>
+                <a:gd name="textAreaLeft" fmla="*/ -4680 w 125640"/>
+                <a:gd name="textAreaRight" fmla="*/ 129240 w 125640"/>
+                <a:gd name="textAreaTop" fmla="*/ 0 h 1188360"/>
+                <a:gd name="textAreaBottom" fmla="*/ 1196640 h 1188360"/>
               </a:gdLst>
               <a:ahLst/>
               <a:rect l="textAreaLeft" t="textAreaTop" r="textAreaRight" b="textAreaBottom"/>
@@ -11964,7 +11964,7 @@
         <p:spPr>
           <a:xfrm>
             <a:off x="273600" y="6435000"/>
-            <a:ext cx="563400" cy="268560"/>
+            <a:ext cx="563040" cy="268200"/>
           </a:xfrm>
           <a:prstGeom prst="rect">
             <a:avLst/>
@@ -11993,7 +11993,7 @@
                 <a:tab algn="l" pos="0"/>
               </a:tabLst>
             </a:pPr>
-            <a:fld id="{5671E6A1-12CB-489B-BEC2-2009D64E3F8B}" type="slidenum">
+            <a:fld id="{F8DF1E8E-E108-45FA-B23B-D65C2759791B}" type="slidenum">
               <a:rPr b="0" lang="ru-RU" sz="1400" spc="-1" strike="noStrike">
                 <a:solidFill>
                   <a:srgbClr val="898989"/>
@@ -12021,7 +12021,7 @@
         <p:spPr>
           <a:xfrm>
             <a:off x="388440" y="1600200"/>
-            <a:ext cx="4406040" cy="909720"/>
+            <a:ext cx="4405680" cy="909360"/>
           </a:xfrm>
           <a:prstGeom prst="rect">
             <a:avLst/>
@@ -12081,7 +12081,7 @@
         <p:spPr>
           <a:xfrm>
             <a:off x="5029200" y="1600200"/>
-            <a:ext cx="6853680" cy="1136880"/>
+            <a:ext cx="6853320" cy="1136520"/>
           </a:xfrm>
           <a:prstGeom prst="rect">
             <a:avLst/>
@@ -13108,7 +13108,7 @@
         <p:spPr>
           <a:xfrm>
             <a:off x="529200" y="2536920"/>
-            <a:ext cx="4110480" cy="3516120"/>
+            <a:ext cx="4110120" cy="3515760"/>
           </a:xfrm>
           <a:prstGeom prst="rect">
             <a:avLst/>
@@ -13161,7 +13161,7 @@
         <p:spPr>
           <a:xfrm>
             <a:off x="388440" y="1371600"/>
-            <a:ext cx="5777640" cy="5251680"/>
+            <a:ext cx="5777280" cy="5251320"/>
           </a:xfrm>
           <a:prstGeom prst="rect">
             <a:avLst/>
@@ -13348,9 +13348,9 @@
         <p:grpSpPr>
           <a:xfrm>
             <a:off x="3168000" y="243720"/>
-            <a:ext cx="6427080" cy="1117440"/>
+            <a:ext cx="6426720" cy="1117440"/>
             <a:chOff x="3168000" y="243720"/>
-            <a:chExt cx="6427080" cy="1117440"/>
+            <a:chExt cx="6426720" cy="1117440"/>
           </a:xfrm>
         </p:grpSpPr>
         <p:sp>
@@ -13362,7 +13362,7 @@
           <p:spPr>
             <a:xfrm>
               <a:off x="3168000" y="243720"/>
-              <a:ext cx="6427080" cy="1109880"/>
+              <a:ext cx="6426720" cy="1109520"/>
             </a:xfrm>
             <a:prstGeom prst="rect">
               <a:avLst/>
@@ -13428,16 +13428,16 @@
           </p:nvSpPr>
           <p:spPr>
             <a:xfrm flipH="1" rot="10800000">
-              <a:off x="3167640" y="251280"/>
-              <a:ext cx="99720" cy="1109880"/>
+              <a:off x="3168000" y="251640"/>
+              <a:ext cx="99360" cy="1109520"/>
             </a:xfrm>
             <a:custGeom>
               <a:avLst/>
               <a:gdLst>
-                <a:gd name="textAreaLeft" fmla="*/ 3600 w 99720"/>
-                <a:gd name="textAreaRight" fmla="*/ 110520 w 99720"/>
-                <a:gd name="textAreaTop" fmla="*/ 0 h 1109880"/>
-                <a:gd name="textAreaBottom" fmla="*/ 1116720 h 1109880"/>
+                <a:gd name="textAreaLeft" fmla="*/ 3960 w 99360"/>
+                <a:gd name="textAreaRight" fmla="*/ 110880 w 99360"/>
+                <a:gd name="textAreaTop" fmla="*/ 0 h 1109520"/>
+                <a:gd name="textAreaBottom" fmla="*/ 1116720 h 1109520"/>
               </a:gdLst>
               <a:ahLst/>
               <a:rect l="textAreaLeft" t="textAreaTop" r="textAreaRight" b="textAreaBottom"/>
@@ -13507,15 +13507,15 @@
           <p:spPr>
             <a:xfrm flipH="1">
               <a:off x="9469080" y="243720"/>
-              <a:ext cx="118440" cy="1109880"/>
+              <a:ext cx="118080" cy="1109520"/>
             </a:xfrm>
             <a:custGeom>
               <a:avLst/>
               <a:gdLst>
-                <a:gd name="textAreaLeft" fmla="*/ -3600 w 118440"/>
-                <a:gd name="textAreaRight" fmla="*/ 121680 w 118440"/>
-                <a:gd name="textAreaTop" fmla="*/ 0 h 1109880"/>
-                <a:gd name="textAreaBottom" fmla="*/ 1116720 h 1109880"/>
+                <a:gd name="textAreaLeft" fmla="*/ -3600 w 118080"/>
+                <a:gd name="textAreaRight" fmla="*/ 121680 w 118080"/>
+                <a:gd name="textAreaTop" fmla="*/ 0 h 1109520"/>
+                <a:gd name="textAreaBottom" fmla="*/ 1116720 h 1109520"/>
               </a:gdLst>
               <a:ahLst/>
               <a:rect l="textAreaLeft" t="textAreaTop" r="textAreaRight" b="textAreaBottom"/>
@@ -13586,7 +13586,7 @@
         <p:spPr>
           <a:xfrm>
             <a:off x="6400800" y="1359000"/>
-            <a:ext cx="5480280" cy="5264280"/>
+            <a:ext cx="5479920" cy="5263920"/>
           </a:xfrm>
           <a:prstGeom prst="rect">
             <a:avLst/>
@@ -14133,7 +14133,7 @@
         <p:spPr>
           <a:xfrm>
             <a:off x="273600" y="6435000"/>
-            <a:ext cx="563400" cy="268560"/>
+            <a:ext cx="563040" cy="268200"/>
           </a:xfrm>
           <a:prstGeom prst="rect">
             <a:avLst/>
@@ -14162,7 +14162,7 @@
                 <a:tab algn="l" pos="0"/>
               </a:tabLst>
             </a:pPr>
-            <a:fld id="{1F935008-6D10-494D-A895-96819306956A}" type="slidenum">
+            <a:fld id="{11C08183-332F-4617-ACB9-52C92017A954}" type="slidenum">
               <a:rPr b="0" lang="ru-RU" sz="1400" spc="-1" strike="noStrike">
                 <a:solidFill>
                   <a:srgbClr val="898989"/>
@@ -14224,7 +14224,7 @@
         <p:spPr>
           <a:xfrm>
             <a:off x="388440" y="1600200"/>
-            <a:ext cx="11492640" cy="5023080"/>
+            <a:ext cx="11492280" cy="5022720"/>
           </a:xfrm>
           <a:prstGeom prst="rect">
             <a:avLst/>
@@ -14621,9 +14621,9 @@
         <p:grpSpPr>
           <a:xfrm>
             <a:off x="3168000" y="243720"/>
-            <a:ext cx="6427080" cy="1117440"/>
+            <a:ext cx="6426720" cy="1117440"/>
             <a:chOff x="3168000" y="243720"/>
-            <a:chExt cx="6427080" cy="1117440"/>
+            <a:chExt cx="6426720" cy="1117440"/>
           </a:xfrm>
         </p:grpSpPr>
         <p:sp>
@@ -14635,7 +14635,7 @@
           <p:spPr>
             <a:xfrm>
               <a:off x="3168000" y="243720"/>
-              <a:ext cx="6427080" cy="1109880"/>
+              <a:ext cx="6426720" cy="1109520"/>
             </a:xfrm>
             <a:prstGeom prst="rect">
               <a:avLst/>
@@ -14701,16 +14701,16 @@
           </p:nvSpPr>
           <p:spPr>
             <a:xfrm flipH="1" rot="10800000">
-              <a:off x="3167640" y="251280"/>
-              <a:ext cx="99720" cy="1109880"/>
+              <a:off x="3168000" y="251640"/>
+              <a:ext cx="99360" cy="1109520"/>
             </a:xfrm>
             <a:custGeom>
               <a:avLst/>
               <a:gdLst>
-                <a:gd name="textAreaLeft" fmla="*/ 3600 w 99720"/>
-                <a:gd name="textAreaRight" fmla="*/ 110520 w 99720"/>
-                <a:gd name="textAreaTop" fmla="*/ 0 h 1109880"/>
-                <a:gd name="textAreaBottom" fmla="*/ 1116720 h 1109880"/>
+                <a:gd name="textAreaLeft" fmla="*/ 3960 w 99360"/>
+                <a:gd name="textAreaRight" fmla="*/ 110880 w 99360"/>
+                <a:gd name="textAreaTop" fmla="*/ 0 h 1109520"/>
+                <a:gd name="textAreaBottom" fmla="*/ 1116720 h 1109520"/>
               </a:gdLst>
               <a:ahLst/>
               <a:rect l="textAreaLeft" t="textAreaTop" r="textAreaRight" b="textAreaBottom"/>
@@ -14780,15 +14780,15 @@
           <p:spPr>
             <a:xfrm flipH="1">
               <a:off x="9469080" y="243720"/>
-              <a:ext cx="118440" cy="1109880"/>
+              <a:ext cx="118080" cy="1109520"/>
             </a:xfrm>
             <a:custGeom>
               <a:avLst/>
               <a:gdLst>
-                <a:gd name="textAreaLeft" fmla="*/ -3600 w 118440"/>
-                <a:gd name="textAreaRight" fmla="*/ 121680 w 118440"/>
-                <a:gd name="textAreaTop" fmla="*/ 0 h 1109880"/>
-                <a:gd name="textAreaBottom" fmla="*/ 1116720 h 1109880"/>
+                <a:gd name="textAreaLeft" fmla="*/ -3600 w 118080"/>
+                <a:gd name="textAreaRight" fmla="*/ 121680 w 118080"/>
+                <a:gd name="textAreaTop" fmla="*/ 0 h 1109520"/>
+                <a:gd name="textAreaBottom" fmla="*/ 1116720 h 1109520"/>
               </a:gdLst>
               <a:ahLst/>
               <a:rect l="textAreaLeft" t="textAreaTop" r="textAreaRight" b="textAreaBottom"/>
@@ -14859,7 +14859,7 @@
         <p:spPr>
           <a:xfrm>
             <a:off x="273600" y="6435000"/>
-            <a:ext cx="563400" cy="268560"/>
+            <a:ext cx="563040" cy="268200"/>
           </a:xfrm>
           <a:prstGeom prst="rect">
             <a:avLst/>
@@ -14888,7 +14888,7 @@
                 <a:tab algn="l" pos="0"/>
               </a:tabLst>
             </a:pPr>
-            <a:fld id="{1A6D97D2-5E9D-4EA9-8166-BAB13F3A5F09}" type="slidenum">
+            <a:fld id="{BBD6C945-3B73-40D3-B299-1257851104CA}" type="slidenum">
               <a:rPr b="0" lang="ru-RU" sz="1400" spc="-1" strike="noStrike">
                 <a:solidFill>
                   <a:srgbClr val="898989"/>
@@ -14946,9 +14946,9 @@
         <p:grpSpPr>
           <a:xfrm>
             <a:off x="3168000" y="322920"/>
-            <a:ext cx="5513760" cy="959040"/>
+            <a:ext cx="5513400" cy="959040"/>
             <a:chOff x="3168000" y="322920"/>
-            <a:chExt cx="5513760" cy="959040"/>
+            <a:chExt cx="5513400" cy="959040"/>
           </a:xfrm>
         </p:grpSpPr>
         <p:sp>
@@ -14960,7 +14960,7 @@
           <p:spPr>
             <a:xfrm>
               <a:off x="3168000" y="322920"/>
-              <a:ext cx="5513760" cy="951120"/>
+              <a:ext cx="5513400" cy="950760"/>
             </a:xfrm>
             <a:prstGeom prst="rect">
               <a:avLst/>
@@ -15026,16 +15026,16 @@
           </p:nvSpPr>
           <p:spPr>
             <a:xfrm flipH="1" rot="10800000">
-              <a:off x="3168000" y="330840"/>
-              <a:ext cx="84240" cy="951120"/>
+              <a:off x="3167640" y="331200"/>
+              <a:ext cx="83880" cy="950760"/>
             </a:xfrm>
             <a:custGeom>
               <a:avLst/>
               <a:gdLst>
-                <a:gd name="textAreaLeft" fmla="*/ 3600 w 84240"/>
-                <a:gd name="textAreaRight" fmla="*/ 95400 w 84240"/>
-                <a:gd name="textAreaTop" fmla="*/ 0 h 951120"/>
-                <a:gd name="textAreaBottom" fmla="*/ 958320 h 951120"/>
+                <a:gd name="textAreaLeft" fmla="*/ 3600 w 83880"/>
+                <a:gd name="textAreaRight" fmla="*/ 95400 w 83880"/>
+                <a:gd name="textAreaTop" fmla="*/ 0 h 950760"/>
+                <a:gd name="textAreaBottom" fmla="*/ 958320 h 950760"/>
               </a:gdLst>
               <a:ahLst/>
               <a:rect l="textAreaLeft" t="textAreaTop" r="textAreaRight" b="textAreaBottom"/>
@@ -15104,16 +15104,16 @@
           </p:nvSpPr>
           <p:spPr>
             <a:xfrm flipH="1">
-              <a:off x="8574120" y="322920"/>
-              <a:ext cx="100080" cy="951120"/>
+              <a:off x="8573400" y="322920"/>
+              <a:ext cx="99720" cy="950760"/>
             </a:xfrm>
             <a:custGeom>
               <a:avLst/>
               <a:gdLst>
-                <a:gd name="textAreaLeft" fmla="*/ 2160 w 100080"/>
-                <a:gd name="textAreaRight" fmla="*/ 109080 w 100080"/>
-                <a:gd name="textAreaTop" fmla="*/ 0 h 951120"/>
-                <a:gd name="textAreaBottom" fmla="*/ 958320 h 951120"/>
+                <a:gd name="textAreaLeft" fmla="*/ 2160 w 99720"/>
+                <a:gd name="textAreaRight" fmla="*/ 109080 w 99720"/>
+                <a:gd name="textAreaTop" fmla="*/ 0 h 950760"/>
+                <a:gd name="textAreaBottom" fmla="*/ 958320 h 950760"/>
               </a:gdLst>
               <a:ahLst/>
               <a:rect l="textAreaLeft" t="textAreaTop" r="textAreaRight" b="textAreaBottom"/>
@@ -15184,7 +15184,7 @@
         <p:spPr>
           <a:xfrm>
             <a:off x="273600" y="6435000"/>
-            <a:ext cx="563400" cy="268560"/>
+            <a:ext cx="563040" cy="268200"/>
           </a:xfrm>
           <a:prstGeom prst="rect">
             <a:avLst/>
@@ -15213,7 +15213,7 @@
                 <a:tab algn="l" pos="0"/>
               </a:tabLst>
             </a:pPr>
-            <a:fld id="{45CB7DB6-8B65-4CCD-8340-7F58E3433328}" type="slidenum">
+            <a:fld id="{C8A46D57-A633-47E1-A9F7-DA779A040D07}" type="slidenum">
               <a:rPr b="0" lang="ru-RU" sz="1400" spc="-1" strike="noStrike">
                 <a:solidFill>
                   <a:srgbClr val="898989"/>
@@ -16454,7 +16454,7 @@
         <p:spPr>
           <a:xfrm>
             <a:off x="8121600" y="1371600"/>
-            <a:ext cx="3881520" cy="4566960"/>
+            <a:ext cx="3881160" cy="4566600"/>
           </a:xfrm>
           <a:prstGeom prst="rect">
             <a:avLst/>
@@ -16649,7 +16649,7 @@
         <p:spPr>
           <a:xfrm>
             <a:off x="7952400" y="3128400"/>
-            <a:ext cx="3766680" cy="546840"/>
+            <a:ext cx="3766320" cy="546480"/>
           </a:xfrm>
           <a:prstGeom prst="rect">
             <a:avLst/>
@@ -16672,7 +16672,7 @@
         <p:spPr>
           <a:xfrm>
             <a:off x="7759800" y="5571000"/>
-            <a:ext cx="4348080" cy="537480"/>
+            <a:ext cx="4347720" cy="537120"/>
           </a:xfrm>
           <a:prstGeom prst="rect">
             <a:avLst/>
